--- a/2023-dotnext-msk/02-dotnext-reactive-build.pptx
+++ b/2023-dotnext-msk/02-dotnext-reactive-build.pptx
@@ -5,10 +5,10 @@
     <p:sldMasterId id="2147483660" r:id="rId1"/>
   </p:sldMasterIdLst>
   <p:notesMasterIdLst>
-    <p:notesMasterId r:id="rId34"/>
+    <p:notesMasterId r:id="rId32"/>
   </p:notesMasterIdLst>
   <p:handoutMasterIdLst>
-    <p:handoutMasterId r:id="rId35"/>
+    <p:handoutMasterId r:id="rId33"/>
   </p:handoutMasterIdLst>
   <p:sldIdLst>
     <p:sldId id="516" r:id="rId2"/>
@@ -38,11 +38,9 @@
     <p:sldId id="726" r:id="rId26"/>
     <p:sldId id="735" r:id="rId27"/>
     <p:sldId id="727" r:id="rId28"/>
-    <p:sldId id="729" r:id="rId29"/>
-    <p:sldId id="728" r:id="rId30"/>
-    <p:sldId id="650" r:id="rId31"/>
-    <p:sldId id="651" r:id="rId32"/>
-    <p:sldId id="492" r:id="rId33"/>
+    <p:sldId id="650" r:id="rId29"/>
+    <p:sldId id="651" r:id="rId30"/>
+    <p:sldId id="492" r:id="rId31"/>
   </p:sldIdLst>
   <p:sldSz cx="12192000" cy="6858000"/>
   <p:notesSz cx="6858000" cy="9144000"/>
@@ -181,8 +179,6 @@
             <p14:sldId id="726"/>
             <p14:sldId id="735"/>
             <p14:sldId id="727"/>
-            <p14:sldId id="729"/>
-            <p14:sldId id="728"/>
           </p14:sldIdLst>
         </p14:section>
         <p14:section name="Выводы (20% - 5')" id="{86ABB026-6F90-4601-94C7-65B0DFFA8CC5}">
@@ -310,7 +306,7 @@
           <a:p>
             <a:fld id="{F0B702DD-AC8F-417C-B7E8-5E3F8CEB616D}" type="datetimeFigureOut">
               <a:rPr lang="ru-RU" smtClean="0"/>
-              <a:t>28.08.2023</a:t>
+              <a:t>16.09.2023</a:t>
             </a:fld>
             <a:endParaRPr lang="ru-RU"/>
           </a:p>
@@ -440,10 +436,10 @@
   <inkml:trace contextRef="#ctx0" brushRef="#br0" timeOffset="-17365.871">1790 301 1825,'0'0'1208,"0"0"401,0 0-278,0 0-432,0 0-274,-4-2-169,-24-12 825,36 22 2812,69 45-3872,-39-36-391,0-2 0,0-1 1,2-2-1,-1-2 1,1-2-1,1-1 0,36 1 170,20 5-242,-71-7 295,-26-6-26,0 0 10,0 0 30,0 0 23,0 0-44,0 0-14,0 0 24,0 0 69,0 0-82,0 0 2,-26 0 724,-1 3-551,-1 2 1,1 0-1,1 2 1,-1 1 0,1 1-1,0 2 1,1 0 0,-1 3-219,-10 2-10,-93 53-768,79-34-5362,40-27-300</inkml:trace>
   <inkml:trace contextRef="#ctx0" brushRef="#br0" timeOffset="-14361.882">2770 69 2081,'0'0'453,"0"0"545,0 0 101,0 0-271,0 0-7,0 0-7,-7 3-171,-60 30 3249,1 33-1949,55-54-1795,0 1 0,1 0 0,1 1 0,0 0 0,1 1 0,1 0 0,0 0 0,-3 11-148,-7 28 32,5 17-21,9 54 29,55-28 48,-44-87-109,1 0 1,-1-1-1,2 0 0,-1-1 1,1 1-1,0-2 0,1 0 1,0 0-1,0-1 0,0 0 1,1-1-1,0 0 0,0-1 1,0 0-1,0-1 0,1 0 1,10 0 20,221 6-305,-84-57-335,-109 27 629,-44 18 10,0 0 1,-1 0-1,1-1 1,-1 0 0,0 0-1,0-1 1,0 0 0,0 0-1,-1 0 1,0-1-1,0 1 1,0-1 0,-1 0-1,0-1 1,0 1-1,-1-1 1,1 0 0,-2 0-1,1 0 1,-1 0 0,1-3 0,3-12 22,-1 0 0,-1-1 0,0 1 0,-2-1 0,-1 1 0,-1-1 0,-1-2-22,1 24 0,-2-12 43,-1 0 0,0 0-1,-2 0 1,1 0 0,-1 1-1,-1-1 1,0 1 0,-1 1-1,-1-1 1,1 1 0,-2 0 0,-8-8-43,-102-101 138,41 71 174,48 42-315,0 1-1,-1 2 1,0 1-1,0 1 1,0 1-1,-28 4 4,6 11-427,23 8-2900,10-3-1592</inkml:trace>
   <inkml:trace contextRef="#ctx0" brushRef="#br0" timeOffset="-11536.508">3568 456 560,'0'0'1001,"0"0"247,0 0-186,0 0-408,0 0 5,0 0-22,1 2 3637,7 5-4143,226 14-366,-40-15 785,61 9-97,188-9 1103,-433-10-5577,-10 2 902</inkml:trace>
-  <inkml:trace contextRef="#ctx0" brushRef="#br0" timeOffset="-10512.294">4264 335 256,'0'0'1062,"0"0"429,0 0-125,0 0-392,0 0-147,-3-1 19,-22-4 1886,24 5-2191,1 0-68,0 0-204,16 1-8,55 34-28,195 24-28,-56-57-349,-209-2 227,-61 35 1859,-174 68-1352,83-38-6833,106-45-16</inkml:trace>
+  <inkml:trace contextRef="#ctx0" brushRef="#br0" timeOffset="-10512.295">4264 335 256,'0'0'1062,"0"0"429,0 0-125,0 0-392,0 0-147,-3-1 19,-22-4 1886,24 5-2191,1 0-68,0 0-204,16 1-8,55 34-28,195 24-28,-56-57-349,-209-2 227,-61 35 1859,-174 68-1352,83-38-6833,106-45-16</inkml:trace>
   <inkml:trace contextRef="#ctx0" brushRef="#br0" timeOffset="41363.064">5540 119 272,'0'0'678,"0"0"-70,0 0 56,0 0-223,0 0-36,-2-4 30,-4-25-6,-24 10 4310,-76 16-844,91 7-3771,1 0 0,0 0 0,1 1 0,-1 1 0,1 1 0,0 0 0,0 0 0,1 1 0,0 1 0,0 0 0,1 0 0,0 1 0,1 1 0,0 0 0,-4 6-124,13-15 7,-94 111 295,95-112-300,-8 11 49,0 0 0,1 0 0,1 1 0,0 0 0,0 1 0,2-1 0,0 1 0,0 0 0,-1 12-51,6 153-117,3-169 120,0-1-1,0 1 1,2-1 0,-1 0-1,1 0 1,0-1 0,1 0-1,0 0 1,0 0 0,0-1-1,1 0 1,1 0 0,-1-1-1,1 0 1,0-1 0,4 2-3,13 2-15,0-2 1,1-1-1,-1-1 1,1-1-1,0-1 1,0-2-1,0-1 1,0 0-1,11-4 15,37 2 109,41-12-173,32-25 240,-140 35-177,0-1 0,0 0-1,0 0 1,-1-1 0,0 0 0,0 0-1,0-1 1,-1 0 0,0 0 0,-1 0-1,1-1 1,-1 0 0,-1 0-1,1 0 1,-1-1 0,-1 1 0,0-1-1,0 0 1,0 0 0,-1 0-1,-1 0 1,0 0 0,0-7 1,5-151 421,-7 68-244,-32 39 17,28 53-170,1 1-1,-1 0 1,0-1-1,-1 2 1,0-1-1,1 0 1,-2 1-1,1 0 1,-1 1-1,1 0 1,-1 0-1,0 0 1,-1 1-1,1 0 0,-7-2-23,-58-35 22,66 35-44,-1 0-1,0 0 1,0 1-1,-1 0 1,1 0-1,-1 1 1,0-1-1,0 2 1,0-1-1,0 1 1,0 1-1,-9-2 23,-131 23-4484,95 1 1330,-4 4-1157</inkml:trace>
   <inkml:trace contextRef="#ctx0" brushRef="#br0" timeOffset="46072.757">7429 1209 1793,'0'0'683,"0"0"320,0 0-123,0 0-229,0 0-96,0 0 8,0 0-123,-32 12 4216,24-1-4617,0 1 0,1 0 0,1 1 0,0-1-1,1 1 1,0 0 0,1 1 0,0-1 0,1 1 0,1 0 0,0 0 0,1 0 0,0 0 0,1 0 0,1 0 0,1 7-39,-2-9 4,2-1-56,1-1 1,-1 1 0,2-1-1,-1 0 1,2 0-1,-1 0 1,1-1-1,1 0 1,-1 0 0,2 0-1,-1 0 1,8 6 51,7 13-90,-11-19 59,1 1 1,1-2 0,0 1-1,0-2 1,1 0 0,-1 0 0,1-1-1,1 0 1,-1-2 0,1 1-1,0-2 1,0 1 0,1-2-1,-1 0 1,0-1 0,1 0-1,-1-1 1,1-1 0,-1 0-1,12-4 31,15 5-28,-31 0 46,0-1-1,0 0 1,0-1 0,0 0 0,0 0 0,0-1 0,-1-1-1,1 1 1,-1-1 0,0-1 0,0 0 0,-1 0 0,1-1-1,-1 0 1,-1 0 0,1-1 0,-1 0 0,0 0 0,0-1-1,-1 0 1,0 0 0,4-8-18,42-50 206,-42 56-179,-1 0 0,0-1-1,0 0 1,-1-1-1,0 1 1,-1-2 0,0 1-1,-1-1 1,-1 0 0,0 0-1,-1 0 1,0-1-1,-1 0 1,0 1 0,0-11-27,-3-64 904,-51-8-482,31 68-206,12 17-213,-1 0 1,-1 1-1,0 0 1,0 1-1,-1 0 1,0 1-1,0 0 0,-1 0 1,0 1-1,0 1 1,-1 0-1,0 1 1,0 0-1,0 1 1,-1 0-1,0 1 1,1 1-1,-1 0 1,0 1-1,0 0 1,0 1-1,0 1 1,-7 1-4,-3-2 5,12-1 1,0 0 0,-1 1 0,1 0 0,0 1 0,-1 1 1,1 0-1,0 1 0,0 0 0,0 0 0,0 1 0,1 1 0,0 0 0,0 1 0,-1 0-6,-11 10-100,0 2-1,1 0 1,1 1-1,0 1 1,2 0-1,-13 19 101,-10 42-4724,37-52 1618</inkml:trace>
-  <inkml:trace contextRef="#ctx0" brushRef="#br0" timeOffset="47522.76">6178 384 5234,'0'0'947,"0"0"387,0 0-240,0 0-384,0 0-219,30 0 2086,21-3-2466,1 2-1,-1 3 1,1 1 0,-1 3 0,0 3-1,-1 1 1,0 3 0,-1 1-1,0 3 1,28 15-111,-45-15-29,15 7-61,-2 2 1,-1 2-1,0 1 0,-3 3 1,22 21 89,-7 9-512,16 14-3749,-60-69 1876,-3-6-401</inkml:trace>
+  <inkml:trace contextRef="#ctx0" brushRef="#br0" timeOffset="47522.759">6178 384 5234,'0'0'947,"0"0"387,0 0-240,0 0-384,0 0-219,30 0 2086,21-3-2466,1 2-1,-1 3 1,1 1 0,-1 3 0,0 3-1,-1 1 1,0 3 0,-1 1-1,0 3 1,28 15-111,-45-15-29,15 7-61,-2 2 1,-1 2-1,0 1 0,-3 3 1,22 21 89,-7 9-512,16 14-3749,-60-69 1876,-3-6-401</inkml:trace>
   <inkml:trace contextRef="#ctx0" brushRef="#br0" timeOffset="48224.154">7100 486 4162,'0'0'798,"0"0"255,0 0 57,0 0-176,0 0 10,-9 7 3096,54 86-3998,-24-61 70,-5-5-343,1-2-1,2 1 0,0-2 0,2-1 1,0 0-1,1-2 0,15 11 232,-29-26 16,-4-4-140,-1 0 0,1 1 0,-1-1 0,0 1 0,0-1 0,0 1 0,0 0 0,-1 0 0,1 0 0,-1 1 0,0-1 0,0 1 0,0-1-1,0 1 1,0 0 0,-1-1 0,0 1 0,1 1 124,-2-4 200,0-1 315,-38 4 1694,-57 12-1644,-71 15-458,58 2-4693,78-20 782</inkml:trace>
   <inkml:trace contextRef="#ctx0" brushRef="#br0" timeOffset="49711.395">6083 2236 2897,'0'0'705,"0"0"351,0 0-39,0 0-76,0 0-47,8 2 43,96 10 2440,70-9-2439,-127-3-972,-20-3 36,-1-1-1,1-2 1,-1 0-1,-1-2 1,1-1-1,-1 0 1,-1-2-1,17-11-1,22-6-4,-24 10-56,0-1 0,-2-1 0,0-3-1,-1-1 1,2-4 60,94-60-387,34-16-1595,-152 59-1137,-14 40 1588,0 4-561,0 1-432</inkml:trace>
   <inkml:trace contextRef="#ctx0" brushRef="#br0" timeOffset="55328.951">6803 1908 80,'0'0'888,"0"0"65,0 0-123,0 0-86,0 0 43,-19 0 2804,15 0 1430,32-3-4662,1 0 0,-1-2 0,0-1 0,-1-2 0,0 0 0,4-4-359,21-4 202,124-50 104,-154 57-1218,-23 10 920,1-1 1,-1 0-1,1 0 0,-1 1 0,1-1 1,-1 0-1,1 0 0,-1 1 0,1-1 0,0 1 1,-1-1-1,1 0 0,0 1 0,-1-1 1,1 1-1,0-1 0,-1 1 0,1-1 1,0 1-1,0-1 0,-1 1 0,1-1 1,0 1-1,0-1 0,0 1 0,0-1 1,0 1-1,0-1 0,0 1 0,0 0 1,0-1-1,0 1 0,0-1 0,0 1 1,0-1-1,1 1 0,-1-1 0,0 1 1,0-1-1,1 1 0,-1-1 0,0 1 1,0-1-1,1 1 0,-1-1 0,1 0 1,-1 1-1,0-1 0,1 1 0,-1-1 1,1 0-1,-1 1 0,1-1 0,-1 0 1,1 0-1,-1 0 0,1 1 0,-1-1 1,1 0-1,-1 0 0,1 0 0,-1 0 1,1 0-1,-1 0 0,1 0 0,0 0 1,-1 0-9,-6 9-121,-104 163 561,57-71-352,28-48-130,24-50-566,1-2-1182,-1-1-5094,-2 0 2781</inkml:trace>
@@ -551,19 +547,19 @@
   <inkml:trace contextRef="#ctx0" brushRef="#br0" timeOffset="-33490.616">113 931 816,'0'0'1510,"0"0"-109,0 0-86,0 0-194,0 0-33,-4 2 4163,-14 9-4251,15-5-1039,0-1 1,0 1-1,0 0 0,0 0 1,1 1-1,0-1 0,1 0 1,-1 1-1,1-1 0,0 1 1,1 0-1,0-1 0,0 1 1,0-1-1,1 1 0,0 0 1,0-1-1,0 0 0,1 1 0,0-1 1,0 0-1,2 4 39,1-7-33,0-1-1,0 1 1,0-1 0,1 0-1,-1 0 1,0 0 0,1-1-1,0 0 1,-1 0 0,1 0-1,-1 0 1,1-1 0,0 0-1,-1-1 1,1 1 0,0-1-1,-1 0 1,1 0 33,-1 0-9,-1 0 1,0 0-1,1 0 1,-1 0-1,0 0 1,0-1-1,0 0 1,0 0-1,0 0 1,0-1-1,-1 1 1,1-1-1,-1 0 1,1 0-1,-1 0 1,0 0-1,0 0 0,-1-1 1,1 1-1,-1-1 1,1 0-1,-1 0 1,0 0-1,-1 0 1,1 0-1,-1 0 1,0 0-1,0-1 1,0 1-1,0-1 1,-1 0 8,1-12 262,0 15-239,0 0 0,-1 0 0,1 0 0,-1 0-1,0 0 1,0 0 0,1 0 0,-1 0 0,0 0 0,-1 0 0,1 0-1,0-1 1,-1 1 0,1 0 0,-1 0 0,0 0 0,1 0 0,-1 1-1,0-1 1,0 0 0,0 0 0,-1 0 0,1 1 0,0-1 0,-1 1 0,1-1-1,-1 1 1,1-1 0,-1 1 0,1 0 0,-3-1-23,-5-1 78,0 1 1,0 0-1,0 1 1,-1 0-1,1 0 1,-1 1-1,1 0 1,0 1-1,-1 0 1,1 0-1,0 1 1,-7 2-79,11 1-16,0 0 1,0 0 0,0 1 0,1 0-1,-1 0 1,1 0 0,1 0 0,-1 1-1,1 0 1,0-1 0,1 1 0,0 0 0,0 0-1,0 1 1,1-1 0,0 0 0,0 0-1,1 1 1,0-1 0,0 0 0,1 1-1,0-1 1,1 6 15,-1 12-143,0-20 122,1-1-1,-1 1 1,1-1 0,0 1-1,0-1 1,1 0 0,-1 0-1,1 0 1,0 0 0,0 0-1,0-1 1,1 1 0,-1-1-1,1 0 1,0 0 0,0 0-1,0-1 1,0 1 0,0-1-1,1 0 1,-1 0 0,1 0-1,-1-1 1,1 0-1,0 0 1,-1 0 0,1 0-1,0-1 1,0 0 0,0 0-1,-1 0 1,1 0 0,0-1-1,0 0 1,0 0 0,0 0 21,-1-1 6,1 0 1,-1-1 0,0 1-1,0-1 1,0 0-1,0 0 1,0 0 0,-1-1-1,1 1 1,-1-1-1,0 0 1,0 1 0,-1-2-1,1 1 1,-1 0-1,0 0 1,0-1 0,1-2-7,6-10 9,-5 8 29,-1 0 0,-1 0 0,1 0 0,-2 0 0,1-1 0,-1 1 0,-1 0 0,1-1 0,-2 1 0,1-1 0,-2-5-38,0-21 411,2 33-386,-1 0-1,1-1 1,-1 1-1,0 0 0,0 0 1,-1 0-1,1 0 1,-1 0-1,1 1 0,-1-1 1,0 0-1,0 1 1,0-1-1,0 1 0,0-1 1,-1 1-1,1 0 1,-1 0-1,0 0 0,1 1 1,-1-1-1,0 1 0,0-1 1,0 1-1,0 0 1,0 0-1,0 0 0,0 0 1,-1 1-1,1-1 1,0 1-1,0 0 0,-1 0 1,1 0-1,-2 1-24,-19-2 173,20 0-175,0 0-1,-1 0 1,1 1-1,0 0 0,0 0 1,0 0-1,-1 0 0,1 0 1,0 1-1,0 0 0,0 0 1,0 0-1,0 0 0,0 1 1,0 0-1,0-1 0,0 1 1,1 1-1,-1-1 0,1 0 1,0 1-1,-1 0 0,1 0 1,0 0-1,0 0 3,-3 9-57,1-1 0,0 1-1,1 0 1,0 0 0,0 1 0,2-1 0,-1 1 0,2-1 0,0 1 0,0 0-1,1 0 1,1 4 57,2-10-30,0-1 1,0 0-1,1 0 0,0-1 0,0 1 0,1-1 0,-1 0 0,1 0 1,0 0-1,0 0 0,1-1 0,0 0 0,-1 0 0,1-1 0,1 0 1,-1 0-1,0 0 0,1-1 0,-1 1 0,1-2 0,0 1 0,0-1 0,-1 0 1,1 0-1,0-1 0,4 0 30,-6 1 29,0 1-37,-1-1 0,1 1 0,0-1 0,0 0 0,-1 0-1,1 0 1,0-1 0,0 0 0,0 0 0,0 0 0,0 0-1,0-1 1,0 0 0,0 0 0,-1 0 0,1-1-1,0 1 1,-1-1 0,1 0 0,-1-1 0,1 1 0,-1-1-1,0 0 1,0 0 0,-1 0 0,1 0 0,0-1-1,-1 1 1,0-1 0,0 0 0,0 0 0,0-1 8,3-17 41,0-1 0,-2 1 0,0-1 0,-2 0 1,0 0-1,-2 0 0,-1-6-41,0 25 38,-1 1-1,0 0 1,0 0 0,0 0 0,-1 0-1,1 0 1,-1 0 0,1 1 0,-1-1-1,0 1 1,0 0 0,0 0-1,0 0 1,0 0 0,-1 0 0,1 1-1,-1-1 1,1 1 0,-1 0 0,1 0-1,-1 0 1,0 0 0,1 1-1,-1 0 1,0 0 0,1 0 0,-1 0-1,0 0-37,2 0 1,-6-1 3,-1 0-1,0 0 1,1 1 0,-1 0-1,0 0 1,0 1 0,1 1-1,-1-1 1,0 1 0,1 1-1,0-1 1,-1 1-1,0 2-3,-7 5-2,-77 75-60,87-77 24,1 0 0,0 0-1,0 0 1,0 1-1,1 0 1,1 0-1,0 0 1,0 0-1,0 0 1,1 1-1,1-1 1,-1 1 0,2-1-1,-1 1 1,1 0-1,1-1 1,0 2 38,2-5-17,1-1 0,0 0 0,0 0 1,1 0-1,-1 0 0,1-1 0,0 0 0,0 0 1,1 0-1,-1 0 0,1-1 0,0 0 0,0 0 0,0-1 1,0 1-1,0-1 0,1-1 0,-1 1 0,1-1 1,1 0 16,-3 0 3,-1 0 1,1 0 0,-1 0 0,1-1 0,0 1 0,-1-1-1,1 0 1,0-1 0,-1 1 0,1-1 0,-1 0 0,1 0-1,-1-1 1,1 1 0,-1-1 0,0 0 0,0 0-1,0 0 1,0-1 0,0 1 0,0-1 0,0 0 0,-1 0-1,0 0 1,1-1 0,-1 1 0,0-1 0,-1 0 0,1 0-1,0-1-3,14-18 87,3-5-1945,-10 4-2808,-6 11 2014,0 2-478</inkml:trace>
   <inkml:trace contextRef="#ctx0" brushRef="#br0" timeOffset="5009.83">268 983 4114,'0'0'1091,"0"0"16,0 0-320,0 0-456,0 0-40,-36 2 2473,33 3-2790,0-1 0,0 1 0,0 0 0,1 0 0,-1 0 0,1 0 0,0 0 0,1 1 0,-1-1 0,1 1 0,0-1 0,1 1 0,-1-1 0,1 1 0,0-1 0,0 1 0,1-1 0,0 1 0,0-1 0,1 5 26,0-7-50,0 0 1,1 0 0,-1-1-1,1 1 1,0 0 0,0-1-1,0 0 1,0 0 0,0 0 0,0 0-1,1 0 1,-1-1 0,1 1-1,-1-1 1,1 0 0,-1 0-1,1 0 1,0 0 0,0-1-1,-1 0 1,1 1 0,0-1 0,0-1-1,-1 1 1,1-1 0,0 1-1,2-2 50,-2-1 73,0 0-1,0 0 0,0 0 1,-1-1-1,1 1 1,-1-1-1,0 0 0,0 0 1,-1 0-1,1-1 1,-1 1-1,0 0 0,0-1 1,0 0-1,0 1 1,-1-1-1,0 0 0,0 0 1,0 0-1,-1 0 1,0 0-1,0-3-72,0-80 867,-39 73-1054,29 12 278,1 0-1,-1 1 0,0 1 1,0-1-1,1 1 1,-1 1-1,0 0 0,0 1 1,0 0-1,0 0 0,0 1 1,0 0-1,1 1 1,-1 0-1,1 0 0,-7 4-90,11-4-7,-1 1-1,1-1 1,0 1-1,0 1 1,0-1-1,1 0 1,-1 1-1,1 0 0,0 0 1,1 1-1,-1-1 1,1 1-1,0-1 1,0 1-1,1 0 1,0 0-1,0 0 1,0 1-1,1-1 1,0 0-1,0 1 0,0-1 1,1 1 7,0 14-29,-1-14 10,0-1 0,0 1-1,1 0 1,0 0-1,1 0 1,-1 0-1,1 0 1,1 0-1,-1 0 1,1-1-1,0 1 1,1-1-1,0 1 1,0-1-1,0 0 1,1 0-1,-1 0 1,2 0-1,-1-1 1,0 0-1,6 5 20,-6-5 25,0-1-1,1 1 1,0-1-1,0 1 0,0-2 1,0 1-1,1 0 1,-1-1-1,1 0 0,0-1 1,0 1-1,0-1 1,0 0-1,0 0 0,1-1 1,-1 0-1,1 0 1,-1-1-1,1 1 0,-1-1 1,0-1-1,1 1 1,-1-1-1,1 0 0,-1-1 1,0 1-1,0-1 1,0-1-1,0 1 0,0-1 1,0 0-1,0 0 1,-1-1-1,5-3-24,0-4 53,-1-1 0,-1 0 0,1-1 0,-2 1-1,0-1 1,-1-1 0,0 0 0,0 1 0,-2-2 0,0 1 0,-1 0-1,0-1 1,-1 0 0,0 0 0,-1 1 0,-2-12-53,-1 19 11,-1-1 1,0 1 0,-1 0-1,1 0 1,-1 0-1,-1 0 1,0 1-1,1 0 1,-2 0 0,1 0-1,-1 0 1,0 1-1,0 0 1,0 0 0,-1 1-1,0 0 1,0 0-1,0 0 1,0 1-1,0 0 1,-1 1 0,0-1-1,1 1-11,-30-15 209,29 14-191,-1 1 0,0-1 0,1 1 0,-1 1 1,0 0-1,0 0 0,0 1 0,0 0 0,0 0 1,0 1-1,-7 1-18,10 1 2,1 1 0,-1-1-1,1 1 1,0 0 0,0 0 0,0 0 0,1 1 0,-1-1 0,1 1-1,0 0 1,1 1 0,-1-1 0,1 1 0,0-1 0,0 3-2,-14 18 1,11-15-12,0 1-1,1-1 1,0 1 0,1 1-1,0-1 1,1 0-1,0 1 1,1 0 0,1 0-1,0 0 1,0-1 0,1 1-1,1 0 1,0 0-1,3 10 12,0-11-16,-1-1 0,2 1 0,-1-1 0,2-1 0,-1 1-1,1-1 1,1 0 0,0 0 0,0 0 0,1-1-1,1 0 1,-1-1 0,1 0 0,0 0 0,1-1 0,10 6 16,-11-10-10,0 0 0,0 0 0,0 0 0,1-1 0,-1-1 0,1 0 0,-1 0 0,1-1 1,0 0-1,-1 0 0,1-1 0,-1-1 0,1 1 0,-1-1 0,0-1 0,1 0 0,-1 0 1,-1-1-1,1 0 0,0-1 0,-1 0 0,0 0 0,0-1 0,0 0 10,4-5 27,0 0 0,-1-2-1,0 1 1,-1-1 0,0-1-1,-1 0 1,0 0 0,-1-1-1,-1 0 1,-1-1 0,0 1-1,-1-1 1,0 0 0,-1 0-1,-1-1 1,-1 1 0,0-1-1,-1 0 1,-1 1 0,-1-7-27,-2 14 14,1 0 0,-2 0 0,1 0 0,-1 0 1,-1 1-1,1 0 0,-1 0 0,-1 0 0,0 1 0,0-1 1,0 1-1,-1 1 0,0-1 0,0 1 0,-1 0 0,1 1 0,-1 0 1,-1 0-1,1 1 0,-1 0 0,1 0 0,-1 1 0,0 0 1,-1 0-1,1 1 0,-1 0-14,0 0 2,1 1 0,-1 0 0,0 0 0,1 1 0,-1 0-1,0 0 1,0 1 0,1 1 0,-1-1 0,1 2 0,-1-1 0,1 1 0,0 1 0,0-1 0,0 2 0,0-1 0,1 1 0,-8 6-2,7-5 3,1 0 0,-1 0 0,1 1 0,1 0 0,-1 0 0,1 1 0,1 0 0,-1 0 0,1 1 0,1 0 0,-1 0 0,2 0 0,-1 0 0,1 1 0,1 0 0,-1 0 0,2 0 0,-1 0 1,2 0-1,-1 1 0,1 9-3,1-17 2,21 152-52,-18-147 84,-1 0-50,0 0 0,0-1 0,1 1 0,0 0 0,0-1 0,1 0 0,0 0 0,0 0 0,1 0 0,0-1 0,0 0 0,0 0 0,1 0 0,0-1 0,0 1 0,1-1 0,-1-1 0,1 1 0,0-1 0,0 0 0,0-1 0,7 2 16,1-2-81,103 11 125,-46-32-3539,-42-3-275</inkml:trace>
   <inkml:trace contextRef="#ctx0" brushRef="#br1" timeOffset="26834.148">667 1034 576,'0'0'1302,"0"0"-165,0 0 367,0 0-287,0 0-321,0 0-29,0 0 19,-9 0 3930,147 16-4117,89-14-67,69-40-408,65 3 14,410 30 183,-431 34-597,-220-16 165,135-16-218,-24-25 253,152 20-208,-264 22 77,73-14 926,-191 0-659,-1 0-45,0 0-32,5 0-143,12-2-61,-4 2-7491,-12 0 2281</inkml:trace>
-  <inkml:trace contextRef="#ctx0" brushRef="#br2" timeOffset="942965.35">177 0 2049,'0'0'1651,"0"0"-394,0 0-22,0 0-354,0 0-319,0 5 8702,0 16-9355,13 86 205,-5-54 167,2 39-65,-10 204 491,0-170-7145,0-128-1328</inkml:trace>
-  <inkml:trace contextRef="#ctx0" brushRef="#br2" timeOffset="944666.452">230 1497 272,'0'0'544,"0"0"-288,0 0-256,0 0-256,0 0-464</inkml:trace>
-  <inkml:trace contextRef="#ctx0" brushRef="#br2" timeOffset="952567.703">252 1470 208,'0'0'619,"0"0"237,0 0 52,0 0-87,0 0-82,0 0-90,0 0-156,0 0-58,0 0-38,0 0-90,0 0-56,0 0-104,0 0-24,0 0 71,0 0-12,0 0-28,0 0-36,0 33 1440,17 45-371,9-20-48,-3-6-723,25 30 529,-9-41-550,6-10-104,74-4 274,29-7-213,-77-8-200,160-11 635,-85-23-330,74-4-12,-71 19-311,9 4-86,272-4 18,-171 1-4,-159 35-25,15-2 22,17 11-75,-122-34 4,-1-1 1,0 1-1,0 1 1,0 0-1,0 0 1,-1 1-1,0 0 1,0 0-1,-1 1 1,1 0-1,-1 0 1,-1 0-1,1 2 12,38 62-408,15 1-187,-33-28 342,3 5 285,28 43-3434,-38-63-2942,-19-17 3377</inkml:trace>
+  <inkml:trace contextRef="#ctx0" brushRef="#br2" timeOffset="83971.89">177 0 2049,'0'0'1651,"0"0"-394,0 0-22,0 0-354,0 0-319,0 5 8702,0 16-9355,13 86 205,-5-54 167,2 39-65,-10 204 491,0-170-7145,0-128-1328</inkml:trace>
+  <inkml:trace contextRef="#ctx0" brushRef="#br2" timeOffset="85672.991">230 1497 272,'0'0'544,"0"0"-288,0 0-256,0 0-256,0 0-464</inkml:trace>
+  <inkml:trace contextRef="#ctx0" brushRef="#br2" timeOffset="93574.241">252 1470 208,'0'0'619,"0"0"237,0 0 52,0 0-87,0 0-82,0 0-90,0 0-156,0 0-58,0 0-38,0 0-90,0 0-56,0 0-104,0 0-24,0 0 71,0 0-12,0 0-28,0 0-36,0 33 1440,17 45-371,9-20-48,-3-6-723,25 30 529,-9-41-550,6-10-104,74-4 274,29-7-213,-77-8-200,160-11 635,-85-23-330,74-4-12,-71 19-311,9 4-86,272-4 18,-171 1-4,-159 35-25,15-2 22,17 11-75,-122-34 4,-1-1 1,0 1-1,0 1 1,0 0-1,0 0 1,-1 1-1,0 0 1,0 0-1,-1 1 1,1 0-1,-1 0 1,-1 0-1,1 2 12,38 62-408,15 1-187,-33-28 342,3 5 285,28 43-3434,-38-63-2942,-19-17 3377</inkml:trace>
   <inkml:trace contextRef="#ctx0" brushRef="#br0" timeOffset="-7261.981">3094 6407 480,'0'0'921,"0"0"-46,0 0-115,0 0-280,0 0-288,0 0-138,0 0-12,-3 2 68,-17 16 490,19-17-162,1-1 255,0 0 33,0 0-22,0 0-82,0 0-91,0 0-14,-40 31 2898,36-22-3380,1-1 0,0 1 0,1 0 0,0 0 0,0 0-1,0 0 1,1 1 0,1-1 0,0 0 0,0 1 0,1-1 0,0 2-35,0 20-21,-1-26 13,0-1 0,0 1 0,0 0 1,0-1-1,1 1 0,0-1 0,0 0 1,0 1-1,0-1 0,1 1 0,-1-1 1,1 0-1,0 0 0,1 0 0,-1 0 0,1-1 1,0 1-1,0-1 0,0 1 0,0-1 1,0 0-1,1 0 0,-1 0 0,1-1 1,0 1-1,0-1 0,0 0 0,0 0 0,0 0 1,1-1-1,-1 1 0,0-1 0,1 0 1,4 0 7,-1-3-16,1 0 1,-1-1 0,0 0-1,0-1 1,0 1-1,0-2 1,0 1 0,-1-1-1,0 0 1,0-1 0,0 1-1,-1-2 1,0 1 0,0 0-1,0-1 1,-1 0 0,0-1-1,0 1 1,-1-1-1,0 0 1,-1 0 0,1 0-1,-1 0 1,-1-1 0,0 1-1,0-1 1,-1 0 0,0 1-1,0-1 1,-1 0 0,0 0-1,0 0 1,-1 1-1,-1-1 1,1 0 0,-1 1-1,-1-2 16,-1 5 26,0 1-1,0-1 1,-1 1 0,1 1-1,-1-1 1,0 0-1,0 1 1,0 0-1,0 0 1,-1 1-1,1 0 1,-1 0-1,1 0 1,-6-1-26,-118-3 296,123 9-305,0 0 0,0 0 0,0 0 0,0 1 1,1 0-1,-1 0 0,1 0 0,0 1 0,0 0 0,1 0 0,-1 0 0,1 0 0,0 1 0,0-1 1,1 1-1,0 0 0,0 0 0,-2 6 9,-6 194 75,12-197-74,1 1 0,0-1 0,1 0 0,0 0 0,0 0 0,1 0 0,0 0 0,0-1 0,1 1 0,0-1 0,1-1 0,0 1 1,0-1-1,1 0 0,-1 0 0,1 0 0,1-1 0,0-1 0,-1 1 0,7 2-1,106 1 659,-112-12-603,1 0-1,-1-1 1,0 0 0,0 0-1,-1-1 1,1 0-1,-1 0 1,0-1 0,0 0-1,-1 0 1,1-1 0,-2 1-1,1-2 1,-1 1 0,0 0-1,0-1 1,-1 0 0,0 0-1,0 0 1,-1-1-1,1-2-55,13-142 415,-18 122-389,-1 22-33,-1 0 1,0 1 0,-1-1 0,1 0 0,-2 1-1,1 0 1,-1 0 0,-1 1 0,1-1-1,-1 1 1,-1 0 0,1 1 0,-1-1 0,0 1-1,-7-4 7,7 7 12,0 0 0,0 1-1,0 0 1,0 0 0,0 0-1,0 1 1,-1 0 0,1 1-1,0 0 1,-1 0 0,1 0 0,-7 2-12,-11-1 14,19-1-9,-1 0 0,1 0 0,0 1 0,0 0 0,-1 1 0,1-1 0,0 1 0,0 0 0,0 1 0,0-1 0,1 1 0,-1 0 0,1 1 0,0-1 0,-1 1 0,2 0 0,-1 1 0,0-1 0,1 1 0,0 0 0,0 0 0,0 0 0,-2 5-5,1 0-15,-1 0 1,2 0-1,-1 1 1,2 0 0,-1-1-1,2 1 1,-1 1-1,1-1 1,1 0-1,0 0 1,1 1-1,0 7 15,0-2 11,-1-11-22,0 0 1,1-1-1,0 1 0,0 0 0,0 0 0,1 0 0,0 0 0,0 0 0,0 0 0,1 0 0,-1-1 0,2 1 0,-1 0 0,0-1 0,1 0 0,0 0 1,1 0-1,-1 0 0,1 0 0,0-1 0,0 1 0,2 1 11,2 0-17,0 0 0,0 0 0,1-1 0,0 0 0,-1-1 0,1 0 0,1-1 0,-1 1 0,1-2-1,-1 1 1,1-2 0,0 1 0,-1-1 0,1 0 0,0-1 0,0 0 0,0-1 0,1 0 17,-1-3 8,-1 0 0,1 0 1,-1 0-1,0-1 0,0-1 0,-1 0 0,1 0 1,-1 0-1,-1-1 0,1 0 0,-1-1 0,0 0 1,-1 0-1,5-7-8,-5 3-5,0-1 0,-1 1 0,0-1 0,-1 0 0,0 0 0,-1-1 0,-1 1 0,0-1 0,0 1 0,-2-1 0,0 0 0,0 1 0,-2-9 5,1-12-66,1 28 74,-1 0-1,-1 1 1,1-1 0,-1 1 0,0-1-1,0 1 1,-1 0 0,0 0-1,0 0 1,0 0 0,0 0-1,-1 0 1,1 1 0,-1 0-1,0 0 1,-1 0 0,-2-2-8,-37-35 275,-67 34-419,103 10 138,1 0 1,-1 0 0,1 1 0,0 0 0,0 0 0,0 1 0,1 0-1,-1 0 1,1 0 0,1 1 0,-1 0 0,1 0 0,0 1 0,-3 4 5,-73 148-523,77-36-486,15-104 113,-1-17-5833,-3-2 3152</inkml:trace>
-  <inkml:trace contextRef="#ctx0" brushRef="#br1" timeOffset="46768.705">3521 6686 304,'0'0'1163,"0"0"-349,0 0-134,0 0-127,0 0-249,0 0-64,2-6 6696,4 0-4484,249 6-1670,-148-9-777,-43-1 137,-63 10-153,0 0 19,15 13-3840,-17-7 2304,1 6-2106</inkml:trace>
+  <inkml:trace contextRef="#ctx0" brushRef="#br1" timeOffset="46768.704">3521 6686 304,'0'0'1163,"0"0"-349,0 0-134,0 0-127,0 0-249,0 0-64,2-6 6696,4 0-4484,249 6-1670,-148-9-777,-43-1 137,-63 10-153,0 0 19,15 13-3840,-17-7 2304,1 6-2106</inkml:trace>
   <inkml:trace contextRef="#ctx0" brushRef="#br0" timeOffset="-18666.561">2994 2717 288,'0'0'376,"0"0"222,0 0 296,0 0 18,0 0-333,0 0-109,9 4-46,29 12 0,-35-14-347,0-1 0,-1 0 0,1 0 1,0 0-1,0-1 0,0 1 0,0-1 0,0 0 1,0 1-1,-1-1 0,1-1 0,0 1 0,0 0 0,0-1 1,0 1-1,0-1 0,0 0 0,-1 0 0,1 0 1,0 0-1,-1-1 0,1 1 0,-1-1 0,1 1 0,-1-1 1,0 0-1,1 0 0,-1 0 0,0 0 0,0 0 0,-1-1 1,1 1-1,0 0 0,-1-1 0,0 0 0,1 1 1,-1-1-78,23-98 1791,-24 100-1762,0 1 0,0-1 0,0 0-1,0 0 1,0 0 0,0 0 0,-1 0-1,1 0 1,0 1 0,0-1-1,-1 0 1,1 0 0,-1 0 0,1 0-1,0 1 1,-1-1 0,0 0 0,1 1-1,-1-1 1,1 0 0,-1 1 0,0-1-1,1 1 1,-1-1 0,0 1-1,0-1 1,1 1 0,-1-1 0,0 1-1,0 0 1,0-1 0,0 1 0,1 0-1,-1 0 1,0 0 0,0 0 0,0-1-1,0 1 1,0 0 0,0 1 0,0-1-1,1 0 1,-1 0 0,0 0-1,0 1 1,0-1 0,0 0 0,0 1-1,1-1-28,-14 1 399,10-2-444,0 2 0,1-1 0,-1 0 0,0 1 0,1 0 0,-1 0 0,1 0 1,-1 0-1,1 0 0,-1 1 0,1 0 0,0-1 0,0 1 0,0 0 0,0 1 1,0-1-1,0 0 0,0 1 0,1 0 0,-1 0 0,1 0 0,0 0 0,0 0 1,0 0-1,0 0 0,1 0 0,-1 1 0,1 0 45,-5 11-344,1 1 0,1 0 0,1-1-1,0 2 1,1-1 0,0 0 0,2 0 0,0 12 344,2-24 38,-1-1 0,1 0 0,0 0 1,0 0-1,0 0 0,0 0 0,1 0 0,-1 0 1,1-1-1,0 1 0,0-1 0,-1 0 1,2 0-1,-1 0 0,0 0 0,0-1 0,0 1 1,1-1-1,-1 1 0,1-1 0,-1-1 1,1 1-1,0 0 0,-1-1 0,1 0 0,0 1 1,-1-2-1,1 1 0,0 0 0,-1-1 0,1 1 1,-1-1-1,1 0 0,-1 0 0,1-1 1,-1 1-1,1-1 0,-1 0 0,0 0 0,2-1-38,1-1 55,-1 0-1,0-1 0,0 0 1,0 1-1,0-2 0,-1 1 1,1-1-1,-1 1 0,-1-1 1,1 0-1,-1-1 0,0 1 1,-1-1-1,1 1 0,-1-1 1,0 0-1,-1 1 0,0-1 0,0 0 1,0 0-1,-1 0 0,0 0 1,-1 0-1,1 0 0,-2-4-54,0 6 101,-1 0-1,0 0 0,0 0 0,0 0 0,0 1 0,-1 0 1,0 0-1,0 0 0,0 0 0,0 0 0,-1 1 0,1-1 1,-1 1-1,0 1 0,0-1 0,0 1 0,0 0 0,0 0 1,-1 0-1,1 0 0,-1 1 0,0 0-100,-69 1-269,71 1 175,-1 1 1,1 0-1,0 0 0,1 0 1,-1 1-1,0-1 1,1 1-1,-1 0 1,1 0-1,0 0 1,0 0-1,0 1 1,0-1-1,1 1 1,-1 0-1,1 0 1,-1 2 93,-18 67-771,17 23-865,6-92 1702,-1 0 0,1 0 0,0 0 0,0-1 0,0 1 0,1-1 0,-1 1 0,1-1 0,0 0 0,0 0 0,0 0 0,0 0 0,0-1 1,1 1-1,-1-1 0,1 0 0,0 0 0,0 0 0,-1-1 0,1 1 0,0-1 0,0 0 0,1 0 0,-1 0 0,0 0 0,0-1 0,0 0 0,1 0 0,-1 0 0,0 0 0,0-1 0,0 0 0,0 1 0,0-2 0,1 1 0,1-1-66,-2 0 26,0 0 0,1-1 0,-1 0 0,0 1 0,-1-1 0,1 0 0,0-1 0,-1 1-1,0-1 1,1 0 0,-2 1 0,1-1 0,0-1 0,-1 1 0,0 0 0,0-1 0,0 1 0,0-1 0,-1 1 0,1-1-1,-1 0 1,-1 0 0,1-1-26,9-116 125,-10 108-302,1 11 198,-1 1 1,1 0-1,-1 0 1,0-1-1,1 1 1,-1-1-1,0 1 1,0 0-1,0-1 1,-1 1-1,1 0 1,-1-1-1,1 1 1,-1 0-1,0 0 1,0-1-1,0 1 1,0 0-1,0 0 1,0 0-1,-1 0 1,1 0-1,-1 0 1,1 1-1,-1-1 1,0 0-1,1 1 1,-1-1-1,0 1 1,0 0-1,0 0 1,0-1-1,-1 1 1,1 1-1,0-1 1,0 0-1,-1 0 1,1 1-1,-1-1-21,-116 0 571,113 4-611,1-1 0,-1 1 0,1 0 0,0 0 0,0 0-1,0 1 1,0 0 0,1 0 0,0 0 0,-1 0 0,2 1 0,-1-1 0,0 1 0,1 0-1,0 1 1,0-1 0,0 0 0,1 1 0,0 0 0,0-1 0,0 1 0,1 0 0,0 0 0,0 0-1,0 0 1,1 0 0,0 0 0,0 0 0,0 0 0,1 1 40,-1 11-41,-1-14 30,1 0 0,-1 0 0,1-1 0,0 1 0,1 0 0,-1 0 0,0 0 0,1 0 0,0 0 0,0 0 0,0 0-1,1-1 1,-1 1 0,1-1 0,0 1 0,0-1 0,0 1 0,0-1 0,2 2 11,5 5 88,0-1-1,0 0 1,0-1-1,1 0 1,1-1 0,-1 0-1,1 0 1,1-1-1,-1 0 1,1-1-1,0-1 1,0 0-1,0 0 1,0-1 0,1-1-1,-1 0 1,10 0-88,-6-2 264,-12 1-237,0 0 0,1-1-1,-1 1 1,0-1 0,0 0 0,0-1 0,0 1 0,0-1 0,0 0 0,0 0 0,0 0-1,0 0 1,0 0 0,0-1 0,0 0 0,-1 0 0,1 0 0,-1 0 0,1-1 0,-1 1-1,0-1 1,0 0 0,0 0 0,0 0 0,-1 0 0,2-2-27,39-144 64,-43 54 579,-2 89-645,-2 1 0,1 0 0,0 0 0,-1 1 0,0-1 0,0 1 0,-1 0 0,1 0 0,-1 0 0,0 1 1,0-1-1,0 1 0,0 0 0,-5-1 2,7 2 3,-9-4 0,0 2-1,0-1 1,0 2 0,0 0-1,0 0 1,-1 1 0,1 1-1,-1 0 1,0 0 0,1 1-1,-1 1 1,-11 2-3,17 0-7,1-1-1,-1 2 1,1-1-1,0 1 1,0 0 0,0 0-1,1 1 1,0-1 0,-1 1-1,2 1 1,-1-1 0,0 1-1,0 1 8,0-1-3,-2 7-19,0 0-1,1 1 1,0 0-1,1 0 1,1 0-1,0 1 1,1-1 0,0 1-1,1 0 1,1 0-1,0 0 1,1 0-1,1 0 1,2 14 22,-2 16 77,-1-34-60,0-8-14,-1 0-1,1 0 1,0 0-1,0 0 0,0 0 1,0 0-1,0 0 1,1 0-1,-1 0 0,1 0 1,0 0-1,0 0 0,0 0 1,0 0-1,1-1 1,-1 1-1,1 0 0,-1-1 1,1 1-1,0-1 1,0 0-1,0 1 0,1-1 1,-1 0-1,2 1-2,2 1 81,0 0 0,0-1 0,1 0 0,-1 0 0,1-1 0,-1 0 0,1 0 0,0 0 0,0-1 0,0 0 0,0-1 0,0 1 0,0-1 0,5-1-81,2 2 58,-12-1-50,0 1 0,0-1 1,0 0-1,0 0 0,0 1 0,0-1 0,0-1 0,0 1 0,0 0 0,0 0 1,0-1-1,0 1 0,0-1 0,0 0 0,0 0 0,0 1 0,0-1 0,-1 0 1,1 0-1,0-1 0,-1 1 0,1 0 0,0-1 0,-1 1 0,0-1 0,1 0-8,65-141 910,-51 85-766,-16 58-141,0 0-54,0 0-112,0 0-277,0 0-475,0 0-950,0 0-2027,0 4-2714</inkml:trace>
   <inkml:trace contextRef="#ctx0" brushRef="#br1" timeOffset="36091.896">3453 2789 800,'0'0'942,"0"0"5,0 0 14,0 0-190,0 0-118,0 0-36,-4 0 132,-23 0 1842,26 0-1775,1 0-184,0 0-223,0 0-167,0 0-68,0 0 5,0 0 13,0 0-46,0 0-50,0 0-56,0 0-74,0 0-36,0 0-36,28 2 95,185 10-487,-139-14 569,-7 2 51,82 0-2381,-149 0-1406</inkml:trace>
   <inkml:trace contextRef="#ctx0" brushRef="#br0" timeOffset="-15230.526">3026 4605 2913,'0'0'875,"0"0"449,0 0 316,0 0-386,0 0-163,0 0-55,-27 4 1557,22 93-2727,7-91 49,0-1 0,0 1 0,1-1 0,-1 0-1,1 1 1,1-1 0,-1 0 0,1-1 0,-1 1-1,1-1 1,1 0 0,-1 0 0,1 0 0,-1 0 0,1-1-1,0 1 1,0-1 0,1-1 0,-1 1 0,0-1-1,1 0 1,0 0 0,-1 0 0,1-1 0,0 0-1,0 0 1,0-1 0,0 0 0,0 0 0,0 0 85,-3 0-15,0 0 0,-1 0 1,1 0-1,0-1 0,0 1 0,0-1 1,-1 0-1,1 1 0,0-1 1,-1-1-1,1 1 0,-1 0 1,1-1-1,-1 1 0,1-1 0,-1 0 1,0 1-1,0-1 0,0 0 1,0-1-1,0 1 0,-1 0 1,1 0-1,0-1 0,-1 1 1,0-1-1,0 1 0,0-1 0,0 0 1,0 1-1,0-1 15,4-7-65,0-3 223,0 0-1,0-1 1,-2 0-1,1 0 0,-2 0 1,0-1-1,0 1 1,-2 0-1,0-1 0,0-2-157,-61-32 1374,52 44-1293,1 0 0,-1 0-1,-1 1 1,1 1 0,0-1-1,-1 2 1,0-1 0,0 1-1,0 1 1,1 0 0,-1 0-1,-1 1 1,-4 1-81,13-2-4,0 1 1,0 0-1,0 0 0,0 0 1,0 0-1,0 1 1,0-1-1,0 0 0,0 1 1,1 0-1,-1-1 1,0 1-1,0 0 0,0 0 1,1 0-1,-1 0 1,0 0-1,1 0 0,-1 1 1,1-1-1,-1 0 1,1 1-1,0-1 0,0 1 1,-1-1-1,1 1 1,0 0-1,0 0 0,1-1 1,-1 1-1,0 0 1,1 0-1,-1 0 0,1 0 1,-1 0-1,1 0 1,0 0-1,0 0 0,0 0 1,0 1 3,-7 155-230,10-149 194,1 0-1,1 0 0,0 0 1,0 0-1,0-1 0,1 0 1,0 0-1,1 0 1,0-1-1,0 0 0,0 0 1,1-1-1,0 0 0,1 0 1,-1-1-1,1 0 0,0-1 1,0 0-1,4 1 37,-10-2 4,1-1 1,-1-1-1,1 1 0,0 0 0,0-1 1,0 0-1,0 0 0,0 0 1,0 0-1,0-1 0,0 1 0,0-1 1,0 0-1,0-1 0,0 1 1,0-1-1,0 1 0,0-1 0,0 0 1,0-1-1,0 1 0,0-1 1,0 0-1,-1 1 0,1-2 0,-1 1 1,1 0-1,-1-1 0,0 1 1,0-1-1,0 0 0,0 0 0,-1 0 1,1-1-1,-1 1 0,0-1 1,0 1-1,1-4-4,2-9 56,-1 0 0,-1 0 0,0-1 0,-2 0 0,0 1 0,0-1 0,-2 0 0,0 0 0,-2-10-56,-35-80 176,35 102-159,-1-1-1,0 1 1,0 0-1,0 0 1,0 0-1,-1 0 1,0 1 0,0-1-1,0 1 1,0 1-1,-1-1 1,0 1-1,0 0 1,0 0-1,0 1 1,0-1 0,0 1-1,0 1 1,-1-1-1,1 1 1,-1 0-1,1 1 1,-1-1-1,1 1 1,-1 1 0,0-1-1,1 1 1,-1 0-1,-1 1-16,-2 3 18,0 0 0,0 1 0,1 0-1,0 1 1,0 0 0,0 0 0,1 1 0,0 0-1,0 0 1,1 1 0,0 0 0,1 0 0,0 1-1,0 0 1,1 0 0,1 0 0,-1 1-1,2-1 1,-1 1 0,1 0 0,0 9-18,1 96 136,4-109-143,-1 0 0,2 0 1,-1 0-1,0 0 0,1-1 1,1 1-1,-1-1 0,1 0 0,0 0 1,0 0-1,0-1 0,1 1 1,0-1-1,0 0 0,1-1 0,-1 1 1,1-1-1,0 0 0,0 0 1,1-1-1,-1 0 0,1 0 0,-1 0 1,1-1-1,0 0 0,0 0 1,0-1-1,0 0 0,0 0 0,0 0 1,2-1 6,7 0-6,-10 1 20,0-1 0,-1 0 0,1 0 0,0 0 0,0 0 0,0-1 1,-1 0-1,1 0 0,0-1 0,-1 1 0,1-1 0,-1-1 0,0 1 0,0-1 0,0 0 0,0 0 0,0 0 0,0-1 0,-1 1-14,5-5 68,0-1-1,-1 1 0,0-1 1,-1-1-1,0 1 1,-1-1-1,0 0 0,0-1 1,-1 1-1,0-1 1,-1 0-1,0-1 0,-1 1 1,0-1-1,-1 1 1,-1-1-1,1 0 0,-2 0 1,0-1-68,1-13 191,0 20-152,0 0 0,-1 0 0,0 1 0,0-1 0,0 0 0,0 0 0,-1 1 0,0-1 0,-1 0 1,1 1-1,-1-1 0,0 1 0,0 0 0,-1-1 0,1 1 0,-4-4-39,0 2 63,2 1-21,-1 0 0,1 1-1,-1-1 1,0 1 0,0 0 0,-1 0 0,1 1-1,-1-1 1,0 1 0,0 1 0,0-1 0,-1 1 0,1 0-1,-1 1 1,0-1 0,0 1 0,0 1 0,0-1-1,0 1 1,-1 0-42,2 1 6,0-1 0,0 1 0,0 0-1,-1 1 1,1-1 0,0 1 0,0 1 0,0-1-1,0 1 1,0 0 0,0 0 0,1 1-1,-1 0 1,1 0 0,-1 0 0,1 1 0,0-1-1,-2 3-5,-2 2-224,-1 0-1,2 0 1,-1 1-1,1 1 1,1-1-1,0 1 1,0 0-1,1 1 1,0 0-1,1-1 1,0 2-1,0-1 0,2 1 1,-1-1-1,1 1 1,1 0-1,0 0 1,1 1-1,0 10 225,3 87-7195,4-79 2492</inkml:trace>
   <inkml:trace contextRef="#ctx0" brushRef="#br1" timeOffset="37985.343">3441 4745 1457,'0'0'472,"0"0"582,0 0 130,0 0-589,0 0-149,0 0 103,0 0-135,0 0-123,0 0 26,0 0 54,0 0 40,33 0 904,241-4-549,-178-7 424,-26 12-1189,1 0-5832,-65 0 4433,-1 2-621</inkml:trace>
-  <inkml:trace contextRef="#ctx0" brushRef="#br2" timeOffset="958023.727">3066 3120 496,'0'0'1230,"0"0"-61,0 0-19,0 0-211,0 0-67,0 0 104,0 0-7,0 24 2219,8 150 536,-4-63-3065,6-2-392,-2-64-211,-3 0 1,-2 0-1,-1 0 0,-5 40-56,1 5 34,2 319-74,6-394-1366,0 0-3137,-5-3-420</inkml:trace>
-  <inkml:trace contextRef="#ctx0" brushRef="#br2" timeOffset="960489.313">3070 5035 2497,'0'0'1409,"0"0"117,0 0 133,0 0-402,0 0-382,0 0-85,0 0-97,0 0-39,0 0-51,0 0-144,0 0-155,0 30 912,0 195 377,13-125-1321,5-11 59,-5-1-270,-9 585-463,-4-673-79,0 24-3259,0 5-294,0-14 46</inkml:trace>
-  <inkml:trace contextRef="#ctx0" brushRef="#br2" timeOffset="974042.947">3075 6972 176,'0'0'862,"0"0"189,0 0 64,0 0-98,0 0-249,0 0-138,0 0-6,0 0 54,0 0-28,0 0-15,0 0-13,0 0 34,0 0 11,0 0-162,0 0-268,-1 35 771,-79 40-135,69-64-794,0-2 0,0 1 0,-1-1 0,0-1-1,-1 0 1,0-1 0,0 0 0,-1-1 0,0 0 0,0-1 0,0-1 0,-8 1-79,-162 26 237,4 4 564,48-4-689,-77 15 344,14-27-219,51 9 108,-186 54-55,75-15-258,111-21-32,43 3 0,-45 43 3,79-46 29,-2 2-3,4-13-13,3 1-16,-42 32 16,33-2 43,44-5-88,-25 17 31,50-74-222,-11 18-49,10-5-7320,3-15 332</inkml:trace>
-  <inkml:trace contextRef="#ctx0" brushRef="#br2" timeOffset="976956.784">225 8884 944,'0'0'846,"0"0"-323,0 0 0,0 0 163,0 0-147,0-21 8737,0 222-7537,9-143-1616,0 5 136,8 42-105,-8-8-28,-9 26 253,0 12-72,-4-76-259,0-5-35,-5 18 8,-9 32 73,14-3-76,-9 33-1184,13-117-598,0-4-3536,0-3-783</inkml:trace>
+  <inkml:trace contextRef="#ctx0" brushRef="#br2" timeOffset="99030.267">3066 3120 496,'0'0'1230,"0"0"-61,0 0-19,0 0-211,0 0-67,0 0 104,0 0-7,0 24 2219,8 150 536,-4-63-3065,6-2-392,-2-64-211,-3 0 1,-2 0-1,-1 0 0,-5 40-56,1 5 34,2 319-74,6-394-1366,0 0-3137,-5-3-420</inkml:trace>
+  <inkml:trace contextRef="#ctx0" brushRef="#br2" timeOffset="101495.853">3070 5035 2497,'0'0'1409,"0"0"117,0 0 133,0 0-402,0 0-382,0 0-85,0 0-97,0 0-39,0 0-51,0 0-144,0 0-155,0 30 912,0 195 377,13-125-1321,5-11 59,-5-1-270,-9 585-463,-4-673-79,0 24-3259,0 5-294,0-14 46</inkml:trace>
+  <inkml:trace contextRef="#ctx0" brushRef="#br2" timeOffset="115049.487">3075 6972 176,'0'0'862,"0"0"189,0 0 64,0 0-98,0 0-249,0 0-138,0 0-6,0 0 54,0 0-28,0 0-15,0 0-13,0 0 34,0 0 11,0 0-162,0 0-268,-1 35 771,-79 40-135,69-64-794,0-2 0,0 1 0,-1-1 0,0-1-1,-1 0 1,0-1 0,0 0 0,-1-1 0,0 0 0,0-1 0,0-1 0,-8 1-79,-162 26 237,4 4 564,48-4-689,-77 15 344,14-27-219,51 9 108,-186 54-55,75-15-258,111-21-32,43 3 0,-45 43 3,79-46 29,-2 2-3,4-13-13,3 1-16,-42 32 16,33-2 43,44-5-88,-25 17 31,50-74-222,-11 18-49,10-5-7320,3-15 332</inkml:trace>
+  <inkml:trace contextRef="#ctx0" brushRef="#br2" timeOffset="117963.323">225 8884 944,'0'0'846,"0"0"-323,0 0 0,0 0 163,0 0-147,0-21 8737,0 222-7537,9-143-1616,0 5 136,8 42-105,-8-8-28,-9 26 253,0 12-72,-4-76-259,0-5-35,-5 18 8,-9 32 73,14-3-76,-9 33-1184,13-117-598,0-4-3536,0-3-783</inkml:trace>
 </inkml:ink>
 </file>
 
@@ -892,11 +888,11 @@
     </inkml:brush>
   </inkml:definitions>
   <inkml:trace contextRef="#ctx0" brushRef="#br0">65 50 288,'0'0'208,"0"0"-16,0 0 16,0 0 1,0 0 143,0 0 176,0 0 96,-1 1 97,-1 1-129,0 0-176,1 0 64,-1-1-480,2 0-48,0-3-448,1 0 400,1-3 48,1 0 48,2 0 64,-1-1 0,1 2 48,-1 1-112,-2 0-48,0 2-64,-1 1 112,-1 3 320,-1 2 448,-3 3-527,-2 3-177,-2 2 16,-1 2-48,-1 0 0,-1 0-16,1 0 16,1-2-32,1-3 0,3-2-48,2-4-385,2-1-543,3-3 848,5-3 128,2-3 64,4-2 32,3-3-96,2-1-240,1-1 112,0-1 128,0 1 32,-1 0-32,-2 3 64,-2 1 48,-4 2 80,-2 2-64,-4 3 32,-1 0-144,-2 2 80,-2 2 689,-2 3-257,-3 3-336,-3 2 128,-2 2-192,-1 3 144,-2 2-176,-1 0-80,0 1-16,0-1 16,0 0-16,3-2-16,1-2-32,3-2-16,3-4-304,2-2-128,1-2 80,2-2 79,1-1 337,3-2 225,2-1-97,2-4-80,3-1-48,2-3 16,2-1 16,2-2-32,1-1 32,1 0 0,0 0 48,-1 0 16,-1 2-96,-3 3 48,-3 2-32,-4 2 16,-2 3-32,-2 2 0,-3 4 208,-4 4 384,-3 4-592,-4 5-208,-4 3-320,-3 3 272,-3 2 256,0 1 0,1-1 0,1-1-192,2-3-64,4-4 208,3-3-753,4-5-111,3-3-305,4-3 753,4-4 464,4-6 64,4-4-16,5-4 16,3-5 48,3-3-48,3-2 144,1-1 513,1 0 399,-1 2-320,-2 2-511,-4 4-129,-4 5-32,-4 3-112,-6 5-16,-3 4 96,-4 4 272,-3 5 384,-5 5-175,-4 5-449,-4 4-64,-5 4-32,-3 4-32,-2 2 16,-3 1-16,0 2-48,1-2-369,3-1-127,2-4 16,6-4 64,4-5-257,4-6 673,4-4-624,4-4-657,5-4 1329,4-6 161,5-5 95,5-5 32,4-5-32,5-5-176,4-2 80,2-3-32,1 1 0,0 0 128,-2 2 160,-2 3 225,-4 4-273,-5 4-208,-5 5-64,-5 4-32,-5 4-64,-3 4 0,-5 4 352,-4 6 224,-5 6-512,-4 5 17,-6 5-81,-5 4 64,-3 4-32,-3 1-16,-2 1-16,0-2-193,3-3 129,4-5 32,6-6-144,6-7-976,6-5 432,6-4-273,6-6 993,6-6 112,8-5 0,5-5 48,5-5-128,5-4-16,4-3 16,2-1 16,1 0 144,0 1-96,-2 2 225,-3 3-65,-4 2 48,-5 5-128,-5 2-64,-5 4-32,-4 4 32,-5 3 96,-3 2 384,-3 3-592,-3 1 16,-2 5 112,-5 4 17,-3 3-65,-4 4-64,-4 4 48,-2 4 48,-3 2-112,-1 2-16,-1 1-192,1-2-337,3-2 273,3-4 64,5-5-32,4-4-288,4-5 96,4-4 79,4-5 145,5-4 208,5-7 240,6-4 257,4-6 15,5-4-288,5-4-16,4-3-16,3-1 16,2-1-80,0 1-64,-3 5-64,-4 4 0,-7 7-16,-5 5-48,-7 5-400,-6 5-576,-3 4 527,-4 4 513,-4 6 353,-3 5-145,-6 4-96,-6 4-96,-5 3 16,-4 3-16,-5 0 16,0 0 16,0-2-48,4-4 64,4-3 16,6-6-80,5-5-16,5-3-96,4-5-256,6-4 31,4-5-47,7-5 304,4-5-336,5-3 64,5-3-32,3-1 368,3-2 0,0 1 16,-1 0 32,-2 2 144,-3 2-144,-4 2-32,-4 4-512,-4 4-801,-5 3 272,-4 4 609,-3 2 432,-3 4 384,-3 3 401,-3 4-497,-4 4-144,-2 4 16,-3 2-32,-3 3 753,0 0-225,0 1-256,0-2-80,2-3-64,3-3 0,3-3-64,4-4-47,2-3-145,2-3-161,3-2 161,3-2 113,4-4 79,5-4-176,4-2 48,3-4-48,3-2 16,2-2 96,2-1 32,0 1-96,-1 1-64,-1 1 0,-2 2 0,-4 1 0,-2 3 0,-3 1 0,-4 3 0,-2 3-112,-2 1-256,-3 2-257,-2 2 81,0 1 544,-3 2 608,-1 2-464,-2 3 65,-3 1 159,0 2 272,-2 0 272,-2 1-495,0 1 111,0 0-272,1-1-176,1-2-64,2-2-16,3-3-128,1-1-256,4-3 384,5-2 288,3-2-48,4-4-144,3-2-80,3-2 16,2-1-32,1-2 0,1 0 32,-1 0-64,-1 2 16,-3 3 16,-4 2-32,-4 3-176,-3 2-320,-4 4 304,-2 4 224,-5 4 496,-4 5-448,-4 3 32,-3 3-16,-3 1-16,-2 1 0,-1-1 32,1-1-64,3-4 0,3-3-16,5-4-128,4-4-416,4-4-289,5-3 673,5-5 0,5-4 80,6-4-1184,4-4-897,4-3 880,3-3-720,-3 3 1825</inkml:trace>
-  <inkml:trace contextRef="#ctx0" brushRef="#br0" timeOffset="276.427">1260 1 1153,'0'0'1312,"0"0"-816,0 0-336,0 0 289,0 0 879,0 0-912,-6 11-15,-5 7-1,-4 5-112,-4 4-224,-3 0 176,-2 1 48,-1 0-128,-1-2-112,0 0 0,1-3-48,3-2 0,4-2-64,4-4-96,3-3-640,4-3-1,3-3 465,1-3 192,4-2 80,2-5 0,5-4 64,4-3-320,4-5-528,4-3-481,4-3-480,-3 3 1297</inkml:trace>
+  <inkml:trace contextRef="#ctx0" brushRef="#br0" timeOffset="276.424">1260 1 1153,'0'0'1312,"0"0"-816,0 0-336,0 0 289,0 0 879,0 0-912,-6 11-15,-5 7-1,-4 5-112,-4 4-224,-3 0 176,-2 1 48,-1 0-128,-1-2-112,0 0 0,1-3-48,3-2 0,4-2-64,4-4-96,3-3-640,4-3-1,3-3 465,1-3 192,4-2 80,2-5 0,5-4 64,4-3-320,4-5-528,4-3-481,4-3-480,-3 3 1297</inkml:trace>
   <inkml:trace contextRef="#ctx0" brushRef="#br0" timeOffset="1369.22">1328 9 368,'0'0'1121,"0"0"-545,0 0-128,0 0-144,0 0 849,0 0-97,-6 9-479,-6 8-289,-6 7 640,-6 5-384,-4 4 1,-4 2 63,-2 1 176,0-1 337,2-3-289,4-4-400,6-5-368,4-5-64,7-6-32,5-4-224,4-5-224,6-5 480,7-6 208,6-6-144,5-4-64,6-5-288,3-3 288,2-2 0,2 0 48,1 0-32,-1 2 0,-2 3-16,-5 4-16,-5 4-16,-6 5 32,-6 3-32,-4 3-256,-4 3-625,-3 4 785,-4 5 128,-5 3 64,-4 5 241,-5 4-257,-5 3 0,-4 5 0,-4 2-32,-2 3-16,-1 1 48,1 0 192,2-2 80,4-4-320,5-4 0,7-6-96,5-5-608,4-5-209,7-4 273,4-4 640,7-4 160,5-6-160,5-3-592,4-5-657,4-3 513,4-3 272,2-1 239,1-1 49,0 2-16,-3 2-16,-4 4 208,-6 5 0,-5 4 48,-8 5 304,-4 2-272,-4 3 80,-4 4 721,-5 5-497,-4 4-208,-5 4-64,-6 5-112,-5 4 0,-5 3 0,-1 1 32,-1 0 208,3-3 737,4-3-801,6-4-176,5-4-160,6-5-368,3-3-609,5-5 353,4-2 624,5-5 80,4-3 80,5-3-177,4-4 177,5-3-16,3 0-272,3-1-656,0 2 416,-3 1-161,-2 4 17,-6 3 400,-4 2 272,-6 4 640,-5 3-336,-3 3 1105,-4 4-385,-5 2-463,-3 4-321,-4 2 0,-3 1 496,0 0 17,0-1-129,1-1-400,4-3-160,2-2-48,3-2-16,3-3-176,1-2-192,3-2-16,3-1 256,2-2-81,4-2 209,3-2-496,0-1-384,0 0 496,-1 1 79,-2 2 193,-2 1 80,-2 1-16,-3 4-320,-1 3 304,-3 3 64,-1 2 801,-2 2-769,1-1-32,0-1-1921,1-2-1649,1-2 3426</inkml:trace>
   <inkml:trace contextRef="#ctx0" brushRef="#br0" timeOffset="3063.552">26 461 1297,'0'0'2705,"0"0"-1825,0 0 497,0 0-225,0 0-159,0 0-33,0 0 177,0-1-321,0 1-432,0-1-256,0 0-128,0 1-32,1-1-144,2 0 128,1-1 48,2-2 32,3-1-32,1 0-16,1-2-128,0 1-48,1 1 80,-2 0-48,-1 2-336,-3 1-161,-2 1-607,-1 1 848,-2 4 416,-3 3 112,-2 2 352,-2 3-336,-2 2-112,-2 0-16,-1 0 0,1-1-80,1-2-48,2-2 128,2-1-1008,2-3-449,1-1-32,1-2 305,1-1 527,3-1 657,1-2 128,3-3-96,3 0-32,0-2 0,1-1 0,0 1 176,-1 1 417,-1 1 111,-1 2-96,-3 1-288,-1 1-95,-2 2-65,-1 3 768,-1 2-272,-1 3-255,-2 2 271,-1 2-560,-1 1 80,-1 0-64,-1 0-128,2-2-192,1-2-480,1-3-513,1-1 161,3-3-401,2-2 609,3-3-545,2-2 0,1-1 497</inkml:trace>
   <inkml:trace contextRef="#ctx0" brushRef="#br0" timeOffset="3287.507">244 562 1249,'0'0'1936,"0"0"-1343,-5 7 239,-5 6-192,-4 5-127,-3 3 159,-3 3 240,0 2-159,-1 2-449,0 0-256,2-2-48,1-2 0,4-5-128,4-3-160,4-6-1249,3-4-336,5-4 1249,5-4-385,4-5-687,3-3 399,0 0 1297</inkml:trace>
-  <inkml:trace contextRef="#ctx0" brushRef="#br0" timeOffset="3834.206">190 715 896,'0'0'1121,"0"0"-33,0 0 225,0 0-224,7-5 127,3-3-223,-1 1-369,-2 3-384,-2 4 1025,-5 5-433,-2 5-512,-5 5-208,-3 4 0,-2 4-80,-3 2 48,-1 1-48,-1 1 0,0 0 16,2-1-48,2-3 0,3-3-432,4-4-464,2-4-369,3-5-512,3-2-48,4-5 737,2-3-273,4-5 129,1-2-273,2-2 1441,-3 2 64</inkml:trace>
+  <inkml:trace contextRef="#ctx0" brushRef="#br0" timeOffset="3834.205">190 715 896,'0'0'1121,"0"0"-33,0 0 225,0 0-224,7-5 127,3-3-223,-1 1-369,-2 3-384,-2 4 1025,-5 5-433,-2 5-512,-5 5-208,-3 4 0,-2 4-80,-3 2 48,-1 1-48,-1 1 0,0 0 16,2-1-48,2-3 0,3-3-432,4-4-464,2-4-369,3-5-512,3-2-48,4-5 737,2-3-273,4-5 129,1-2-273,2-2 1441,-3 2 64</inkml:trace>
   <inkml:trace contextRef="#ctx0" brushRef="#br0" timeOffset="4419.568">203 896 96,'0'0'912,"0"0"225,0 0 192,0 0-81,0 0-688,-7 10-287,-5 8 175,-3 4-112,-3 5 416,-2 3 929,-1 1-1009,1 0-368,1-2 145,3-3-273,3-3-176,3-5 0,3-4-112,3-5-272,3-3-737,2-4 545,5-5 416,4-3 160,4-4-561,3-5-1087,3-2 15,2-2 1153,0-1 480,0 2 1024,-3 2-336,-3 4-31,-5 4 47,-3 3 241,-4 3-145,-2 3-496,-4 3 1089,-3 5-609,-4 5-704,-2 2 224,-4 4-224,-1 2 16,-2 1 176,0 0-112,0-1-79,1-2-65,4-2-16,3-5-81,3-3-127,3-4-576,3-3-465,4-4 1025,3-2-160,3-6-848,5-2-337,2-5 112,2-1 337,3-3 1120,0-1 256,1 1 816,0 1 369,-3 2 112,-2 3-481,-3 3-608,-4 4-95,-4 3-305,-2 4 144,-4 4 256,-4 6-288,-5 5 128,-4 4-304,-4 5-432,-3 2 432,-2 2 112,0-1-112,2 0-16,1-2-320,4-3 48,3-4 112,3-3-177,5-5 161,2-4-1616,4-4 959,5-4-95,4-5-385,4-4 289,4-5-177,4-3 1217,1-2 48,3-1 816,-1 0 65,-2 3-209,-2 2-95,-4 4-113,-4 3-160,-4 4-112,-3 3-16,-4 2-48,-2 3 352,-3 4 321,-3 5-561,-3 3-208,-3 4-48,-3 2-32,-1 2-64,0 1-368,0 0-417,1-3-95,3-3 752,3-3 112,3-3-256,3-5-705,3-2 33,3-4 351,5-4-783,0 0-337</inkml:trace>
   <inkml:trace contextRef="#ctx0" brushRef="#br0" timeOffset="5222.315">431 1207 1377,'0'0'2689,"0"0"-1745,9-6 321,5-2-609,0-1-544,-2 1-64,-3 3 256,-3 3-224,-4 4 961,-5 5-513,-5 5-496,-4 5 128,-3 4-80,-3 3-64,-1 2 80,-1-1-96,3 0-96,1-2-304,3-4 256,4-5 16,3-4-112,3-4-577,3-4 161,3-4 656,6-4 32,3-4 32,5-4-32,3-3 16,4-1-16,2-1-16,1-2 64,1 0 0,0 1-48,-1 2-32,-2 2 0,-4 2-16,-5 5 16,-3 2 64,-5 4 353,-3 1 15,-4 3-336,-3 4 560,-3 4 80,-4 3-479,-3 4-209,-3 3 64,-1 1-80,-1 0 0,2-1 16,1-2-48,3-4-16,4-2-64,1-4-16,4-3-433,1-2-239,3-2 768,4-5 160,4-2-160,3-5-64,5-3-80,4-4 144,4-3 16,3-2 0,4-3 48,2-2-64,2-1 0,1 0 0,0 2 352,-2 3-272,-3 4-32,-6 4-48,-5 5 0,-7 5 0,-5 3-240,-6 4-48,-3 5 288,-6 5 0,-5 5-336,-5 6 192,-5 3 80,-3 3 64,-3 2 48,0 1 272,-1-1-64,2-1-80,2-3 16,4-3-128,5-5-64,4-5-32,4-4-528,4-4-561,5-4 1121,5-6 113,5-6-97,6-6 32,6-5-32,6-4-16,4-5-193,6-4-1567,3-2-1202,-5 4 97</inkml:trace>
   <inkml:trace contextRef="#ctx0" brushRef="#br0" timeOffset="6339.292">1346 849 1825,'0'0'256,"-8"8"-160,-6 7 96,-7 8 240,-5 5 337,-4 7 591,-4 4-607,-3 4-385,-2 2-224,1 0 400,1-1 689,3-2-1073,5-4-32,4-6-80,6-5-16,5-7-32,5-6-32,4-6-288,4-4 304,5-5 16,4-5 208,6-6-208,5-5-561,4-5-271,4-5 576,4-4-64,4-4 320,2-2-384,2-3-193,2 0 577,1 0 545,-1 3-113,-2 3-288,-2 4-80,-6 5-48,-4 6 48,-6 5 288,-7 6-352,-5 5-560,-5 6 560,-7 5 336,-5 7-304,-6 5 64,-6 5-80,-5 4 480,-5 2 97,-2 3-113,-2 1 336,-1 0-63,1-1-81,2-2-480,3-2-16,5-5-112,4-4-16,7-5-48,4-5-64,4-5-416,5-3-321,5-5 801,7-7 241,7-5-241,6-6-1073,8-6-496,4-3 129,4-1 271,3-1 1073,-2 1 48,-1 2-464,-4 4-48,-6 3 560,-5 6 0,-6 4-641,-7 5-479,-5 5 544,-6 6 576,-7 6-257,-5 6 129,-6 5 128,-5 5 737,-5 4 511,-3 2 145,-4 4-80,-1 0-545,-1 0-80,3-1-320,3-3-48,4-3-31,6-6-289,5-5-16,5-5 16,4-5-176,3-4 176,3-6 64,6-5 192,4-6-256,7-5-737,5-5-703,6-2 191,2-2 1249,1 1 208,-1 1-208,-3 4-1392,-6 3 1392,-4 5 128,-7 4 592,-4 4-400,-4 3-96,-5 5-144,-3 5-80,-4 3-80,-2 3 80,-3 2 993,-2 1-273,0 1-48,0 0-272,-1 1-384,1-2-16,2 0-32,1-3-64,4-2-224,3-5-800,3-3-417,4-4 1441,6-7 80,6-5-16,6-4 32,6-5 32,3-2-32,2-1 592,1 1 545,-1 3-305,-3 5-111,-5 4-721,-4 3-705,-6 6-1808,-5 4 624,-4 1-688</inkml:trace>
@@ -1128,7 +1124,7 @@
   <inkml:trace contextRef="#ctx0" brushRef="#br0">426 1 592,'0'0'1292,"0"0"186,0 0-209,0 0-340,0 0-51,0 0-14,0 0-80,0 0 105,0 0-3,0 0-89,0 0-98,0 0-53,0 0-41,0 0-108,0 0-108,0 0-23,0 0-33,0 0-111,0 0-129,0 0-32,17 10 630,-3 4-489,1-1 0,0-1-1,1 0 1,1-2 0,0 1-1,0-2 1,11 5-202,27 15 288,-32-18-183,1-1 0,0-1 0,1-1 0,0-1 1,0-1-1,22 2-105,52 13 255,-25-5-250,1-4 1,1-3 0,0-3 0,40-3-6,73 5-34,205 22-449,43-1 438,30-25-1001,72 2 1046,-96 13-62,-320-19 30,-26-27-13,-23 19-2452,-74 8 2014,0 0-104,0 0-85,0 0-225,0 0-511,0 0-497,0 0-926,0 0-1147</inkml:trace>
   <inkml:trace contextRef="#ctx0" brushRef="#br0" timeOffset="907">3684 135 400,'0'0'1862,"0"0"-197,0 0-163,0 0-83,0 0-5,0 0 3,-3 0-339,-10 0-419,10 0-222,3 0-164,2 3 297,12 9-423,0-2 0,2 0 0,-1-1-1,1 0 1,1-1 0,-1-1-1,1-1 1,0 0 0,1-1-1,-1-1 1,1-1 0,15 1-147,103 31 32,0-3-533,-135-32 511,0 0 1,0 1 0,-1-1-1,1 0 1,0 0-1,0 1 1,-1-1-1,1 1 1,0-1 0,0 1-1,-1-1 1,1 1-1,-1-1 1,1 1 0,-1 0-1,1-1 1,-1 1-1,1 0 1,-1-1 0,1 1-1,-1 0 1,0 0-1,1-1 1,-1 1-1,0 0 1,0 0 0,0 0-1,1 0 1,-1-1-1,0 1 1,0 0 0,0 0-1,0 0 1,-1-1-1,1 1 1,0 0 0,0 0-1,0 0 1,-1 0-1,1-1 1,0 1-1,-1 0 1,1-1 0,-1 1-1,1 0 1,-1 0-1,1-1 1,-1 1 0,1-1-1,-1 1 1,1-1-1,-1 1 1,0-1 0,0 1-1,1-1 1,-1 1-1,0-1 1,0 0 0,1 1-1,-1-1 1,0 0-1,0 0 1,0 0-1,1 1 1,-2-1-11,-434 177 1097,414-167-1602,-25 11-950,15-13-4165,19-8-1308</inkml:trace>
   <inkml:trace contextRef="#ctx0" brushRef="#br0" timeOffset="4799.014">0 695 4722,'0'0'982,"0"0"736,0 0-131,0 0-541,0 0-221,0 0-41,12 4 3266,12 80-3920,30 57 103,-25-101-239,-17-21-6,0-1-1,1-1 0,1 0 1,0-1-1,1-1 0,1 0 1,1-1-1,13 9 13,134 102-803,26 1-35,3-15 497,25-5 346,39 13 78,17-5 752,-22-34-214,-86-48-50,115 21 577,34-4-647,-61-19-215,112 7-284,-27-1-266,61 2-739,-151-42-792,-248 4 1599,8-1-2232,-4-1-4081,-1-3 664</inkml:trace>
-  <inkml:trace contextRef="#ctx0" brushRef="#br0" timeOffset="5684.979">3778 1975 480,'0'0'859,"0"0"393,0 0-295,0 0-95,0 0 323,0 0 26,-6-8 566,5 8 2264,60 41-3005,-22-24-828,0-3-1,1 0 1,1-3 0,-1-1 0,2-1 0,-1-3 0,6-1-208,25 7 137,3 17-374,-73-27 230,-1-1 0,1 1 1,0 0-1,-1-1 0,1 1 0,-1-1 1,1 1-1,-1 0 0,0-1 0,1 1 1,-1-1-1,0 0 0,0 1 0,0-1 1,0 0-1,0 0 0,-1 1 0,1-1 1,0 0-1,-1 0 0,1 0 0,0 0 1,-1-1-1,1 1 0,-1 0 0,1-1 1,-1 1-1,0-1 0,1 1 0,-1-1 1,0 0-1,1 1 0,-1-1 0,0 0 0,1 0 1,-1 0-1,0-1 0,1 1 0,-1 0 1,-1-1 6,-11 5 80,-417 118 1025,337-91-6331,73-28-388</inkml:trace>
+  <inkml:trace contextRef="#ctx0" brushRef="#br0" timeOffset="5684.976">3778 1975 480,'0'0'859,"0"0"393,0 0-295,0 0-95,0 0 323,0 0 26,-6-8 566,5 8 2264,60 41-3005,-22-24-828,0-3-1,1 0 1,1-3 0,-1-1 0,2-1 0,-1-3 0,6-1-208,25 7 137,3 17-374,-73-27 230,-1-1 0,1 1 1,0 0-1,-1-1 0,1 1 0,-1-1 1,1 1-1,-1 0 0,0-1 0,1 1 1,-1-1-1,0 0 0,0 1 0,0-1 1,0 0-1,0 0 0,-1 1 0,1-1 1,0 0-1,-1 0 0,1 0 0,0 0 1,-1-1-1,1 1 0,-1 0 0,1-1 1,-1 1-1,0-1 0,1 1 0,-1-1 1,0 0-1,1 1 0,-1-1 0,0 0 0,1 0 1,-1 0-1,0-1 0,1 1 0,-1 0 1,-1-1 6,-11 5 80,-417 118 1025,337-91-6331,73-28-388</inkml:trace>
 </inkml:ink>
 </file>
 
@@ -1631,11 +1627,11 @@
     </inkml:brush>
   </inkml:definitions>
   <inkml:trace contextRef="#ctx0" brushRef="#br0">65 50 288,'0'0'208,"0"0"-16,0 0 16,0 0 1,0 0 143,0 0 176,0 0 96,-1 1 97,-1 1-129,0 0-176,1 0 64,-1-1-480,2 0-48,0-3-448,1 0 400,1-3 48,1 0 48,2 0 64,-1-1 0,1 2 48,-1 1-112,-2 0-48,0 2-64,-1 1 112,-1 3 320,-1 2 448,-3 3-527,-2 3-177,-2 2 16,-1 2-48,-1 0 0,-1 0-16,1 0 16,1-2-32,1-3 0,3-2-48,2-4-385,2-1-543,3-3 848,5-3 128,2-3 64,4-2 32,3-3-96,2-1-240,1-1 112,0-1 128,0 1 32,-1 0-32,-2 3 64,-2 1 48,-4 2 80,-2 2-64,-4 3 32,-1 0-144,-2 2 80,-2 2 689,-2 3-257,-3 3-336,-3 2 128,-2 2-192,-1 3 144,-2 2-176,-1 0-80,0 1-16,0-1 16,0 0-16,3-2-16,1-2-32,3-2-16,3-4-304,2-2-128,1-2 80,2-2 79,1-1 337,3-2 225,2-1-97,2-4-80,3-1-48,2-3 16,2-1 16,2-2-32,1-1 32,1 0 0,0 0 48,-1 0 16,-1 2-96,-3 3 48,-3 2-32,-4 2 16,-2 3-32,-2 2 0,-3 4 208,-4 4 384,-3 4-592,-4 5-208,-4 3-320,-3 3 272,-3 2 256,0 1 0,1-1 0,1-1-192,2-3-64,4-4 208,3-3-753,4-5-111,3-3-305,4-3 753,4-4 464,4-6 64,4-4-16,5-4 16,3-5 48,3-3-48,3-2 144,1-1 513,1 0 399,-1 2-320,-2 2-511,-4 4-129,-4 5-32,-4 3-112,-6 5-16,-3 4 96,-4 4 272,-3 5 384,-5 5-175,-4 5-449,-4 4-64,-5 4-32,-3 4-32,-2 2 16,-3 1-16,0 2-48,1-2-369,3-1-127,2-4 16,6-4 64,4-5-257,4-6 673,4-4-624,4-4-657,5-4 1329,4-6 161,5-5 95,5-5 32,4-5-32,5-5-176,4-2 80,2-3-32,1 1 0,0 0 128,-2 2 160,-2 3 225,-4 4-273,-5 4-208,-5 5-64,-5 4-32,-5 4-64,-3 4 0,-5 4 352,-4 6 224,-5 6-512,-4 5 17,-6 5-81,-5 4 64,-3 4-32,-3 1-16,-2 1-16,0-2-193,3-3 129,4-5 32,6-6-144,6-7-976,6-5 432,6-4-273,6-6 993,6-6 112,8-5 0,5-5 48,5-5-128,5-4-16,4-3 16,2-1 16,1 0 144,0 1-96,-2 2 225,-3 3-65,-4 2 48,-5 5-128,-5 2-64,-5 4-32,-4 4 32,-5 3 96,-3 2 384,-3 3-592,-3 1 16,-2 5 112,-5 4 17,-3 3-65,-4 4-64,-4 4 48,-2 4 48,-3 2-112,-1 2-16,-1 1-192,1-2-337,3-2 273,3-4 64,5-5-32,4-4-288,4-5 96,4-4 79,4-5 145,5-4 208,5-7 240,6-4 257,4-6 15,5-4-288,5-4-16,4-3-16,3-1 16,2-1-80,0 1-64,-3 5-64,-4 4 0,-7 7-16,-5 5-48,-7 5-400,-6 5-576,-3 4 527,-4 4 513,-4 6 353,-3 5-145,-6 4-96,-6 4-96,-5 3 16,-4 3-16,-5 0 16,0 0 16,0-2-48,4-4 64,4-3 16,6-6-80,5-5-16,5-3-96,4-5-256,6-4 31,4-5-47,7-5 304,4-5-336,5-3 64,5-3-32,3-1 368,3-2 0,0 1 16,-1 0 32,-2 2 144,-3 2-144,-4 2-32,-4 4-512,-4 4-801,-5 3 272,-4 4 609,-3 2 432,-3 4 384,-3 3 401,-3 4-497,-4 4-144,-2 4 16,-3 2-32,-3 3 753,0 0-225,0 1-256,0-2-80,2-3-64,3-3 0,3-3-64,4-4-47,2-3-145,2-3-161,3-2 161,3-2 113,4-4 79,5-4-176,4-2 48,3-4-48,3-2 16,2-2 96,2-1 32,0 1-96,-1 1-64,-1 1 0,-2 2 0,-4 1 0,-2 3 0,-3 1 0,-4 3 0,-2 3-112,-2 1-256,-3 2-257,-2 2 81,0 1 544,-3 2 608,-1 2-464,-2 3 65,-3 1 159,0 2 272,-2 0 272,-2 1-495,0 1 111,0 0-272,1-1-176,1-2-64,2-2-16,3-3-128,1-1-256,4-3 384,5-2 288,3-2-48,4-4-144,3-2-80,3-2 16,2-1-32,1-2 0,1 0 32,-1 0-64,-1 2 16,-3 3 16,-4 2-32,-4 3-176,-3 2-320,-4 4 304,-2 4 224,-5 4 496,-4 5-448,-4 3 32,-3 3-16,-3 1-16,-2 1 0,-1-1 32,1-1-64,3-4 0,3-3-16,5-4-128,4-4-416,4-4-289,5-3 673,5-5 0,5-4 80,6-4-1184,4-4-897,4-3 880,3-3-720,-3 3 1825</inkml:trace>
-  <inkml:trace contextRef="#ctx0" brushRef="#br0" timeOffset="276.427">1260 1 1153,'0'0'1312,"0"0"-816,0 0-336,0 0 289,0 0 879,0 0-912,-6 11-15,-5 7-1,-4 5-112,-4 4-224,-3 0 176,-2 1 48,-1 0-128,-1-2-112,0 0 0,1-3-48,3-2 0,4-2-64,4-4-96,3-3-640,4-3-1,3-3 465,1-3 192,4-2 80,2-5 0,5-4 64,4-3-320,4-5-528,4-3-481,4-3-480,-3 3 1297</inkml:trace>
+  <inkml:trace contextRef="#ctx0" brushRef="#br0" timeOffset="276.424">1260 1 1153,'0'0'1312,"0"0"-816,0 0-336,0 0 289,0 0 879,0 0-912,-6 11-15,-5 7-1,-4 5-112,-4 4-224,-3 0 176,-2 1 48,-1 0-128,-1-2-112,0 0 0,1-3-48,3-2 0,4-2-64,4-4-96,3-3-640,4-3-1,3-3 465,1-3 192,4-2 80,2-5 0,5-4 64,4-3-320,4-5-528,4-3-481,4-3-480,-3 3 1297</inkml:trace>
   <inkml:trace contextRef="#ctx0" brushRef="#br0" timeOffset="1369.22">1328 9 368,'0'0'1121,"0"0"-545,0 0-128,0 0-144,0 0 849,0 0-97,-6 9-479,-6 8-289,-6 7 640,-6 5-384,-4 4 1,-4 2 63,-2 1 176,0-1 337,2-3-289,4-4-400,6-5-368,4-5-64,7-6-32,5-4-224,4-5-224,6-5 480,7-6 208,6-6-144,5-4-64,6-5-288,3-3 288,2-2 0,2 0 48,1 0-32,-1 2 0,-2 3-16,-5 4-16,-5 4-16,-6 5 32,-6 3-32,-4 3-256,-4 3-625,-3 4 785,-4 5 128,-5 3 64,-4 5 241,-5 4-257,-5 3 0,-4 5 0,-4 2-32,-2 3-16,-1 1 48,1 0 192,2-2 80,4-4-320,5-4 0,7-6-96,5-5-608,4-5-209,7-4 273,4-4 640,7-4 160,5-6-160,5-3-592,4-5-657,4-3 513,4-3 272,2-1 239,1-1 49,0 2-16,-3 2-16,-4 4 208,-6 5 0,-5 4 48,-8 5 304,-4 2-272,-4 3 80,-4 4 721,-5 5-497,-4 4-208,-5 4-64,-6 5-112,-5 4 0,-5 3 0,-1 1 32,-1 0 208,3-3 737,4-3-801,6-4-176,5-4-160,6-5-368,3-3-609,5-5 353,4-2 624,5-5 80,4-3 80,5-3-177,4-4 177,5-3-16,3 0-272,3-1-656,0 2 416,-3 1-161,-2 4 17,-6 3 400,-4 2 272,-6 4 640,-5 3-336,-3 3 1105,-4 4-385,-5 2-463,-3 4-321,-4 2 0,-3 1 496,0 0 17,0-1-129,1-1-400,4-3-160,2-2-48,3-2-16,3-3-176,1-2-192,3-2-16,3-1 256,2-2-81,4-2 209,3-2-496,0-1-384,0 0 496,-1 1 79,-2 2 193,-2 1 80,-2 1-16,-3 4-320,-1 3 304,-3 3 64,-1 2 801,-2 2-769,1-1-32,0-1-1921,1-2-1649,1-2 3426</inkml:trace>
   <inkml:trace contextRef="#ctx0" brushRef="#br0" timeOffset="3063.552">26 461 1297,'0'0'2705,"0"0"-1825,0 0 497,0 0-225,0 0-159,0 0-33,0 0 177,0-1-321,0 1-432,0-1-256,0 0-128,0 1-32,1-1-144,2 0 128,1-1 48,2-2 32,3-1-32,1 0-16,1-2-128,0 1-48,1 1 80,-2 0-48,-1 2-336,-3 1-161,-2 1-607,-1 1 848,-2 4 416,-3 3 112,-2 2 352,-2 3-336,-2 2-112,-2 0-16,-1 0 0,1-1-80,1-2-48,2-2 128,2-1-1008,2-3-449,1-1-32,1-2 305,1-1 527,3-1 657,1-2 128,3-3-96,3 0-32,0-2 0,1-1 0,0 1 176,-1 1 417,-1 1 111,-1 2-96,-3 1-288,-1 1-95,-2 2-65,-1 3 768,-1 2-272,-1 3-255,-2 2 271,-1 2-560,-1 1 80,-1 0-64,-1 0-128,2-2-192,1-2-480,1-3-513,1-1 161,3-3-401,2-2 609,3-3-545,2-2 0,1-1 497</inkml:trace>
   <inkml:trace contextRef="#ctx0" brushRef="#br0" timeOffset="3287.507">244 562 1249,'0'0'1936,"0"0"-1343,-5 7 239,-5 6-192,-4 5-127,-3 3 159,-3 3 240,0 2-159,-1 2-449,0 0-256,2-2-48,1-2 0,4-5-128,4-3-160,4-6-1249,3-4-336,5-4 1249,5-4-385,4-5-687,3-3 399,0 0 1297</inkml:trace>
-  <inkml:trace contextRef="#ctx0" brushRef="#br0" timeOffset="3834.206">190 715 896,'0'0'1121,"0"0"-33,0 0 225,0 0-224,7-5 127,3-3-223,-1 1-369,-2 3-384,-2 4 1025,-5 5-433,-2 5-512,-5 5-208,-3 4 0,-2 4-80,-3 2 48,-1 1-48,-1 1 0,0 0 16,2-1-48,2-3 0,3-3-432,4-4-464,2-4-369,3-5-512,3-2-48,4-5 737,2-3-273,4-5 129,1-2-273,2-2 1441,-3 2 64</inkml:trace>
+  <inkml:trace contextRef="#ctx0" brushRef="#br0" timeOffset="3834.205">190 715 896,'0'0'1121,"0"0"-33,0 0 225,0 0-224,7-5 127,3-3-223,-1 1-369,-2 3-384,-2 4 1025,-5 5-433,-2 5-512,-5 5-208,-3 4 0,-2 4-80,-3 2 48,-1 1-48,-1 1 0,0 0 16,2-1-48,2-3 0,3-3-432,4-4-464,2-4-369,3-5-512,3-2-48,4-5 737,2-3-273,4-5 129,1-2-273,2-2 1441,-3 2 64</inkml:trace>
   <inkml:trace contextRef="#ctx0" brushRef="#br0" timeOffset="4419.568">203 896 96,'0'0'912,"0"0"225,0 0 192,0 0-81,0 0-688,-7 10-287,-5 8 175,-3 4-112,-3 5 416,-2 3 929,-1 1-1009,1 0-368,1-2 145,3-3-273,3-3-176,3-5 0,3-4-112,3-5-272,3-3-737,2-4 545,5-5 416,4-3 160,4-4-561,3-5-1087,3-2 15,2-2 1153,0-1 480,0 2 1024,-3 2-336,-3 4-31,-5 4 47,-3 3 241,-4 3-145,-2 3-496,-4 3 1089,-3 5-609,-4 5-704,-2 2 224,-4 4-224,-1 2 16,-2 1 176,0 0-112,0-1-79,1-2-65,4-2-16,3-5-81,3-3-127,3-4-576,3-3-465,4-4 1025,3-2-160,3-6-848,5-2-337,2-5 112,2-1 337,3-3 1120,0-1 256,1 1 816,0 1 369,-3 2 112,-2 3-481,-3 3-608,-4 4-95,-4 3-305,-2 4 144,-4 4 256,-4 6-288,-5 5 128,-4 4-304,-4 5-432,-3 2 432,-2 2 112,0-1-112,2 0-16,1-2-320,4-3 48,3-4 112,3-3-177,5-5 161,2-4-1616,4-4 959,5-4-95,4-5-385,4-4 289,4-5-177,4-3 1217,1-2 48,3-1 816,-1 0 65,-2 3-209,-2 2-95,-4 4-113,-4 3-160,-4 4-112,-3 3-16,-4 2-48,-2 3 352,-3 4 321,-3 5-561,-3 3-208,-3 4-48,-3 2-32,-1 2-64,0 1-368,0 0-417,1-3-95,3-3 752,3-3 112,3-3-256,3-5-705,3-2 33,3-4 351,5-4-783,0 0-337</inkml:trace>
   <inkml:trace contextRef="#ctx0" brushRef="#br0" timeOffset="5222.315">431 1207 1377,'0'0'2689,"0"0"-1745,9-6 321,5-2-609,0-1-544,-2 1-64,-3 3 256,-3 3-224,-4 4 961,-5 5-513,-5 5-496,-4 5 128,-3 4-80,-3 3-64,-1 2 80,-1-1-96,3 0-96,1-2-304,3-4 256,4-5 16,3-4-112,3-4-577,3-4 161,3-4 656,6-4 32,3-4 32,5-4-32,3-3 16,4-1-16,2-1-16,1-2 64,1 0 0,0 1-48,-1 2-32,-2 2 0,-4 2-16,-5 5 16,-3 2 64,-5 4 353,-3 1 15,-4 3-336,-3 4 560,-3 4 80,-4 3-479,-3 4-209,-3 3 64,-1 1-80,-1 0 0,2-1 16,1-2-48,3-4-16,4-2-64,1-4-16,4-3-433,1-2-239,3-2 768,4-5 160,4-2-160,3-5-64,5-3-80,4-4 144,4-3 16,3-2 0,4-3 48,2-2-64,2-1 0,1 0 0,0 2 352,-2 3-272,-3 4-32,-6 4-48,-5 5 0,-7 5 0,-5 3-240,-6 4-48,-3 5 288,-6 5 0,-5 5-336,-5 6 192,-5 3 80,-3 3 64,-3 2 48,0 1 272,-1-1-64,2-1-80,2-3 16,4-3-128,5-5-64,4-5-32,4-4-528,4-4-561,5-4 1121,5-6 113,5-6-97,6-6 32,6-5-32,6-4-16,4-5-193,6-4-1567,3-2-1202,-5 4 97</inkml:trace>
   <inkml:trace contextRef="#ctx0" brushRef="#br0" timeOffset="6339.292">1346 849 1825,'0'0'256,"-8"8"-160,-6 7 96,-7 8 240,-5 5 337,-4 7 591,-4 4-607,-3 4-385,-2 2-224,1 0 400,1-1 689,3-2-1073,5-4-32,4-6-80,6-5-16,5-7-32,5-6-32,4-6-288,4-4 304,5-5 16,4-5 208,6-6-208,5-5-561,4-5-271,4-5 576,4-4-64,4-4 320,2-2-384,2-3-193,2 0 577,1 0 545,-1 3-113,-2 3-288,-2 4-80,-6 5-48,-4 6 48,-6 5 288,-7 6-352,-5 5-560,-5 6 560,-7 5 336,-5 7-304,-6 5 64,-6 5-80,-5 4 480,-5 2 97,-2 3-113,-2 1 336,-1 0-63,1-1-81,2-2-480,3-2-16,5-5-112,4-4-16,7-5-48,4-5-64,4-5-416,5-3-321,5-5 801,7-7 241,7-5-241,6-6-1073,8-6-496,4-3 129,4-1 271,3-1 1073,-2 1 48,-1 2-464,-4 4-48,-6 3 560,-5 6 0,-6 4-641,-7 5-479,-5 5 544,-6 6 576,-7 6-257,-5 6 129,-6 5 128,-5 5 737,-5 4 511,-3 2 145,-4 4-80,-1 0-545,-1 0-80,3-1-320,3-3-48,4-3-31,6-6-289,5-5-16,5-5 16,4-5-176,3-4 176,3-6 64,6-5 192,4-6-256,7-5-737,5-5-703,6-2 191,2-2 1249,1 1 208,-1 1-208,-3 4-1392,-6 3 1392,-4 5 128,-7 4 592,-4 4-400,-4 3-96,-5 5-144,-3 5-80,-4 3-80,-2 3 80,-3 2 993,-2 1-273,0 1-48,0 0-272,-1 1-384,1-2-16,2 0-32,1-3-64,4-2-224,3-5-800,3-3-417,4-4 1441,6-7 80,6-5-16,6-4 32,6-5 32,3-2-32,2-1 592,1 1 545,-1 3-305,-3 5-111,-5 4-721,-4 3-705,-6 6-1808,-5 4 624,-4 1-688</inkml:trace>
@@ -1896,7 +1892,7 @@
   <inkml:trace contextRef="#ctx0" brushRef="#br0">426 1 592,'0'0'1292,"0"0"186,0 0-209,0 0-340,0 0-51,0 0-14,0 0-80,0 0 105,0 0-3,0 0-89,0 0-98,0 0-53,0 0-41,0 0-108,0 0-108,0 0-23,0 0-33,0 0-111,0 0-129,0 0-32,17 10 630,-3 4-489,1-1 0,0-1-1,1 0 1,1-2 0,0 1-1,0-2 1,11 5-202,27 15 288,-32-18-183,1-1 0,0-1 0,1-1 0,0-1 1,0-1-1,22 2-105,52 13 255,-25-5-250,1-4 1,1-3 0,0-3 0,40-3-6,73 5-34,205 22-449,43-1 438,30-25-1001,72 2 1046,-96 13-62,-320-19 30,-26-27-13,-23 19-2452,-74 8 2014,0 0-104,0 0-85,0 0-225,0 0-511,0 0-497,0 0-926,0 0-1147</inkml:trace>
   <inkml:trace contextRef="#ctx0" brushRef="#br0" timeOffset="907">3684 135 400,'0'0'1862,"0"0"-197,0 0-163,0 0-83,0 0-5,0 0 3,-3 0-339,-10 0-419,10 0-222,3 0-164,2 3 297,12 9-423,0-2 0,2 0 0,-1-1-1,1 0 1,1-1 0,-1-1-1,1-1 1,0 0 0,1-1-1,-1-1 1,1-1 0,15 1-147,103 31 32,0-3-533,-135-32 511,0 0 1,0 1 0,-1-1-1,1 0 1,0 0-1,0 1 1,-1-1-1,1 1 1,0-1 0,0 1-1,-1-1 1,1 1-1,-1-1 1,1 1 0,-1 0-1,1-1 1,-1 1-1,1 0 1,-1-1 0,1 1-1,-1 0 1,0 0-1,1-1 1,-1 1-1,0 0 1,0 0 0,0 0-1,1 0 1,-1-1-1,0 1 1,0 0 0,0 0-1,0 0 1,-1-1-1,1 1 1,0 0 0,0 0-1,0 0 1,-1 0-1,1-1 1,0 1-1,-1 0 1,1-1 0,-1 1-1,1 0 1,-1 0-1,1-1 1,-1 1 0,1-1-1,-1 1 1,1-1-1,-1 1 1,0-1 0,0 1-1,1-1 1,-1 1-1,0-1 1,0 0 0,1 1-1,-1-1 1,0 0-1,0 0 1,0 0-1,1 1 1,-2-1-11,-434 177 1097,414-167-1602,-25 11-950,15-13-4165,19-8-1308</inkml:trace>
   <inkml:trace contextRef="#ctx0" brushRef="#br0" timeOffset="4799.014">0 695 4722,'0'0'982,"0"0"736,0 0-131,0 0-541,0 0-221,0 0-41,12 4 3266,12 80-3920,30 57 103,-25-101-239,-17-21-6,0-1-1,1-1 0,1 0 1,0-1-1,1-1 0,1 0 1,1-1-1,13 9 13,134 102-803,26 1-35,3-15 497,25-5 346,39 13 78,17-5 752,-22-34-214,-86-48-50,115 21 577,34-4-647,-61-19-215,112 7-284,-27-1-266,61 2-739,-151-42-792,-248 4 1599,8-1-2232,-4-1-4081,-1-3 664</inkml:trace>
-  <inkml:trace contextRef="#ctx0" brushRef="#br0" timeOffset="5684.979">3778 1975 480,'0'0'859,"0"0"393,0 0-295,0 0-95,0 0 323,0 0 26,-6-8 566,5 8 2264,60 41-3005,-22-24-828,0-3-1,1 0 1,1-3 0,-1-1 0,2-1 0,-1-3 0,6-1-208,25 7 137,3 17-374,-73-27 230,-1-1 0,1 1 1,0 0-1,-1-1 0,1 1 0,-1-1 1,1 1-1,-1 0 0,0-1 0,1 1 1,-1-1-1,0 0 0,0 1 0,0-1 1,0 0-1,0 0 0,-1 1 0,1-1 1,0 0-1,-1 0 0,1 0 0,0 0 1,-1-1-1,1 1 0,-1 0 0,1-1 1,-1 1-1,0-1 0,1 1 0,-1-1 1,0 0-1,1 1 0,-1-1 0,0 0 0,1 0 1,-1 0-1,0-1 0,1 1 0,-1 0 1,-1-1 6,-11 5 80,-417 118 1025,337-91-6331,73-28-388</inkml:trace>
+  <inkml:trace contextRef="#ctx0" brushRef="#br0" timeOffset="5684.976">3778 1975 480,'0'0'859,"0"0"393,0 0-295,0 0-95,0 0 323,0 0 26,-6-8 566,5 8 2264,60 41-3005,-22-24-828,0-3-1,1 0 1,1-3 0,-1-1 0,2-1 0,-1-3 0,6-1-208,25 7 137,3 17-374,-73-27 230,-1-1 0,1 1 1,0 0-1,-1-1 0,1 1 0,-1-1 1,1 1-1,-1 0 0,0-1 0,1 1 1,-1-1-1,0 0 0,0 1 0,0-1 1,0 0-1,0 0 0,-1 1 0,1-1 1,0 0-1,-1 0 0,1 0 0,0 0 1,-1-1-1,1 1 0,-1 0 0,1-1 1,-1 1-1,0-1 0,1 1 0,-1-1 1,0 0-1,1 1 0,-1-1 0,0 0 0,1 0 1,-1 0-1,0-1 0,1 1 0,-1 0 1,-1-1 6,-11 5 80,-417 118 1025,337-91-6331,73-28-388</inkml:trace>
 </inkml:ink>
 </file>
 
@@ -2354,10 +2350,10 @@
   <inkml:trace contextRef="#ctx0" brushRef="#br1" timeOffset="-17365.871">1790 301 1825,'0'0'1208,"0"0"401,0 0-278,0 0-432,0 0-274,-4-2-169,-24-12 825,36 22 2812,69 45-3872,-39-36-391,0-2 0,0-1 1,2-2-1,-1-2 1,1-2-1,1-1 0,36 1 170,20 5-242,-71-7 295,-26-6-26,0 0 10,0 0 30,0 0 23,0 0-44,0 0-14,0 0 24,0 0 69,0 0-82,0 0 2,-26 0 724,-1 3-551,-1 2 1,1 0-1,1 2 1,-1 1 0,1 1-1,0 2 1,1 0 0,-1 3-219,-10 2-10,-93 53-768,79-34-5362,40-27-300</inkml:trace>
   <inkml:trace contextRef="#ctx0" brushRef="#br1" timeOffset="-14361.882">2770 69 2081,'0'0'453,"0"0"545,0 0 101,0 0-271,0 0-7,0 0-7,-7 3-171,-60 30 3249,1 33-1949,55-54-1795,0 1 0,1 0 0,1 1 0,0 0 0,1 1 0,1 0 0,0 0 0,-3 11-148,-7 28 32,5 17-21,9 54 29,55-28 48,-44-87-109,1 0 1,-1-1-1,2 0 0,-1-1 1,1 1-1,0-2 0,1 0 1,0 0-1,0-1 0,0 0 1,1-1-1,0 0 0,0-1 1,0 0-1,0-1 0,1 0 1,10 0 20,221 6-305,-84-57-335,-109 27 629,-44 18 10,0 0 1,-1 0-1,1-1 1,-1 0 0,0 0-1,0-1 1,0 0 0,0 0-1,-1 0 1,0-1-1,0 1 1,0-1 0,-1 0-1,0-1 1,0 1-1,-1-1 1,1 0 0,-2 0-1,1 0 1,-1 0 0,1-3 0,3-12 22,-1 0 0,-1-1 0,0 1 0,-2-1 0,-1 1 0,-1-1 0,-1-2-22,1 24 0,-2-12 43,-1 0 0,0 0-1,-2 0 1,1 0 0,-1 1-1,-1-1 1,0 1 0,-1 1-1,-1-1 1,1 1 0,-2 0 0,-8-8-43,-102-101 138,41 71 174,48 42-315,0 1-1,-1 2 1,0 1-1,0 1 1,0 1-1,-28 4 4,6 11-427,23 8-2900,10-3-1592</inkml:trace>
   <inkml:trace contextRef="#ctx0" brushRef="#br1" timeOffset="-11536.508">3568 456 560,'0'0'1001,"0"0"247,0 0-186,0 0-408,0 0 5,0 0-22,1 2 3637,7 5-4143,226 14-366,-40-15 785,61 9-97,188-9 1103,-433-10-5577,-10 2 902</inkml:trace>
-  <inkml:trace contextRef="#ctx0" brushRef="#br1" timeOffset="-10512.294">4264 335 256,'0'0'1062,"0"0"429,0 0-125,0 0-392,0 0-147,-3-1 19,-22-4 1886,24 5-2191,1 0-68,0 0-204,16 1-8,55 34-28,195 24-28,-56-57-349,-209-2 227,-61 35 1859,-174 68-1352,83-38-6833,106-45-16</inkml:trace>
+  <inkml:trace contextRef="#ctx0" brushRef="#br1" timeOffset="-10512.295">4264 335 256,'0'0'1062,"0"0"429,0 0-125,0 0-392,0 0-147,-3-1 19,-22-4 1886,24 5-2191,1 0-68,0 0-204,16 1-8,55 34-28,195 24-28,-56-57-349,-209-2 227,-61 35 1859,-174 68-1352,83-38-6833,106-45-16</inkml:trace>
   <inkml:trace contextRef="#ctx0" brushRef="#br1" timeOffset="41363.064">5540 119 272,'0'0'678,"0"0"-70,0 0 56,0 0-223,0 0-36,-2-4 30,-4-25-6,-24 10 4310,-76 16-844,91 7-3771,1 0 0,0 0 0,1 1 0,-1 1 0,1 1 0,0 0 0,0 0 0,1 1 0,0 1 0,0 0 0,1 0 0,0 1 0,1 1 0,0 0 0,-4 6-124,13-15 7,-94 111 295,95-112-300,-8 11 49,0 0 0,1 0 0,1 1 0,0 0 0,0 1 0,2-1 0,0 1 0,0 0 0,-1 12-51,6 153-117,3-169 120,0-1-1,0 1 1,2-1 0,-1 0-1,1 0 1,0-1 0,1 0-1,0 0 1,0 0 0,0-1-1,1 0 1,1 0 0,-1-1-1,1 0 1,0-1 0,4 2-3,13 2-15,0-2 1,1-1-1,-1-1 1,1-1-1,0-1 1,0-2-1,0-1 1,0 0-1,11-4 15,37 2 109,41-12-173,32-25 240,-140 35-177,0-1 0,0 0-1,0 0 1,-1-1 0,0 0 0,0 0-1,0-1 1,-1 0 0,0 0 0,-1 0-1,1-1 1,-1 0 0,-1 0-1,1 0 1,-1-1 0,-1 1 0,0-1-1,0 0 1,0 0 0,-1 0-1,-1 0 1,0 0 0,0-7 1,5-151 421,-7 68-244,-32 39 17,28 53-170,1 1-1,-1 0 1,0-1-1,-1 2 1,0-1-1,1 0 1,-2 1-1,1 0 1,-1 1-1,1 0 1,-1 0-1,0 0 1,-1 1-1,1 0 0,-7-2-23,-58-35 22,66 35-44,-1 0-1,0 0 1,0 1-1,-1 0 1,1 0-1,-1 1 1,0-1-1,0 2 1,0-1-1,0 1 1,0 1-1,-9-2 23,-131 23-4484,95 1 1330,-4 4-1157</inkml:trace>
   <inkml:trace contextRef="#ctx0" brushRef="#br0" timeOffset="46072.757">7429 1209 1793,'0'0'683,"0"0"320,0 0-123,0 0-229,0 0-96,0 0 8,0 0-123,-32 12 4216,24-1-4617,0 1 0,1 0 0,1 1 0,0-1-1,1 1 1,0 0 0,1 1 0,0-1 0,1 1 0,1 0 0,0 0 0,1 0 0,0 0 0,1 0 0,1 0 0,1 7-39,-2-9 4,2-1-56,1-1 1,-1 1 0,2-1-1,-1 0 1,2 0-1,-1 0 1,1-1-1,1 0 1,-1 0 0,2 0-1,-1 0 1,8 6 51,7 13-90,-11-19 59,1 1 1,1-2 0,0 1-1,0-2 1,1 0 0,-1 0 0,1-1-1,1 0 1,-1-2 0,1 1-1,0-2 1,0 1 0,1-2-1,-1 0 1,0-1 0,1 0-1,-1-1 1,1-1 0,-1 0-1,12-4 31,15 5-28,-31 0 46,0-1-1,0 0 1,0-1 0,0 0 0,0 0 0,0-1 0,-1-1-1,1 1 1,-1-1 0,0-1 0,0 0 0,-1 0 0,1-1-1,-1 0 1,-1 0 0,1-1 0,-1 0 0,0 0 0,0-1-1,-1 0 1,0 0 0,4-8-18,42-50 206,-42 56-179,-1 0 0,0-1-1,0 0 1,-1-1-1,0 1 1,-1-2 0,0 1-1,-1-1 1,-1 0 0,0 0-1,-1 0 1,0-1-1,-1 0 1,0 1 0,0-11-27,-3-64 904,-51-8-482,31 68-206,12 17-213,-1 0 1,-1 1-1,0 0 1,0 1-1,-1 0 1,0 1-1,0 0 0,-1 0 1,0 1-1,0 1 1,-1 0-1,0 1 1,0 0-1,0 1 1,-1 0-1,0 1 1,1 1-1,-1 0 1,0 1-1,0 0 1,0 1-1,0 1 1,-7 1-4,-3-2 5,12-1 1,0 0 0,-1 1 0,1 0 0,0 1 0,-1 1 1,1 0-1,0 1 0,0 0 0,0 0 0,0 1 0,1 1 0,0 0 0,0 1 0,-1 0-6,-11 10-100,0 2-1,1 0 1,1 1-1,0 1 1,2 0-1,-13 19 101,-10 42-4724,37-52 1618</inkml:trace>
-  <inkml:trace contextRef="#ctx0" brushRef="#br1" timeOffset="47522.76">6178 384 5234,'0'0'947,"0"0"387,0 0-240,0 0-384,0 0-219,30 0 2086,21-3-2466,1 2-1,-1 3 1,1 1 0,-1 3 0,0 3-1,-1 1 1,0 3 0,-1 1-1,0 3 1,28 15-111,-45-15-29,15 7-61,-2 2 1,-1 2-1,0 1 0,-3 3 1,22 21 89,-7 9-512,16 14-3749,-60-69 1876,-3-6-401</inkml:trace>
+  <inkml:trace contextRef="#ctx0" brushRef="#br1" timeOffset="47522.759">6178 384 5234,'0'0'947,"0"0"387,0 0-240,0 0-384,0 0-219,30 0 2086,21-3-2466,1 2-1,-1 3 1,1 1 0,-1 3 0,0 3-1,-1 1 1,0 3 0,-1 1-1,0 3 1,28 15-111,-45-15-29,15 7-61,-2 2 1,-1 2-1,0 1 0,-3 3 1,22 21 89,-7 9-512,16 14-3749,-60-69 1876,-3-6-401</inkml:trace>
   <inkml:trace contextRef="#ctx0" brushRef="#br1" timeOffset="48224.154">7100 486 4162,'0'0'798,"0"0"255,0 0 57,0 0-176,0 0 10,-9 7 3096,54 86-3998,-24-61 70,-5-5-343,1-2-1,2 1 0,0-2 0,2-1 1,0 0-1,1-2 0,15 11 232,-29-26 16,-4-4-140,-1 0 0,1 1 0,-1-1 0,0 1 0,0-1 0,0 1 0,0 0 0,-1 0 0,1 0 0,-1 1 0,0-1 0,0 1 0,0-1-1,0 1 1,0 0 0,-1-1 0,0 1 0,1 1 124,-2-4 200,0-1 315,-38 4 1694,-57 12-1644,-71 15-458,58 2-4693,78-20 782</inkml:trace>
   <inkml:trace contextRef="#ctx0" brushRef="#br0" timeOffset="49711.395">6083 2236 2897,'0'0'705,"0"0"351,0 0-39,0 0-76,0 0-47,8 2 43,96 10 2440,70-9-2439,-127-3-972,-20-3 36,-1-1-1,1-2 1,-1 0-1,-1-2 1,1-1-1,-1 0 1,-1-2-1,17-11-1,22-6-4,-24 10-56,0-1 0,-2-1 0,0-3-1,-1-1 1,2-4 60,94-60-387,34-16-1595,-152 59-1137,-14 40 1588,0 4-561,0 1-432</inkml:trace>
   <inkml:trace contextRef="#ctx0" brushRef="#br0" timeOffset="55328.951">6803 1908 80,'0'0'888,"0"0"65,0 0-123,0 0-86,0 0 43,-19 0 2804,15 0 1430,32-3-4662,1 0 0,-1-2 0,0-1 0,-1-2 0,0 0 0,4-4-359,21-4 202,124-50 104,-154 57-1218,-23 10 920,1-1 1,-1 0-1,1 0 0,-1 1 0,1-1 1,-1 0-1,1 0 0,-1 1 0,1-1 0,0 1 1,-1-1-1,1 0 0,0 1 0,-1-1 1,1 1-1,0-1 0,-1 1 0,1-1 1,0 1-1,0-1 0,-1 1 0,1-1 1,0 1-1,0-1 0,0 1 0,0-1 1,0 1-1,0-1 0,0 1 0,0 0 1,0-1-1,0 1 0,0-1 0,0 1 1,0-1-1,1 1 0,-1-1 0,0 1 1,0-1-1,1 1 0,-1-1 0,0 1 1,0-1-1,1 1 0,-1-1 0,1 0 1,-1 1-1,0-1 0,1 1 0,-1-1 1,1 0-1,-1 1 0,1-1 0,-1 0 1,1 0-1,-1 0 0,1 1 0,-1-1 1,1 0-1,-1 0 0,1 0 0,-1 0 1,1 0-1,-1 0 0,1 0 0,0 0 1,-1 0-9,-6 9-121,-104 163 561,57-71-352,28-48-130,24-50-566,1-2-1182,-1-1-5094,-2 0 2781</inkml:trace>
@@ -2506,7 +2502,7 @@
     </inkml:brush>
   </inkml:definitions>
   <inkml:trace contextRef="#ctx0" brushRef="#br0">8 9 4914,'0'0'1604,"0"0"-446,0 0 45,0 0-184,0 0-195,9-9 1938,-3 12-2679,1 0 0,-1 0 1,0 0-1,0 1 1,0 0-1,0 0 1,0 0-1,-1 1 1,0 0-1,0 0 1,0 0-1,-1 0 1,0 1-1,0 0 1,1 1-84,12 14 76,262 293 55,-85-109 45,-37 31-123,-61-64 22,104 204-24,-60-166-30,-33 17-34,-36-36-334,-39-33 360,-26-100 14,20 5-153,-25-63 46,-1 0-96,4-33 62,-23-162-335,-53-55 225,59 82 1249,13 168-985,0 0 24,0 0-24,0 0-8,0 0-8,5 13-13,19 59 68,-2 0 0,-4 2-1,-3 0 1,-3 0 0,1 46-79,-10-18-8,-28-105 585,-59-117 122,50 62-609,22 35-168,-1 1 0,-1 0 0,0 0 0,-2 2 0,-1 0 0,0 1-1,-3-2 79,-22 3-1644,12 17-2748,24 1 3036,-17 0-5410</inkml:trace>
-  <inkml:trace contextRef="#ctx0" brushRef="#br1" timeOffset="5010.917">0 1923 5346,'0'0'868,"0"0"57,0 0-124,0 0-361,0 0-136,0 0 163,7-6 3407,20 7-3686,-1 0 0,1 2 0,-1 1 1,0 1-1,0 1 0,-1 1 1,13 6-189,189 63 152,79 128 589,-49-44-597,-102-46 235,-59 17-339,-96-132-57,0 1 0,0 0-1,0 0 1,0-1 0,0 1-1,0 0 1,0-1 0,0 1-1,0 0 1,0-1 0,0 1 0,0 0-1,0 0 1,1-1 0,-1 1-1,0 0 1,0 0 0,0-1-1,0 1 1,1 0 0,-1 0-1,0-1 1,0 1 0,1 0 0,-1 0-1,0 0 1,0 0 0,1 0-1,-1-1 1,0 1 0,1 0-1,-1 0 1,0 0 0,0 0-1,1 0 1,-1 0 0,0 0-1,1 0 1,-1 0 0,0 0 0,1 0-1,-1 0 1,0 0 0,0 0-1,1 0 1,-1 0 0,0 0 17,-1-15-65,-1-10-188,-1 0-1,-1 1 0,-1-1 0,-2 1 0,0 0 0,-2 1 0,0 0 0,-5-7 254,-10-27-65,-31-48 633,54 106-550,1-1 0,0 1 0,0-1 1,0 1-1,0-1 0,0 0 0,-1 1 1,1-1-1,0 0 0,0 1 0,0-1 0,-1 1 1,1-1-1,0 0 0,-1 0 0,1 1 1,0-1-1,-1 0 0,1 1 0,0-1 0,-1 0 1,1 0-1,-1 0 0,1 0 0,0 1 1,-1-1-1,1 0 0,-1 0 0,1 0 0,-1 0 1,1 0-1,0 0 0,-1 0 0,1 0 1,-1 0-1,1 0 0,-1 0 0,1 0 0,0 0 1,-1-1-1,1 1-18,12 33 36,2-1 0,2 0 0,1-1-1,1-1 1,1 0 0,2-2 0,4 3-36,61 92-64,-73-97-118,-46-26 828,-380-35 405,369 33-4778,31 2-2449</inkml:trace>
+  <inkml:trace contextRef="#ctx0" brushRef="#br1" timeOffset="5010.916">0 1923 5346,'0'0'868,"0"0"57,0 0-124,0 0-361,0 0-136,0 0 163,7-6 3407,20 7-3686,-1 0 0,1 2 0,-1 1 1,0 1-1,0 1 0,-1 1 1,13 6-189,189 63 152,79 128 589,-49-44-597,-102-46 235,-59 17-339,-96-132-57,0 1 0,0 0-1,0 0 1,0-1 0,0 1-1,0 0 1,0-1 0,0 1-1,0 0 1,0-1 0,0 1 0,0 0-1,0 0 1,1-1 0,-1 1-1,0 0 1,0 0 0,0-1-1,0 1 1,1 0 0,-1 0-1,0-1 1,0 1 0,1 0 0,-1 0-1,0 0 1,0 0 0,1 0-1,-1-1 1,0 1 0,1 0-1,-1 0 1,0 0 0,0 0-1,1 0 1,-1 0 0,0 0-1,1 0 1,-1 0 0,0 0 0,1 0-1,-1 0 1,0 0 0,0 0-1,1 0 1,-1 0 0,0 0 17,-1-15-65,-1-10-188,-1 0-1,-1 1 0,-1-1 0,-2 1 0,0 0 0,-2 1 0,0 0 0,-5-7 254,-10-27-65,-31-48 633,54 106-550,1-1 0,0 1 0,0-1 1,0 1-1,0-1 0,0 0 0,-1 1 1,1-1-1,0 0 0,0 1 0,0-1 0,-1 1 1,1-1-1,0 0 0,-1 0 0,1 1 1,0-1-1,-1 0 0,1 1 0,0-1 0,-1 0 1,1 0-1,-1 0 0,1 0 0,0 1 1,-1-1-1,1 0 0,-1 0 0,1 0 0,-1 0 1,1 0-1,0 0 0,-1 0 0,1 0 1,-1 0-1,1 0 0,-1 0 0,1 0 0,0 0 1,-1-1-1,1 1-18,12 33 36,2-1 0,2 0 0,1-1-1,1-1 1,1 0 0,2-2 0,4 3-36,61 92-64,-73-97-118,-46-26 828,-380-35 405,369 33-4778,31 2-2449</inkml:trace>
 </inkml:ink>
 </file>
 
@@ -2566,7 +2562,7 @@
   <inkml:trace contextRef="#ctx0" brushRef="#br0">250 37 2897,'0'0'673,"0"0"159,0 0-48,0 0-111,0 0 15,0 0-64,-21 14-176,-9 7-271,0-1-161,5-2-16,7-4-144,6-5-433,6-4-591,3-2-673,3-3-64,5-1 1153,5-4-673,2-1 1425</inkml:trace>
   <inkml:trace contextRef="#ctx0" brushRef="#br0" timeOffset="197.129">250 37 112,'24'-7'1489,"6"-2"-913,-1 0 673,-5 2-673,-10 3 448,-11 5 385,-12 9-48,-10 6-769,-9 7-192,-7 6-144,-4 3-176,-3 2-32,1-1-48,3-3-48,3-3-32,7-5-544,6-4-769,7-6-624,7-5-704,3-3 432</inkml:trace>
   <inkml:trace contextRef="#ctx0" brushRef="#br0" timeOffset="463.727">434 16 3874,'0'0'864,"0"0"193,0 0 63,0 0-319,0 0-225,0 0-448,-3 4 96,-6 6 352,-10 9-432,-11 9 208,-9 9-352,-7 6-112,-3 2-976,-2 1 464,3-4 95,5-4-47,7-7-256,9-7-193,9-7-880,7-6-928,6-5 2641</inkml:trace>
-  <inkml:trace contextRef="#ctx0" brushRef="#br0" timeOffset="748.517">622 103 2161,'0'0'1841,"0"0"-897,0 0 177,0 0 111,0 0-671,-23 17-81,-16 11-112,-7 8-64,-2 2-96,-1 1-64,4-3-144,3-2 16,6-4-32,5-3-80,5-5-192,6-3-272,6-6-497,6-4-671,4-4 415,4-3-592,7-5 737,2-3-81</inkml:trace>
+  <inkml:trace contextRef="#ctx0" brushRef="#br0" timeOffset="748.516">622 103 2161,'0'0'1841,"0"0"-897,0 0 177,0 0 111,0 0-671,-23 17-81,-16 11-112,-7 8-64,-2 2-96,-1 1-64,4-3-144,3-2 16,6-4-32,5-3-80,5-5-192,6-3-272,6-6-497,6-4-671,4-4 415,4-3-592,7-5 737,2-3-81</inkml:trace>
   <inkml:trace contextRef="#ctx0" brushRef="#br0" timeOffset="1448.356">701 86 2497,'0'0'1729,"0"0"-464,0 0-449,0 0-416,0 0 352,0 0 289,16-10 207,5-3-351,-2 0-897,-8 8 0,-12 10 192,-14 10 304,-12 10-448,-12 9 288,-9 6-208,-6 5-48,-5 2-64,1 0-16,2-3 0,4-3-192,8-4-512,6-5-977,9-6 321,8-7 399,8-6 49,5-5 79,8-6 113,8-8 0,10-8-289,9-6 209,9-6 432,9-6-801,7-2 657,6-3 512,4 0 416,0 1 737,-2 1-161,-3 3-352,-8 5-239,-8 6 511,-10 7 81,-11 5-193,-8 4 192,-7 3-47,-5 3-849,-7 4 736,-7 6 113,-7 7-177,-6 5-544,-8 5-64,-5 5 112,-4 3-192,-4 2-80,-2 2 0,0 1-16,3-1-128,4-2-288,7-3-496,7-5-161,7-7 369,9-6 208,5-7 207,6-5-495,8-8 624,10-8-96,11-8-144,11-8-49,9-4 97,5-3 368,3 0 272,0 2 177,-4 4 271,-5 4 128,-8 5-447,-9 5 79,-8 5 16,-8 4-16,-6 3 48,-6 3-335,-6 5-177,-8 6-16,-8 8-97,-7 7-1567,-8 7-1442,3-2-1888</inkml:trace>
 </inkml:ink>
 </file>
@@ -2980,18 +2976,18 @@
   </inkml:definitions>
   <inkml:trace contextRef="#ctx0" brushRef="#br0">2 177 4082,'0'0'1675,"0"0"110,0 0-283,0 0-408,0 0-200,0 0-110,0-3-130,0-34 4684,0 36-5124,0 1-25,0 0-26,0 0-25,0 0-73,0 3-188,0 57-43,-1 24 184,3 1 1,4 0 0,14 72-19,10 109-5,-29-267-5,-1 1 0,0-1 0,1 1 0,-1-1 0,0 1 0,1-1 0,-1 1 0,1-1-1,-1 1 1,1-1 0,-1 1 0,1 0 0,-1-1 0,1 1 0,0 0 0,-1 0 0,1 0 0,-1-1 0,1 1 0,0 0 0,-1 0 0,1 0 0,-1 0 0,1 0-1,0 0 1,-1 0 0,1 0 0,0 0 0,-1 0 0,1 0 0,-1 0 0,1 1 0,0-1 0,-1 0 0,1 0 0,-1 1 0,1-1 0,-1 0 0,1 1-1,-1-1 1,1 1 0,-1-1 0,1 0 0,-1 1 0,1-1 0,-1 1 0,0-1 0,1 1 0,-1-1 0,0 1 0,0 0 0,1-1 0,-1 1 0,0-1 0,0 1-1,0 0 1,0-1 0,1 1 0,-1-1 0,0 1 0,0 0 0,0-1 0,-1 1 0,1 0 0,0-1 0,0 1 0,0-1 0,0 1 0,-1 0 10,41-45 201,-35 38-204,42-51 147,-9 9-191,2 2 0,2 2 1,1 1-1,27-17 47,-70 60-245,20-12-587,-13 11-4723,-7 1-1899</inkml:trace>
   <inkml:trace contextRef="#ctx0" brushRef="#br0" timeOffset="638.102">384 80 3426,'0'0'1923,"0"0"110,0 0-171,0 0-477,0 0-459,-1-9-73,-2-42 561,1 31 2692,-1 69-4114,5 25 78,2 0 1,4-1-1,9 36-70,-5-51 9,3 0 1,2-1-1,2-1 0,27 53-9,-44-105-206,1 5 587,-3 2-2965,5-11-1959,-1 0-1022</inkml:trace>
-  <inkml:trace contextRef="#ctx0" brushRef="#br0" timeOffset="1571.154">1038 317 4274,'0'0'1110,"0"0"-160,0 0 226,0 0-23,0 0-158,1 5 45,6 30 550,-6-34-1032,-1-1-67,0 0-59,0 0 88,0 0 96,0 0-98,0 0-83,0 0-102,0 0-90,-14-5-37,4 2-192,0 1 0,0 1 0,0 0-1,0 0 1,0 1 0,0 0 0,-1 1 0,1 0 0,0 1 0,0 0 0,0 0 0,1 1 0,-1 0 0,1 1 0,-1 0 0,1 1 0,-2 1-14,-14 10 52,20-14-51,0 0-1,0 0 0,1 1 0,-1-1 1,0 1-1,1 0 0,0 1 1,0-1-1,0 1 0,0 0 0,0 0 1,1 0-1,0 0 0,0 1 1,0-1-1,0 1 0,1 0 0,0 0 1,0 0-1,0 0 0,0 0 0,1 0 1,0 4-1,0 9-43,1-11 33,-1 0-1,1 0 1,0 0-1,1 0 1,-1 0-1,2 1 1,-1-1-1,1-1 1,0 1-1,0 0 1,1 0-1,0-1 1,0 1-1,1 0 11,-1-3 9,2 8-1,1-2 0,0 1-1,1-1 1,0 0-1,1 0 1,0-1 0,0 0-1,1-1 1,0 1-1,1-2 1,-1 1 0,2-2-1,-1 1 1,1-1-1,0-1 1,0 0-1,0 0 1,1-1 0,-1 0-1,1-1 1,0-1-1,6 1-7,-6-4-72,0 0-1,0 0 1,0-1-1,0 0 1,0-1-1,0-1 1,-1 0-1,0 0 0,1-1 1,-2-1-1,1 0 1,-1 0-1,0-1 1,5-4 72,74-82-6900,-72 68 2791</inkml:trace>
+  <inkml:trace contextRef="#ctx0" brushRef="#br0" timeOffset="1571.151">1038 317 4274,'0'0'1110,"0"0"-160,0 0 226,0 0-23,0 0-158,1 5 45,6 30 550,-6-34-1032,-1-1-67,0 0-59,0 0 88,0 0 96,0 0-98,0 0-83,0 0-102,0 0-90,-14-5-37,4 2-192,0 1 0,0 1 0,0 0-1,0 0 1,0 1 0,0 0 0,-1 1 0,1 0 0,0 1 0,0 0 0,0 0 0,1 1 0,-1 0 0,1 1 0,-1 0 0,1 1 0,-2 1-14,-14 10 52,20-14-51,0 0-1,0 0 0,1 1 0,-1-1 1,0 1-1,1 0 0,0 1 1,0-1-1,0 1 0,0 0 0,0 0 1,1 0-1,0 0 0,0 1 1,0-1-1,0 1 0,1 0 0,0 0 1,0 0-1,0 0 0,0 0 0,1 0 1,0 4-1,0 9-43,1-11 33,-1 0-1,1 0 1,0 0-1,1 0 1,-1 0-1,2 1 1,-1-1-1,1-1 1,0 1-1,0 0 1,1 0-1,0-1 1,0 1-1,1 0 11,-1-3 9,2 8-1,1-2 0,0 1-1,1-1 1,0 0-1,1 0 1,0-1 0,0 0-1,1-1 1,0 1-1,1-2 1,-1 1 0,2-2-1,-1 1 1,1-1-1,0-1 1,0 0-1,0 0 1,1-1 0,-1 0-1,1-1 1,0-1-1,6 1-7,-6-4-72,0 0-1,0 0 1,0-1-1,0 0 1,0-1-1,0-1 1,-1 0-1,0 0 0,1-1 1,-2-1-1,1 0 1,-1 0-1,0-1 1,5-4 72,74-82-6900,-72 68 2791</inkml:trace>
   <inkml:trace contextRef="#ctx0" brushRef="#br0" timeOffset="1907.246">1267 326 2113,'0'0'4770,"0"0"-2788,0 0-480,0 0-544,0 0-446,2 4 321,132 186 2694,-96-139-3282,2-1 1,2-2-1,2-2 1,32 24-246,-74-68-101,41 29 21,-13-22-4109,-29-9 341,-1 0-727</inkml:trace>
-  <inkml:trace contextRef="#ctx0" brushRef="#br0" timeOffset="2288.206">1539 283 4082,'0'0'4234,"0"0"-1836,0 0-813,0 0-465,0 0-445,-2 8-37,-4 23-296,-1-1-1,-2 0 1,-1 0-1,-2-1 1,-1-1-1,0 0 1,-3 0-1,0-2 0,-1 0 1,-12 12-342,-74 130-816,101-161 402,13-4-6699,9-7 2735</inkml:trace>
+  <inkml:trace contextRef="#ctx0" brushRef="#br0" timeOffset="2288.205">1539 283 4082,'0'0'4234,"0"0"-1836,0 0-813,0 0-465,0 0-445,-2 8-37,-4 23-296,-1-1-1,-2 0 1,-1 0-1,-2-1 1,-1-1-1,0 0 1,-3 0-1,0-2 0,-1 0 1,-12 12-342,-74 130-816,101-161 402,13-4-6699,9-7 2735</inkml:trace>
   <inkml:trace contextRef="#ctx0" brushRef="#br0" timeOffset="3090.527">1824 500 2801,'0'0'1430,"0"0"-109,0 0 144,0 0-182,0 0-75,-2 11-26,1-4-1083,0 113 1774,5-106-1840,2 0 0,0-1 1,0 0-1,1 0 0,1 0 0,0-1 1,0 0-1,2 0 0,-1-1 0,1-1 1,1 1-1,0-2 0,12 9-33,-19-16 8,0 0 0,1 0-1,-1-1 1,1 1 0,-1-1 0,1 0-1,-1 0 1,1-1 0,-1 0 0,1 1 0,0-1-1,-1-1 1,1 1 0,-1-1 0,1 0-1,0 0 1,-1 0 0,0-1 0,1 1 0,-1-1-1,0 0 1,0 0 0,0-1 0,0 1-1,0-1 1,0 0 0,-1 0 0,0 0 0,3-2-8,82-111 292,-82 103-271,0-1 0,-1 0 1,-1 0-1,0 0 0,-1 0 1,0-1-1,-1 1 0,-1-1 1,0 0-1,-1 1 0,-1-1 1,-2-9-22,1 18 15,-1 0 1,0-1 0,0 1-1,0 0 1,-1 1-1,0-1 1,0 0 0,-1 1-1,0 0 1,1 0 0,-2 1-1,1-1 1,0 1-1,-1 0 1,0 0 0,0 1-1,0 0 1,0 0 0,-1 0-1,1 1 1,-1 0-1,0 0 1,1 1 0,-1 0-1,0 0 1,0 0 0,0 1-1,-4 0-15,2 0 48,0-1-1,0 1 1,0 1 0,1 0-1,-1 0 1,0 1-1,1 0 1,-1 0 0,1 1-1,-1 0 1,1 0 0,0 1-1,0 1-47,-2 0-15,0 0 1,1 1-1,0 0 0,0 1 1,0 0-1,1 0 0,0 1 1,1 0-1,-1 1 0,2-1 1,-1 1-1,1 1 0,1-1 1,-1 1-1,2 0 0,-1 0 1,1 1-1,1-1 0,0 1 1,1 0-1,0-1 0,0 3 15,1-6-422,1 0 0,0-1 1,0 1-1,1 0 0,0-1 0,0 1 0,0-1 0,1 1 0,0-1 0,0 0 0,1 0 0,0 0 0,0 0 0,0 0 0,1-1 1,0 1-1,0-1 0,0 0 0,1 0 0,1 1 422,25 24-4578</inkml:trace>
   <inkml:trace contextRef="#ctx0" brushRef="#br0" timeOffset="3860.115">2452 468 3586,'0'0'1166,"0"0"-49,0 0 487,0 0-212,0 0-196,-7 11-33,-19 33-379,19 35 483,6-73-1254,0 1 0,0-1 0,1 1 0,-1 0 0,2-1-1,-1 1 1,1-1 0,0 1 0,0 0 0,0-1 0,1 0-1,0 1 1,1-1 0,-1 0 0,1 0 0,0 0 0,1-1 0,-1 1-1,1-1 1,0 1 0,1-1 0,-1-1 0,1 1 0,0-1-1,0 1 1,0-1 0,1-1 0,0 1 0,-1-1 0,1 0-1,0 0 1,3 0-13,122 1 230,-123-7-219,-1-1 1,1 0-1,0-1 1,-1 0-1,0 0 1,0 0-1,-1-1 1,0 0-1,0-1 1,0 1-1,0-1 1,-1 0-1,0-1-11,3-5-75,0 0 0,0-1-1,-1 0 1,-1 0 0,-1-1 0,0 1-1,0-1 1,-2 0 0,0-1 0,0 1 0,-2-1-1,0 1 1,0-1 0,-2 1 0,-1-8 75,2 19 1,0 0 1,0 0-1,-1 0 0,0 0 1,1 1-1,-1-1 1,-1 0-1,1 0 1,-1 1-1,1-1 1,-1 1-1,0 0 1,0-1-1,0 1 1,-1 0-1,1 0 1,-1 0-1,0 0 0,0 1 1,0-1-1,0 1 1,0 0-1,0 0 1,-1 0-1,1 0 1,-1 0-1,1 1 1,-1 0-1,0-1 1,1 1-1,-1 1 1,0-1-1,0 0 0,0 1 1,0 0-1,0 0 1,0 0-1,1 1 1,-1-1-1,-2 1-1,-182 0 299,185 0-336,0 0 0,0 0 0,0 0 0,0 0 0,0 0 0,1 1 0,-1-1 0,0 1 0,1 0 1,-1-1-1,1 1 0,-1 0 0,1 1 0,0-1 0,0 0 0,0 1 0,0-1 0,1 1 0,-1 0 0,0-1 0,1 1 0,0 0 0,0 0 0,0 0 0,0 0 0,0 0 0,1 0 0,-1 0 0,1 0 0,0 0 0,0 1 37,-1 69-4054,2-45 893,-1 6-1772</inkml:trace>
   <inkml:trace contextRef="#ctx0" brushRef="#br0" timeOffset="4545.596">2746 459 8292,'0'0'1579,"0"0"-42,0 0-443,0 0-547,0 0-51,0 7 387,18 209 1155,68 69-2414,-72-120-699,-16-159 1036,-1 1 1,0-1-1,-1 0 1,1 0-1,-1 0 1,-1 0-1,1-1 1,-1 1-1,0-1 1,0 0-1,0-1 1,-1 1-1,0-1 1,0 0-1,0-1 0,0 1 1,0-1-1,-1 0 1,1-1-1,-1 0 1,0 0-1,0 0 1,0-1-1,0 0 1,-2 0 38,-136 4 117,135-9 37,0 0-1,0-1 1,1 1 0,-1-2 0,1 0-1,0 0 1,1 0 0,0-1-1,0-1 1,0 1 0,1-1-1,0 0 1,0-1 0,1 0-1,-3-4-153,8 10 28,-1 1-1,1-1 1,0 1-1,0-1 0,0 0 1,0 1-1,0-1 1,1 0-1,-1 1 1,1-1-1,0 0 1,0 0-1,0 0 1,0 1-1,0-1 0,1 0 1,-1 0-1,1 1 1,0-1-1,0 0 1,0 1-1,0-1 1,0 1-1,0-1 0,1 1 1,-1-1-1,1 1 1,0 0-1,-1 0 1,1 0-1,0 0 1,0 0-1,1 0 1,-1 0-1,0 1 0,1-1 1,-1 1-1,1 0-27,272-222-8510,-235 191 5474,-4 1-838</inkml:trace>
   <inkml:trace contextRef="#ctx0" brushRef="#br0" timeOffset="5262.53">3093 376 1457,'0'0'1251,"0"0"128,0 0-250,0 0-22,0 0 243,0-4 5135,0 26-6197,-2 44 2,4 1-1,3 0 1,2-1-1,11 39-289,-9-44-26,-9-60-118,0-1-286,0 0-167,0 0-81,0 0-242,0 0-353,0-25-6651,0 7 5790,0-2 1360</inkml:trace>
   <inkml:trace contextRef="#ctx0" brushRef="#br0" timeOffset="5848.546">3132 642 384,'0'0'2185,"0"0"264,0 0-80,0 0-261,0 0-251,8-6-641,68-37 1284,-59 42-2425,88-17 471,-52-25-4651,-47-24-5969,-7 46 9036,-15-31 2196,1-1 5277,12 47 1327,2 18-7515,53 314 1557,-12-210-2498,-19-110-3438,-6-8-3616,-3-6 2444</inkml:trace>
-  <inkml:trace contextRef="#ctx0" brushRef="#br0" timeOffset="6697.237">3655 288 3362,'0'0'1742,"0"0"-75,0 0-136,0 0-466,0 0-65,0 4 150,-1 47 600,-1-16-1464,1 0 0,2 1-1,1-1 1,2-1 0,2 1 0,0 0 0,3-1-1,1-1 1,8 20-286,-16-51-1,0 0 0,1 0 0,-1 0 0,0 0-1,1 0 1,-1-1 0,1 1 0,-1-1 0,1 0 0,0 0-1,0 0 1,-1 0 0,1 0 0,0-1 0,0 1 0,0-1 0,0 0-1,0 0 1,0 0 0,0 0 0,0 0 0,-1 0 0,1-1-1,0 0 1,0 0 0,0 1 0,-1-1 0,1-1 0,0 1-1,-1 0 1,1-1 0,-1 1 0,1-1 0,-1 0 0,0 0-1,0 0 1,0 0 0,0 0 0,0 0 0,0-1 0,0 1 0,-1-1-1,1 1 1,-1-1 0,0 0 0,1-1 1,8-7-123,0-1 1,0 0 0,-1 0-1,0-1 1,-1 0-1,-1-1 1,0 0-1,-1 0 1,-1 0-1,2-8 123,11-129-2614,-23 27 4025,5 123-1251,0 1 102,0 0 7,-4 30 563,26 207 1169,44-14-1611,-66-220-449,1-1 0,0 1 0,0-1 0,0 1 0,0-1 0,0 0 0,1 1-1,-1-1 1,0 0 0,1 0 0,0 0 0,0 0 0,-1 0 0,1 0 0,0-1 0,1 1 0,-1-1 0,0 1 0,0-1 0,1 0 0,-1 1 0,2-1 59,5-14-3711,-4-10-723</inkml:trace>
+  <inkml:trace contextRef="#ctx0" brushRef="#br0" timeOffset="6697.236">3655 288 3362,'0'0'1742,"0"0"-75,0 0-136,0 0-466,0 0-65,0 4 150,-1 47 600,-1-16-1464,1 0 0,2 1-1,1-1 1,2-1 0,2 1 0,0 0 0,3-1-1,1-1 1,8 20-286,-16-51-1,0 0 0,1 0 0,-1 0 0,0 0-1,1 0 1,-1-1 0,1 1 0,-1-1 0,1 0 0,0 0-1,0 0 1,-1 0 0,1 0 0,0-1 0,0 1 0,0-1 0,0 0-1,0 0 1,0 0 0,0 0 0,0 0 0,-1 0 0,1-1-1,0 0 1,0 0 0,0 1 0,-1-1 0,1-1 0,0 1-1,-1 0 1,1-1 0,-1 1 0,1-1 0,-1 0 0,0 0-1,0 0 1,0 0 0,0 0 0,0 0 0,0-1 0,0 1 0,-1-1-1,1 1 1,-1-1 0,0 0 0,1-1 1,8-7-123,0-1 1,0 0 0,-1 0-1,0-1 1,-1 0-1,-1-1 1,0 0-1,-1 0 1,-1 0-1,2-8 123,11-129-2614,-23 27 4025,5 123-1251,0 1 102,0 0 7,-4 30 563,26 207 1169,44-14-1611,-66-220-449,1-1 0,0 1 0,0-1 0,0 1 0,0-1 0,0 0 0,1 1-1,-1-1 1,0 0 0,1 0 0,0 0 0,0 0 0,-1 0 0,1 0 0,0-1 0,1 1 0,-1-1 0,0 1 0,0-1 0,1 0 0,-1 1 0,2-1 59,5-14-3711,-4-10-723</inkml:trace>
   <inkml:trace contextRef="#ctx0" brushRef="#br0" timeOffset="7066.362">4199 306 3954,'0'0'1715,"0"0"553,0 0-96,0 0-500,0 0-346,8 26-325,49 176 490,-33 0-1384,-17-194-1028,-1-11-5748,-3-10 2203</inkml:trace>
   <inkml:trace contextRef="#ctx0" brushRef="#br0" timeOffset="7652.085">4502 231 3986,'0'0'1862,"0"0"-485,0 0 317,0 0-227,0 0-488,0 14-37,0-2-749,2-3-2,-2 1 0,0-1-1,0 0 1,0 0 0,-1 1-1,-1-1 1,1 0-1,-2 0 1,1 0 0,-1-1-1,0 1 1,-2 1-191,0-1 44,-1-1 0,-1 1 0,0-1-1,0 0 1,-1-1 0,1 1 0,-2-2 0,1 1 0,-1-1-1,0 0 1,0-1 0,0 0 0,-1-1 0,0 1 0,0-2-1,0 0 1,0 0 0,-1-1 0,1 0 0,-1 0 0,-8-1-44,18-1 16,20 43 325,7-26-195,0-1 0,2-2 0,0 0-1,0-2 1,1-1 0,20 4-146,44 9 788,-51-21-3129,-25-33-5796,-15 8 2791</inkml:trace>
-  <inkml:trace contextRef="#ctx0" brushRef="#br0" timeOffset="8353.058">4717 335 2273,'0'0'2985,"0"0"-944,0 0 304,0 0-450,0 0-711,5-13 2514,8 87-2682,26 183-557,-39-251-459,0-1 0,1 0 0,-1 1 0,1-1 0,0 0 0,0 0 0,1 0-1,0 0 1,0 0 0,0 0 0,0 0 0,1 0 0,0-1 0,0 1 0,0-1 0,0 0 0,1 0 0,0 0-1,-1 0 1,1-1 0,1 0 0,-1 1 0,0-2 0,1 1 0,0 0 0,0-1 0,-1 0 0,1 0 0,2 0 0,-4-1-14,1-1 1,0 0 0,-1 0 0,1 0 0,0 0 0,-1-1 0,1 1-1,-1-1 1,1 0 0,-1 0 0,1 0 0,-1-1 0,0 1 0,0-1 0,1 0-1,-1 1 1,0-2 0,0 1 0,-1 0 0,1 0 0,0-1 0,-1 0-1,0 1 1,1-1 0,-1 0 0,0-1 13,15-20-259,-2-1 1,0 0-1,-2-2 1,-1 1-1,-1-1 0,-1-1 1,-1 0-1,-2 0 1,-1-1-1,-1 0 0,-1 0 1,-2 0-1,-1-1 1,-1-3 258,0-45 821,0 77-396,0 1-153,0 0-134,0 12 177,35 183 2092,-29-162-2237,1-1 0,2 0 1,1 0-1,2-1 0,1-1 0,11 19-170,43 32-4289,-62-77-1421</inkml:trace>
+  <inkml:trace contextRef="#ctx0" brushRef="#br0" timeOffset="8353.055">4717 335 2273,'0'0'2985,"0"0"-944,0 0 304,0 0-450,0 0-711,5-13 2514,8 87-2682,26 183-557,-39-251-459,0-1 0,1 0 0,-1 1 0,1-1 0,0 0 0,0 0 0,1 0-1,0 0 1,0 0 0,0 0 0,0 0 0,1 0 0,0-1 0,0 1 0,0-1 0,0 0 0,1 0 0,0 0-1,-1 0 1,1-1 0,1 0 0,-1 1 0,0-2 0,1 1 0,0 0 0,0-1 0,-1 0 0,1 0 0,2 0 0,-4-1-14,1-1 1,0 0 0,-1 0 0,1 0 0,0 0 0,-1-1 0,1 1-1,-1-1 1,1 0 0,-1 0 0,1 0 0,-1-1 0,0 1 0,0-1 0,1 0-1,-1 1 1,0-2 0,0 1 0,-1 0 0,1 0 0,0-1 0,-1 0-1,0 1 1,1-1 0,-1 0 0,0-1 13,15-20-259,-2-1 1,0 0-1,-2-2 1,-1 1-1,-1-1 0,-1-1 1,-1 0-1,-2 0 1,-1-1-1,-1 0 0,-1 0 1,-2 0-1,-1-1 1,-1-3 258,0-45 821,0 77-396,0 1-153,0 0-134,0 12 177,35 183 2092,-29-162-2237,1-1 0,2 0 1,1 0-1,2-1 0,1-1 0,11 19-170,43 32-4289,-62-77-1421</inkml:trace>
 </inkml:ink>
 </file>
 
@@ -3057,7 +3053,7 @@
     </inkml:brush>
   </inkml:definitions>
   <inkml:trace contextRef="#ctx0" brushRef="#br0">0 222 4434,'0'0'2113,"0"0"-576,0 0 672,0 0-769,0 0-431,0 0-1,0 0 33,0 0-353,0 0-128,0 0 33,0 0-33,0 0-80,0 0-16,0 0-192,0 0-176,0 0 1,0 0-65,0 0 0,0 0 0,0 0-16,0 0 0,0 0-16,0 0-48,4 0 48,4 0 64,8 0 0,8-2-16,8 1-48,6-2 0,7-1 32,5 1-32,2 1 0,1-1 16,2 1-16,0 0 0,0 0 0,-1 1 16,-3 1-16,-1 0 0,-3 0 0,0 0 0,0 0 16,0 0-16,1-1 16,2 0-16,0-2 16,2 1 16,-1-1-32,0 1 0,-1 0 16,-2 1-16,-2 0 0,-3 1 0,-2 0 16,-3 0 0,-1 0 0,-2 0-16,-1 0 16,0 0 16,0 0 16,1 0 96,1 1-64,0-1 16,-1 0-16,-3 0 16,-1-1 16,-3 1-48,-6 0-32,-3 0 0,-5 0 0,-3 0 16,-3 0 48,-2 0-64,-3 0-32,-1 0 0,-2 0 0,0 0-16,-1 0 16,1 0 0,-1 0-16,1 0 0,0 0-112,0 0 32,0 0 32,0 0-16,0 0 16,1 0 48,2 0 16,0 0 0,1 0 0,3 0 32,1 0 0,2 0 80,2 0-64,3 0 32,-1 0-32,-1 0 16,-1 0-16,-3 0 48,-2 0-48,-3 0 0,-2 0-48,-1 0 32,-1 0 0,0 0-32,-1 0 16,1 0-16,-1 0-16,1 0-16,0 0-80,0 0-240,-1 0-144,1 0-144,1 0-177,-4 0-239,-2 0-497,-4 0-1520,-4 0-3074,1 0 96</inkml:trace>
-  <inkml:trace contextRef="#ctx0" brushRef="#br0" timeOffset="553.541">1576 5 3217,'0'0'5107,"0"0"-3202,0 0 304,0 0-400,0 0-593,0 0-432,-2 0-127,-1-1-353,0 0-160,1 0 32,2 0-32,7 1 160,8 0 0,10 0 1,10 3-161,9 2-80,8 2-64,3 2 0,1 2 0,-1 0 0,-5 0 0,-6-1 0,-7 0 0,-8-1 0,-9-1-16,-7 0-16,-6 2 32,-4 2 0,-2 6 272,-7 4 272,-7 5 256,-9 5 1,-11 2 47,-7 2-128,-6-2-31,-3-2 31,0-3-208,5-4-336,6-4-112,10-5-64,8-6 0,7-3 0,7-3-128,4-3-368,2 0-384,1-2-481,1 1-496,-1 1-256,0 2-800,-4 4-3522,0-1-2273</inkml:trace>
+  <inkml:trace contextRef="#ctx0" brushRef="#br0" timeOffset="553.54">1576 5 3217,'0'0'5107,"0"0"-3202,0 0 304,0 0-400,0 0-593,0 0-432,-2 0-127,-1-1-353,0 0-160,1 0 32,2 0-32,7 1 160,8 0 0,10 0 1,10 3-161,9 2-80,8 2-64,3 2 0,1 2 0,-1 0 0,-5 0 0,-6-1 0,-7 0 0,-8-1 0,-9-1-16,-7 0-16,-6 2 32,-4 2 0,-2 6 272,-7 4 272,-7 5 256,-9 5 1,-11 2 47,-7 2-128,-6-2-31,-3-2 31,0-3-208,5-4-336,6-4-112,10-5-64,8-6 0,7-3 0,7-3-128,4-3-368,2 0-384,1-2-481,1 1-496,-1 1-256,0 2-800,-4 4-3522,0-1-2273</inkml:trace>
 </inkml:ink>
 </file>
 
@@ -3176,7 +3172,7 @@
   </inkml:definitions>
   <inkml:trace contextRef="#ctx0" brushRef="#br0">5 114 448,'0'0'3180,"0"0"-1261,0 0-209,0 0-198,0 0-314,0 0-144,0 0-259,0 0-184,0 0-64,0 0 45,0 0 75,0 0-123,0 0-181,0 0-184,0 2-99,-4 468 832,3-506-961,2 1-1,2-1 1,1 1-1,2 0 1,2 0-1,0 1 1,7-12 49,-5 19-22,53-93-525,-49 154 499,13 144 361,-26-169-303,0 1 1,1-1 0,0-1-1,0 1 1,1 0 0,0 0-1,0-1 1,1 1 0,0-1-1,1 0 1,-1-1 0,2 1-1,-1-1 1,1 0 0,0 0-1,1 0 1,-1-1 0,1 0-1,4 2-10,-8-9 16,1 1-1,-1-1 0,1 1 1,0-1-1,-1 0 0,0-1 1,1 1-1,-1 0 0,0-1 1,1 0-1,-1 0 0,0 0 0,0 0 1,0 0-1,-1-1 0,1 1 1,-1-1-1,1 0 0,-1 0 1,0 0-1,0 0 0,0 0 1,0 0-1,-1 0 0,1-1 1,-1 1-1,0-1 0,0 1 1,0-1-1,0 1 0,-1-1 1,1 0-1,-1-1-15,5-8-31,33-102-188,-32 148-672,-5-11 942,2-1 0,0 1 1,2-1-1,0 0 0,1-1 0,2 1 0,4 9-51,-10-27 19,1 0 0,-1-1 0,0 1 0,0-1 0,1 1 1,0-1-1,-1 0 0,1 0 0,0-1 0,0 1 0,0 0 0,0-1 0,0 0 0,0 0 1,1 0-1,-1 0 0,0 0 0,0-1 0,1 1 0,-1-1 0,1 0 0,-1 0 1,0 0-1,1 0-19,40-64 435,-36 40-503,-1 0 1,-2 0 0,0-1-1,-2 0 1,0 1 0,-2-1 0,-1 0-1,-1-9 68,1 12-70,-1 17 73,-1 0 0,0 0 0,0 0 0,0 1 0,0-1 0,-1 1 0,0-1-1,0 1 1,0 0 0,0 0 0,-1 0 0,1 0 0,-1 1 0,0 0 0,0 0 0,0 0-1,-1 0 1,1 0 0,-1 1 0,1 0 0,-1 0 0,0 0 0,0 0 0,0 1 0,0 0-1,0 0 1,0 0 0,0 1 0,-1 0 0,1 0 0,0 0 0,0 0 0,0 1 0,0 0-1,0 0 1,-1 0-3,-10 52 326,14 108 415,2-158-712,-1 0 0,1 0 0,0 0-1,0 1 1,0-1 0,0 0-1,1 0 1,0 0 0,-1 0-1,1 1 1,0-1 0,0 0 0,1-1-1,-1 1 1,0 0 0,1 0-1,0 0 1,0-1 0,0 1-1,0-1 1,0 0 0,0 1 0,1-1-1,-1 0 1,1 0 0,-1-1-1,1 1 1,0 0 0,0-1-1,0 0 1,0 1 0,0-1 0,0 0-1,0-1 1,0 1 0,0-1-1,2 1-28,-1-4 13,0 1 0,0-1 0,-1 0 0,1 0-1,-1-1 1,0 1 0,0-1 0,0 0 0,0 1-1,0-1 1,-1-1 0,0 1 0,0 0 0,0 0 0,0-1-1,-1 1 1,1-1 0,0-4-13,-2 7-1,9-22-23,30-135-675,-36 127 613,2 40-263,47 273 893,-52-279-536,0 1 1,0-1-1,1 0 1,-1 0-1,1 1 0,-1-1 1,1 0-1,0 0 1,0 0-1,0 0 0,0 0 1,0 0-1,0 0 0,0 0 1,1-1-1,-1 1 1,1 0-1,-1-1 0,1 1 1,0-1-1,0 1 1,-1-1-1,1 0 0,0 0 1,0 0-1,0 0 0,0 0 1,0 0-1,1-1 1,-1 1-1,0-1 0,0 1 1,0-1-1,1 0 1,-1 0-1,0 0 0,0 0 1,1 0-1,-1 0 0,0-1 1,0 1-1,1-1-8,1-4 24,0 0-1,0 0 0,-1 0 1,1-1-1,-1 1 0,-1-1 1,1 0-1,-1 1 0,0-1 1,0-1-1,-1 1 1,1 0-1,-1 0 0,-1-5-23,3 0-17,49-206-1090,-17 193 933,-26 42 129,31 171 778,-27-89-660,5-123 39,83-240-897,-101 262 767,1-1 1,-1 1-1,0-1 0,1 0 1,-1 1-1,1-1 0,0 1 0,-1 0 1,1-1-1,0 1 0,0 0 1,0-1-1,0 1 0,0 0 0,0 0 1,0 0-1,1 0 0,-1 0 0,0 0 1,0 0-1,1 0 0,-1 0 1,1 0-1,-1 1 0,1-1 0,-1 1 1,1-1-1,-1 1 0,1 0 1,-1-1-1,1 1 0,0 0 0,-1 0 1,1 0-1,-1 0 0,1 0 0,0 1 1,-1-1-1,1 0 0,-1 1 1,1-1-1,0 1 18,16 146 882,-18-131-846,0 123 286,14-142-210,46-189-760,-22 118-470,-36 73 1060,-2 1-30,0 0-59,4 11-37,41 185 2070,-45-192-1868,1-1 0,0 1 0,0-1 0,0 0 0,0 1 0,1-1 0,-1 0-1,1 0 1,0 1 0,0-1 0,0-1 0,0 1 0,1 0 0,-1 0 0,1-1 0,-1 0 0,1 1 0,0-1 0,0 0 0,0 0 0,0-1 0,0 1-1,1-1 1,-1 1 0,0-1 0,1 0 0,-1 0 0,1-1 0,-1 1 0,1-1 0,-1 1 0,1-1 0,0 0 0,-1 0 0,1-1 0,0 0-18,1 0 15,0-1 1,-1 0 0,1 0-1,0 0 1,-1 0-1,1-1 1,-1 0 0,0 0-1,0 0 1,0-1 0,0 1-1,-1-1 1,1 0 0,-1 0-1,0 0 1,0-1-1,-1 1 1,2-3-16,14-16-15,-10 12-93,1 0 0,-2-1-1,1 0 1,-2 0-1,0-1 1,0 0 0,-1 0-1,0 0 1,-2 0 0,1-1-1,-2 1 1,1-1-1,-2 0 1,0 0 0,-1 0-1,0-4 109,0-29-208,-31 42 61,28 5 146,1 1-1,0-1 0,-1 1 0,1-1 1,-1 1-1,1 0 0,0 0 0,0 0 1,-1 0-1,1 0 0,0 1 0,0-1 0,0 1 1,0-1-1,1 1 0,-1 0 0,0-1 1,1 1-1,-1 0 0,1 0 0,-1 0 1,1 0-1,0 1 0,0-1 0,0 0 1,0 0-1,1 1 0,-1-1 0,0 1 0,1-1 1,0 0-1,-1 3 2,-4 91 383,6-74-88,-3-15-236,1 0 0,0 0-1,1 0 1,0 0 0,0 0 0,0 0-1,1 0 1,0 0 0,0-1 0,0 1 0,1 0-1,0 0 1,1-1 0,0 1 0,0-1-1,0 0 1,0 0 0,1 0 0,0 0-1,1-1 1,-1 1 0,1-1 0,0 0-1,0-1 1,0 1 0,1-1 0,0 0 0,0 0-1,0-1 1,0 0 0,0 0 0,1 0-1,0-1 1,-1 0 0,1 0 0,1 0-59,2-1-237,0 0-1,0 0 1,0-1 0,0 0 0,0-1 0,0 0 0,0 0 0,0-1 0,-1-1 0,1 0 0,-1 0-1,1 0 1,-1-2 0,0 1 0,0-1 0,3-2 237,22-25-4538,-2-2-4386</inkml:trace>
   <inkml:trace contextRef="#ctx0" brushRef="#br0" timeOffset="316.18">2011 1 3362,'0'0'9204,"0"0"-8068,0 0 369,0 0-881,0 0-608,0 0-16,0 4-128,0 8-864,0-1-1249,0 2-3746</inkml:trace>
-  <inkml:trace contextRef="#ctx0" brushRef="#br0" timeOffset="616.867">2060 389 6467,'0'0'1617,"0"0"176,0 0 191,-31 133-783,13-97-497,1-4 97,-5 0-321,4-8-384,1-1-64,-1-3-32,1 1-256,-1-3-1169,0-9-2417,5 0-5810</inkml:trace>
+  <inkml:trace contextRef="#ctx0" brushRef="#br0" timeOffset="616.864">2060 389 6467,'0'0'1617,"0"0"176,0 0 191,-31 133-783,13-97-497,1-4 97,-5 0-321,4-8-384,1-1-64,-1-3-32,1 1-256,-1-3-1169,0-9-2417,5 0-5810</inkml:trace>
 </inkml:ink>
 </file>
 
@@ -3436,7 +3432,7 @@
     </inkml:brush>
   </inkml:definitions>
   <inkml:trace contextRef="#ctx0" brushRef="#br0">8 9 4914,'0'0'1604,"0"0"-446,0 0 45,0 0-184,0 0-195,9-9 1938,-3 12-2679,1 0 0,-1 0 1,0 0-1,0 1 1,0 0-1,0 0 1,0 0-1,-1 1 1,0 0-1,0 0 1,0 0-1,-1 0 1,0 1-1,0 0 1,1 1-84,12 14 76,262 293 55,-85-109 45,-37 31-123,-61-64 22,104 204-24,-60-166-30,-33 17-34,-36-36-334,-39-33 360,-26-100 14,20 5-153,-25-63 46,-1 0-96,4-33 62,-23-162-335,-53-55 225,59 82 1249,13 168-985,0 0 24,0 0-24,0 0-8,0 0-8,5 13-13,19 59 68,-2 0 0,-4 2-1,-3 0 1,-3 0 0,1 46-79,-10-18-8,-28-105 585,-59-117 122,50 62-609,22 35-168,-1 1 0,-1 0 0,0 0 0,-2 2 0,-1 0 0,0 1-1,-3-2 79,-22 3-1644,12 17-2748,24 1 3036,-17 0-5410</inkml:trace>
-  <inkml:trace contextRef="#ctx0" brushRef="#br0" timeOffset="5010.917">0 1923 5346,'0'0'868,"0"0"57,0 0-124,0 0-361,0 0-136,0 0 163,7-6 3407,20 7-3686,-1 0 0,1 2 0,-1 1 1,0 1-1,0 1 0,-1 1 1,13 6-189,189 63 152,79 128 589,-49-44-597,-102-46 235,-59 17-339,-96-132-57,0 1 0,0 0-1,0 0 1,0-1 0,0 1-1,0 0 1,0-1 0,0 1-1,0 0 1,0-1 0,0 1 0,0 0-1,0 0 1,1-1 0,-1 1-1,0 0 1,0 0 0,0-1-1,0 1 1,1 0 0,-1 0-1,0-1 1,0 1 0,1 0 0,-1 0-1,0 0 1,0 0 0,1 0-1,-1-1 1,0 1 0,1 0-1,-1 0 1,0 0 0,0 0-1,1 0 1,-1 0 0,0 0-1,1 0 1,-1 0 0,0 0 0,1 0-1,-1 0 1,0 0 0,0 0-1,1 0 1,-1 0 0,0 0 17,-1-15-65,-1-10-188,-1 0-1,-1 1 0,-1-1 0,-2 1 0,0 0 0,-2 1 0,0 0 0,-5-7 254,-10-27-65,-31-48 633,54 106-550,1-1 0,0 1 0,0-1 1,0 1-1,0-1 0,0 0 0,-1 1 1,1-1-1,0 0 0,0 1 0,0-1 0,-1 1 1,1-1-1,0 0 0,-1 0 0,1 1 1,0-1-1,-1 0 0,1 1 0,0-1 0,-1 0 1,1 0-1,-1 0 0,1 0 0,0 1 1,-1-1-1,1 0 0,-1 0 0,1 0 0,-1 0 1,1 0-1,0 0 0,-1 0 0,1 0 1,-1 0-1,1 0 0,-1 0 0,1 0 0,0 0 1,-1-1-1,1 1-18,12 33 36,2-1 0,2 0 0,1-1-1,1-1 1,1 0 0,2-2 0,4 3-36,61 92-64,-73-97-118,-46-26 828,-380-35 405,369 33-4778,31 2-2449</inkml:trace>
+  <inkml:trace contextRef="#ctx0" brushRef="#br0" timeOffset="5010.916">0 1923 5346,'0'0'868,"0"0"57,0 0-124,0 0-361,0 0-136,0 0 163,7-6 3407,20 7-3686,-1 0 0,1 2 0,-1 1 1,0 1-1,0 1 0,-1 1 1,13 6-189,189 63 152,79 128 589,-49-44-597,-102-46 235,-59 17-339,-96-132-57,0 1 0,0 0-1,0 0 1,0-1 0,0 1-1,0 0 1,0-1 0,0 1-1,0 0 1,0-1 0,0 1 0,0 0-1,0 0 1,1-1 0,-1 1-1,0 0 1,0 0 0,0-1-1,0 1 1,1 0 0,-1 0-1,0-1 1,0 1 0,1 0 0,-1 0-1,0 0 1,0 0 0,1 0-1,-1-1 1,0 1 0,1 0-1,-1 0 1,0 0 0,0 0-1,1 0 1,-1 0 0,0 0-1,1 0 1,-1 0 0,0 0 0,1 0-1,-1 0 1,0 0 0,0 0-1,1 0 1,-1 0 0,0 0 17,-1-15-65,-1-10-188,-1 0-1,-1 1 0,-1-1 0,-2 1 0,0 0 0,-2 1 0,0 0 0,-5-7 254,-10-27-65,-31-48 633,54 106-550,1-1 0,0 1 0,0-1 1,0 1-1,0-1 0,0 0 0,-1 1 1,1-1-1,0 0 0,0 1 0,0-1 0,-1 1 1,1-1-1,0 0 0,-1 0 0,1 1 1,0-1-1,-1 0 0,1 1 0,0-1 0,-1 0 1,1 0-1,-1 0 0,1 0 0,0 1 1,-1-1-1,1 0 0,-1 0 0,1 0 0,-1 0 1,1 0-1,0 0 0,-1 0 0,1 0 1,-1 0-1,1 0 0,-1 0 0,1 0 0,0 0 1,-1-1-1,1 1-18,12 33 36,2-1 0,2 0 0,1-1-1,1-1 1,1 0 0,2-2 0,4 3-36,61 92-64,-73-97-118,-46-26 828,-380-35 405,369 33-4778,31 2-2449</inkml:trace>
 </inkml:ink>
 </file>
 
@@ -3466,7 +3462,7 @@
   </inkml:definitions>
   <inkml:trace contextRef="#ctx0" brushRef="#br0">0 736 2897,'0'0'1932,"0"0"-171,0 0-230,0 0-464,0 0-130,0 0 79,0 0-280,1 8-98,39 381 2374,-40-389-3009,0-1 0,0 1 0,0-1 0,0 1 0,1 0 0,-1-1-1,0 1 1,0-1 0,1 1 0,-1 0 0,0-1 0,1 1 0,-1 0 0,0-1 0,1 1 0,-1 0 0,0-1-1,1 1 1,-1 0 0,1 0 0,-1 0 0,1-1 0,-1 1 0,0 0 0,1 0 0,-1 0 0,1 0 0,-1 0 0,1 0-1,-1 0 1,1 0 0,-1 0 0,1 0 0,-1 0 0,1 0 0,-1 0 0,1 0 0,-1 1 0,0-1 0,1 0-1,-1 0 1,1 0 0,-1 1 0,0-1 0,1 0 0,-1 0 0,1 1 0,-1-1 0,0 0 0,0 1 0,1-1-1,-1 1 1,0-1 0,1 0 0,-1 1 0,0-1 0,0 1 0,0-1 0,0 1 0,1-1 0,-1 0 0,0 1-1,0-1 1,0 1 0,0-1 0,0 1-3,23-122 174,-15 80-184,-7 26-11,0 0-1,1-1 1,1 1-1,0 0 1,1 0-1,1 0 0,0 1 1,1 0-1,1 0 1,0 0-1,0 1 1,2 0-1,-1 0 1,2 1-1,0 0 0,0 1 1,1 0-1,0 0 1,4-1 21,-8 8-30,-6 3 14,0 0 1,-1 0-1,1 0 1,0 0-1,0 0 1,0 0-1,0 0 1,0 0-1,0 1 1,0-1-1,0 0 1,0 1-1,1-1 1,-1 1-1,0-1 0,0 1 1,0-1-1,1 1 1,-1 0-1,0 0 1,0 0-1,1 0 1,-1 0-1,0 0 1,1 0-1,-1 0 1,0 0-1,0 0 1,1 1-1,-1-1 1,0 1-1,0-1 0,0 1 1,1-1-1,-1 1 1,0 0-1,0-1 1,0 1-1,0 0 1,0 0 15,60 378 571,-57-362-550,-2-17-5,-1 0 1,1 0-1,-1 0 1,1-1-1,-1 1 0,1 0 1,-1-1-1,1 1 0,-1-1 1,1 1-1,-1-1 0,0 0 1,0 1-1,1-1 1,-1 0-1,0 0 0,0 0 1,0 0-1,0 0 0,0 0 1,0 0-1,0-1 1,0 1-1,0 0 0,-1 0 1,1-1-1,0 1 0,-1-1 1,1 1-1,-1 0 0,1-1 1,-1 1-1,0-1 1,0 1-1,0-1 0,0 1 1,0-2-17,101-333-433,-100 337 402,-1-1 1,0 1-1,0-1 0,0 0 0,1 1 0,-1-1 0,0 0 0,1 1 0,-1-1 0,0 0 0,1 1 0,-1-1 0,1 0 0,-1 0 0,0 0 0,1 1 0,-1-1 0,1 0 0,-1 0 0,1 0 0,-1 0 0,0 0 0,1 0 0,-1 0 0,1 0 0,-1 0 0,1 0 0,-1 0 0,1 0 0,-1 0 0,0 0 0,1 0 0,-1 0 0,1 0 31,3 21 136,92 297 1166,-95-315-1295,-1-1 0,1 0 1,-1 0-1,1 0 0,0 0 0,-1 0 1,1 0-1,0 0 0,0 0 1,0 0-1,1 0 0,-1-1 1,0 1-1,1 0 0,-1-1 0,1 1 1,0-1-1,-1 0 0,1 1 1,0-1-1,0 0 0,0 0 1,0 0-1,0 0 0,0-1 0,0 1 1,0 0-1,0-1 0,0 1 1,0-1-1,1 0 0,-1 0 1,0 0-1,0 0 0,0 0 1,1 0-1,-1-1 0,1 0-7,9-11 48,-2 0 1,0-1-1,0-1 0,-2 1 0,1-2 1,-2 1-1,0-1 0,0 0 0,2-10-48,-7 19-7,8-19-272,0 0 0,-2 0 0,-1-1 0,-1 0 0,-1 0 0,-2 0 0,1-18 279,-4 64 67,2 1 0,0-1 0,1 1 0,2-1 0,0 0 1,1 0-1,0-1 0,2 0 0,8 16-67,-12-26 63,1-1 0,0 0 0,0-1 0,0 1 0,1-1 0,0 0 1,0-1-1,1 1 0,0-1 0,0 0 0,0-1 0,1 0 0,0 0 0,0 0 0,0-1 1,1-1-1,-1 1 0,1-1 0,0-1 0,0 1 0,0-1 0,0-1 0,0 0 0,6 0-63,-13-1 8,2 1 20,0-1 1,0 1 0,1-1-1,-1 0 1,0 0-1,1 0 1,-1-1-1,0 1 1,0-1-1,0 0 1,1-1-1,-1 1 1,0-1 0,-1 1-1,1-1 1,0 0-1,0-1 1,-1 1-1,1 0 1,-1-1-1,0 0 1,0 0-1,0 0 1,0 0-1,0-1 1,2-2-29,38-100-139,-38-82-37,-5 183 180,-1 0-1,1 0 1,-1 0-1,0 0 1,-1 0-1,1 1 1,-1-1-1,0 0 1,0 1-1,0-1 1,-1 1-1,1 0 1,-1 0-1,0 0 1,0 0-1,-1 0 1,1 1-1,-1-1 1,0 1-1,0 0 0,0 0 1,0 0-1,0 1 1,-1 0-1,1-1 1,-4 0-4,-12 3-4,11-1-1,1 1 0,-1 0 0,0 0 0,1 1 0,-1 0 0,1 0 0,-1 1 0,1 0 0,0 0 0,0 1 0,0 1 0,-6 2 5,4 0-9,-1 0 0,2 1 1,-1 0-1,1 1 0,0 0 0,0 0 1,1 1-1,0 0 0,1 0 0,0 1 0,0 0 1,1 0-1,0 1 0,1 0 0,0 0 1,1 0-1,0 0 0,1 1 0,0-1 1,1 1-1,-1 7 9,3-2 0,-1-13-7,0-1 0,0 1 0,0-1 0,1 1 0,0-1 0,-1 1 0,1-1 0,0 1 0,1 0 0,-1-1 0,1 1 0,-1-1 0,1 1 0,0-1 0,0 1 1,1-1-1,-1 0 0,1 1 0,0-1 0,-1 0 0,1 0 0,1 0 0,-1 0 0,0-1 0,1 1 0,-1-1 0,1 1 0,0-1 0,0 0 0,0 0 0,0 0 0,0 0 0,0-1 1,1 1-1,-1-1 0,1 0 0,-1 0 0,1 0 7,5-2 10,-1-1 0,0 1 1,1-2-1,-1 1 1,0-1-1,0-1 0,0 1 1,-1-1-1,1-1 0,-1 1 1,0-1-1,0 0 0,0-1 1,-1 0-1,0 0 1,0 0-1,-1-1 0,1 0 1,-1 0-1,-1 0 0,0 0 1,0-1-1,0 0 0,-1 0 1,1-2-11,11-14-51,15-29-129,-1-2 0,-3 0 0,-3-2-1,8-32 181,-21-8 105,-10 96-129,0 1 77,0 0 83,0 0-59,0 0-39,0 0-9,0 0-2,-10 37-67,7 276 282,3-293-147,1-1 0,1-1 0,1 1 0,1 0 0,0 0 0,1-1 0,1 0 0,1 0 0,1-1-1,0 0 1,1 0 0,1 0 0,0-2 0,9 10-95,56 70 523,-73-94-658,1 0 1,-1 0-1,1 0 1,-1-1-1,0 1 1,1-1-1,0 0 1,-1 0-1,1 0 1,-1 0-1,1 0 1,-1 0-1,1 0 1,-1-1-1,1 0 1,-1 1-1,0-1 1,1 0-1,-1 0 0,0 0 1,1 0-1,-1-1 1,0 1-1,0-1 1,0 1-1,1-2 135,12-19-3561,2-7-3656</inkml:trace>
   <inkml:trace contextRef="#ctx0" brushRef="#br0" timeOffset="647.585">1633 592 1121,'0'0'4994,"0"0"-2350,0 0-643,0 0-569,0 0-485,0 0-149,-8 9-14,-27 32-173,33-38-563,1 0-1,0 0 0,-1 0 0,2 1 0,-1-1 0,0 0 1,1 0-1,-1 1 0,1-1 0,0 0 0,0 0 1,0 1-1,1-1 0,-1 0 0,1 1 0,-1-1 0,1 0 1,0 0-1,1 0 0,-1 0 0,0 0 0,1 0 1,0 0-1,-1 0 0,1-1 0,0 1 0,1-1 0,-1 1 1,0-1-1,2 1-47,3 7 113,208 265 423,-193-229-317,-83-32 568,-35-15-96,55-73-2895,37 2-5345,4 56 4147,0-8-2313</inkml:trace>
-  <inkml:trace contextRef="#ctx0" brushRef="#br0" timeOffset="1033.051">1660 547 3298,'0'0'3310,"0"0"-1015,0 0-81,0 0-552,0 0-581,3-2-486,134-29 2065,195-42 1123,-300 70-4034,-31 3-211,-1 0-245,0 0-416,0 0-648,-9 2-5718,0 5-213</inkml:trace>
+  <inkml:trace contextRef="#ctx0" brushRef="#br0" timeOffset="1033.05">1660 547 3298,'0'0'3310,"0"0"-1015,0 0-81,0 0-552,0 0-581,3-2-486,134-29 2065,195-42 1123,-300 70-4034,-31 3-211,-1 0-245,0 0-416,0 0-648,-9 2-5718,0 5-213</inkml:trace>
   <inkml:trace contextRef="#ctx0" brushRef="#br0" timeOffset="2167.03">2573 23 1072,'0'0'3501,"0"0"-1268,0 0-259,0 0-363,0 0-543,0 0-257,-5-1-91,1 2-613,0 0 0,1 0 0,-1 0 1,1 0-1,-1 1 0,1-1 0,-1 1 0,1 0 1,0 0-1,0 0 0,0 0 0,0 0 0,0 1 0,1 0 1,-1-1-1,1 1 0,-1 0 0,1 0 0,0 0 1,0 1-1,0-1 0,1 0 0,-2 4-107,-21 45 411,2 0-1,3 1 1,2 1 0,2 1-1,3 0 1,2 1-1,3 0 1,2 1 0,3-1-1,2 1 1,6 42-411,-2-49 113,3 0 0,2-1 0,2 0 0,2 0 0,12 26-113,-23-67 20,0 0 1,1 0-1,-1 0 0,1-1 0,1 1 0,0-1 0,0 0 0,0 0 0,1 0 0,0-1 0,0 0 0,0 1 0,1-2 0,0 1 0,0-1 0,1 0 0,0 0 0,-1-1 1,2 0-1,-1 0 0,0 0 0,1-1 0,-1 0 0,1-1 0,0 0 0,0 0 0,6 0-20,-9-2-10,-3 0-161,0-1 0,-1 1 0,1 0 0,0 0 0,0 0 0,0 0 0,0 0 0,-1 0 0,1 1 1,0-1-1,0 0 0,-1 1 0,1-1 0,0 1 0,-1 0 0,1 0 0,0 0 0,-1 0 0,1 0 0,-1 0 0,0 0 0,1 0 0,-1 0 0,0 1 0,1-1 0,-1 0 0,1 2 171,1 1-2468,-3-3-2313</inkml:trace>
   <inkml:trace contextRef="#ctx0" brushRef="#br0" timeOffset="4778.619">2990 510 2289,'0'0'3033,"0"0"-682,0 0-324,0 0-562,0 0-526,0 0-125,0-4-163,0-12 968,0 22-271,18 344-1015,4-126-264,-10-197-85,-7-53 78,-5-29 15,2 0-216,-3 0-1,-3 0 1,-1 0 0,-9-29 139,-3-171-38,17 254 14,13 6-131,83 122 78,206 316 210,-253-386-58,-43-83 309,2-476 329,-17 358-38,9 137-1083,0 25-9936,0 2 4187</inkml:trace>
   <inkml:trace contextRef="#ctx0" brushRef="#br0" timeOffset="7198.766">3802 754 2369,'0'0'2487,"0"0"-527,0 0-124,0 0-459,0 0-430,0 0-254,0-7 126,-13 105-338,12-73-346,0-18-118,1 0 1,-1 0-1,2 0 0,-1 0 1,0 0-1,1 0 1,1 0-1,-1 0 0,1 0 1,0 0-1,1-1 1,-1 1-1,1-1 0,1 2-17,-2-6 3,1 5 4,1-2-1,-1 1 0,1 0 0,0-1 0,0 0 0,1 1 0,0-2 0,0 1 0,0-1 0,0 1 0,1-1 0,-1-1 1,1 1-1,0-1 0,0 0 0,1 0 0,-1-1 0,0 0 0,1 0 0,-1-1 0,7 2-6,-10-3 22,1 0-1,-1-1 0,0 1 1,0-1-1,0 1 0,0-1 1,1 0-1,-1 0 0,0 0 1,-1 0-1,1-1 0,0 1 1,0-1-1,0 0 0,-1 0 1,1 0-1,-1 0 0,0 0 1,1 0-1,-1-1 0,0 1 1,0-1-1,-1 0 0,1 1 1,1-3-22,5-11 27,0 0 0,-1-1 0,0 0 0,-2 0 0,0-1 0,-1 1 0,0-1 0,-2 0 0,0 0 0,-1 0 0,-1 0 0,0 0 1,-2 0-1,-2-13-27,4 26 4,-1 0 0,0 0 0,0 1 1,0-1-1,-1 1 0,0-1 0,0 1 0,0-1 1,0 1-1,-1 0 0,1 0 0,-1 0 1,0 0-1,0 1 0,-1-1 0,1 1 1,-1 0-1,0 0 0,1 0 0,-1 0 1,-1 1-1,1-1 0,0 1 0,-1 0 1,1 0-1,-1 1 0,1-1 0,-1 1 0,0 0 1,1 1-1,-1-1 0,0 1 0,0 0 1,-3 0-5,4 0 0,-1-1 1,1 1 0,0 1-1,0-1 1,0 0 0,0 1-1,0 0 1,0 0-1,0 0 1,0 1 0,0-1-1,0 1 1,1 0 0,-1 0-1,1 0 1,-1 1 0,1-1-1,0 1 1,0 0 0,0 0-1,0 0 1,0 0 0,1 0-1,-1 1 1,1-1-1,0 1 1,0-1 0,0 1-1,1 0 1,-1 0 0,1 0-1,0 0 1,0 2-1,-4 209 344,3-210-339,1 0 0,1-1-1,-1 1 1,1 0 0,0 0-1,0-1 1,0 1 0,0 0-1,1 0 1,0-1 0,0 1 0,0-1-1,1 1 1,-1-1 0,1 1-1,0-1 1,1 0 0,-1 0 0,1 0-1,-1 0 1,1 0 0,0 0-1,1-1 1,-1 0 0,1 1-1,-1-1 1,1-1 0,0 1 0,0 0-1,0-1 1,0 0 0,1 0-1,-1 0 1,1-1 0,-1 1-1,1-1 1,-1 0 0,4 0-5,-4-1 21,1-1 0,0 0 0,-1 0-1,1 0 1,-1 0 0,0-1 0,1 1 0,-1-1 0,0 0 0,0-1-1,0 1 1,0-1 0,-1 0 0,1 1 0,-1-2 0,1 1 0,-1 0 0,0-1-1,0 1 1,-1-1 0,1 0 0,-1 0 0,0 0 0,0 0 0,0-1-1,0 1 1,-1 0 0,1-4-21,102-279-723,-74 362 1126,-17-17-26,-8-33-299,0-1-1,1-1 0,2 1 0,0-1 0,2-1 1,0 1-1,6 6-77,-15-28 6,0 1 0,0 0 0,1-1 1,-1 1-1,1-1 0,-1 1 0,1-1 0,0 0 0,-1 1 1,1-1-1,0 0 0,0 0 0,0 0 0,0-1 1,0 1-1,0 0 0,0-1 0,0 1 0,0-1 1,0 0-1,1 0 0,-1 0 0,0 0 0,0 0 0,0 0 1,0 0-1,0-1 0,0 1 0,0-1 0,0 0 1,0 1-1,0-1 0,0 0 0,0 0 0,0 0 0,0-1 1,-1 1-1,1 0 0,0-1 0,-1 1 0,2-2-6,58-70 179,23-183-1364,-67 285 214,23 244 1772,-23-210-647,-16-62-124,5-6 362,28-157-51,-27 116-462,-7 34 87,2-1 1,0 1-1,0 0 1,1 0-1,0 0 0,1 0 1,1 0-1,0 1 1,0 0-1,1 0 1,2-2 33,-7 13-10,1 0 0,-1-1 0,1 1 0,-1 0 0,1 0 0,0 0 0,-1 0 0,1 0 0,-1 1-1,1-1 1,-1 0 0,1 1 0,-1-1 0,1 1 0,-1 0 0,1-1 0,-1 1 0,1 0 0,-1 0 0,0 0 0,0 0 0,1 0 0,-1 0 0,0 0 0,0 0 0,0 1 0,0-1 0,0 0 0,0 1 0,-1-1 0,1 0 0,0 1 0,-1-1 0,1 1 0,-1-1 0,1 1 0,-1 0 0,0-1 0,0 1 0,0-1 0,0 1 0,0-1 0,0 1 0,0 0 0,0-1 0,0 1 0,-1-1 0,0 2 10,56 273 1161,-55-274-1142,0 0 0,0 0 0,0 0 0,1 0 0,-1-1 0,1 1 0,0 0 0,0 0 0,-1 0 0,1-1 0,0 1 0,0 0 0,1-1 0,-1 1 0,0-1 0,0 1 0,1-1 0,-1 0 0,1 1 0,-1-1 0,1 0 0,0 0 0,-1 0 0,1 0 0,0 0 0,0-1 0,-1 1 0,1 0 0,0-1 0,0 0 0,0 1-19,16-54 334,65-252-1030,-57 268 557,-25 37 126,12 7-244,34 127 632,-7-12 43,-39-118-406,1-1 0,-1 1 0,1-1-1,0 0 1,0 0 0,1 0 0,-1 0 0,0 0 0,1 0 0,0 0 0,0-1 0,0 1 0,0-1 0,0 0-1,0 0 1,1 0 0,-1 0 0,0-1 0,1 1 0,0-1 0,-1 0 0,1 0 0,0 0 0,-1-1 0,1 1-1,0-1 1,0 0 0,3 0-12,3-1 6,-1 0 0,1 0-1,-1-1 1,0 0 0,1 0-1,-1-1 1,0 0 0,0-1-1,-1 0 1,1-1-1,-1 1 1,0-1 0,0-1-1,-1 0 1,1 0 0,-1 0-1,-1-1 1,1 0 0,-1-1-1,0 1 1,-1-1 0,2-3-6,11-19-104,-1-2 0,-2 0 0,-1-1 0,-1 0 0,2-14 104,-2-69-138,-52 114 364,34 4-229,-1 0-1,1 0 1,-1 1-1,1 0 0,0 0 1,0 0-1,0 0 0,1 1 1,-1 0-1,1 0 0,0 0 1,0 0-1,0 1 0,0 0 1,1 0-1,0 0 0,0 0 1,0 0-1,1 0 0,0 1 1,0-1-1,0 1 0,0 0 1,1-1-1,0 1 0,0 0 1,1 5 3,-4 180 443,6-182-390,1 1 0,-1-1 0,2 1 0,-1-1 0,1 0 0,1 0 0,0-1 0,0 0 0,1 1 0,-1-2 0,2 1 0,-1-1 0,1 0 0,0 0 0,1 0 0,0-1 0,0-1 0,0 1 0,0-1 0,1-1 0,0 1 0,0-1 0,0-1 0,1 0 0,-1 0 0,1-1 0,-1 0 0,1-1 0,0 0 0,0 0 0,0-1 0,0-1-53,95-22-1526,-48-27-2569,-34 22-971,-1-2-3354</inkml:trace>
@@ -3528,15 +3524,15 @@
     </inkml:brush>
   </inkml:definitions>
   <inkml:trace contextRef="#ctx0" brushRef="#br0">18 779 112,'0'0'1761,"0"0"333,0 0-170,0 0-353,0 0-242,0 0-99,-13-9 3505,11 159-1280,-1 65-3879,3-214 400,0-11 50,0-12-115,1 0-1,1 0 0,1 0 0,1 1 0,1-1 1,0 1-1,2 0 0,1 1 0,0 0 0,1 0 0,1 0 1,1 1-1,1 1 0,1 0 0,0 1 0,1 0 1,1 1-1,15-13 90,-29 28-2,-1 0 0,1 0 0,0 0 1,-1 1-1,1-1 0,0 0 0,0 1 1,-1-1-1,1 0 0,0 1 0,0-1 1,0 1-1,0-1 0,0 1 0,0-1 1,0 1-1,0 0 0,0 0 0,0-1 1,0 1-1,0 0 0,0 0 0,0 0 1,0 0-1,0 0 0,0 0 0,0 1 1,0-1-1,0 0 0,0 0 0,0 1 1,0-1-1,0 1 0,0-1 0,0 1 1,0-1-1,0 1 0,0-1 0,0 1 1,-1 0-1,1-1 0,0 1 0,-1 0 1,1 0-1,0 0 0,-1 0 0,1 0 1,-1-1-1,1 1 0,-1 0 0,1 1 2,8 58 156,-9-54-105,2 105 346,15 114-215,0-185-182,2-57 59,90-265-299,-40 134-51,-69 148 286,0 1 1,1 0 0,-1-1-1,0 1 1,0-1-1,1 1 1,-1 0-1,0-1 1,1 1 0,-1-1-1,1 1 1,-1-1-1,1 1 1,-1-1-1,1 0 1,-1 1 0,1-1-1,-1 1 1,1-1-1,-1 0 1,1 0-1,-1 1 1,1-1 0,0 0-1,-1 0 1,1 0-1,0 0 1,-1 1-1,1-1 1,0 0 0,-1 0-1,1 0 1,-1-1-1,1 1 1,0 0-1,-1 0 1,1 0 0,0 0-1,-1-1 1,1 1-1,-1 0 1,1 0-1,0-1 1,-1 1 0,1 0-1,-1-1 1,1 1-1,-1-1 1,1 1-1,-1-1 1,0 1 0,1-1-1,-1 1 5,11 78 273,-9-49-195,2 1-1,1-2 1,1 1 0,1-1-1,2 0 1,0 0-1,2-1 1,4 6-78,-12-29 13,-1 0 0,1 0 0,0 0 0,0 0 0,0-1 0,0 1 0,1-1 0,-1 1 0,1-1 0,0-1 0,0 1 0,0 0 1,1-1-1,-1 0 0,1 0 0,-1 0 0,1-1 0,-1 1 0,1-1 0,0 0 0,0 0 0,-1-1 0,1 1 0,0-1 0,0 0 0,0-1 0,0 1 0,3-2-13,-3 0 11,-1-1-1,1 1 1,-1-1-1,0 0 1,0-1-1,-1 1 0,1-1 1,-1 0-1,1 1 1,-1-1-1,0-1 1,-1 1-1,1 0 1,-1-1-1,0 1 0,0-1 1,0-2-11,2-1 4,4-9-98,-1-1 1,0 0 0,-2 0-1,0-1 1,-1 0-1,-1 0 1,0 0 0,-2 0-1,-1-19 94,0 38-45,0 0 24,0 24-27,0 3 88,-1-19-2,0 0-1,1 1 1,0-1-1,0 0 1,1 0-1,0 0 1,0 0-1,1 0 1,0-1-1,0 1 1,1 0-1,0-1 1,0 1-1,1-1 1,3 4-38,-1-2 20,0-1 1,0 1 0,1-1 0,0-1 0,1 0 0,0 0 0,0 0 0,0-1 0,1 0 0,0-1-1,0 0 1,0 0 0,1-1 0,0 0 0,-1-1 0,1 0 0,1 0 0,6 0-21,-10-4 13,1 0 1,0 0 0,0-1-1,-1 0 1,1 0-1,-1-1 1,0 0 0,0 0-1,0-1 1,0 1-1,0-2 1,-1 1 0,0-1-1,0 0 1,0 0-1,-1-1 1,1 1 0,-1-1-1,0-1 1,2-4-14,-2 3-6,0-1 0,-1 0 0,0 0 0,0 0 0,-1-1-1,0 1 1,-1-1 0,0 0 0,-1 1 0,0-1 0,0-9 6,-1 19-45,0 0 5,0 0-14,0 0 20,0 0 10,0 0-22,0 0-10,0 0 19,0 0 8,13-61 714,-13-52-314,-1 110-358,0 0 0,-1 0-1,1 0 1,-1 0 0,0 0-1,0 0 1,0 0 0,0 1-1,0-1 1,-1 1 0,1 0 0,-1-1-1,0 1 1,1 0 0,-1 1-1,0-1 1,0 0 0,0 1-1,-1 0 1,1 0 0,0 0 0,0 0-1,-1 0 1,1 0 0,-1 1-13,-156-2-64,156 3 58,1 0 1,-1 1 0,1 0 0,0 0 0,0 0 0,0 0 0,0 0 0,0 1-1,1-1 1,-1 1 0,1 0 0,0 0 0,-1 0 0,1 0 0,1 0 0,-1 0 0,0 1-1,1-1 1,-1 0 0,1 1 0,0 0 0,0-1 0,1 1 0,-1-1 0,1 2 5,-35 158-48,31-30-153,6-129 205,1 1-1,-1-1 0,1 1 1,0-1-1,0 0 0,1 0 1,-1 0-1,1-1 0,0 1 1,0-1-1,0 0 0,0 0 1,1 0-1,-1 0 0,1-1 1,0 0-1,0 0 0,-1 0 1,1-1-1,0 0 0,1 0 1,-1 0-1,0 0 0,0-1 1,0 0-1,0 0 0,1 0 1,-1 0-4,0 0 13,1 1-1,-1-1 1,1 0 0,-1 0 0,0-1-1,1 0 1,-1 0 0,1 0 0,-1 0 0,0-1-1,0 0 1,0 0 0,0-1 0,0 1 0,0-1-1,-1 0 1,1 0 0,-1 0 0,0-1-1,0 0 1,0 0 0,-1 0 0,1 0 0,2-4-13,13-28-52,-2 0 1,-2-1 0,-1-1 0,-2-1 0,-1 1 0,-2-2 0,-2 1 0,-2-1-1,-1 0 1,-2 0 0,-2 0 0,-4-32 51,2 62-36,1 0 0,-1 0-1,-1 1 1,0-1 0,0 1 0,-1-1-1,0 1 1,0 0 0,-1 1 0,0-1-1,-1 1 1,0 0 36,-3-8 743,4 10-391,1 22-225,4 197 132,66 79 149,-64-272-406,1 1 0,1 0 0,1-1 0,1 0 0,1 0 0,0 0 0,2-1 0,5 9-2,3-22-377,-14-6-3649,-1 0-3979,-2 3 3045</inkml:trace>
-  <inkml:trace contextRef="#ctx0" brushRef="#br0" timeOffset="616.866">1510 612 3185,'0'0'2490,"0"0"-980,0 0 165,0 0-400,0 0-341,0 0 43,-4 3-14,2-1-896,0 1 0,0-1 0,0 0 0,0 1 0,0-1 0,1 1 0,-1-1-1,1 1 1,0 0 0,0 0 0,0-1 0,0 1 0,0 0 0,1 0 0,-1 0 0,1 0 0,0 0 0,-1 0 0,2 0 0,-1 0 0,0 0 0,0 0 0,1 0 0,0 0 0,0 0 0,0 0 0,0 0 0,0 0-67,7 13 73,1 1-1,0-1 1,1-1-1,1 1 1,1-2-1,0 0 1,1 0 0,4 2-73,25 31 46,100 95 55,-140-139-47,-1 0 0,1 1 0,0-1 0,-1 0 0,1 1 0,-1-1 0,0 1 0,0-1 0,-1 1 0,1 0 0,-1-1 0,1 1 0,-1 0 0,0-1 0,-1 1 0,1 0 0,-1-1 0,1 1 0,-1-1 0,0 1 0,0-1 0,-1 1 0,1-1 0,-1 0 0,0 1 0,1-1 0,-1 0 0,-1 0 0,1 0 0,0-1 0,-1 1 0,0 0 0,1-1 0,-1 0 0,0 1 0,0-1-1,0-1 1,-1 1 0,-1 1-54,1 1 56,-1-1-1,1 0 1,-1 1-1,0-1 0,0-1 1,0 1-1,0-1 1,0 0-1,0 0 0,-1-1 1,1 1-1,0-1 1,-1 0-1,0-1 0,1 1 1,-1-1-1,1 0-55,-22-58-2041,14-12-5629,9 47 2980</inkml:trace>
-  <inkml:trace contextRef="#ctx0" brushRef="#br0" timeOffset="1072.111">1510 481 1873,'0'0'3215,"0"0"-451,0 0-16,0 0-748,0 0-698,0-3-323,4-1-861,0 1 0,-1-1 0,1 1 0,0 0 0,0 0 0,1 0 0,-1 1 0,1-1 0,-1 1 0,1 0 0,0 0 0,0 1-1,0-1 1,0 1 0,0 0 0,0 1 0,0-1 0,0 1 0,0 0 0,0 0 0,4 1-118,1-2 215,317-52 2368,-230 43-3002,-96 10-453,-1 0-409,0 0-509,0 0-1614,0 0-2135</inkml:trace>
-  <inkml:trace contextRef="#ctx0" brushRef="#br0" timeOffset="1857.674">2590 0 4130,'0'0'1731,"0"0"201,0 0-273,0 0-378,0 0-153,-9 3 1,-79 47 1750,71-33-2619,1 1-1,1 1 1,0 0 0,2 1 0,0 1 0,1 0 0,1 1 0,1 0 0,2 0 0,0 1 0,1 1 0,1-1 0,1 1 0,-1 13-260,-8 45 149,4 0 0,3 1-1,4-1 1,3 1 0,4 0 0,10 44-149,-4-58 48,-7-45-36,0 0 0,1 0 0,1 0-1,2-1 1,0 0 0,1 0 0,1 0-1,2-1 1,0-1 0,2 2-12,0 10-102,-3-31-3172,-6-1-687,4-1-1409</inkml:trace>
+  <inkml:trace contextRef="#ctx0" brushRef="#br0" timeOffset="616.863">1510 612 3185,'0'0'2490,"0"0"-980,0 0 165,0 0-400,0 0-341,0 0 43,-4 3-14,2-1-896,0 1 0,0-1 0,0 0 0,0 1 0,0-1 0,1 1 0,-1-1-1,1 1 1,0 0 0,0 0 0,0-1 0,0 1 0,0 0 0,1 0 0,-1 0 0,1 0 0,0 0 0,-1 0 0,2 0 0,-1 0 0,0 0 0,0 0 0,1 0 0,0 0 0,0 0 0,0 0 0,0 0 0,0 0-67,7 13 73,1 1-1,0-1 1,1-1-1,1 1 1,1-2-1,0 0 1,1 0 0,4 2-73,25 31 46,100 95 55,-140-139-47,-1 0 0,1 1 0,0-1 0,-1 0 0,1 1 0,-1-1 0,0 1 0,0-1 0,-1 1 0,1 0 0,-1-1 0,1 1 0,-1 0 0,0-1 0,-1 1 0,1 0 0,-1-1 0,1 1 0,-1-1 0,0 1 0,0-1 0,-1 1 0,1-1 0,-1 0 0,0 1 0,1-1 0,-1 0 0,-1 0 0,1 0 0,0-1 0,-1 1 0,0 0 0,1-1 0,-1 0 0,0 1 0,0-1-1,0-1 1,-1 1 0,-1 1-54,1 1 56,-1-1-1,1 0 1,-1 1-1,0-1 0,0-1 1,0 1-1,0-1 1,0 0-1,0 0 0,-1-1 1,1 1-1,0-1 1,-1 0-1,0-1 0,1 1 1,-1-1-1,1 0-55,-22-58-2041,14-12-5629,9 47 2980</inkml:trace>
+  <inkml:trace contextRef="#ctx0" brushRef="#br0" timeOffset="1072.11">1510 481 1873,'0'0'3215,"0"0"-451,0 0-16,0 0-748,0 0-698,0-3-323,4-1-861,0 1 0,-1-1 0,1 1 0,0 0 0,0 0 0,1 0 0,-1 1 0,1-1 0,-1 1 0,1 0 0,0 0 0,0 1-1,0-1 1,0 1 0,0 0 0,0 1 0,0-1 0,0 1 0,0 0 0,0 0 0,4 1-118,1-2 215,317-52 2368,-230 43-3002,-96 10-453,-1 0-409,0 0-509,0 0-1614,0 0-2135</inkml:trace>
+  <inkml:trace contextRef="#ctx0" brushRef="#br0" timeOffset="1857.671">2590 0 4130,'0'0'1731,"0"0"201,0 0-273,0 0-378,0 0-153,-9 3 1,-79 47 1750,71-33-2619,1 1-1,1 1 1,0 0 0,2 1 0,0 1 0,1 0 0,1 1 0,1 0 0,2 0 0,0 1 0,1 1 0,1-1 0,1 1 0,-1 13-260,-8 45 149,4 0 0,3 1-1,4-1 1,3 1 0,4 0 0,10 44-149,-4-58 48,-7-45-36,0 0 0,1 0 0,1 0-1,2-1 1,0 0 0,1 0 0,1 0-1,2-1 1,0-1 0,2 2-12,0 10-102,-3-31-3172,-6-1-687,4-1-1409</inkml:trace>
   <inkml:trace contextRef="#ctx0" brushRef="#br0" timeOffset="3020.947">2963 95 2273,'0'0'1190,"0"0"347,0 0 274,0 0-274,0 0-259,-7 0 16,-24 0-321,29 1-873,0 1 0,0-1-1,0 0 1,0 1-1,-1-1 1,2 1 0,-1 0-1,0-1 1,0 1 0,1 0-1,-1 0 1,1 0-1,-1 0 1,1 1 0,0-1-1,0 0 1,0 1-1,0-1 1,0 0 0,1 1-1,-1-1 1,1 1-1,-1-1 1,1 3-100,-2 2 269,-45 275 2182,19-77-1658,2-89-342,26-116-445,-1-1 1,1 1-1,0 0 0,0 0 0,-1-1 0,1 1 0,0 0 0,-1 0 0,1 0 0,0 0 0,-1-1 1,1 1-1,0 0 0,-1 0 0,1 0 0,0 0 0,-1 0 0,1 0 0,0 0 0,-1 0 0,1 0 1,-1 0-1,1 0 0,0 0 0,-1 0 0,1 0 0,0 0 0,-1 0 0,1 1 0,0-1 0,-1 0 1,1 0-1,0 0 0,-1 1 0,1-1 0,0 0 0,-1 0-6,1-40-258,1 37 249,0 0-1,0 0 0,0 0 0,1 0 1,-1 0-1,1 0 0,-1 0 0,1 0 1,0 1-1,0-1 0,0 0 0,1 1 1,-1 0-1,1 0 0,-1 0 0,1 0 1,0 0-1,-1 0 0,1 0 0,0 1 1,0 0-1,0-1 0,0 1 0,1 0 1,-1 1-1,0-1 0,0 0 0,1 1 0,-1 0 1,0 0-1,0 0 0,2 0 10,1 31-61,-16 180 856,-2-153-626,2 0 1,3 0-1,3 1 1,3 51-170,13-30 912,-5-63-743,-6-15-175,-1-1 0,0 1 0,1-1 0,-1 0 0,1 1 1,0-1-1,-1 0 0,1 1 0,0-1 0,0 0 0,0 0 0,0 0 0,0 0 1,0 0-1,0 0 0,0 0 0,0 0 0,0 0 0,1 0 0,-1-1 0,0 1 1,1 0-1,-1-1 0,0 1 0,1-1 0,-1 0 0,1 1 0,-1-1 0,1 0 1,-1 0-1,0 0 0,1 0 0,-1 0 0,1 0 0,-1 0 0,2-1 6,54-1-6608,-39-9 186</inkml:trace>
   <inkml:trace contextRef="#ctx0" brushRef="#br0" timeOffset="4878.409">3253 355 5651,'0'0'1379,"0"0"195,0 0-53,0 0-286,0 0-64,0 26-138,-1 156 538,-7 304 481,-8-1013-3765,7 388 1179,8 134 524,42 184 1467,-21-117-1271,10 26 88,4-2 0,3-1 0,29 43-274,-64-124 2,-1 0 0,0 0 0,1-1 0,0 1 0,0-1 0,0 1 0,0-1 0,1 0 0,-1 0 0,1 0 0,0 0 1,0 0-1,0-1 0,0 1 0,0-1 0,1 0 0,-1 0 0,1 0 0,-1 0 0,1-1 0,0 1 0,0-1 0,-1 0 0,1 0 0,0 0 1,0-1-1,2 1-2,12-49 395,-9-2-387,-3 1 1,-2-1 0,-1 0 0,-3 0-1,-3-9-8,1-36 37,2-113 1160,31 207-11975,-23 10 5554</inkml:trace>
   <inkml:trace contextRef="#ctx0" brushRef="#br0" timeOffset="5911.608">3754 795 6051,'0'0'1763,"0"0"1,0 0-142,0 0-459,0 0-296,2 14-179,23 116 660,14-33-732,-37-96-607,0 0 0,0 0 1,1 0-1,-1 0 0,0 0 0,0 0 1,0-1-1,1 0 0,-1 1 0,0-1 1,1 0-1,-1 0 0,0 0 1,1 0-1,-1 0 0,0-1 0,0 1 1,1-1-1,-1 1 0,0-1 0,0 0 1,0 0-1,1 0 0,-1 0 0,0 0 1,-1-1-1,1 1 0,0 0 0,0-1 1,0 0-1,-1 1 0,1-1-9,8-10-263,0-1-1,-1 0 1,0 0 0,-1-1-1,-1 0 1,0 0 0,-1-1-1,0 1 1,-1-2 0,-1 1-1,0 0 1,-1-1 0,-1 0-1,-1 1 1,0-1 0,0 0-1,-2-1 264,1 3-27,1 11 98,0 1-1,0-1 1,-1 1 0,1-1 0,-1 1 0,1-1 0,-1 0 0,0 1 0,0-1 0,0 1 0,-1-1 0,1 0 0,0 1 0,-1-1 0,0 1 0,1-1 0,-1 1 0,0-1 0,-1 1 0,1 0 0,0 0 0,-1-1 0,1 1-1,-1 0 1,1 0 0,-1 0 0,0 1 0,0-1 0,0 0 0,0 1 0,0-1 0,0 1 0,-1 0 0,1-1 0,0 1 0,-1 0 0,1 0 0,-1 1 0,1-1 0,-1 1 0,-1-1-71,-12 0 302,14 1-267,-1-1-1,1 1 1,-1 0 0,1 0 0,-1-1-1,0 2 1,1-1 0,-1 0 0,1 0-1,-1 1 1,1 0 0,-1-1 0,1 1 0,-1 0-1,1 0 1,0 0 0,-1 1 0,1-1-1,0 0 1,0 1 0,0-1 0,0 1-1,0 0 1,0 0-35,-6 15 106,1-1 0,0 1-1,1 1 1,1-1 0,1 1 0,0 0-1,1 0 1,1 0 0,1 0 0,1 1-1,0-1 1,3 13-106,-3 11 105,0-39-118,-1-1-1,1 1 1,-1-1 0,1 1-1,0 0 1,0-1 0,1 1-1,-1-1 1,0 1 0,1-1-1,-1 1 1,1-1 0,0 1-1,0-1 1,0 1 0,0-1-1,1 0 1,-1 1 0,0-1-1,1 0 1,0 0 0,-1 0-1,1 0 1,0-1 0,0 1-1,0 0 1,0-1 0,0 1-1,1-1 1,-1 0 0,0 0-1,1 0 1,-1 0 0,1 0-1,-1 0 1,1-1 0,-1 1-1,1-1 1,-1 0 0,1 1-1,0-1 1,-1 0 0,1-1-1,-1 1 1,2-1 13,26-50-1620,13-137-5192,-33 117 6600,-10 71 352,1 0 0,-1 1-1,1-1 1,-1 0 0,1 1 0,-1-1 0,1 0-1,-1 0 1,1 1 0,-1-1 0,1 0 0,-1 0-1,1 0 1,-1 0 0,1 0 0,-1 0 0,1 0-1,-1 0 1,1 0 0,-1 0 0,1 0 0,0 0-1,-1 0 1,1 0 0,-1 0 0,1-1 0,-1 1-1,1 0 1,-1 0 0,1-1 0,-1 1 0,0 0-1,1-1 1,-1 1 0,1 0 0,-1-1 0,0 1-1,1-1 1,-1 1 0,0 0 0,1-1 0,-1 1-1,0-1 1,0 0-140,15 56 2138,-4 21-874,26 78-500,-37-153-702,10 13-1259,-1-20-3970,-5-9-246</inkml:trace>
   <inkml:trace contextRef="#ctx0" brushRef="#br0" timeOffset="7197.758">4158 637 2673,'0'0'4111,"0"0"-1701,0 0-180,0 0-560,0 0-627,0 0-88,8 26-173,25 85-272,-17 29 802,6-84-904,-13-58-554,56-235-3936,-64 233 4118,1 1 1,-1 0 0,1 0-1,-1 0 1,1 0 0,0 0-1,0 0 1,0 0 0,1 1-1,-1-1 1,1 1 0,-1 0-1,1-1 1,0 1 0,0 0-1,0 1 1,0-1 0,0 0-1,0 1 1,0 0 0,1 0-1,-1 0 1,0 0 0,1 0-1,-1 1 1,1-1-1,0 1-36,5 19 510,26 196 2174,-12-231-2681,47-251-2346,-70 268 2351,0-1-1,0 1 0,1-1 1,-1 1-1,0-1 1,0 1-1,1-1 0,-1 1 1,1-1-1,-1 1 1,0-1-1,1 1 1,-1-1-1,1 1 0,-1-1 1,1 0-1,-1 1 1,1-1-1,-1 0 0,1 1 1,-1-1-1,1 0 1,-1 0-1,1 0 0,0 1 1,-1-1-1,1 0 1,-1 0-1,1 0 0,0 0 1,-1 0-1,1 0 1,-1 0-1,1 0 1,0-1-1,-1 1 0,1 0 1,-1 0-1,1 0 1,0-1-1,-1 1 0,1 0 1,-1 0-1,1-1 1,-1 1-1,1-1 0,-1 1 1,1 0-1,-1-1 1,0 1-1,1-1 0,-1 1 1,0-1-1,1 1 1,-1-1-1,0 1 1,1-1-1,-1 1 0,0-1 1,0 0-1,0 1 1,0-1-1,0 1 0,1-1 1,-1 0-1,0 1 1,0-1-1,-1 0 0,1 1 1,0-1-8,22 53 201,-19-44 10,73 193 1675,-74-198-1875,0 0-1,0-1 0,1 1 0,-1 0 1,1-1-1,0 0 0,-1 1 0,1-1 1,0 0-1,0-1 0,1 1 0,-1 0 1,0-1-1,0 0 0,1 0 0,-1 0 1,1 0-1,-1 0 0,1-1 0,-1 1 1,1-1-1,0 0 0,-1 0 0,1 0 0,-1-1 1,1 1-1,-1-1 0,1 0 0,-1 0 1,1 0-1,-1-1 0,0 1 0,0-1 1,1 1-1,-1-1 0,0 0 0,2-3-10,7-7-122,-1-1-1,0-1 1,-1 0 0,-1-1-1,0 0 1,-1 0-1,-1-1 1,0 1-1,-1-2 1,-1 1 0,0-1-1,-2 0 1,0 0-1,0 0 1,-2 0 0,0 0-1,-1 0 1,-1-11 122,1 27-6,1-1 0,-1 0-1,0 1 1,0-1 0,0 0 0,0 1 0,0-1 0,0 0 0,0 1 0,-1-1 0,1 0 0,-1 1 0,1-1 0,-1 1 0,1-1-1,-1 0 1,0 1 0,0 0 0,0-1 0,0 1 0,0-1 0,0 1 0,0 0 0,0 0 0,-1 0 0,1 0 0,0 0 0,-1 0 0,1 0-1,-1 0 1,1 0 0,-1 0 0,1 1 0,-1-1 0,0 1 0,1-1 0,-1 1 0,0 0 0,1 0 0,-1 0 0,0 0 0,1 0-1,-1 0 1,0 0 0,1 0 0,-1 0 0,0 1 6,-24 57 387,21 141 2003,5-194-2366,0 0-1,1-1 0,0 1 1,0 0-1,0 0 0,0-1 1,1 1-1,0-1 0,0 1 0,0-1 1,1 0-1,-1 0 0,1 0 1,0 0-1,0 0 0,0-1 1,0 1-1,1-1 0,0 0 1,-1 0-1,1 0 0,0-1 0,1 1 1,-1-1-1,0 0 0,1 0 1,-1 0-1,1-1 0,-1 0 1,1 1-1,0-2 0,0 1 0,-1-1 1,5 1-24,4-1-309,67-6-1673,-29-15-3848,-30 9-1003</inkml:trace>
   <inkml:trace contextRef="#ctx0" brushRef="#br0" timeOffset="8631.474">5409 357 3217,'0'0'6852,"0"0"-4739,0 0 400,0 0-704,0 0-433,0 0-159,4 0-65,-4 0-367,0 0-385,0 0-240,0 0-160,0 0-96,0 0-384,0 0-561,0 0-448,0 13-640,0 1-1168,0 2-3458</inkml:trace>
-  <inkml:trace contextRef="#ctx0" brushRef="#br0" timeOffset="9133.35">5325 881 288,'0'0'4853,"0"0"-2521,0 0-299,0 0-118,0 0-570,0 0-153,6 18 1580,-1-12-2637,0 0 0,0 0-1,-1 0 1,1 1-1,-2 0 1,1 0 0,-1 0-1,0 0 1,0 1 0,-1-1-1,0 1 1,-1-1-1,1 1 1,-1 0 0,-1 0-1,0 0 1,0-1 0,0 1-1,-1 0 1,0 0 0,0-1-1,-1 1 1,-2 4-135,-2 7 26,-1-1 1,0 0-1,-1 0 1,-2 0-1,1-1 1,-2-1-1,0 0 1,-14 15-28,4-7-125,-93 93-4123,79-94-1105</inkml:trace>
+  <inkml:trace contextRef="#ctx0" brushRef="#br0" timeOffset="9133.349">5325 881 288,'0'0'4853,"0"0"-2521,0 0-299,0 0-118,0 0-570,0 0-153,6 18 1580,-1-12-2637,0 0 0,0 0-1,-1 0 1,1 1-1,-2 0 1,1 0 0,-1 0-1,0 0 1,0 1 0,-1-1-1,0 1 1,-1-1-1,1 1 1,-1 0 0,-1 0-1,0 0 1,0-1 0,0 1-1,-1 0 1,0 0 0,0-1-1,-1 1 1,-2 4-135,-2 7 26,-1-1 1,0 0-1,-1 0 1,-2 0-1,1-1 1,-2-1-1,0 0 1,-14 15-28,4-7-125,-93 93-4123,79-94-1105</inkml:trace>
 </inkml:ink>
 </file>
 
@@ -3565,14 +3561,14 @@
     </inkml:brush>
   </inkml:definitions>
   <inkml:trace contextRef="#ctx0" brushRef="#br0">57 300 5715,'0'0'2627,"0"0"-450,0 0-506,0 0-554,0 0-332,0 0-97,-1 2-253,-6 133 878,8-123-1212,42 229 758,14-13-595,-76-286-987,7 35-67,5 23-2694,4 0-2420,0 0 1246</inkml:trace>
-  <inkml:trace contextRef="#ctx0" brushRef="#br0" timeOffset="653.431">31 331 1873,'0'0'2006,"0"0"-952,0 0-86,0 0-133,0 0-61,-4-3 464,-22-16 1470,25 19-1614,1 0-94,0 0-95,0 0-241,0 0-219,0 0-108,25-13 79,66-21 27,140-36 589,-175 63-1136,-55 7-128,-1 0-336,0 0-363,-1 34-7214,-2-10 2046</inkml:trace>
+  <inkml:trace contextRef="#ctx0" brushRef="#br0" timeOffset="653.43">31 331 1873,'0'0'2006,"0"0"-952,0 0-86,0 0-133,0 0-61,-4-3 464,-22-16 1470,25 19-1614,1 0-94,0 0-95,0 0-241,0 0-219,0 0-108,25-13 79,66-21 27,140-36 589,-175 63-1136,-55 7-128,-1 0-336,0 0-363,-1 34-7214,-2-10 2046</inkml:trace>
   <inkml:trace contextRef="#ctx0" brushRef="#br0" timeOffset="1017.246">149 720 5795,'0'0'2166,"0"0"166,0 0-337,0 0-890,0 0-326,6-3 272,182-60 2565,13 28-4716,-175 34-2033,-17 1-2725,-8 0-1321</inkml:trace>
-  <inkml:trace contextRef="#ctx0" brushRef="#br0" timeOffset="1354.17">615 609 112,'0'0'7163,"0"0"-4652,0 0-985,0 0-102,0 0-298,6 17-107,106 281 1206,-90-281-3212,-17-28-3375,-5-7-192</inkml:trace>
+  <inkml:trace contextRef="#ctx0" brushRef="#br0" timeOffset="1354.168">615 609 112,'0'0'7163,"0"0"-4652,0 0-985,0 0-102,0 0-298,6 17-107,106 281 1206,-90-281-3212,-17-28-3375,-5-7-192</inkml:trace>
   <inkml:trace contextRef="#ctx0" brushRef="#br0" timeOffset="1701.777">545 307 5955,'0'0'6131,"0"0"-4419,0 0 353,0 0-944,0 0-737,0 0-384,0-21-80,0 21-208,0 0-801,4 0-896,9 0-608,5 7-3922</inkml:trace>
   <inkml:trace contextRef="#ctx0" brushRef="#br0" timeOffset="2340.052">948 219 3394,'0'0'3257,"0"0"-1579,0 0 0,0 0-168,0 0-504,0 5-216,-3 21-420,2 0 0,1 1 0,1-1 1,1 0-1,1 0 0,2 0 0,0 0 1,2-1-1,4 11-370,12 34 213,-12-28-87,2-1-1,2-1 0,1-1 1,3 0-1,0-1 1,16 20-126,-11-40-1228,-5-18-6767,-14-6 1272</inkml:trace>
   <inkml:trace contextRef="#ctx0" brushRef="#br0" timeOffset="3004.259">1251 724 8180,'0'0'2035,"0"0"-663,0 0-367,0 0-303,0 0-8,15-1 93,106-5 491,-107 3-1250,-1 0 0,0-1 1,0-1-1,0 0 0,-1 0 1,0-2-1,0 1 0,0-1 1,-1-1-1,0 0 0,0-1 1,-1 0-1,4-4-28,-11 8 12,0 1 0,0 0 0,-1-1 0,1 0 0,-1 1 0,0-1 0,-1 0 0,1 0 0,-1 0-1,0 0 1,0-1 0,0 1 0,-1 0 0,0 0 0,0 0 0,0-1 0,-1 1 0,1 0 0,-1 0 0,0 0 0,-1 0 0,0 0 0,1 0 0,-1 0 0,-1 0 0,1 1 0,-1-1 0,0 1 0,0 0 0,0 0 0,0 0 0,-1 0 0,0 0-12,-3 2 34,0 0 0,-1 0 0,1 1 0,0 1 0,-1-1 0,1 1 0,0 0 0,-1 0 0,1 1 0,0 0 0,0 1 1,0 0-1,-3 0-34,3 4 9,1 0 1,0 1-1,0 0 1,1-1 0,0 2-1,0-1 1,1 1-1,0-1 1,0 1-1,0 0 1,1 0 0,1 1-1,-1-1 1,1 1-1,1-1 1,-1 1 0,2 0-1,-1 1-9,-1 2 17,-10 158 415,12-167-419,0 0 0,1 0 0,-1 0 0,1 0 0,0-1 0,0 1 0,0 0 0,0-1 0,0 1 0,1 0 0,-1-1 0,1 0 0,0 1 0,0-1 0,0 0 0,0 0 0,0 0 0,0 0 0,0 0 0,1-1 1,-1 1-1,0 0 0,1-1 0,0 0 0,-1 0 0,1 0 0,0 0 0,0 0 0,-1 0 0,1-1 0,0 1-13,102 9 204,-84-9-177,51 12-381,9 1-3974,-59-14 558,-4 0-1731</inkml:trace>
   <inkml:trace contextRef="#ctx0" brushRef="#br0" timeOffset="4659.745">1800 49 5090,'0'0'1718,"0"0"171,0 0 102,0 0-1047,0 0-568,5-7 6,-3 4-351,1 0 0,-1 0 0,0 0-1,1 0 1,0 1 0,0-1 0,-1 1 0,2 0 0,-1-1 0,0 1 0,0 1 0,1-1 0,-1 0 0,1 1 0,-1 0 0,1 0 0,0 0 0,-1 0 0,1 0 0,0 1-31,82-2 1483,-82 5-1467,0 0 0,-1 0 0,0 0 0,1 0-1,-1 1 1,-1-1 0,1 1 0,0 0 0,-1-1 0,0 1 0,0 0 0,0 1 0,0-1 0,-1 0-1,1 1 1,-1-1 0,0 0 0,-1 1 0,1-1 0,-1 1 0,0-1 0,0 1 0,0 0-1,-1 0-15,-16 377 993,18-376-987,-1 0-1,1 0 1,-1 0 0,2 0-1,-1 0 1,1 0 0,0-1-1,0 1 1,0-1 0,1 1-1,0-1 1,0 0 0,0 0-1,1 0 1,-1 0 0,1-1-1,0 0 1,1 1 0,-1-1 0,1-1-1,0 1 1,0-1 0,0 0-1,0 0 1,0 0 0,1-1-1,-1 1 1,1-2 0,0 1-1,0 0 1,1-1-6,-5-1 10,0 0 0,1 0 1,-1 0-1,0 0 0,0-1 0,0 1 0,0-1 1,0 0-1,0 1 0,0-1 0,0 0 0,-1 0 0,1 0 1,0 0-1,0 0 0,-1-1 0,1 1 0,-1 0 1,1-1-1,-1 1 0,1-1 0,-1 0 0,0 1 0,0-1 1,0 0-1,0 0 0,0 0 0,0 0 0,-1 0 1,1 0-1,0 0 0,-1 0 0,0 0 0,1 0 1,-1 0-1,0 0 0,0 0 0,0 0 0,-1 0 0,1 0 1,0 0-1,-1-1 0,1 1 0,-1 0-10,1 1 3,1 0 0,-1 0 0,0 1 0,1-1 0,-1 0 1,0 0-1,0 0 0,0 0 0,0 0 0,0 0 0,0 1 0,0-1 0,0 0 0,0 0 0,0 0 0,0 0 0,-1 0 0,1 1 0,0-1 0,0 0 0,-1 0 0,1 0 1,-1 1-1,1-1 0,-1 0 0,1 0 0,-1 1 0,1-1 0,-1 0 0,0 1 0,1-1 0,-1 1 0,0-1 0,0 1 0,1-1 0,-1 1 0,0 0 0,0-1 0,0 1 0,1 0 1,-1 0-1,0-1 0,0 1 0,0 0 0,0 0 0,0 0 0,1 0 0,-1 0 0,0 0 0,0 0 0,0 0 0,0 1 0,0-1 0,0 0 0,0 1-3,-4 32-117,5-21 108,-1 11-35,1-1 0,1 0 1,1 0-1,1 1 0,1-1 1,1-1-1,3 8 44,2-2-209,0-2 101,0 0-1,-2 0 1,-1 1-1,-2 0 1,0 1-1,-1-1 1,-1 9 108,-2-31 101,0 1 0,0-1 0,0 1-1,0-1 1,-1 1 0,0-1 0,0 1 0,0-1 0,0 1 0,-1-1 0,0 1 0,0-1 0,0 0 0,0 1 0,-1-1 0,1 0 0,-1 0 0,0 0 0,0 0 0,-1 0 0,1 0 0,-1-1 0,0 1 0,0-1 0,0 0 0,-1 0 0,1 0-1,-1 0 1,1 0 0,-1-1 0,0 1 0,0-1 0,0 0 0,0-1 0,-1 1 0,1-1 0,0 0 0,-2 1-101,-107-27 315,111 25-411,2 0-232,0 0-379,0 0-459,0 0-806,0 0-2392,0 0-2314</inkml:trace>
-  <inkml:trace contextRef="#ctx0" brushRef="#br0" timeOffset="5825.278">2415 42 1649,'0'0'3087,"0"0"-1471,0 0 113,0 0-136,0 0-387,0-9 1787,4 9-2898,-1 0-1,0 0 1,1 0 0,-1 1-1,0-1 1,1 1 0,-1 0-1,0 0 1,0 0 0,0 0-1,0 0 1,0 1 0,0-1-1,0 1 1,0 0-1,0 0 1,-1 0 0,1 0-1,-1 0 1,1 1 0,-1-1-1,0 1 1,0 0 0,1 2-95,9 8 153,240 310 1693,-232-291-1781,0 1-1,-3 0 1,-1 1-1,-1 1 0,-2 1 1,-1 0-1,6 37-64,-15-60 65,-1 0-1,-1 0 1,0 0-1,0 0 1,-1 1-1,-1-1 1,0 0-1,-1 0 1,0 0-1,-1 0 1,-1-1-1,0 1 1,-1-1-1,0 0 1,0 0-1,-2 0 1,-2 3-65,-18 28 320,-2 0 0,-2-2 0,-1-2 0,-3 0 0,-1-3 1,-17 13-321,21-17 504,32-30-541,0-2-3179,0 0-3456,0 0 1203</inkml:trace>
+  <inkml:trace contextRef="#ctx0" brushRef="#br0" timeOffset="5825.276">2415 42 1649,'0'0'3087,"0"0"-1471,0 0 113,0 0-136,0 0-387,0-9 1787,4 9-2898,-1 0-1,0 0 1,1 0 0,-1 1-1,0-1 1,1 1 0,-1 0-1,0 0 1,0 0 0,0 0-1,0 0 1,0 1 0,0-1-1,0 1 1,0 0-1,0 0 1,-1 0 0,1 0-1,-1 0 1,1 1 0,-1-1-1,0 1 1,0 0 0,1 2-95,9 8 153,240 310 1693,-232-291-1781,0 1-1,-3 0 1,-1 1-1,-1 1 0,-2 1 1,-1 0-1,6 37-64,-15-60 65,-1 0-1,-1 0 1,0 0-1,0 0 1,-1 1-1,-1-1 1,0 0-1,-1 0 1,0 0-1,-1 0 1,-1-1-1,0 1 1,-1-1-1,0 0 1,0 0-1,-2 0 1,-2 3-65,-18 28 320,-2 0 0,-2-2 0,-1-2 0,-3 0 0,-1-3 1,-17 13-321,21-17 504,32-30-541,0-2-3179,0 0-3456,0 0 1203</inkml:trace>
 </inkml:ink>
 </file>
 
@@ -3630,7 +3626,7 @@
     </inkml:brush>
   </inkml:definitions>
   <inkml:trace contextRef="#ctx0" brushRef="#br0">1 804 2465,'0'0'3901,"0"0"-1340,0 0-422,0 0-799,0 0-511,0 0-76,0-7 366,0 9 2567,1 274-3572,50-129-292,-42-214-57,-7 47 206,2 0 0,0 0-1,2 0 1,0 1 0,1 0 0,1 0 0,0 0 0,2 1 0,0 0-1,1 1 1,1 0 0,0 1 0,15-14 29,-27 29-10,1 0 0,-1 0 0,1 0 0,-1 0 0,1 0 1,0 1-1,-1-1 0,1 0 0,0 0 0,-1 1 0,1-1 0,0 1 0,0-1 0,0 0 0,-1 1 1,1-1-1,0 1 0,0 0 0,0-1 0,0 1 0,0 0 0,0 0 0,0-1 0,0 1 1,0 0-1,0 0 0,0 0 0,0 0 0,0 0 0,0 1 0,0-1 0,0 0 0,0 0 0,0 1 1,0-1-1,0 0 0,0 1 0,0-1 0,-1 1 0,1-1 0,0 1 0,0-1 0,0 1 0,-1 0 1,1-1-1,0 1 0,-1 0 0,1 0 0,0 0 0,-1-1 0,1 1 0,-1 0 0,0 0 0,1 0 1,-1 0-1,0 0 0,1 0 0,-1 0 0,0 0 0,0 0 0,0 0 0,0 0 0,0 0 0,0 0 1,0 0-1,0 0 0,0 0 0,0 0 0,-1 0 10,6 14 131,46 232 7,-13-170-154,-37-77 14,1 0-1,0 0 0,-1 0 0,1 0 0,0 0 0,-1 0 0,1-1 0,-1 1 0,1-1 1,0 1-1,-1-1 0,1 1 0,-1-1 0,0 0 0,1 0 0,-1 0 0,1 0 0,-1 0 1,0 0-1,0 0 0,0 0 0,1 0 0,-1-1 0,0 1 0,-1 0 0,1-1 0,0 1 0,0-1 1,-1 1-1,1-1 0,0 1 0,-1-1 0,1 0 3,1-2 21,13-17-65,-2 0-1,-1-1 1,0-1 0,-2 0 0,-1 0 0,0-1 0,-2 0-1,-1-1 1,2-12 44,13-58-616,-20 93 584,-1 2-32,0 0-56,0 6 66,7 43 125,-5-27 18,1 1 0,0-1 0,2 0 0,0 0 0,2 0 0,0-1 0,2 0 0,0 0 0,1-1 0,2 2-89,-9-18 6,0-1 0,1 1 0,-1-1 0,0 0 0,1 0 0,0 0 0,0 0 0,0 0 0,0-1 0,0 0 1,0 0-1,1 0 0,-1 0 0,1-1 0,-1 0 0,1 0 0,0 0 0,0 0 0,-1-1 0,1 0 0,0 0 0,0 0 0,-1 0 0,1-1 0,0 0 0,-1 0 0,1 0 0,0 0 1,-1-1-1,0 0 0,1 0 0,-1 0 0,0 0 0,0-1 0,0 0 0,0 0 0,2-2-6,7-8 5,0-2 1,-1 0-1,-1 0 0,0-1 1,-1 0-1,-1-1 0,0 0 1,-2 0-1,0-1 0,3-10-5,-9 3-13,-1 24-22,0 1 9,0 0-12,0 0 14,0 0-13,0 23-80,-1-14 146,0 0 0,0-1 0,1 1 0,0 0 0,1-1 0,0 1 0,0 0 0,0-1 1,2 1-1,-1-1 0,1 0 0,0 1 0,0-1 0,1-1 0,0 1 0,1 0 0,0-1 0,0 0 1,0 0-1,1-1 0,0 1 0,0-1 0,1 0 0,-1-1 0,1 0 0,1 0 0,-1 0 1,1-1-1,0 0 0,0-1 0,0 1 0,0-2 0,2 1-29,173-2 366,-144-11-270,-31 3-71,-1-1 1,1 1 0,-2-2 0,1 1-1,-1-1 1,-1 0 0,1 0 0,-2-1-1,1 0 1,-1 0 0,-1 0 0,0 0-1,0 0 1,-1-1 0,0 1-1,-1-1 1,0 1 0,0-1 0,-2 0-1,1 1 1,-1-1 0,-1 1 0,0-4-26,2-13 13,-1 22-2,1 0 1,-1 0-1,0 0 0,-1 0 1,1 0-1,-1 1 0,0-1 1,0 0-1,0 1 0,-1-1 1,1 1-1,-1 0 0,0 0 0,0 0 1,-1 0-1,1 1 0,-1-1 1,0 1-1,0 0 0,0 0 1,0 0-1,0 0 0,-1 1 1,1 0-1,-1 0 0,0 0 0,0 0 1,0 1-1,-1 0-11,-9-4 21,0 2-1,-1 0 0,1 1 1,-1 0-1,1 1 1,-1 1-1,1 0 1,-1 1-1,-1 1-20,9 0-6,0 0-1,1 1 1,-1-1-1,0 1 1,1 1-1,0 0 1,0 0-1,0 0 1,0 1-1,1-1 1,0 2-1,0-1 1,0 1 0,1 0-1,-1 0 1,1 0-1,1 1 1,-1 0-1,1 0 1,0 0-1,1 0 1,0 1-1,0-1 1,1 1-1,0 0 1,0 0-1,0 0 1,1 0-1,1 0 1,-1 4 6,0-6-20,1-1 1,0 1-1,0 0 1,0-1-1,0 1 0,1-1 1,0 1-1,0-1 1,1 1-1,-1-1 1,1 1-1,0-1 1,1 0-1,-1 0 1,1 0-1,0-1 1,1 1-1,-1 0 1,1-1-1,-1 0 1,1 0-1,3 2 20,-1 0-111,0 0-1,1 0 1,0-1 0,0 0-1,1 0 1,-1 0 0,1-1-1,0 0 1,0-1 0,0 0-1,1 0 1,-1-1 0,1 0-1,-1 0 1,1-1 0,0 0-1,0-1 1,0 0 0,2 0 110,-5-3-57,-1 0 0,-1 0 1,1 0-1,0-1 0,-1 1 0,0-1 0,0-1 0,0 1 0,0 0 0,0-1 0,-1 0 0,0 0 0,0 0 0,-1 0 0,1 0 0,-1 0 0,0-1 0,0 1 0,0-6 58,58-288-782,-50 14 4613,-12 334-3192,13 116-43,102 139-284,-50-172-506,-63-131 106,0 1 0,0 0-1,1-1 1,-1 1 0,0-1 0,1 1 0,-1-1 0,1 1 0,-1-1 0,1 1 0,0-1 0,0 0 0,0 1 0,0-1 0,0 0 0,0 0 0,0 1 0,0-1 0,0 0-1,0 0 1,1 0 0,-1 0 0,0-1 0,1 1 0,-1 0 0,1-1 0,-1 1 0,1 0 0,-1-1 0,1 0 0,-1 1 0,1-1 0,-1 0 0,1 0 0,1 0 88,46-29-9722,-31 7 2247</inkml:trace>
-  <inkml:trace contextRef="#ctx0" brushRef="#br0" timeOffset="500.49">1678 631 3858,'0'0'3297,"0"0"-893,0 0-358,0 0-650,0 0-452,0 0-77,-2 5-77,0-1-734,0 0 0,1 0 0,-1 1 0,1-1 0,0 1 0,0-1 0,1 1 0,0-1 0,-1 1 0,1-1 0,1 1 0,-1-1 0,1 1 0,0-1 0,0 1 0,0-1 0,0 1 0,1-1 0,0 0 0,0 0 0,0 1-56,14 14-2,0-2 0,0 0 0,2 0 0,0-2 0,1 0 0,1-1-1,0-1 1,0-1 0,4 0 2,71 48-421,-94-59 440,1 0 0,-1 0 1,0 0-1,1 0 0,-1 0 0,0 0 0,0 1 0,0-1 0,0 0 0,0 0 1,0 1-1,0-1 0,-1 1 0,1-1 0,0 1 0,-1-1 0,1 1 0,-1-1 1,0 1-1,1-1 0,-1 1 0,0 0 0,0-1 0,0 1 0,0 0 1,0-1-1,0 1 0,-1-1 0,1 1 0,-1 0 0,1-1 0,-1 1 0,1-1 1,-1 1-1,0-1 0,0 0 0,1 1 0,-1-1 0,0 0 0,0 1 0,-1-1 1,1 0-1,0 0 0,0 0 0,-1 0 0,1 0 0,0 0 0,-1 0 1,0 0-20,-77 40 1215,-16-27-1001,73-68-8437,21 34 2447</inkml:trace>
+  <inkml:trace contextRef="#ctx0" brushRef="#br0" timeOffset="500.489">1678 631 3858,'0'0'3297,"0"0"-893,0 0-358,0 0-650,0 0-452,0 0-77,-2 5-77,0-1-734,0 0 0,1 0 0,-1 1 0,1-1 0,0 1 0,0-1 0,1 1 0,0-1 0,-1 1 0,1-1 0,1 1 0,-1-1 0,1 1 0,0-1 0,0 1 0,0-1 0,0 1 0,1-1 0,0 0 0,0 0 0,0 1-56,14 14-2,0-2 0,0 0 0,2 0 0,0-2 0,1 0 0,1-1-1,0-1 1,0-1 0,4 0 2,71 48-421,-94-59 440,1 0 0,-1 0 1,0 0-1,1 0 0,-1 0 0,0 0 0,0 1 0,0-1 0,0 0 0,0 0 1,0 1-1,0-1 0,-1 1 0,1-1 0,0 1 0,-1-1 0,1 1 0,-1-1 1,0 1-1,1-1 0,-1 1 0,0 0 0,0-1 0,0 1 0,0 0 1,0-1-1,0 1 0,-1-1 0,1 1 0,-1 0 0,1-1 0,-1 1 0,1-1 1,-1 1-1,0-1 0,0 0 0,1 1 0,-1-1 0,0 0 0,0 1 0,-1-1 1,1 0-1,0 0 0,0 0 0,-1 0 0,1 0 0,0 0 0,-1 0 1,0 0-20,-77 40 1215,-16-27-1001,73-68-8437,21 34 2447</inkml:trace>
   <inkml:trace contextRef="#ctx0" brushRef="#br0" timeOffset="863.675">1656 590 7267,'0'0'1943,"0"0"316,0 0-322,0 0-523,0 0-646,7-10-77,58-57 726,121-12 788,-58 32-3618,-110 44-485,-10 3-1794,-2 0-856,2 0-3802</inkml:trace>
   <inkml:trace contextRef="#ctx0" brushRef="#br0" timeOffset="1602.42">2551 1 7716,'0'0'2166,"0"0"-315,0 0-455,0 0-351,0 0 55,-7 0-119,3 1-885,0-1 0,0 1-1,0 0 1,0 0 0,1 0-1,-1 0 1,0 1-1,1 0 1,-1-1 0,1 1-1,-1 0 1,1 1 0,0-1-1,0 1 1,0-1-1,0 1 1,0 0 0,1 0-1,-2 1-95,-15 20 220,2 1 0,0 0 0,1 1 0,2 1 0,1 1 0,0 0 0,3 0 0,0 1-1,2 0 1,1 1 0,1 0 0,1 0 0,2 0 0,1 18-220,-1 6 33,2 1 1,2 0-1,3-1 0,2 1 1,2-1-1,3-1 0,3 0 1,2 5-34,-15-56 0,3 12-37,0 0 0,1 0 0,0 0 0,1-1 0,0 0 0,1 0 0,1 0 0,0-1 1,0 0-1,2-1 0,-1 0 0,1 0 0,1-1 0,0 0 0,0-1 0,1-1 0,0 1 1,3 0 36,2 2-334,-8-4-1519,0-3-4767,-5-4 3</inkml:trace>
   <inkml:trace contextRef="#ctx0" brushRef="#br0" timeOffset="2619.709">2986 84 4978,'0'0'1654,"0"0"-424,0 0 152,0 0-8,0 0-437,-3 0-236,-1 2-607,0 1-1,0 0 1,0 0-1,0 0 1,1 1-1,-1-1 1,1 1 0,0 0-1,0 0 1,0 0-1,1 0 1,-1 0-1,1 1 1,0-1-1,0 1 1,1-1-1,-1 1 1,1 0-1,0 0 1,0-1-1,1 1 1,-1 0 0,1 0-1,0 0 1,0 0-1,1 3-93,-3 7 247,-8 349 1164,9-344-1316,-1 0 0,-1 0 1,-1 0-1,-1-1 0,0 1 0,-2-1 0,0-1 0,-1 1 1,-3 2-96,11-21 3,0-1 0,0 1 0,0-1 0,0 1 0,-1-1 0,1 1 0,0-1 0,-1 1 0,1 0 0,0-1 0,-1 1 0,1-1 0,0 1 0,-1 0 0,1-1 0,-1 1 0,1 0 0,-1-1 0,1 1 0,0 0 0,-1 0 0,1 0 0,-1-1 0,1 1 0,-1 0 0,0 0 0,1 0 0,-1 0 0,1 0 0,-1 0 1,1 0-1,-1 0 0,1 0 0,-1 0 0,1 0 0,-1 0 0,1 1 0,-1-1 0,1 0 0,-1 0 0,1 0 0,-1 1 0,1-1 0,-1 0 0,1 1 0,0-1 0,-1 0 0,1 1 0,-1-1 0,1 0 0,0 1 0,-1-1 0,1 1 0,0-1 0,0 1 0,-1-1 0,1 1 0,0-1 0,0 1 0,0-1 0,0 1-3,4-50-523,-2 45 521,1 0 1,1 0 0,-1 0 0,0 0-1,1 1 1,0 0 0,-1 0 0,1 0-1,1 0 1,-1 0 0,0 1-1,1 0 1,-1 0 0,1 0 0,0 1-1,-1-1 1,1 1 0,0 0 0,0 0-1,0 1 1,0-1 1,-1 31-205,-4 302 1453,1-324-1161,1 0-1,1 0 0,-1-1 1,1 1-1,1-1 0,-1 1 1,1-1-1,0 0 0,1 0 1,0 0-1,0-1 0,0 0 1,1 0-1,0 0 0,0-1 1,1 0-1,-1 0 0,1 0 1,0-1-1,0 0 0,1-1 1,0 1-87,43 2-4675,-36-7 823,-2 1-2119</inkml:trace>
@@ -3728,7 +3724,7 @@
     </inkml:brush>
   </inkml:definitions>
   <inkml:trace contextRef="#ctx0" brushRef="#br0">18 95 8564,'0'0'2252,"0"0"-1127,0 0 52,0 0-350,0 0-467,0 0 139,0 0 67,0 18-177,0 134 1009,0 689-19,21-647-1517,-20-179-263,-1-13-7157,0-2 272</inkml:trace>
-  <inkml:trace contextRef="#ctx0" brushRef="#br0" timeOffset="384.023">0 667 5410,'0'0'2169,"0"0"-731,0 0 483,0 0-192,0 0-424,22 9-89,72 27-258,53-21 677,-23-7-1134,-41 2-3469,-36-7-2694,-24-3-276</inkml:trace>
+  <inkml:trace contextRef="#ctx0" brushRef="#br0" timeOffset="384.022">0 667 5410,'0'0'2169,"0"0"-731,0 0 483,0 0-192,0 0-424,22 9-89,72 27-258,53-21 677,-23-7-1134,-41 2-3469,-36-7-2694,-24-3-276</inkml:trace>
   <inkml:trace contextRef="#ctx0" brushRef="#br0" timeOffset="899.521">540 80 2001,'0'0'7027,"0"0"-4490,0 0-896,0 0-54,0 0-765,0 3-534,34 317 2692,3 281-2065,-7-318-1405,-24-261-1038,5-25-4070,-6-16-1670</inkml:trace>
   <inkml:trace contextRef="#ctx0" brushRef="#br0" timeOffset="13357.542">1225 143 1088,'0'0'1561,"0"0"5,0 0 123,0 0-59,0 0-77,1-4-6,7-19 531,-8 23-1274,0 0-81,0 0-137,0 0-164,0 10-54,-3 23-15,-2-1 0,-1 1 1,-1-1-1,-1 0 0,-13 29-353,-5 20 459,-131 356 800,90-218-1227,42-125-29,17-84-897,7-36-6025,1 20 3530,0-7-4079</inkml:trace>
   <inkml:trace contextRef="#ctx0" brushRef="#br0" timeOffset="14028.127">1304 5 320,'0'0'5093,"0"0"-2473,0 0-595,0 0-222,0 0-586,9-4 466,35 77-146,-8 31-269,-4 2-1,16 100-1267,-25-100 272,79 401-104,-54-418-1121,-36-95-4703,-11-8 83</inkml:trace>
@@ -3852,10 +3848,10 @@
   <inkml:trace contextRef="#ctx0" brushRef="#br0">0 447 400,'0'0'993,"0"0"-113,0 0-32,0 0-191,0 0-241,0 0 80,0 0 16,0 0-79,1-4-129,0-2-288,0 1-16,-1 0-208,2 1-113,0-1-223,3 1-144,6-2 320,7-1-64,9-1-465,9-2 305,10 0 48,9-1 336,8-1 143,9-2 49,7-1 16,3-3-16,4-1-176,0-1 16,-2 0-96,-5 1 208,-16 3-288</inkml:trace>
   <inkml:trace contextRef="#ctx0" brushRef="#br0" timeOffset="101.691">1049 149 480,'0'0'881,"0"0"-529,0 0-144,0 0-208,0 0 64,0 0-64,-18-4-608,-9-2-1,2 1 225,4 1 0,6 1 384</inkml:trace>
   <inkml:trace contextRef="#ctx0" brushRef="#br0" timeOffset="417.381">1510 0 272,'0'0'0,"0"0"0,0 0 80,0 0-80,0 0 0,-24 2 0,-16 3 0,-9 5 0,-6 5 16,-2 5 304,-2 4-32,1 3-47,2 0-33,3-1-112,5 0-32,6-3-64,6-3-16,8-3 0,9-3-112,6-2-321,6 0-79,4 1 80,1-2 448</inkml:trace>
-  <inkml:trace contextRef="#ctx0" brushRef="#br0" timeOffset="1022.897">983 465 400,'0'0'112,"24"-4"-48,19-4-32,15-1-32,10-2 0,2 2 16,-2 1-16,-8 3-64,-10 1 0,-14 2-32,-12 2-16,-11 0 112,-7 2 256,-5 4 192,-6 2 129,-4 4 127,-5 1-32,0 1-287,1 2-145,2-1-240,3 0-16,2 0-353,6-2-143,6 1-96,8-2 608,9 0 96,7-1-64,6-1-16,3-1 64,0-1 176,-6-1 224,-8-2-288,-8 1-144,-9 1 801,-12 3-81,-15 3-352,-13 3-127,-12 3-225,-9 3 0,-7 2-64,-3 1-32,0 0-881,8 0-656,11 0-287,13-6 511</inkml:trace>
-  <inkml:trace contextRef="#ctx0" brushRef="#br0" timeOffset="1916.872">1264 219 1169,'0'0'1104,"0"0"-912,0 0 528,0 0 225,0 0-65,0 0-255,-3 0-193,-7 5-80,-11 9 144,-14 11-112,-16 10-15,-14 11-65,-13 9-192,-10 6-96,-7 3 0,-4 0 0,1-3-32,5-8 0,11-8 16,16-11 0,16-9 0,15-10 0,13-7-64,11-4-144,6-4 32,4-1-209,1-1 113,-1 0 256,1 0 16,-1 1-448,0 0-64,0 1 16,0 0-497,1 0 17,-1 0 175,1-2-207,3-1 207,6-1 737,9-3-304,0 1-144</inkml:trace>
+  <inkml:trace contextRef="#ctx0" brushRef="#br0" timeOffset="1022.896">983 465 400,'0'0'112,"24"-4"-48,19-4-32,15-1-32,10-2 0,2 2 16,-2 1-16,-8 3-64,-10 1 0,-14 2-32,-12 2-16,-11 0 112,-7 2 256,-5 4 192,-6 2 129,-4 4 127,-5 1-32,0 1-287,1 2-145,2-1-240,3 0-16,2 0-353,6-2-143,6 1-96,8-2 608,9 0 96,7-1-64,6-1-16,3-1 64,0-1 176,-6-1 224,-8-2-288,-8 1-144,-9 1 801,-12 3-81,-15 3-352,-13 3-127,-12 3-225,-9 3 0,-7 2-64,-3 1-32,0 0-881,8 0-656,11 0-287,13-6 511</inkml:trace>
+  <inkml:trace contextRef="#ctx0" brushRef="#br0" timeOffset="1916.87">1264 219 1169,'0'0'1104,"0"0"-912,0 0 528,0 0 225,0 0-65,0 0-255,-3 0-193,-7 5-80,-11 9 144,-14 11-112,-16 10-15,-14 11-65,-13 9-192,-10 6-96,-7 3 0,-4 0 0,1-3-32,5-8 0,11-8 16,16-11 0,16-9 0,15-10 0,13-7-64,11-4-144,6-4 32,4-1-209,1-1 113,-1 0 256,1 0 16,-1 1-448,0 0-64,0 1 16,0 0-497,1 0 17,-1 0 175,1-2-207,3-1 207,6-1 737,9-3-304,0 1-144</inkml:trace>
   <inkml:trace contextRef="#ctx0" brushRef="#br0" timeOffset="2134.947">1216 650 192,'0'0'384,"0"0"-80,0 0 401,0 0 207,0 0 769,0 0-625,-22 20-351,-19 12 95,-12 5-144,-9 1-223,-2-1-273,2-2-160,5-2-128,8-3-1601,11-2-144,12-5-192,9-3 464,9-6 1009</inkml:trace>
-  <inkml:trace contextRef="#ctx0" brushRef="#br0" timeOffset="2391.688">1027 967 304,'0'0'1105,"0"0"207,0 0-415,25-10-17,13-5-160,5-2-303,0 1-129,-6 1-112,-8 3-160,-9 3-16,-6 4-64,-3 2-144,-2 2 48,2 0-48,2 0-177,2-1-223,0 0 32,0 0 80,-5 1 111,-2-2 17,-4 0-592,-1-1-337,-6-3 897,-4-2 400,-1 0 0</inkml:trace>
+  <inkml:trace contextRef="#ctx0" brushRef="#br0" timeOffset="2391.687">1027 967 304,'0'0'1105,"0"0"207,0 0-415,25-10-17,13-5-160,5-2-303,0 1-129,-6 1-112,-8 3-160,-9 3-16,-6 4-64,-3 2-144,-2 2 48,2 0-48,2 0-177,2-1-223,0 0 32,0 0 80,-5 1 111,-2-2 17,-4 0-592,-1-1-337,-6-3 897,-4-2 400,-1 0 0</inkml:trace>
   <inkml:trace contextRef="#ctx0" brushRef="#br0" timeOffset="2550.533">1185 644 320,'0'0'304,"0"0"225,0 0 15,-14-26 368,-5-11 913,0-1-336,3 7-913,7 8-576,12 9-448,14 12 448,15 17 0,15 17 80,12 16 0,11 16-16,11 10-64,8 7 0,7 1-2369,-11-13-1537</inkml:trace>
 </inkml:ink>
 </file>
@@ -3886,7 +3882,7 @@
     </inkml:brush>
   </inkml:definitions>
   <inkml:trace contextRef="#ctx0" brushRef="#br0">0 2083 2577,'0'0'80,"0"0"112,0 0 785,0 0 79,0 0-191,0 0 175,0 0-47,5 1-561,2-2-432,2-3-64,1-5-112,0-6 112,1-5-321,0-6 49,2-5-448,-1-5-609,1-7-368,0-6-624,-2 5 1521</inkml:trace>
-  <inkml:trace contextRef="#ctx0" brushRef="#br0" timeOffset="859.921">448 1571 48,'0'0'944,"0"0"-271,22 16-337,17 8-144,9 1-96,3-2 192,-2-6 833,-3-5-241,-6-5-560,-6-8-144,-3-8-80,-4-8-64,-2-7-16,0-7 16,-1-6 32,-1-5 32,1-6-96,2-5-80,2-4-432,2-2-384,0 0 127,-1 3-591,-4 2 447,-5 6 913,-6 4 192,-5 7 801,-5 3-465,-2 6-64,-3 2-416,-1 4-48,0 2-128,0 1 96,1 2-48,0 2 80,0 3 240,1 4 209,0 3 79,0 2-112,0 2-240,0 1-176,0 1-64,0 0 64,0-1 80,0 0 64,0-1 208,0-2 81,0 0-145,0-2-256,0-1-32,0-1-400,0-3-769,0-2 657,-2-3 384,0-3-224,-1-2 191,-1-2 145,1-3 0,0 0 16,0 1 0,0 1 193,0 4 207,1 3 192,0 6-224,2 3-336,-1 3-32,1 3-176,0 2-96,0 6 272,2 7 80,3 9 464,3 8 65,3 7-161,3 6-352,1 2-64,0-1-32,1-6 16,2-6 48,-1-8 32,0-9 32,1-7 80,1-11-208,1-11-144,0-13-16,-1-12 160,-1-11 0,-2-9 32,-2-8 64,-2-9-96,-1-7-32,-1-6 32,-2-2 0,-2 3 0,-1 10 64,-1 15-64,-1 17 0,0 16-64,0 13-1457,3 13 81,2 14 79,4 14 48,-1 3 513</inkml:trace>
+  <inkml:trace contextRef="#ctx0" brushRef="#br0" timeOffset="859.92">448 1571 48,'0'0'944,"0"0"-271,22 16-337,17 8-144,9 1-96,3-2 192,-2-6 833,-3-5-241,-6-5-560,-6-8-144,-3-8-80,-4-8-64,-2-7-16,0-7 16,-1-6 32,-1-5 32,1-6-96,2-5-80,2-4-432,2-2-384,0 0 127,-1 3-591,-4 2 447,-5 6 913,-6 4 192,-5 7 801,-5 3-465,-2 6-64,-3 2-416,-1 4-48,0 2-128,0 1 96,1 2-48,0 2 80,0 3 240,1 4 209,0 3 79,0 2-112,0 2-240,0 1-176,0 1-64,0 0 64,0-1 80,0 0 64,0-1 208,0-2 81,0 0-145,0-2-256,0-1-32,0-1-400,0-3-769,0-2 657,-2-3 384,0-3-224,-1-2 191,-1-2 145,1-3 0,0 0 16,0 1 0,0 1 193,0 4 207,1 3 192,0 6-224,2 3-336,-1 3-32,1 3-176,0 2-96,0 6 272,2 7 80,3 9 464,3 8 65,3 7-161,3 6-352,1 2-64,0-1-32,1-6 16,2-6 48,-1-8 32,0-9 32,1-7 80,1-11-208,1-11-144,0-13-16,-1-12 160,-1-11 0,-2-9 32,-2-8 64,-2-9-96,-1-7-32,-1-6 32,-2-2 0,-2 3 0,-1 10 64,-1 15-64,-1 17 0,0 16-64,0 13-1457,3 13 81,2 14 79,4 14 48,-1 3 513</inkml:trace>
   <inkml:trace contextRef="#ctx0" brushRef="#br0" timeOffset="1423.299">1264 939 3986,'0'0'1296,"0"0"-783,0 0 15,-26-20-144,-16-9 64,-8-3 81,-2 2 255,5 4-240,7 5 48,9 6-303,10 5-225,7 4-64,7 4-16,5 1-64,2 1-65,1 1-47,1 0-160,1 0 176,5 1 176,7 2 112,10 2-112,11 1-560,11 0 448,5 1 112,3-1 0,-5 0 272,-8 0-80,-12-1-192,-11-1-80,-14 2 80,-15 2 0,-16 3 0,-17 4-1104,-13 2 831,-6 2 161,2-1 80,8 0 32,14-1-416,14 0-656,21 1 816,23-1 256,25 1 368,24-1-80,22 0-288,17 0-48,13-1 48,7-1-16,2 0-608,-5-2-2546,-23-4 817</inkml:trace>
 </inkml:ink>
 </file>
@@ -3980,7 +3976,7 @@
   </inkml:definitions>
   <inkml:trace contextRef="#ctx0" brushRef="#br0">0 1791 592,'0'0'1217,"0"0"-609,0 0-240,0 0-128,0 0-112,0 0-16,6-9-15,3-6-97,1-2-80,1 1-81,-2 2 1,0 0-80,-1 2-32,-2 0 0,-1-1 272,-1-1 48,0-2-48,0 0 0,0-3 0,0 1-816,1-1-113,1 0 929,3 1 96,5 0 320,6 1 337,7 0-225,9 1-256,8-1-144,8 2 80,8 0-80,8 1-32,8 2-48,10 2-48,10 3-32,9 2-16,3 2-176,-1 3-608,-9 3-209,-13 5 465,-16 2 496,-18 2 80,-16 0 48,-14 0-48,-10-3 48,-8-1 160,-4-3 256,-5-2 257,-4-1-241,-5-2 112,-5-1-47,-2-4 143,-3-5-64,-2-6 225,-3-5-641,-2-6 144,-4-4-256,-3-4-64,-3-5-32,-3-4 48,1-3-32,1-4 80,1-2-96,4-2-96,6-2-208,4 1-176,5 2-241,4 6 113,4 7 400,4 10-496,4 10-385,2 8-1136,3 7 2225</inkml:trace>
   <inkml:trace contextRef="#ctx0" brushRef="#br0" timeOffset="399.131">1058 999 304,'0'0'272,"0"0"160,0 0 113,0 0-193,0 0 96,0 0-208,14 20-48,5 6 545,0-1 543,-3-7 33,-2-10-929,-3-14-256,-2-13 320,-1-13-336,-1-10-96,1-11-16,0-10 0,2-8-16,1-9-304,1-4-176,2-4-32,0-1-81,1 3-127,0 3 416,-1 6-128,-1 9 448,-1 11 256,-3 14 384,-3 14-336,-3 12-304,-1 9-224,-2 11 224,-5 13 128,-6 14-48,-5 13 80,-6 11-112,-5 10 48,-5 10 16,-4 9-16,-5 6 17,-2 5-49,-3 1-32,-1 1-32,0-2-561,-1-3-2016,8-16 80</inkml:trace>
-  <inkml:trace contextRef="#ctx0" brushRef="#br0" timeOffset="693.321">628 995 3794,'0'0'688,"0"0"-688,0 0-48,34 7 48,27 11 64,25 11-64,20 11-16,18 8-288,11 6-2113,-17-8 656</inkml:trace>
+  <inkml:trace contextRef="#ctx0" brushRef="#br0" timeOffset="693.319">628 995 3794,'0'0'688,"0"0"-688,0 0-48,34 7 48,27 11 64,25 11-64,20 11-16,18 8-288,11 6-2113,-17-8 656</inkml:trace>
 </inkml:ink>
 </file>
 
@@ -4104,7 +4100,7 @@
   </inkml:definitions>
   <inkml:trace contextRef="#ctx0" brushRef="#br0">4733 53 5603,'0'0'9828,"0"0"-8387,0 0 624,0 0-481,0 0-511,0 0-609,21-52-464,-21 52-64,0 0-944,0 0-1249,0 4-1649,0 14-10453</inkml:trace>
   <inkml:trace contextRef="#ctx0" brushRef="#br0" timeOffset="-6230.227">0 536 2545,'0'0'1014,"0"0"138,0 0-26,0 0-88,0 0-45,0 0-241,2 24-200,4 75-189,-6-96-284,0 0 0,0 1 0,0-1 0,0 0 0,0 0 0,1 0 0,-1 1-1,1-1 1,0 0 0,0 0 0,0 0 0,1 0 0,-1-1 0,1 1 0,-1 0 0,1 0 0,0-1 0,0 1 0,0-1 0,0 0 0,1 1-1,-1-1 1,0 0 0,1 0 0,0-1 0,-1 1 0,1-1 0,0 1 0,0-1 0,0 0 0,0 0 0,0 0 0,0 0 0,0 0 0,0-1 0,1 0-1,-1 1 1,0-1 0,0 0 0,0-1 0,1 1 0,-1 0 0,0-1 0,0 0 0,2 0-79,18 0 18,-19-1-17,0 1 0,1 0 1,-1-1-1,0 0 1,0 0-1,0 0 0,0-1 1,0 1-1,-1-1 0,1 0 1,-1 0-1,0 0 1,1-1-1,-2 1 0,1-1 1,0 0-1,-1 0 1,1 1-1,-1-2 0,0 1 1,0 0-1,-1 0 0,1-1 1,-1 1-1,0 0 1,0-1-1,-1 1 0,1-1 1,-1 0-1,0 1 1,0-1-1,-1 1 0,1-1 1,-1 1-1,0-1 0,0 1 1,-1-1-2,2 1 2,-2-2 75,0 0-1,0 1 1,-1-1-1,0 1 1,0 0 0,-1-1-1,1 1 1,-1 1-1,0-1 1,0 0 0,-1 1-1,1 0 1,-1 0 0,0 0-1,0 1 1,0 0-1,-1 0 1,1 0 0,-1 0-1,0 1 1,1 0-1,-1 0 1,0 1 0,0 0-1,0 0 1,-1 0-1,1 1 1,-1-1-77,4 1-3,1 1 1,-1-1-1,0 1 1,1-1-1,-1 1 1,1 0-1,-1 0 1,1 0-1,0 0 1,-1 0-1,1 0 1,0 1-1,0-1 1,0 1-1,0 0 1,0-1-1,0 1 1,0 0-1,1 0 1,-1 0-1,1 1 0,-1-1 1,1 0-1,0 0 1,0 1-1,0-1 1,0 1-1,0-1 1,1 1-1,-1-1 1,1 1-1,-1-1 1,1 1-1,0 0 1,0-1-1,0 1 1,1 0 2,-3 4-10,0 0 0,1-1 0,0 1 0,1 0 0,0 0 0,0 0 0,0 0 0,1 0 0,0 0 0,0 0 1,0 0-1,1-1 0,0 1 0,1 0 0,0-1 0,0 0 0,0 0 0,0 1 0,1-2 0,0 1 0,0 0 0,1-1 1,0 0-1,0 0 0,0 0 0,0-1 0,1 0 0,-1 0 0,1 0 0,0-1 0,1 0 0,-1 0 0,0 0 0,1-1 0,0 0 1,-1 0-1,1 0 0,0-1 0,2 0 10,-4 0 20,0 0 0,1-1 0,-1 1 1,1-1-1,-1 0 0,1-1 0,-1 1 0,1-1 1,-1 0-1,0 0 0,0-1 0,1 0 0,-1 0 1,0 0-1,0 0 0,-1-1 0,1 0 0,0 0 1,-1 0-1,0 0 0,0-1 0,0 0 0,0 0 1,0 0-1,-1 0 0,0 0 0,0-1 0,0 1 1,0-1-1,-1 0 0,1 0 0,-1 0 0,-1 0 1,1-1-1,0-2-20,0 2 31,1 0 1,-1-1 0,0 0-1,-1 1 1,0-1 0,0 0-1,0 0 1,-1 0 0,0 0-1,0 0 1,-1 0 0,1 1-1,-2-1 1,1 0 0,-1 0-1,0 1 1,0-1 0,-1 1-1,0 0 1,0-1 0,0 1-1,-1 1 1,0-1-1,0 0 1,-1 1 0,1 0-1,-1 0 1,0 0 0,0 1-1,-1 0 1,0 0 0,1 0-1,-1 1 1,0-1 0,-1 1-1,1 1 1,-3-1-32,3 1 5,1 0 0,-1 1 0,0 0 0,1 0 0,-1 1 0,0-1 0,0 1-1,0 1 1,1-1 0,-1 1 0,0 0 0,0 0 0,1 1 0,-1-1 0,1 1 0,-1 0 0,1 1 0,0 0 0,0-1 0,0 2 0,0-1 0,1 0-1,-1 1 1,1 0 0,0 0 0,0 0 0,0 1 0,1-1 0,-1 1 0,1 0 0,0 0 0,0 0 0,1 1 0,0-1 0,0 0 0,0 1 0,1-1 0,-1 1-1,1 0 1,0 1-5,1 122-130,0-124 115,1 0 0,-1 0 1,1 0-1,1 0 0,-1 0 0,1 0 1,0-1-1,0 1 0,0-1 1,0 1-1,1-1 0,0 0 0,0 0 1,0 0-1,1 0 0,-1 0 1,1-1-1,0 0 0,0 0 0,0 0 1,0 0-1,0 0 0,1-1 1,-1 0-1,1 0 0,0 0 0,-1 0 1,1-1-1,0 0 0,0 0 1,0 0-1,0-1 0,3 1 15,-2-1 13,0 0 0,0 0-1,1 0 1,-1-1 0,0 1 0,0-2-1,0 1 1,0-1 0,0 1 0,0-2 0,-1 1-1,1-1 1,0 0 0,-1 0 0,0 0-1,0-1 1,0 0 0,0 0 0,-1 0-1,1 0 1,-1-1 0,0 0 0,0 0 0,-1 0-1,1 0 1,-1 0 0,-1-1 0,1 0-13,2-9 34,-1 1 0,0-1 1,-1 0-1,-1 0 1,-1 0-1,0 0 1,-1 0-1,0 0 0,-1-1 1,-2-3-35,3 13 2,-1-1 0,0 1 0,0-1 0,-1 1-1,1-1 1,-1 1 0,-1 0 0,0 0 0,1 0 0,-2 0 0,1 0 0,-1 1 0,0 0 0,0-1 0,0 1 0,-1 1 0,1-1 0,-1 1 0,0-1 0,-1 2 0,1-1-1,-1 0 1,0 1 0,0 0 0,0 1 0,0-1 0,0 1 0,0 0 0,-1 1 0,1-1 0,-1 1 0,1 0 0,-1 1-2,2-1 3,1 1 1,0-1-1,0 1 0,0 0 1,0 0-1,0 1 1,-1-1-1,1 1 0,0 0 1,0 0-1,0 0 0,0 1 1,1-1-1,-1 1 1,0 0-1,1 0 0,-1 0 1,1 1-1,-1-1 1,1 1-1,0 0 0,0 0 1,0 0-1,1 0 1,-1 0-1,1 1 0,0-1 1,-1 1-1,2-1 0,-1 1 1,0 0-1,1 0 1,0 0-1,-1 0 0,2 0 1,-1 0-1,0 2-3,-2 174-131,5-175 127,0-1 0,0 1 0,0-1-1,0 1 1,1-1 0,0 0 0,-1 0-1,2 0 1,-1-1 0,0 1-1,1-1 1,0 1 0,0-1 0,0 0-1,0-1 1,0 1 0,0-1-1,1 1 1,-1-1 0,1-1 0,0 1-1,-1-1 1,1 0 0,0 0-1,0 0 1,0 0 0,0-1 0,0 0-1,0 0 1,0 0 0,0-1-1,0 0 1,-1 0 0,1 0 0,0 0-1,0-1 1,-1 0 0,1 0 0,-1 0-1,1 0 1,-1-1 0,0 0-1,1 0 5,0-2 3,0 0 0,1 0 0,-2 0 0,1 0-1,-1-1 1,1 0 0,-2 0 0,1 0 0,-1 0-1,0-1 1,0 1 0,0-1 0,-1 0 0,0 0-1,-1 0 1,1 0 0,-1 0 0,-1 0-1,1 0 1,-1 0 0,-1-4-3,1 8 4,2-2-11,-1 1 0,0-1 1,0 0-1,0 0 0,-1 1 1,0-1-1,0 0 0,0 0 1,0 0-1,-1 0 0,1 0 1,-1 1-1,-1-1 0,1 0 1,-1 1-1,0-1 0,0 1 1,0-1-1,0 1 0,-1 0 1,1 0-1,-1 0 0,-1 0 1,1 1-1,0-1 1,-1 1-1,1 0 0,-1 0 1,0 0-1,0 0 0,-1 1 1,1-1-1,0 1 0,-1 0 1,1 1-1,-1-1 0,0 1 1,1 0-1,-2-1 7,3 2 0,0-1 1,0 0-1,1 1 1,-1 0-1,0-1 1,0 1-1,0 0 1,0 0-1,0 1 0,1-1 1,-1 1-1,0-1 1,0 1-1,1 0 1,-1 0-1,0 0 1,1 0-1,-1 1 0,1-1 1,-1 1-1,1-1 1,0 1-1,0 0 1,-1 0-1,1 0 1,1 0-1,-1 0 0,0 0 1,0 1-1,0 1 0,-5 10-26,1 2 0,1-1 0,0 1 0,1 0-1,0 0 1,2 0 0,0 0 0,0 0 0,2 1-1,0-1 1,2 13 26,0-27 3,0 1 0,0 0 0,0-1 0,1 0 0,-1 1-1,1-1 1,-1 0 0,1 0 0,0-1 0,0 1 0,0 0 0,0-1 0,0 0 0,0 0-1,0 0 1,1 0 0,-1 0 0,0-1 0,0 1 0,1-1 0,-1 0 0,0 0 0,1 0-1,-1-1 1,0 1 0,1-1 0,-1 1 0,0-1 0,0 0 0,0 0 0,0-1-1,0 1 1,0-1 0,0 1 0,0-1 0,0 0 0,1-2-3,4-3 17,-1-1 0,0 0 0,0 0-1,-1 0 1,0-1 0,-1 0 0,0 0 0,0-1 0,-1 1 0,0-1 0,-1 0 0,0 0 0,-1 0-1,0 0 1,0-1 0,-1 1 0,0 0 0,-1-1 0,0 1 0,-1-1 0,-2-9-17,2 18 4,0-1 1,0 1-1,-1-1 1,1 1-1,-1-1 1,0 1-1,0 0 1,1 0-1,-1 0 1,-1 0-1,1 0 1,0 1-1,0-1 1,-1 1-1,1-1 1,-1 1-1,1 0 1,-1 0-1,1 0 1,-1 0-1,0 0 0,0 1 1,1-1-1,-1 1 1,0 0-1,0-1 1,0 1-1,1 1 1,-1-1-1,0 0 1,0 1-1,0-1 1,1 1-1,-1 0 1,0 0-1,1 0 1,-1 0-1,1 1 1,-1-1-1,1 1 1,-2 0-5,0 8-19,0 0 0,1 0 1,0 0-1,1 0 0,0 0 1,1 0-1,0 1 0,0-1 1,1 1-1,1-1 0,0 0 1,1 8 18,0-16-2,-1 1 0,1-1 1,-1 0-1,1 0 0,0 0 1,0 0-1,0 0 0,0 0 1,1 0-1,-1-1 0,0 1 1,1-1-1,-1 0 0,1 1 1,-1-1-1,1 0 0,0-1 1,-1 1-1,1 0 0,0-1 1,0 1-1,0-1 0,-1 0 1,1 0-1,0 0 0,0-1 1,0 1-1,-1 0 0,1-1 1,0 0-1,-1 0 0,3 0 2,-2-3 10,0 0-1,-1 0 0,1 0 0,-1 0 0,0 0 0,0 0 1,-1-1-1,1 1 0,-1 0 0,0-1 0,0 0 0,0 1 1,-1-1-1,1 1 0,-1-1 0,-1 0 0,1 1 0,0-1 1,-1 0-10,1-1-1,-34 1 209,120 25 307,187-1 1067,131-23-83,-207-8-1240,110 12-216,-241-16-59,-102-9-915,-244-135 664,248 151 304,-2-1-131,62 10 9,219 76 224,-100 2-155,-145-75 24,0 0 0,0 0-1,-1-1 1,1 1 0,-1 1-1,0-1 1,0 0 0,0 0 0,0 0-1,-1 1 1,1-1 0,-1 0 0,0 1-1,0-1 1,0 0 0,0 1 0,-1-1-1,0 0 1,1 0 0,-1 1 0,0-1-1,0 0 1,-1 0 0,1 0-1,-1 0 1,1 0 0,-1 0 0,0-1-1,0 1 1,-1 1-8,-172 144 1884,99-70-2314,39-13-6013,36-57 1292</inkml:trace>
-  <inkml:trace contextRef="#ctx0" brushRef="#br0" timeOffset="-3513.811">2147 299 5042,'0'0'3314,"0"0"-1070,0 0-574,0 0-673,0 0-460,0 0-97,22 1 579,48 153 29,-61-209 268,-12 50-1297,1 1 0,-1 0 0,0 0 0,0 0 0,-1 0 0,1 1 0,-1-1 0,0 1 0,0 0 0,0 0 0,0 0 0,0 1 0,-1-1 0,1 1 0,-1 0 0,0 0 0,0 1 1,1-1-1,-1 1 0,0 0 0,0 0 0,0 1 0,0 0 0,0 0 0,0 0 0,0 0 0,0 1 0,0 0 0,-4 1-19,1-3 61,1 1-1,-1 0 1,0 0 0,0 1-1,1 0 1,-1 1 0,0-1-1,1 1 1,0 1-1,-1 0 1,1 0 0,0 0-1,0 1 1,1 0 0,-6 3-61,8-3 13,-3 0-17,1 0 0,-1 1 1,1 0-1,0 0 0,0 1 0,0 0 0,1 0 0,0 0 1,0 1-1,1-1 0,0 1 0,0 0 0,0 1 0,1-1 1,0 1-1,0 0 4,-19 224-91,25-223 93,0 0-1,0-1 1,1 1 0,0-1-1,1 0 1,-1 0 0,1-1-1,1 1 1,0-1 0,0 0-1,0-1 1,1 1 0,0-1-1,0 0 1,0-1 0,1 0-1,0 0 1,0-1 0,0 0-1,0 0 1,2 0-2,-2 0 13,0-1 1,0 0-1,0-1 0,0-1 1,0 1-1,1-1 1,-1 0-1,1-1 1,-1 0-1,0-1 1,1 1-1,-1-1 1,0-1-1,1 0 1,-1 0-1,0-1 1,0 1-1,-1-2 1,1 1-1,-1-1 0,7-5-13,6-3-129,124-80-1540,-55 21-7332,-66 46 2390</inkml:trace>
+  <inkml:trace contextRef="#ctx0" brushRef="#br0" timeOffset="-3513.814">2147 299 5042,'0'0'3314,"0"0"-1070,0 0-574,0 0-673,0 0-460,0 0-97,22 1 579,48 153 29,-61-209 268,-12 50-1297,1 1 0,-1 0 0,0 0 0,0 0 0,-1 0 0,1 1 0,-1-1 0,0 1 0,0 0 0,0 0 0,0 0 0,0 1 0,-1-1 0,1 1 0,-1 0 0,0 0 0,0 1 1,1-1-1,-1 1 0,0 0 0,0 0 0,0 1 0,0 0 0,0 0 0,0 0 0,0 0 0,0 1 0,0 0 0,-4 1-19,1-3 61,1 1-1,-1 0 1,0 0 0,0 1-1,1 0 1,-1 1 0,0-1-1,1 1 1,0 1-1,-1 0 1,1 0 0,0 0-1,0 1 1,1 0 0,-6 3-61,8-3 13,-3 0-17,1 0 0,-1 1 1,1 0-1,0 0 0,0 1 0,0 0 0,1 0 0,0 0 1,0 1-1,1-1 0,0 1 0,0 0 0,0 1 0,1-1 1,0 1-1,0 0 4,-19 224-91,25-223 93,0 0-1,0-1 1,1 1 0,0-1-1,1 0 1,-1 0 0,1-1-1,1 1 1,0-1 0,0 0-1,0-1 1,1 1 0,0-1-1,0 0 1,0-1 0,1 0-1,0 0 1,0-1 0,0 0-1,0 0 1,2 0-2,-2 0 13,0-1 1,0 0-1,0-1 0,0-1 1,0 1-1,1-1 1,-1 0-1,1-1 1,-1 0-1,0-1 1,1 1-1,-1-1 1,0-1-1,1 0 1,-1 0-1,0-1 1,0 1-1,-1-2 1,1 1-1,-1-1 0,7-5-13,6-3-129,124-80-1540,-55 21-7332,-66 46 2390</inkml:trace>
   <inkml:trace contextRef="#ctx0" brushRef="#br0" timeOffset="-2744.201">2731 240 2977,'0'0'1980,"0"0"58,0 0 22,0 0-273,0 0-375,2-3-209,7-9-224,-7 9-283,-2 3-264,-2 0-210,-98 74 1677,96-71-1857,-3 1-9,0 0 0,0 0 0,1 1-1,0 0 1,0 0 0,0 0 0,0 0-1,1 1 1,0 0 0,0 0 0,1 1-1,0 0 1,0-1 0,0 1 0,1 0-1,0 1 1,0-1 0,1 1 0,-1 2-33,3-6-6,-1 1 0,1 0 0,0 0 1,1 0-1,-1 0 0,1 0 0,0 0 0,1-1 1,-1 1-1,1 0 0,-1-1 0,1 1 0,1-1 1,-1 0-1,1 0 0,0 0 0,0 0 0,0 0 1,0 0-1,0-1 0,1 0 0,0 1 0,3 1 6,111 65-196,-101-63 2,-1 1 0,1 1 0,-2 0 0,1 1 0,-1 1 0,-1 0 0,0 1 0,-1 1 0,5 6 194,-16-18 6,1 1 0,-1-1 0,0 1 0,0 0 0,0 0 0,0 0 1,-1 0-1,1 0 0,0 0 0,-1 1 0,0-1 0,1 0 0,-1 1 0,0-1 0,0 1 0,-1-1 0,1 1 0,0 0 0,-1-1 0,1 1 0,-1 0 1,0 0-1,0-1 0,0 1 0,-1 0 0,1-1 0,0 1 0,-1 0 0,0-1 0,0 1 0,1-1 0,-2 1 0,1-1 0,0 1 0,0-1 0,-1 0 0,1 1 1,-1-1-1,0 0 0,0 0 0,1 0 0,-2 0 0,1-1 0,-2 2-6,-173 44 2414,98-8-4679,78-31-4797,1-7-213</inkml:trace>
   <inkml:trace contextRef="#ctx0" brushRef="#br0" timeOffset="-1958.753">3170 348 4626,'0'0'5005,"0"0"-2913,0 0-374,0 0-350,0 0-607,-4-8 114,3 48-635,-1 78 596,13 208 17,45-17-2008,-108-615-566,17-17 2732,34 300-824,1 20-183,-1-1 1,0 1-1,1 0 0,-1 0 0,1-1 1,0 1-1,0 0 0,0-1 0,1 1 1,-1 0-1,1-1 0,0 1 0,0 0 1,0 0-1,0 0 0,0 0 0,1 0 1,0 0-1,-1 0 0,1 0 0,0 1 1,0-1-1,1 1 0,-1-1 0,1 0-4,9-2-20,0 0-1,0 1 0,0 1 1,1 0-1,-1 0 0,1 1 1,0 1-1,0 0 0,-1 1 1,1 0-1,0 1 0,0 0 21,-6 1 0,0 1 0,-1 0 0,1 0 0,0 0 0,-1 1 0,0 0 0,0 0 0,0 0 0,0 1 0,-1 0 0,1 0 0,-2 0 0,1 1 0,0 0 0,-1 0 0,0 0 0,0 0 0,-1 1 0,0-1 0,0 1 0,0 0 0,-1 0 0,0 0 0,-1 0 0,1 0 0,-1 1 0,-1-1 0,1 0 0,-1 1 0,0-1 0,-1 0 0,0 1 0,0-1 0,-1 0 0,0 0 0,-1 3 0,0 1 56,0 0 0,-1 0 0,-1-1 0,0 1 0,-1-1 0,0 0 0,0-1 0,-1 1 0,0-1 0,0-1 0,-1 1 0,-1-1 0,1 0 0,-3 0-56,-14 16-1189,16-6-4294,8-13 372</inkml:trace>
   <inkml:trace contextRef="#ctx0" brushRef="#br0" timeOffset="-952.372">3609 513 8724,'0'0'365,"0"0"471,0 0 340,0 0-416,10 29-69,33 93-240,4 45-24,-42-109-320,-31-61 170,-26-117 17,33-20 1629,21 137-1920,0 0-1,1 1 0,-1-1 0,0 1 0,1 0 1,-1-1-1,1 1 0,0 1 0,-1-1 1,1 0-1,0 0 0,0 1 0,0 0 0,0 0 1,1 0-1,-1 0 0,0 0 0,0 0 1,1 1-1,-1 0 0,0 0 0,1 0 0,-1 0 1,0 0-1,1 1-2,4-2 11,233-9 8,-233 10-223,0-1 0,0 0 0,0-1 0,-1 0 0,1 0 0,-1-1 0,1 0 0,-1 0 0,0-1-1,0 1 1,0-2 0,-1 1 0,1-1 0,-1 0 0,0 0 0,-1-1 0,1 1 0,-1-1 0,4-7 204,-10 27 3820,2 25-3713,0-11-35,-2 14 15,-1-31-82,0 0-1,1 0 0,0 0 0,1 0 1,0 0-1,1-1 0,0 1 0,1 0 1,0 0-1,1-1 0,0 1 1,1-1-1,0 0 0,0 0 0,1 0 1,0-1-1,1 1 0,0-1 1,7 7-5,-5-13 9,0 0 0,1-1 1,-1 0-1,1 0 0,-1-1 1,1 0-1,0-1 0,-1 0 1,1 0-1,0-1 0,0 0 1,7-2-10,-4-1 7,1 0 1,-2-1-1,1-1 1,0 0 0,-1-1-1,0 0 1,-1 0 0,0-1-1,0-1 1,0 0-1,-1 0 1,0-1 0,-1 0-1,0 0 1,-1-1 0,0 0-1,-1 0 1,0-1-1,-1 0 1,0 0 0,0-1-8,4-115 346,-13 123-289,1-1 0,-1 1 0,1 0-1,-1 0 1,-1 0 0,1 0-1,-1 1 1,0 0 0,0 0-1,0 0 1,0 1 0,-1-1-1,0 1 1,1 0 0,-1 1 0,0 0-1,0 0 1,-1 0 0,1 0-1,0 1 1,-1 0 0,1 1-1,0-1 1,-1 1 0,1 0-1,-1 1 1,1 0 0,-4 0-57,4-2-40,-1 0-1,1 0 1,0 1 0,0 0 0,0 0 0,-1 0-1,1 1 1,0-1 0,0 2 0,0-1 0,0 1 0,0 0-1,0 0 1,0 0 0,1 1 0,-1 0 0,1 0-1,0 0 1,0 1 0,0 0 0,0 0 0,1 0-1,-1 0 1,1 1 0,0 0 0,0 0 0,1 0-1,-1 0 1,1 1 0,0 0 40,-17 79-2862,17-27-2498,3-26-368</inkml:trace>
@@ -4140,7 +4136,7 @@
   <inkml:trace contextRef="#ctx0" brushRef="#br0">250 37 2897,'0'0'673,"0"0"159,0 0-48,0 0-111,0 0 15,0 0-64,-21 14-176,-9 7-271,0-1-161,5-2-16,7-4-144,6-5-433,6-4-591,3-2-673,3-3-64,5-1 1153,5-4-673,2-1 1425</inkml:trace>
   <inkml:trace contextRef="#ctx0" brushRef="#br0" timeOffset="197.129">250 37 112,'24'-7'1489,"6"-2"-913,-1 0 673,-5 2-673,-10 3 448,-11 5 385,-12 9-48,-10 6-769,-9 7-192,-7 6-144,-4 3-176,-3 2-32,1-1-48,3-3-48,3-3-32,7-5-544,6-4-769,7-6-624,7-5-704,3-3 432</inkml:trace>
   <inkml:trace contextRef="#ctx0" brushRef="#br0" timeOffset="463.727">434 16 3874,'0'0'864,"0"0"193,0 0 63,0 0-319,0 0-225,0 0-448,-3 4 96,-6 6 352,-10 9-432,-11 9 208,-9 9-352,-7 6-112,-3 2-976,-2 1 464,3-4 95,5-4-47,7-7-256,9-7-193,9-7-880,7-6-928,6-5 2641</inkml:trace>
-  <inkml:trace contextRef="#ctx0" brushRef="#br0" timeOffset="748.517">622 103 2161,'0'0'1841,"0"0"-897,0 0 177,0 0 111,0 0-671,-23 17-81,-16 11-112,-7 8-64,-2 2-96,-1 1-64,4-3-144,3-2 16,6-4-32,5-3-80,5-5-192,6-3-272,6-6-497,6-4-671,4-4 415,4-3-592,7-5 737,2-3-81</inkml:trace>
+  <inkml:trace contextRef="#ctx0" brushRef="#br0" timeOffset="748.516">622 103 2161,'0'0'1841,"0"0"-897,0 0 177,0 0 111,0 0-671,-23 17-81,-16 11-112,-7 8-64,-2 2-96,-1 1-64,4-3-144,3-2 16,6-4-32,5-3-80,5-5-192,6-3-272,6-6-497,6-4-671,4-4 415,4-3-592,7-5 737,2-3-81</inkml:trace>
   <inkml:trace contextRef="#ctx0" brushRef="#br0" timeOffset="1448.356">701 86 2497,'0'0'1729,"0"0"-464,0 0-449,0 0-416,0 0 352,0 0 289,16-10 207,5-3-351,-2 0-897,-8 8 0,-12 10 192,-14 10 304,-12 10-448,-12 9 288,-9 6-208,-6 5-48,-5 2-64,1 0-16,2-3 0,4-3-192,8-4-512,6-5-977,9-6 321,8-7 399,8-6 49,5-5 79,8-6 113,8-8 0,10-8-289,9-6 209,9-6 432,9-6-801,7-2 657,6-3 512,4 0 416,0 1 737,-2 1-161,-3 3-352,-8 5-239,-8 6 511,-10 7 81,-11 5-193,-8 4 192,-7 3-47,-5 3-849,-7 4 736,-7 6 113,-7 7-177,-6 5-544,-8 5-64,-5 5 112,-4 3-192,-4 2-80,-2 2 0,0 1-16,3-1-128,4-2-288,7-3-496,7-5-161,7-7 369,9-6 208,5-7 207,6-5-495,8-8 624,10-8-96,11-8-144,11-8-49,9-4 97,5-3 368,3 0 272,0 2 177,-4 4 271,-5 4 128,-8 5-447,-9 5 79,-8 5 16,-8 4-16,-6 3 48,-6 3-335,-6 5-177,-8 6-16,-8 8-97,-7 7-1567,-8 7-1442,3-2-1888</inkml:trace>
 </inkml:ink>
 </file>
@@ -4173,10 +4169,10 @@
   <inkml:trace contextRef="#ctx0" brushRef="#br0" timeOffset="1133.08">360 629 2273,'0'0'1547,"0"0"209,0 0-126,0 0-301,0 0 7,0 0-253,-13-7 80,9 5 1786,3 2-2547,1 0-145,0 0-63,0 0 12,0-1-46,0 0-86,0 0-130,23 1 72,289 12 177,253-12 1047,-465 13-1235,72-15 412,-167 1 365,-1-8-8829,-4 1 3189</inkml:trace>
   <inkml:trace contextRef="#ctx0" brushRef="#br0" timeOffset="1734.616">1317 351 3105,'0'0'2340,"0"0"-256,0 0-17,0 0-647,0 0-508,-3-2-69,-8-2 263,23 17-613,26 21 277,224 134 540,-259-165-1301,1 0-1,-1 1 0,0-1 0,0 1 1,0 0-1,0-1 0,-1 1 1,1 1-1,-1-1 0,0 0 1,-1 0-1,1 1 0,-1-1 1,1 1-1,-1-1 0,-1 1 1,1 0-1,-1-1 0,1 1 0,-1 0 1,-1 0-1,1-1 0,-1 1 1,0 0-1,0-1 0,0 1 1,0-1-1,-1 1 0,0-1 1,0 0-1,0 0 0,0 0 1,-1 0-1,0 0 0,0 0 1,0 0-1,0-1 0,0 0 0,-1 0 1,1 0-1,-1 0 0,0 0 1,-1 0-9,-229 162 1961,204-124-1960,27-17-4826,3-19-1869</inkml:trace>
   <inkml:trace contextRef="#ctx0" brushRef="#br0" timeOffset="3544.94">2015 586 4306,'0'0'1390,"0"0"112,0 0-272,0 0-184,0 0 104,0 0-155,-3 0-240,3 0-703,1 1 0,-1-1 0,0 0 0,0 0 0,1 1 0,-1-1 1,0 0-1,0 1 0,1-1 0,-1 0 0,0 1 0,0-1 0,0 0 1,0 1-1,0-1 0,0 1 0,0-1 0,1 0 0,-1 1 0,0-1 0,0 0 1,0 1-1,0-1 0,-1 1 0,1-1 0,0 0 0,0 1 0,0-1 0,0 1 1,0-1-1,0 0 0,-1 1 0,1-1 0,0 0 0,0 1 0,0-1 1,-1 0-1,1 0 0,0 1 0,0-1 0,-1 0 0,1 0 0,0 1 0,-1-1 1,1 0-1,0 0 0,-1 0 0,1 1 0,0-1 0,-1 0 0,1 0 0,-1 0 1,1 0-53,38 16 614,-11-10-514,1-2 0,-1-1 0,0-1 0,1-1 0,0-2 0,12-2-100,-32 3 8,99-29 215,-43 5-6443,-62 23 2333,-2-1-907</inkml:trace>
-  <inkml:trace contextRef="#ctx0" brushRef="#br0" timeOffset="3839.282">2283 448 3874,'0'0'3858,"0"0"-2210,0 0 705,0 0-736,0 0-464,0 0-225,-84 154-288,67-118-400,-1-3-127,5-5-33,-5-4-64,5-3-16,4-8 0,-4-1-193,9-8-591,-9 5-833,-5-2-864,-4 4-5298</inkml:trace>
+  <inkml:trace contextRef="#ctx0" brushRef="#br0" timeOffset="3839.281">2283 448 3874,'0'0'3858,"0"0"-2210,0 0 705,0 0-736,0 0-464,0 0-225,-84 154-288,67-118-400,-1-3-127,5-5-33,-5-4-64,5-3-16,4-8 0,-4-1-193,9-8-591,-9 5-833,-5-2-864,-4 4-5298</inkml:trace>
   <inkml:trace contextRef="#ctx0" brushRef="#br0" timeOffset="4262.064">2050 425 512,'0'0'2705,"0"0"-1371,0 0-205,0 0 47,0 0 65,7 14-67,66 96 589,-43-77-1749,2-1 0,2-2 0,0-2 0,33 20-14,-11-14-4727,-33-22 45</inkml:trace>
   <inkml:trace contextRef="#ctx0" brushRef="#br0" timeOffset="4525.371">2577 809 8388,'0'0'3297,"0"0"-2800,0 0 511,0 0-784,0 0-224,0 0 0,39-7-976,-30 7-3458</inkml:trace>
-  <inkml:trace contextRef="#ctx0" brushRef="#br0" timeOffset="5542.938">2924 574 2817,'0'0'3413,"0"0"-1389,0 0-1,0 0-652,0 0-504,-4 8-53,-19 131 1696,22-133-2510,1 0-1,0 0 0,0 0 1,0 0-1,1 0 0,-1 0 1,1-1-1,1 1 0,-1 0 1,1 0-1,0-1 0,0 1 1,1-1-1,0 0 0,0 0 1,0 0-1,0 0 0,1 0 1,0 0-1,0-1 0,0 0 1,0 0-1,1 0 0,0-1 1,-1 1-1,1-1 0,1 0 1,0 0 0,4-1-70,0 0 0,0 0 0,0-2 0,0 1 1,0-1-1,0 0 0,1-1 0,-1-1 1,0 1-1,0-1 0,0-1 0,-1 0 0,5-2 70,266-153 262,-275 154-253,0 0 0,0-1 1,0 1-1,-1-1 0,1 0 0,-1 0 1,0 0-1,-1 0 0,1-1 0,-1 0 0,0 0 1,-1 0-1,1 0 0,-1 0 0,0 0 1,-1 0-1,0-1 0,0 1 0,0-1 0,-1 1 1,1-1-1,-2 1 0,1-1 0,-1 0-9,1 4-3,1 1 0,-1-1-1,0 1 1,-1-1-1,1 1 1,0-1 0,-1 1-1,0-1 1,1 1-1,-1-1 1,0 1 0,0 0-1,0 0 1,0-1-1,-1 1 1,1 0 0,-1 0-1,1 0 1,-1 0-1,0 1 1,0-1 0,1 0-1,-1 1 1,0-1-1,-1 1 1,1 0 0,0-1-1,0 1 1,0 0 0,-1 0-1,1 1 1,-1-1-1,1 0 4,-159-33 859,7 27-106,147 8-742,0 0 0,-1 0 0,1 1 0,0 0 1,0 0-1,0 0 0,1 1 0,-1 0 0,0 1 1,1-1-1,0 1 0,0 1 0,0-1 0,0 1 1,1 0-1,0 0 0,0 1 0,0-1 0,1 1 0,0 0 1,0 0-1,0 1 0,0 1-11,-32 79-1164,23-2-3887,13-66 212</inkml:trace>
+  <inkml:trace contextRef="#ctx0" brushRef="#br0" timeOffset="5542.936">2924 574 2817,'0'0'3413,"0"0"-1389,0 0-1,0 0-652,0 0-504,-4 8-53,-19 131 1696,22-133-2510,1 0-1,0 0 0,0 0 1,0 0-1,1 0 0,-1 0 1,1-1-1,1 1 0,-1 0 1,1 0-1,0-1 0,0 1 1,1-1-1,0 0 0,0 0 1,0 0-1,0 0 0,1 0 1,0 0-1,0-1 0,0 0 1,0 0-1,1 0 0,0-1 1,-1 1-1,1-1 0,1 0 1,0 0 0,4-1-70,0 0 0,0 0 0,0-2 0,0 1 1,0-1-1,0 0 0,1-1 0,-1-1 1,0 1-1,0-1 0,0-1 0,-1 0 0,5-2 70,266-153 262,-275 154-253,0 0 0,0-1 1,0 1-1,-1-1 0,1 0 0,-1 0 1,0 0-1,-1 0 0,1-1 0,-1 0 0,0 0 1,-1 0-1,1 0 0,-1 0 0,0 0 1,-1 0-1,0-1 0,0 1 0,0-1 0,-1 1 1,1-1-1,-2 1 0,1-1 0,-1 0-9,1 4-3,1 1 0,-1-1-1,0 1 1,-1-1-1,1 1 1,0-1 0,-1 1-1,0-1 1,1 1-1,-1-1 1,0 1 0,0 0-1,0 0 1,0-1-1,-1 1 1,1 0 0,-1 0-1,1 0 1,-1 0-1,0 1 1,0-1 0,1 0-1,-1 1 1,0-1-1,-1 1 1,1 0 0,0-1-1,0 1 1,0 0 0,-1 0-1,1 1 1,-1-1-1,1 0 4,-159-33 859,7 27-106,147 8-742,0 0 0,-1 0 0,1 1 0,0 0 1,0 0-1,0 0 0,1 1 0,-1 0 0,0 1 1,1-1-1,0 1 0,0 1 0,0-1 0,0 1 1,1 0-1,0 0 0,0 1 0,0-1 0,1 1 0,0 0 1,0 0-1,0 1 0,0 1-11,-32 79-1164,23-2-3887,13-66 212</inkml:trace>
   <inkml:trace contextRef="#ctx0" brushRef="#br0" timeOffset="6297.066">3218 136 4466,'0'0'1163,"0"0"-90,0 0-115,0 0-284,0 0-4,3 0 48,33-4 787,-9 4 2539,-10 41-3366,110 422 231,-87-319-911,-36-116-131,3 0-958,13-21-5636,-12-7 1712</inkml:trace>
   <inkml:trace contextRef="#ctx0" brushRef="#br0" timeOffset="6981.511">3731 21 4882,'0'0'1684,"0"0"92,0 0-31,0 0-515,0 0-256,0 10-96,27 299 2713,8 51-3095,-16-238-536,7-107-1381,11-41-7056,-31 8 2408</inkml:trace>
   <inkml:trace contextRef="#ctx0" brushRef="#br0" timeOffset="7767.9">4030 10 2097,'0'0'2329,"0"0"-1291,0 0-78,0 0-295,0 0-319,17-9 3069,-17 9-2630,5 12 527,50 298 2973,-36-129-3685,8 69-488,-18-208-128,-5-38 3,22 45 24,-26-46-75,4-3-1373,-3 0-1134,3 0-2831</inkml:trace>
@@ -4243,7 +4239,7 @@
     </inkml:brush>
   </inkml:definitions>
   <inkml:trace contextRef="#ctx0" brushRef="#br0">2 371 4818,'0'0'1713,"0"0"219,0 0-438,0 0-587,0 0-259,0 0-26,0 0-3,0 0-19,0 0 3,0 0-43,0 0-149,0 0-96,0 0-134,0 0-77,0 5-43,0 27-4,-2 33-35,4 0 1,2 0 0,4-1-1,5 19-22,1 39-16,-14-122 48,0 0 64,0-3-2,-1-58-41,-1 36-123,1 0 0,1-1-1,1 1 1,1 0-1,2 0 1,0 0-1,2 1 1,3-9 70,9-15-275,-15 35 257,1 1 1,0 0-1,1 1 0,0-1 1,1 1-1,0 0 0,1 0 1,0 1-1,1 0 0,0 0 1,8-7 17,-15 17-4,0-1 0,0 0 0,0 1 0,0-1 0,1 1 0,-1 0 0,0-1 1,0 1-1,1 0 0,-1 0 0,0 0 0,1 0 0,-1 0 0,0 0 1,0 0-1,1 0 0,-1 0 0,0 1 0,1-1 0,-1 0 0,0 1 0,0-1 1,0 1-1,0-1 0,1 1 0,-1 0 0,0 0 0,0-1 0,0 1 1,0 0-1,0 0 0,-1 0 0,1 0 0,0 0 0,0 0 0,-1 0 1,1 0-1,0 1 0,-1-1 0,1 0 0,-1 0 0,0 0 0,1 1 0,-1-1 1,0 0-1,0 1 0,0-1 0,1 0 0,-1 0 0,-1 1 0,1-1 1,0 0-1,0 2 4,3 8-1,39 205 183,-28-107-137,-13-108-51,6 27 60,9-40 266,119-272 123,-61 153-464,-60 239 74,-13-86-65,1 0 1,1 0 0,1-1-1,0 1 1,2-1-1,1 0 1,0-1-1,2 1 1,0-1 0,2-1-1,0 0 1,0 0-1,2-1 1,7 7 11,-18-23 0,0-1 1,0 0-1,1 0 1,-1 0 0,0 0-1,0-1 1,0 1-1,1 0 1,-1-1-1,0 0 1,1 1-1,-1-1 1,0 0 0,1 0-1,-1-1 1,0 1-1,1 0 1,-1-1-1,0 1 1,1-1-1,-1 0 1,0 0-1,0 0 1,0 0 0,0 0-1,0 0 1,0 0-1,0-1 1,0 1-1,0-1 1,-1 1-1,1-1 1,-1 0 0,2-1-1,75-131-110,-29 60 41,-36 103-406,-1 31 477,-11-45-16,1-1 0,1 0 0,0 0 0,0 0 0,2 0 0,0 0 0,0-1 1,1 0-1,1 0 0,0-1 0,1 1 0,0-2 0,1 1 14,-6-9-11,1 1 0,0-1 0,0 0 0,0-1 0,0 1 1,0-1-1,1 0 0,-1 0 0,1 0 0,0 0 0,-1-1 0,1 0 0,0 0 0,0 0 0,-1-1 0,1 0 0,0 1 0,0-2 0,0 1 0,0 0 0,0-1 0,-1 0 1,1 0-1,0-1 0,0 1 0,-1-1 0,1 0 0,-1 0 0,0-1 0,2 0 11,7-15 70,-2 1-1,0-1 1,-1-1-1,0 0 1,-2-1-1,0 1 1,-2-2-1,0 1 1,-1-1-1,-1 1 1,-1-1-1,0-1 1,-2 1-1,-1 0 1,0 0-1,-3-12-69,3 29 32,0 0-1,-1 1 0,1-1 0,-1 0 0,0 0 0,0 1 0,0-1 0,0 0 0,0 1 0,-1-1 0,0 1 0,0 0 0,0 0 0,0 0 0,0-1 0,-1 2 0,1-1 0,-1 0 0,0 1 0,0-1 0,0 1 0,0 0 0,0 0 0,0 0 0,-1 0 0,1 0 0,-1 1 0,1 0 0,-1-1 0,0 1 0,0 0-31,-126-10 296,116 11-265,8 0-29,0 0 0,0 1 0,0 0 0,1 0 0,-1 0 0,0 1 0,1-1 0,-1 2 0,1-1 0,-1 0 0,1 1 0,0 0 0,0 1 0,0-1 0,1 1 0,-1-1 0,1 2 0,0-1 0,0 0 0,0 1 0,1-1 0,0 1 0,-1 0 0,2 0 0,-1 1 0,0-1 0,1 1 0,0-1 0,1 1 0,-2 3-2,-17 179-1074,19-183 1023,0 0 0,1-1 0,-1 1 0,1-1-1,0 1 1,0 0 0,0-1 0,1 1 0,0-1-1,0 1 1,0-1 0,0 1 0,1-1 0,-1 1 0,1-1-1,0 0 1,1 0 0,-1 0 0,1 0 0,-1-1-1,1 1 1,0-1 0,1 1 0,-1-1 0,0 0 0,1 0-1,0-1 1,0 1 0,0-1 0,0 1 0,0-1-1,0-1 1,1 1 0,-1-1 0,0 1 0,1-1 0,-1 0-1,3 0 52,-3-1 7,-1-1 0,0 1 0,1 0-1,-1-1 1,0 1 0,1-1-1,-1 0 1,0 0 0,0-1 0,0 1-1,0-1 1,0 1 0,0-1-1,0 0 1,-1 0 0,1 0 0,-1 0-1,1-1 1,-1 1 0,0-1 0,0 0-1,0 1 1,0-1 0,0 0-1,-1 0 1,1 0 0,0-2-7,120-260 147,-105 222 29,-2-1 0,-2 0 1,-2-1-1,-2-1 1,-2 1-1,-2-1 1,-2-11-177,-3 11 331,-31 42 480,14-28 320,12 14-424,5 39-715,-1 38 164,3 0 0,2 0 0,2 0 0,10 32-156,57 154 3,-19-118 31,-45-34-1936,-5-85-1673,0-7-811</inkml:trace>
-  <inkml:trace contextRef="#ctx0" brushRef="#br0" timeOffset="701.346">1507 220 4994,'0'0'1948,"0"0"-86,0 0 67,0 0-630,0 0-525,0 0-243,-6 13-176,-21 47-131,27-58-208,-1 0 1,0 1-1,0 0 0,1-1 1,0 1-1,-1-1 1,1 1-1,0 0 1,0-1-1,1 1 0,-1 0 1,0-1-1,1 1 1,0-1-1,-1 1 0,1-1 1,0 1-1,0-1 1,0 0-1,1 1 1,-1-1-1,1 0 0,-1 0 1,1 0-1,0 0 1,0 0-1,-1 0 1,1-1-1,1 2-16,6 6 76,21 21-155,1-2 1,1-1 0,1-1-1,1-2 1,1-2-1,2-1 1,12 5 78,19 12-854,19 32 80,-86-66 881,0 0 1,-1 0-1,1 0 1,-1 0-1,1 0 1,-1 0-1,0 0 1,-1 0-1,1 0 1,-1 0-1,0 0 1,0 0-1,0 0 0,0 0 1,-1 0-1,0-1 1,0 1-1,0-1 1,0 1-1,0-1 1,0 0-1,-1 1 1,0-1-1,0 0 1,-2 2-108,-5 3 215,0 0 1,0 0 0,-1-1 0,0 0 0,-1 0 0,1-2 0,-1 1 0,0-2 0,0 1 0,-1-2 0,1 1 0,-1-2 0,0 0 0,0 0 0,0-1 0,0-1 0,-5 0-216,12-4-170,0 0 1,1 0 0,-1-1-1,1 1 1,0-1 0,0 0-1,1-1 1,-1 1 0,1-1-1,0 0 1,1 0 0,0 0-1,-1 0 1,2-1 0,-1 1-1,1-1 1,0 0 0,1 0-1,-1-3 170,-8-17-2398,1 6-1161,0 2-1721</inkml:trace>
+  <inkml:trace contextRef="#ctx0" brushRef="#br0" timeOffset="701.343">1507 220 4994,'0'0'1948,"0"0"-86,0 0 67,0 0-630,0 0-525,0 0-243,-6 13-176,-21 47-131,27-58-208,-1 0 1,0 1-1,0 0 0,1-1 1,0 1-1,-1-1 1,1 1-1,0 0 1,0-1-1,1 1 0,-1 0 1,0-1-1,1 1 1,0-1-1,-1 1 0,1-1 1,0 1-1,0-1 1,0 0-1,1 1 1,-1-1-1,1 0 0,-1 0 1,1 0-1,0 0 1,0 0-1,-1 0 1,1-1-1,1 2-16,6 6 76,21 21-155,1-2 1,1-1 0,1-1-1,1-2 1,1-2-1,2-1 1,12 5 78,19 12-854,19 32 80,-86-66 881,0 0 1,-1 0-1,1 0 1,-1 0-1,1 0 1,-1 0-1,0 0 1,-1 0-1,1 0 1,-1 0-1,0 0 1,0 0-1,0 0 0,0 0 1,-1 0-1,0-1 1,0 1-1,0-1 1,0 1-1,0-1 1,0 0-1,-1 1 1,0-1-1,0 0 1,-2 2-108,-5 3 215,0 0 1,0 0 0,-1-1 0,0 0 0,-1 0 0,1-2 0,-1 1 0,0-2 0,0 1 0,-1-2 0,1 1 0,-1-2 0,0 0 0,0 0 0,0-1 0,0-1 0,-5 0-216,12-4-170,0 0 1,1 0 0,-1-1-1,1 1 1,0-1 0,0 0-1,1-1 1,-1 1 0,1-1-1,0 0 1,1 0 0,0 0-1,-1 0 1,2-1 0,-1 1-1,1-1 1,0 0 0,1 0-1,-1-3 170,-8-17-2398,1 6-1161,0 2-1721</inkml:trace>
   <inkml:trace contextRef="#ctx0" brushRef="#br0" timeOffset="1202.759">1503 204 5442,'0'0'788,"0"0"634,0 0 32,0 0-257,0 0 20,7-18 2417,393-87-1556,-137 39-1593,-261 66-720,28-11 479,-16 8-7872,-14 3 795</inkml:trace>
 </inkml:ink>
 </file>
@@ -4274,13 +4270,13 @@
     </inkml:brush>
   </inkml:definitions>
   <inkml:trace contextRef="#ctx0" brushRef="#br0">3501 0 8388,'0'0'1537,"0"0"-1409,0 0 160,-6 23 1216,-8 28-271,-8 32-161,-9 32 641,-9 31-912,-6 21-81,-3 15-304,1 6-320,5 0-96,8-4-80,9-9-240,8-9-865,7-12-1424,5-12-3842,3-29-800</inkml:trace>
-  <inkml:trace contextRef="#ctx0" brushRef="#br0" timeOffset="550.362">5516 396 7684,'0'0'80,"0"0"-48,0 23 1664,-5 26-95,-5 25-400,-6 24 495,-9 23-255,-11 19-352,-11 16-417,-13 7 1153,-12 2-1681,-13-5-128,-11-7-16,-7-8-881,-4-9-735,-4-7-2370,-2-6-7091,19-23 9460</inkml:trace>
+  <inkml:trace contextRef="#ctx0" brushRef="#br0" timeOffset="550.359">5516 396 7684,'0'0'80,"0"0"-48,0 23 1664,-5 26-95,-5 25-400,-6 24 495,-9 23-255,-11 19-352,-11 16-417,-13 7 1153,-12 2-1681,-13-5-128,-11-7-16,-7-8-881,-4-9-735,-4-7-2370,-2-6-7091,19-23 9460</inkml:trace>
   <inkml:trace contextRef="#ctx0" brushRef="#br0" timeOffset="-1117.299">183 2089 7555,'0'0'1057,"0"0"47,0 0 753,0 0-704,0 0-401,0 0 257,0 0-225,-6-19-208,-1-6 97,-1 1 175,2 4-64,1 6-432,2 9-352,4 15 0,9 20 16,12 20 193,13 21-129,10 17-80,7 13-16,6 7 0,2 1-144,2-6-657,0-11-768,-2-14-2256,-4-16-3139,-10-20 1586</inkml:trace>
   <inkml:trace contextRef="#ctx0" brushRef="#br0" timeOffset="-557.428">951 301 8388,'0'0'1136,"0"0"-607,0 0-513,0 0 512,4 31-16,6 36 1409,11 36-224,8 31-705,11 27-223,9 18-529,8 11 16,6 2-256,4-6-32,3-11-240,-1-15-449,-1-17-815,-4-17-1410,-4-17-2592,-13-27-401</inkml:trace>
-  <inkml:trace contextRef="#ctx0" brushRef="#br0" timeOffset="1901.361">907 5990 3169,'0'0'1697,"0"0"-288,0 0 880,0 0-400,0 0-833,0 0 33,0 0-129,12-10-95,4-3-161,-2 7-576,-9 16 528,-15 20 497,-17 23-385,-19 20-400,-18 18 17,-14 12-305,-11 10-80,-10 5-16,-5 0-705,-1-4-815,4-6-946,8-7-2016,15-10-3233,19-20 6050</inkml:trace>
+  <inkml:trace contextRef="#ctx0" brushRef="#br0" timeOffset="1901.36">907 5990 3169,'0'0'1697,"0"0"-288,0 0 880,0 0-400,0 0-833,0 0 33,0 0-129,12-10-95,4-3-161,-2 7-576,-9 16 528,-15 20 497,-17 23-385,-19 20-400,-18 18 17,-14 12-305,-11 10-80,-10 5-16,-5 0-705,-1-4-815,4-6-946,8-7-2016,15-10-3233,19-20 6050</inkml:trace>
   <inkml:trace contextRef="#ctx0" brushRef="#br0" timeOffset="2449.67">2514 6482 8852,'0'0'816,"0"0"-816,0 0 1297,0 0 48,0 0-593,0 0-320,0 17-144,-5 24 1137,-7 27-801,-10 30-352,-12 28 273,-14 26-353,-14 23-176,-14 17-16,-9 9-432,-4 2-833,2-9-1056,9-15-929,14-22-1920,17-37 752</inkml:trace>
   <inkml:trace contextRef="#ctx0" brushRef="#br0" timeOffset="3305.696">3651 6408 3426,'0'0'5538,"0"0"-5442,0 0-96,3 22 2017,5 24-96,5 24-176,4 26-161,6 22-319,4 22-481,5 18-367,4 14-65,4 9-16,4 5-208,3 3-128,2-2-64,2-3-624,1-6-1009,-4-10-224,-4-16-3554,-10-19-3329,-9-33 7844</inkml:trace>
-  <inkml:trace contextRef="#ctx0" brushRef="#br0" timeOffset="12914.975">5130 6742 496,'0'0'416,"0"0"-47,0 0 47,0 0 976,0 0-207,0 0 192,0 0-305,-1-18-400,0-8 145,-3-2 15,0 2-64,-2 1-415,-1 4 47,-1 2-160,1 2 144,-2 1 0,1 1-176,-1-1-144,-1 0 16,0 0 193,-1 0 287,0 0-64,2 1-64,1 1 321,1 1-161,1 2 240,3 4-15,1 2-225,1 2-336,2 5-240,5 9 32,10 14 480,12 17-144,13 18-207,13 14-161,13 12 32,12 9-48,15 7 16,15 7-16,11 1-913,6-1-2720,-3-11-8021,-24-21 9093</inkml:trace>
+  <inkml:trace contextRef="#ctx0" brushRef="#br0" timeOffset="12914.974">5130 6742 496,'0'0'416,"0"0"-47,0 0 47,0 0 976,0 0-207,0 0 192,0 0-305,-1-18-400,0-8 145,-3-2 15,0 2-64,-2 1-415,-1 4 47,-1 2-160,1 2 144,-2 1 0,1 1-176,-1-1-144,-1 0 16,0 0 193,-1 0 287,0 0-64,2 1-64,1 1 321,1 1-161,1 2 240,3 4-15,1 2-225,1 2-336,2 5-240,5 9 32,10 14 480,12 17-144,13 18-207,13 14-161,13 12 32,12 9-48,15 7 16,15 7-16,11 1-913,6-1-2720,-3-11-8021,-24-21 9093</inkml:trace>
 </inkml:ink>
 </file>
 
@@ -4311,7 +4307,7 @@
   </inkml:definitions>
   <inkml:trace contextRef="#ctx0" brushRef="#br0">25 0 448,'0'0'448,"0"0"-223,0 0-65,0 0-80,0 0-64,0 0 16,0 0 80,0 0 128,-2 1-16,0 1 0,-1-1-16,1 0-64,0 0-48,1-1 32,0 1-48,1-1-32,0 1-48,0 0 48,0 0-48,0 0-96,0 0-48,1 1 96,-1-1-160,0 1-208,0-1-240,0 2-17,0-1 433,0 1-240,0-1 480</inkml:trace>
   <inkml:trace contextRef="#ctx0" brushRef="#br0" timeOffset="147.005">25 0 720,'-2'8'401,"-1"3"-1,0 0 144,0-2 416,0-1-928,2-3-64,0-2-32,0-1-112,1-1 144,0 0-144,0 0-192,0-1-256,0 0-353,0 1 369,1 0 608</inkml:trace>
-  <inkml:trace contextRef="#ctx0" brushRef="#br0" timeOffset="3552.204">1 1012 464,'0'0'1281,"0"0"-609,0 0 128,0 0 465,0 0-64,0 0-321,0 1-192,0 0-223,0 1-145,0-1 0,0 0 144,0 1 32,0 0-160,0-1-95,0 0-49,0-1-16,0 1 128,0-1 48,0 0 96,0 0-32,0 0-208,0 0-15,0 1 79,0 0-48,0-1-80,0 1-80,0-1-48,0 0 48,0 1 48,0 0 64,0 0-32,0 0-48,0 0 32,0 0 16,0 1-48,0 0-16,0 1-48,0 1 0,0 0 32,0 1 48,0 1-47,0 1-1,0 2-32,0 3-32,0 2 0,0 3-48,0 4 0,0 3 32,0 5-33,0 3-159,2 4 160,0 2-16,-1 2-128,0 0 96,1 0 96,0-3 0,0-2 32,1-3-32,0-1 16,-1-1 0,0-2 32,0-1-48,-1 0 0,1 1 16,-1 1-16,0 0 0,0 0 0,1 1-16,0-1 16,0-2 0,-1 0 0,1-1-16,-1 2 16,0 2 112,1 2-112,0 1 0,1 2 16,-2-2 16,1 0-32,0-1 0,-1 0 128,0 0-128,0-1 16,-1 0 128,0 0 161,0 1-305,0 1-16,0 1 16,0 1-16,0 0 16,1 0-16,0 0 16,0 2 16,-1 3 16,0 1-32,1 4 0,-1 3-16,0 2 16,0 2 0,0 2-32,0 2 32,0 0-16,-1 0-32,1-1-209,0 1 145,0-2 112,1-1 0,0 1 0,0 1 16,0 1-16,-1 0 0,0-1 0,1 1 0,-1-1 32,0 1-32,0 0 16,0 2 32,0 0-32,-1 1 145,1 0-145,0 0-16,0-2 0,0-2 0,0-1 16,0-2-16,0 0 0,0-1 0,0 0 32,0 1-32,0-1 0,0 1 16,0-1-16,0 0 32,0 0-32,0 1 32,0-1-32,0-1 16,0 1-16,0 1 0,0 0 0,0-1-16,0 1 16,0 1 0,0 0 0,1 1 16,0 0-16,0 0 48,0 1 32,1 0-64,-1 3-16,0 1 16,-1 4 0,1 3-16,-1 1 16,0 0-16,0 0 64,0-2-64,0-1 0,0 0 16,-1 0-16,1 0 16,0 0 0,0 0 16,0 1-32,0 0 0,0-1 0,0 1 16,0-1-16,0 1 16,0 0-16,0-1 0,0 1 0,1-2 0,0 0 32,0-3-32,0 0-32,-1-2 32,0 0 0,1 0 0,-1 1 0,0 1-144,0-1 144,0 1 0,-1-1 0,1-1 0,0-2 0,0-3-80,0-1 80,0-2 0,0-1-16,0 0 16,0 1-16,0-1 0,0 1 16,0 0 0,0-2 0,0 0 0,0-1 16,0-1-16,0 1 0,0 0-16,0 0 16,0 2-96,0 0 96,0 0-16,0 0 0,0-1 0,0-1 16,0-1 0,0 1 0,0-1-64,0-1 48,0-1-32,0 0-129,0-1 97,0 0 64,0 1 16,0 0 16,0 0 0,0 0-16,0 1 0,0 0 0,0 0 0,0 0 0,0 0 0,1-2 0,0-1 0,0-2 0,0-1 0,-1 0 0,0 0 16,1 1-16,-1 2 16,0 2 16,0 0-16,0 1-16,-1 0 0,1 1 0,0-1 16,0-1 0,0 0 0,0-1-16,0-2 16,0 0-16,0-1 0,0 0-16,0 0-16,0 0-64,0 0 16,0 1 80,0 0 0,0 1 16,0-1 0,0 0 0,0-1 0,0 1-16,0-1 0,0 2 0,0 0 0,0 2 16,0 0-16,1 0 16,0 0 32,0 1-16,0 0-32,-1 1 0,0-1 0,1-1 0,-1 0 0,0-3 16,0 0-16,0-1-16,-1 0 16,1 0-96,0-1 96,0 1 0,0 0-32,0 0 32,0 1-32,0 0 32,0-1 0,1 0 0,0-3 0,0 0 0,0-3-16,-1 0 16,0 0 0,1-2 16,-1 1-64,0 1 48,0 0-16,0 1 16,-1-1-32,2 0 32,0-2 16,0-1-16,0-1 0,-1-2-16,0 0 16,0-1 16,1-1-16,0-1-32,0-1 0,0-3 32,-1-1-16,0-2-16,1-2-16,-1-1 0,0-1-32,0-2-112,-1-1 96,1 0 0,0 0 32,0 0 64,0-1 0,0 1 0,0-2 0,0 0 0,0 0 0,0 0 0,0 0-16,0 0-32,0 1-80,0 1 0,0 0-16,0 2-48,0 1 112,0 1-48,0 1-257,0 1-31,0 0-16,0 1 96,0 1-400,0 2-1153,0 2 848,0 2-463,0 3-978,0-4-527</inkml:trace>
+  <inkml:trace contextRef="#ctx0" brushRef="#br0" timeOffset="3552.203">1 1012 464,'0'0'1281,"0"0"-609,0 0 128,0 0 465,0 0-64,0 0-321,0 1-192,0 0-223,0 1-145,0-1 0,0 0 144,0 1 32,0 0-160,0-1-95,0 0-49,0-1-16,0 1 128,0-1 48,0 0 96,0 0-32,0 0-208,0 0-15,0 1 79,0 0-48,0-1-80,0 1-80,0-1-48,0 0 48,0 1 48,0 0 64,0 0-32,0 0-48,0 0 32,0 0 16,0 1-48,0 0-16,0 1-48,0 1 0,0 0 32,0 1 48,0 1-47,0 1-1,0 2-32,0 3-32,0 2 0,0 3-48,0 4 0,0 3 32,0 5-33,0 3-159,2 4 160,0 2-16,-1 2-128,0 0 96,1 0 96,0-3 0,0-2 32,1-3-32,0-1 16,-1-1 0,0-2 32,0-1-48,-1 0 0,1 1 16,-1 1-16,0 0 0,0 0 0,1 1-16,0-1 16,0-2 0,-1 0 0,1-1-16,-1 2 16,0 2 112,1 2-112,0 1 0,1 2 16,-2-2 16,1 0-32,0-1 0,-1 0 128,0 0-128,0-1 16,-1 0 128,0 0 161,0 1-305,0 1-16,0 1 16,0 1-16,0 0 16,1 0-16,0 0 16,0 2 16,-1 3 16,0 1-32,1 4 0,-1 3-16,0 2 16,0 2 0,0 2-32,0 2 32,0 0-16,-1 0-32,1-1-209,0 1 145,0-2 112,1-1 0,0 1 0,0 1 16,0 1-16,-1 0 0,0-1 0,1 1 0,-1-1 32,0 1-32,0 0 16,0 2 32,0 0-32,-1 1 145,1 0-145,0 0-16,0-2 0,0-2 0,0-1 16,0-2-16,0 0 0,0-1 0,0 0 32,0 1-32,0-1 0,0 1 16,0-1-16,0 0 32,0 0-32,0 1 32,0-1-32,0-1 16,0 1-16,0 1 0,0 0 0,0-1-16,0 1 16,0 1 0,0 0 0,1 1 16,0 0-16,0 0 48,0 1 32,1 0-64,-1 3-16,0 1 16,-1 4 0,1 3-16,-1 1 16,0 0-16,0 0 64,0-2-64,0-1 0,0 0 16,-1 0-16,1 0 16,0 0 0,0 0 16,0 1-32,0 0 0,0-1 0,0 1 16,0-1-16,0 1 16,0 0-16,0-1 0,0 1 0,1-2 0,0 0 32,0-3-32,0 0-32,-1-2 32,0 0 0,1 0 0,-1 1 0,0 1-144,0-1 144,0 1 0,-1-1 0,1-1 0,0-2 0,0-3-80,0-1 80,0-2 0,0-1-16,0 0 16,0 1-16,0-1 0,0 1 16,0 0 0,0-2 0,0 0 0,0-1 16,0-1-16,0 1 0,0 0-16,0 0 16,0 2-96,0 0 96,0 0-16,0 0 0,0-1 0,0-1 16,0-1 0,0 1 0,0-1-64,0-1 48,0-1-32,0 0-129,0-1 97,0 0 64,0 1 16,0 0 16,0 0 0,0 0-16,0 1 0,0 0 0,0 0 0,0 0 0,0 0 0,1-2 0,0-1 0,0-2 0,0-1 0,-1 0 0,0 0 16,1 1-16,-1 2 16,0 2 16,0 0-16,0 1-16,-1 0 0,1 1 0,0-1 16,0-1 0,0 0 0,0-1-16,0-2 16,0 0-16,0-1 0,0 0-16,0 0-16,0 0-64,0 0 16,0 1 80,0 0 0,0 1 16,0-1 0,0 0 0,0-1 0,0 1-16,0-1 0,0 2 0,0 0 0,0 2 16,0 0-16,1 0 16,0 0 32,0 1-16,0 0-32,-1 1 0,0-1 0,1-1 0,-1 0 0,0-3 16,0 0-16,0-1-16,-1 0 16,1 0-96,0-1 96,0 1 0,0 0-32,0 0 32,0 1-32,0 0 32,0-1 0,1 0 0,0-3 0,0 0 0,0-3-16,-1 0 16,0 0 0,1-2 16,-1 1-64,0 1 48,0 0-16,0 1 16,-1-1-32,2 0 32,0-2 16,0-1-16,0-1 0,-1-2-16,0 0 16,0-1 16,1-1-16,0-1-32,0-1 0,0-3 32,-1-1-16,0-2-16,1-2-16,-1-1 0,0-1-32,0-2-112,-1-1 96,1 0 0,0 0 32,0 0 64,0-1 0,0 1 0,0-2 0,0 0 0,0 0 0,0 0 0,0 0-16,0 0-32,0 1-80,0 1 0,0 0-16,0 2-48,0 1 112,0 1-48,0 1-257,0 1-31,0 0-16,0 1 96,0 1-400,0 2-1153,0 2 848,0 2-463,0 3-978,0-4-527</inkml:trace>
 </inkml:ink>
 </file>
 
@@ -4986,11 +4982,11 @@
     </inkml:brush>
   </inkml:definitions>
   <inkml:trace contextRef="#ctx0" brushRef="#br0">65 50 288,'0'0'208,"0"0"-16,0 0 16,0 0 1,0 0 143,0 0 176,0 0 96,-1 1 97,-1 1-129,0 0-176,1 0 64,-1-1-480,2 0-48,0-3-448,1 0 400,1-3 48,1 0 48,2 0 64,-1-1 0,1 2 48,-1 1-112,-2 0-48,0 2-64,-1 1 112,-1 3 320,-1 2 448,-3 3-527,-2 3-177,-2 2 16,-1 2-48,-1 0 0,-1 0-16,1 0 16,1-2-32,1-3 0,3-2-48,2-4-385,2-1-543,3-3 848,5-3 128,2-3 64,4-2 32,3-3-96,2-1-240,1-1 112,0-1 128,0 1 32,-1 0-32,-2 3 64,-2 1 48,-4 2 80,-2 2-64,-4 3 32,-1 0-144,-2 2 80,-2 2 689,-2 3-257,-3 3-336,-3 2 128,-2 2-192,-1 3 144,-2 2-176,-1 0-80,0 1-16,0-1 16,0 0-16,3-2-16,1-2-32,3-2-16,3-4-304,2-2-128,1-2 80,2-2 79,1-1 337,3-2 225,2-1-97,2-4-80,3-1-48,2-3 16,2-1 16,2-2-32,1-1 32,1 0 0,0 0 48,-1 0 16,-1 2-96,-3 3 48,-3 2-32,-4 2 16,-2 3-32,-2 2 0,-3 4 208,-4 4 384,-3 4-592,-4 5-208,-4 3-320,-3 3 272,-3 2 256,0 1 0,1-1 0,1-1-192,2-3-64,4-4 208,3-3-753,4-5-111,3-3-305,4-3 753,4-4 464,4-6 64,4-4-16,5-4 16,3-5 48,3-3-48,3-2 144,1-1 513,1 0 399,-1 2-320,-2 2-511,-4 4-129,-4 5-32,-4 3-112,-6 5-16,-3 4 96,-4 4 272,-3 5 384,-5 5-175,-4 5-449,-4 4-64,-5 4-32,-3 4-32,-2 2 16,-3 1-16,0 2-48,1-2-369,3-1-127,2-4 16,6-4 64,4-5-257,4-6 673,4-4-624,4-4-657,5-4 1329,4-6 161,5-5 95,5-5 32,4-5-32,5-5-176,4-2 80,2-3-32,1 1 0,0 0 128,-2 2 160,-2 3 225,-4 4-273,-5 4-208,-5 5-64,-5 4-32,-5 4-64,-3 4 0,-5 4 352,-4 6 224,-5 6-512,-4 5 17,-6 5-81,-5 4 64,-3 4-32,-3 1-16,-2 1-16,0-2-193,3-3 129,4-5 32,6-6-144,6-7-976,6-5 432,6-4-273,6-6 993,6-6 112,8-5 0,5-5 48,5-5-128,5-4-16,4-3 16,2-1 16,1 0 144,0 1-96,-2 2 225,-3 3-65,-4 2 48,-5 5-128,-5 2-64,-5 4-32,-4 4 32,-5 3 96,-3 2 384,-3 3-592,-3 1 16,-2 5 112,-5 4 17,-3 3-65,-4 4-64,-4 4 48,-2 4 48,-3 2-112,-1 2-16,-1 1-192,1-2-337,3-2 273,3-4 64,5-5-32,4-4-288,4-5 96,4-4 79,4-5 145,5-4 208,5-7 240,6-4 257,4-6 15,5-4-288,5-4-16,4-3-16,3-1 16,2-1-80,0 1-64,-3 5-64,-4 4 0,-7 7-16,-5 5-48,-7 5-400,-6 5-576,-3 4 527,-4 4 513,-4 6 353,-3 5-145,-6 4-96,-6 4-96,-5 3 16,-4 3-16,-5 0 16,0 0 16,0-2-48,4-4 64,4-3 16,6-6-80,5-5-16,5-3-96,4-5-256,6-4 31,4-5-47,7-5 304,4-5-336,5-3 64,5-3-32,3-1 368,3-2 0,0 1 16,-1 0 32,-2 2 144,-3 2-144,-4 2-32,-4 4-512,-4 4-801,-5 3 272,-4 4 609,-3 2 432,-3 4 384,-3 3 401,-3 4-497,-4 4-144,-2 4 16,-3 2-32,-3 3 753,0 0-225,0 1-256,0-2-80,2-3-64,3-3 0,3-3-64,4-4-47,2-3-145,2-3-161,3-2 161,3-2 113,4-4 79,5-4-176,4-2 48,3-4-48,3-2 16,2-2 96,2-1 32,0 1-96,-1 1-64,-1 1 0,-2 2 0,-4 1 0,-2 3 0,-3 1 0,-4 3 0,-2 3-112,-2 1-256,-3 2-257,-2 2 81,0 1 544,-3 2 608,-1 2-464,-2 3 65,-3 1 159,0 2 272,-2 0 272,-2 1-495,0 1 111,0 0-272,1-1-176,1-2-64,2-2-16,3-3-128,1-1-256,4-3 384,5-2 288,3-2-48,4-4-144,3-2-80,3-2 16,2-1-32,1-2 0,1 0 32,-1 0-64,-1 2 16,-3 3 16,-4 2-32,-4 3-176,-3 2-320,-4 4 304,-2 4 224,-5 4 496,-4 5-448,-4 3 32,-3 3-16,-3 1-16,-2 1 0,-1-1 32,1-1-64,3-4 0,3-3-16,5-4-128,4-4-416,4-4-289,5-3 673,5-5 0,5-4 80,6-4-1184,4-4-897,4-3 880,3-3-720,-3 3 1825</inkml:trace>
-  <inkml:trace contextRef="#ctx0" brushRef="#br0" timeOffset="276.427">1260 1 1153,'0'0'1312,"0"0"-816,0 0-336,0 0 289,0 0 879,0 0-912,-6 11-15,-5 7-1,-4 5-112,-4 4-224,-3 0 176,-2 1 48,-1 0-128,-1-2-112,0 0 0,1-3-48,3-2 0,4-2-64,4-4-96,3-3-640,4-3-1,3-3 465,1-3 192,4-2 80,2-5 0,5-4 64,4-3-320,4-5-528,4-3-481,4-3-480,-3 3 1297</inkml:trace>
+  <inkml:trace contextRef="#ctx0" brushRef="#br0" timeOffset="276.424">1260 1 1153,'0'0'1312,"0"0"-816,0 0-336,0 0 289,0 0 879,0 0-912,-6 11-15,-5 7-1,-4 5-112,-4 4-224,-3 0 176,-2 1 48,-1 0-128,-1-2-112,0 0 0,1-3-48,3-2 0,4-2-64,4-4-96,3-3-640,4-3-1,3-3 465,1-3 192,4-2 80,2-5 0,5-4 64,4-3-320,4-5-528,4-3-481,4-3-480,-3 3 1297</inkml:trace>
   <inkml:trace contextRef="#ctx0" brushRef="#br0" timeOffset="1369.22">1328 9 368,'0'0'1121,"0"0"-545,0 0-128,0 0-144,0 0 849,0 0-97,-6 9-479,-6 8-289,-6 7 640,-6 5-384,-4 4 1,-4 2 63,-2 1 176,0-1 337,2-3-289,4-4-400,6-5-368,4-5-64,7-6-32,5-4-224,4-5-224,6-5 480,7-6 208,6-6-144,5-4-64,6-5-288,3-3 288,2-2 0,2 0 48,1 0-32,-1 2 0,-2 3-16,-5 4-16,-5 4-16,-6 5 32,-6 3-32,-4 3-256,-4 3-625,-3 4 785,-4 5 128,-5 3 64,-4 5 241,-5 4-257,-5 3 0,-4 5 0,-4 2-32,-2 3-16,-1 1 48,1 0 192,2-2 80,4-4-320,5-4 0,7-6-96,5-5-608,4-5-209,7-4 273,4-4 640,7-4 160,5-6-160,5-3-592,4-5-657,4-3 513,4-3 272,2-1 239,1-1 49,0 2-16,-3 2-16,-4 4 208,-6 5 0,-5 4 48,-8 5 304,-4 2-272,-4 3 80,-4 4 721,-5 5-497,-4 4-208,-5 4-64,-6 5-112,-5 4 0,-5 3 0,-1 1 32,-1 0 208,3-3 737,4-3-801,6-4-176,5-4-160,6-5-368,3-3-609,5-5 353,4-2 624,5-5 80,4-3 80,5-3-177,4-4 177,5-3-16,3 0-272,3-1-656,0 2 416,-3 1-161,-2 4 17,-6 3 400,-4 2 272,-6 4 640,-5 3-336,-3 3 1105,-4 4-385,-5 2-463,-3 4-321,-4 2 0,-3 1 496,0 0 17,0-1-129,1-1-400,4-3-160,2-2-48,3-2-16,3-3-176,1-2-192,3-2-16,3-1 256,2-2-81,4-2 209,3-2-496,0-1-384,0 0 496,-1 1 79,-2 2 193,-2 1 80,-2 1-16,-3 4-320,-1 3 304,-3 3 64,-1 2 801,-2 2-769,1-1-32,0-1-1921,1-2-1649,1-2 3426</inkml:trace>
   <inkml:trace contextRef="#ctx0" brushRef="#br0" timeOffset="3063.552">26 461 1297,'0'0'2705,"0"0"-1825,0 0 497,0 0-225,0 0-159,0 0-33,0 0 177,0-1-321,0 1-432,0-1-256,0 0-128,0 1-32,1-1-144,2 0 128,1-1 48,2-2 32,3-1-32,1 0-16,1-2-128,0 1-48,1 1 80,-2 0-48,-1 2-336,-3 1-161,-2 1-607,-1 1 848,-2 4 416,-3 3 112,-2 2 352,-2 3-336,-2 2-112,-2 0-16,-1 0 0,1-1-80,1-2-48,2-2 128,2-1-1008,2-3-449,1-1-32,1-2 305,1-1 527,3-1 657,1-2 128,3-3-96,3 0-32,0-2 0,1-1 0,0 1 176,-1 1 417,-1 1 111,-1 2-96,-3 1-288,-1 1-95,-2 2-65,-1 3 768,-1 2-272,-1 3-255,-2 2 271,-1 2-560,-1 1 80,-1 0-64,-1 0-128,2-2-192,1-2-480,1-3-513,1-1 161,3-3-401,2-2 609,3-3-545,2-2 0,1-1 497</inkml:trace>
   <inkml:trace contextRef="#ctx0" brushRef="#br0" timeOffset="3287.507">244 562 1249,'0'0'1936,"0"0"-1343,-5 7 239,-5 6-192,-4 5-127,-3 3 159,-3 3 240,0 2-159,-1 2-449,0 0-256,2-2-48,1-2 0,4-5-128,4-3-160,4-6-1249,3-4-336,5-4 1249,5-4-385,4-5-687,3-3 399,0 0 1297</inkml:trace>
-  <inkml:trace contextRef="#ctx0" brushRef="#br0" timeOffset="3834.206">190 715 896,'0'0'1121,"0"0"-33,0 0 225,0 0-224,7-5 127,3-3-223,-1 1-369,-2 3-384,-2 4 1025,-5 5-433,-2 5-512,-5 5-208,-3 4 0,-2 4-80,-3 2 48,-1 1-48,-1 1 0,0 0 16,2-1-48,2-3 0,3-3-432,4-4-464,2-4-369,3-5-512,3-2-48,4-5 737,2-3-273,4-5 129,1-2-273,2-2 1441,-3 2 64</inkml:trace>
+  <inkml:trace contextRef="#ctx0" brushRef="#br0" timeOffset="3834.205">190 715 896,'0'0'1121,"0"0"-33,0 0 225,0 0-224,7-5 127,3-3-223,-1 1-369,-2 3-384,-2 4 1025,-5 5-433,-2 5-512,-5 5-208,-3 4 0,-2 4-80,-3 2 48,-1 1-48,-1 1 0,0 0 16,2-1-48,2-3 0,3-3-432,4-4-464,2-4-369,3-5-512,3-2-48,4-5 737,2-3-273,4-5 129,1-2-273,2-2 1441,-3 2 64</inkml:trace>
   <inkml:trace contextRef="#ctx0" brushRef="#br0" timeOffset="4419.568">203 896 96,'0'0'912,"0"0"225,0 0 192,0 0-81,0 0-688,-7 10-287,-5 8 175,-3 4-112,-3 5 416,-2 3 929,-1 1-1009,1 0-368,1-2 145,3-3-273,3-3-176,3-5 0,3-4-112,3-5-272,3-3-737,2-4 545,5-5 416,4-3 160,4-4-561,3-5-1087,3-2 15,2-2 1153,0-1 480,0 2 1024,-3 2-336,-3 4-31,-5 4 47,-3 3 241,-4 3-145,-2 3-496,-4 3 1089,-3 5-609,-4 5-704,-2 2 224,-4 4-224,-1 2 16,-2 1 176,0 0-112,0-1-79,1-2-65,4-2-16,3-5-81,3-3-127,3-4-576,3-3-465,4-4 1025,3-2-160,3-6-848,5-2-337,2-5 112,2-1 337,3-3 1120,0-1 256,1 1 816,0 1 369,-3 2 112,-2 3-481,-3 3-608,-4 4-95,-4 3-305,-2 4 144,-4 4 256,-4 6-288,-5 5 128,-4 4-304,-4 5-432,-3 2 432,-2 2 112,0-1-112,2 0-16,1-2-320,4-3 48,3-4 112,3-3-177,5-5 161,2-4-1616,4-4 959,5-4-95,4-5-385,4-4 289,4-5-177,4-3 1217,1-2 48,3-1 816,-1 0 65,-2 3-209,-2 2-95,-4 4-113,-4 3-160,-4 4-112,-3 3-16,-4 2-48,-2 3 352,-3 4 321,-3 5-561,-3 3-208,-3 4-48,-3 2-32,-1 2-64,0 1-368,0 0-417,1-3-95,3-3 752,3-3 112,3-3-256,3-5-705,3-2 33,3-4 351,5-4-783,0 0-337</inkml:trace>
   <inkml:trace contextRef="#ctx0" brushRef="#br0" timeOffset="5222.315">431 1207 1377,'0'0'2689,"0"0"-1745,9-6 321,5-2-609,0-1-544,-2 1-64,-3 3 256,-3 3-224,-4 4 961,-5 5-513,-5 5-496,-4 5 128,-3 4-80,-3 3-64,-1 2 80,-1-1-96,3 0-96,1-2-304,3-4 256,4-5 16,3-4-112,3-4-577,3-4 161,3-4 656,6-4 32,3-4 32,5-4-32,3-3 16,4-1-16,2-1-16,1-2 64,1 0 0,0 1-48,-1 2-32,-2 2 0,-4 2-16,-5 5 16,-3 2 64,-5 4 353,-3 1 15,-4 3-336,-3 4 560,-3 4 80,-4 3-479,-3 4-209,-3 3 64,-1 1-80,-1 0 0,2-1 16,1-2-48,3-4-16,4-2-64,1-4-16,4-3-433,1-2-239,3-2 768,4-5 160,4-2-160,3-5-64,5-3-80,4-4 144,4-3 16,3-2 0,4-3 48,2-2-64,2-1 0,1 0 0,0 2 352,-2 3-272,-3 4-32,-6 4-48,-5 5 0,-7 5 0,-5 3-240,-6 4-48,-3 5 288,-6 5 0,-5 5-336,-5 6 192,-5 3 80,-3 3 64,-3 2 48,0 1 272,-1-1-64,2-1-80,2-3 16,4-3-128,5-5-64,4-5-32,4-4-528,4-4-561,5-4 1121,5-6 113,5-6-97,6-6 32,6-5-32,6-4-16,4-5-193,6-4-1567,3-2-1202,-5 4 97</inkml:trace>
   <inkml:trace contextRef="#ctx0" brushRef="#br0" timeOffset="6339.292">1346 849 1825,'0'0'256,"-8"8"-160,-6 7 96,-7 8 240,-5 5 337,-4 7 591,-4 4-607,-3 4-385,-2 2-224,1 0 400,1-1 689,3-2-1073,5-4-32,4-6-80,6-5-16,5-7-32,5-6-32,4-6-288,4-4 304,5-5 16,4-5 208,6-6-208,5-5-561,4-5-271,4-5 576,4-4-64,4-4 320,2-2-384,2-3-193,2 0 577,1 0 545,-1 3-113,-2 3-288,-2 4-80,-6 5-48,-4 6 48,-6 5 288,-7 6-352,-5 5-560,-5 6 560,-7 5 336,-5 7-304,-6 5 64,-6 5-80,-5 4 480,-5 2 97,-2 3-113,-2 1 336,-1 0-63,1-1-81,2-2-480,3-2-16,5-5-112,4-4-16,7-5-48,4-5-64,4-5-416,5-3-321,5-5 801,7-7 241,7-5-241,6-6-1073,8-6-496,4-3 129,4-1 271,3-1 1073,-2 1 48,-1 2-464,-4 4-48,-6 3 560,-5 6 0,-6 4-641,-7 5-479,-5 5 544,-6 6 576,-7 6-257,-5 6 129,-6 5 128,-5 5 737,-5 4 511,-3 2 145,-4 4-80,-1 0-545,-1 0-80,3-1-320,3-3-48,4-3-31,6-6-289,5-5-16,5-5 16,4-5-176,3-4 176,3-6 64,6-5 192,4-6-256,7-5-737,5-5-703,6-2 191,2-2 1249,1 1 208,-1 1-208,-3 4-1392,-6 3 1392,-4 5 128,-7 4 592,-4 4-400,-4 3-96,-5 5-144,-3 5-80,-4 3-80,-2 3 80,-3 2 993,-2 1-273,0 1-48,0 0-272,-1 1-384,1-2-16,2 0-32,1-3-64,4-2-224,3-5-800,3-3-417,4-4 1441,6-7 80,6-5-16,6-4 32,6-5 32,3-2-32,2-1 592,1 1 545,-1 3-305,-3 5-111,-5 4-721,-4 3-705,-6 6-1808,-5 4 624,-4 1-688</inkml:trace>
@@ -5215,7 +5211,7 @@
           <a:p>
             <a:fld id="{54A2AA2D-F3FD-4622-BBC6-712AF01C4DDE}" type="datetimeFigureOut">
               <a:rPr lang="en-US" smtClean="0"/>
-              <a:t>8/28/2023</a:t>
+              <a:t>9/16/2023</a:t>
             </a:fld>
             <a:endParaRPr lang="en-US"/>
           </a:p>
@@ -5637,7 +5633,7 @@
           <a:p>
             <a:fld id="{CDF90907-BE26-48C9-88BE-8D126E13B685}" type="slidenum">
               <a:rPr lang="en-US" smtClean="0"/>
-              <a:t>32</a:t>
+              <a:t>30</a:t>
             </a:fld>
             <a:endParaRPr lang="en-US"/>
           </a:p>
@@ -6393,36 +6389,6 @@
           <a:chExt cx="0" cy="0"/>
         </a:xfrm>
       </p:grpSpPr>
-      <p:pic>
-        <p:nvPicPr>
-          <p:cNvPr id="16" name="Рисунок 15">
-            <a:extLst>
-              <a:ext uri="{FF2B5EF4-FFF2-40B4-BE49-F238E27FC236}">
-                <a16:creationId xmlns:a16="http://schemas.microsoft.com/office/drawing/2014/main" id="{3C59DE5F-F303-4742-A96F-D50700A16268}"/>
-              </a:ext>
-            </a:extLst>
-          </p:cNvPr>
-          <p:cNvPicPr>
-            <a:picLocks noChangeAspect="1"/>
-          </p:cNvPicPr>
-          <p:nvPr userDrawn="1"/>
-        </p:nvPicPr>
-        <p:blipFill>
-          <a:blip r:embed="rId2"/>
-          <a:stretch>
-            <a:fillRect/>
-          </a:stretch>
-        </p:blipFill>
-        <p:spPr>
-          <a:xfrm>
-            <a:off x="2286" y="0"/>
-            <a:ext cx="704850" cy="6858000"/>
-          </a:xfrm>
-          <a:prstGeom prst="rect">
-            <a:avLst/>
-          </a:prstGeom>
-        </p:spPr>
-      </p:pic>
       <p:sp>
         <p:nvSpPr>
           <p:cNvPr id="9" name="TextBox 8">
@@ -6455,7 +6421,7 @@
             <a:fld id="{0ED144EA-89AE-4759-8B06-27CCA8284B21}" type="slidenum">
               <a:rPr lang="en-US" smtClean="0">
                 <a:solidFill>
-                  <a:schemeClr val="bg1"/>
+                  <a:schemeClr val="tx1"/>
                 </a:solidFill>
               </a:rPr>
               <a:pPr algn="ctr"/>
@@ -6463,7 +6429,7 @@
             </a:fld>
             <a:endParaRPr lang="en-US" dirty="0">
               <a:solidFill>
-                <a:schemeClr val="bg1"/>
+                <a:schemeClr val="tx1"/>
               </a:solidFill>
             </a:endParaRPr>
           </a:p>
@@ -6483,8 +6449,8 @@
         </p:nvSpPr>
         <p:spPr>
           <a:xfrm>
-            <a:off x="707136" y="1"/>
-            <a:ext cx="11484864" cy="6858000"/>
+            <a:off x="0" y="1"/>
+            <a:ext cx="12192000" cy="6858000"/>
           </a:xfrm>
           <a:prstGeom prst="rect">
             <a:avLst/>
@@ -6546,8 +6512,8 @@
         </p:nvSpPr>
         <p:spPr>
           <a:xfrm>
-            <a:off x="1008063" y="1237956"/>
-            <a:ext cx="10643467" cy="4955453"/>
+            <a:off x="487281" y="1237956"/>
+            <a:ext cx="11164250" cy="4955453"/>
           </a:xfrm>
           <a:prstGeom prst="rect">
             <a:avLst/>
@@ -6642,8 +6608,8 @@
         </p:nvSpPr>
         <p:spPr>
           <a:xfrm>
-            <a:off x="1008062" y="392506"/>
-            <a:ext cx="10643467" cy="493613"/>
+            <a:off x="487280" y="392506"/>
+            <a:ext cx="11164250" cy="493613"/>
           </a:xfrm>
           <a:prstGeom prst="rect">
             <a:avLst/>
@@ -6673,53 +6639,6 @@
           </a:p>
         </p:txBody>
       </p:sp>
-      <p:pic>
-        <p:nvPicPr>
-          <p:cNvPr id="11" name="Picture 2">
-            <a:extLst>
-              <a:ext uri="{FF2B5EF4-FFF2-40B4-BE49-F238E27FC236}">
-                <a16:creationId xmlns:a16="http://schemas.microsoft.com/office/drawing/2014/main" id="{8DFC5DFB-F250-44C8-B4C7-77985F83456D}"/>
-              </a:ext>
-            </a:extLst>
-          </p:cNvPr>
-          <p:cNvPicPr>
-            <a:picLocks noChangeAspect="1" noChangeArrowheads="1"/>
-          </p:cNvPicPr>
-          <p:nvPr userDrawn="1"/>
-        </p:nvPicPr>
-        <p:blipFill>
-          <a:blip r:embed="rId3">
-            <a:extLst>
-              <a:ext uri="{28A0092B-C50C-407E-A947-70E740481C1C}">
-                <a14:useLocalDpi xmlns:a14="http://schemas.microsoft.com/office/drawing/2010/main" val="0"/>
-              </a:ext>
-            </a:extLst>
-          </a:blip>
-          <a:srcRect/>
-          <a:stretch>
-            <a:fillRect/>
-          </a:stretch>
-        </p:blipFill>
-        <p:spPr bwMode="auto">
-          <a:xfrm>
-            <a:off x="10402395" y="5734424"/>
-            <a:ext cx="1631410" cy="1631410"/>
-          </a:xfrm>
-          <a:prstGeom prst="rect">
-            <a:avLst/>
-          </a:prstGeom>
-          <a:noFill/>
-          <a:extLst>
-            <a:ext uri="{909E8E84-426E-40DD-AFC4-6F175D3DCCD1}">
-              <a14:hiddenFill xmlns:a14="http://schemas.microsoft.com/office/drawing/2010/main">
-                <a:solidFill>
-                  <a:srgbClr val="FFFFFF"/>
-                </a:solidFill>
-              </a14:hiddenFill>
-            </a:ext>
-          </a:extLst>
-        </p:spPr>
-      </p:pic>
     </p:spTree>
     <p:extLst>
       <p:ext uri="{BB962C8B-B14F-4D97-AF65-F5344CB8AC3E}">
@@ -6750,36 +6669,6 @@
           <a:chExt cx="0" cy="0"/>
         </a:xfrm>
       </p:grpSpPr>
-      <p:pic>
-        <p:nvPicPr>
-          <p:cNvPr id="16" name="Рисунок 15">
-            <a:extLst>
-              <a:ext uri="{FF2B5EF4-FFF2-40B4-BE49-F238E27FC236}">
-                <a16:creationId xmlns:a16="http://schemas.microsoft.com/office/drawing/2014/main" id="{B8BBA5EC-9257-4C8B-B8EA-8B4AA072F2B4}"/>
-              </a:ext>
-            </a:extLst>
-          </p:cNvPr>
-          <p:cNvPicPr>
-            <a:picLocks noChangeAspect="1"/>
-          </p:cNvPicPr>
-          <p:nvPr userDrawn="1"/>
-        </p:nvPicPr>
-        <p:blipFill>
-          <a:blip r:embed="rId2"/>
-          <a:stretch>
-            <a:fillRect/>
-          </a:stretch>
-        </p:blipFill>
-        <p:spPr>
-          <a:xfrm>
-            <a:off x="2286" y="0"/>
-            <a:ext cx="704850" cy="6858000"/>
-          </a:xfrm>
-          <a:prstGeom prst="rect">
-            <a:avLst/>
-          </a:prstGeom>
-        </p:spPr>
-      </p:pic>
       <p:sp>
         <p:nvSpPr>
           <p:cNvPr id="9" name="TextBox 8">
@@ -6812,7 +6701,7 @@
             <a:fld id="{0ED144EA-89AE-4759-8B06-27CCA8284B21}" type="slidenum">
               <a:rPr lang="en-US" smtClean="0">
                 <a:solidFill>
-                  <a:schemeClr val="bg1"/>
+                  <a:schemeClr val="tx1"/>
                 </a:solidFill>
               </a:rPr>
               <a:pPr algn="ctr"/>
@@ -6820,7 +6709,7 @@
             </a:fld>
             <a:endParaRPr lang="en-US" dirty="0">
               <a:solidFill>
-                <a:schemeClr val="bg1"/>
+                <a:schemeClr val="tx1"/>
               </a:solidFill>
             </a:endParaRPr>
           </a:p>
@@ -6840,8 +6729,8 @@
         </p:nvSpPr>
         <p:spPr>
           <a:xfrm>
-            <a:off x="707136" y="1"/>
-            <a:ext cx="11484864" cy="6858000"/>
+            <a:off x="0" y="1"/>
+            <a:ext cx="12192000" cy="6858000"/>
           </a:xfrm>
           <a:prstGeom prst="rect">
             <a:avLst/>
@@ -6903,8 +6792,8 @@
         </p:nvSpPr>
         <p:spPr>
           <a:xfrm>
-            <a:off x="1008063" y="724156"/>
-            <a:ext cx="10643467" cy="5469254"/>
+            <a:off x="409075" y="974685"/>
+            <a:ext cx="11242456" cy="5469254"/>
           </a:xfrm>
           <a:prstGeom prst="rect">
             <a:avLst/>
@@ -6998,9 +6887,9 @@
           </p:nvPr>
         </p:nvSpPr>
         <p:spPr>
-          <a:xfrm rot="16200000">
-            <a:off x="-1344142" y="1557241"/>
-            <a:ext cx="3387940" cy="699656"/>
+          <a:xfrm>
+            <a:off x="409075" y="137515"/>
+            <a:ext cx="3986928" cy="699656"/>
           </a:xfrm>
           <a:prstGeom prst="rect">
             <a:avLst/>
@@ -7009,12 +6898,10 @@
         <p:txBody>
           <a:bodyPr anchor="ctr"/>
           <a:lstStyle>
-            <a:lvl1pPr algn="r">
+            <a:lvl1pPr algn="l">
               <a:defRPr sz="2000">
                 <a:solidFill>
-                  <a:schemeClr val="bg1">
-                    <a:lumMod val="95000"/>
-                  </a:schemeClr>
+                  <a:schemeClr val="tx1"/>
                 </a:solidFill>
                 <a:latin typeface="+mn-lt"/>
                 <a:cs typeface="Segoe UI Semibold" panose="020B0702040204020203" pitchFamily="34" charset="0"/>
@@ -7025,64 +6912,6 @@
             <a:r>
               <a:rPr lang="en-US" dirty="0"/>
               <a:t>Click to edit Master title style</a:t>
-            </a:r>
-          </a:p>
-        </p:txBody>
-      </p:sp>
-      <p:sp>
-        <p:nvSpPr>
-          <p:cNvPr id="5" name="Текст 4">
-            <a:extLst>
-              <a:ext uri="{FF2B5EF4-FFF2-40B4-BE49-F238E27FC236}">
-                <a16:creationId xmlns:a16="http://schemas.microsoft.com/office/drawing/2014/main" id="{632A27EC-580F-4231-9A50-8FCA429A5F91}"/>
-              </a:ext>
-            </a:extLst>
-          </p:cNvPr>
-          <p:cNvSpPr>
-            <a:spLocks noGrp="1"/>
-          </p:cNvSpPr>
-          <p:nvPr>
-            <p:ph type="body" sz="quarter" idx="11"/>
-          </p:nvPr>
-        </p:nvSpPr>
-        <p:spPr>
-          <a:xfrm>
-            <a:off x="1008063" y="147031"/>
-            <a:ext cx="10644187" cy="394307"/>
-          </a:xfrm>
-          <a:prstGeom prst="rect">
-            <a:avLst/>
-          </a:prstGeom>
-        </p:spPr>
-        <p:txBody>
-          <a:bodyPr/>
-          <a:lstStyle>
-            <a:lvl1pPr marL="0" indent="0">
-              <a:buNone/>
-              <a:defRPr sz="2000" u="dotted" baseline="0">
-                <a:solidFill>
-                  <a:schemeClr val="tx1">
-                    <a:lumMod val="75000"/>
-                    <a:lumOff val="25000"/>
-                  </a:schemeClr>
-                </a:solidFill>
-                <a:uFill>
-                  <a:solidFill>
-                    <a:schemeClr val="tx1">
-                      <a:lumMod val="50000"/>
-                      <a:lumOff val="50000"/>
-                    </a:schemeClr>
-                  </a:solidFill>
-                </a:uFill>
-                <a:latin typeface="+mj-lt"/>
-              </a:defRPr>
-            </a:lvl1pPr>
-          </a:lstStyle>
-          <a:p>
-            <a:pPr lvl="0"/>
-            <a:r>
-              <a:rPr lang="ru-RU" dirty="0"/>
-              <a:t>Образец текста</a:t>
             </a:r>
           </a:p>
         </p:txBody>
@@ -7101,597 +6930,6 @@
 </file>
 
 <file path=ppt/slideLayouts/slideLayout3.xml><?xml version="1.0" encoding="utf-8"?>
-<p:sldLayout xmlns:a="http://schemas.openxmlformats.org/drawingml/2006/main" xmlns:r="http://schemas.openxmlformats.org/officeDocument/2006/relationships" xmlns:p="http://schemas.openxmlformats.org/presentationml/2006/main" preserve="1" userDrawn="1">
-  <p:cSld name="1_Левый заголовок с подз. без лого">
-    <p:spTree>
-      <p:nvGrpSpPr>
-        <p:cNvPr id="1" name=""/>
-        <p:cNvGrpSpPr/>
-        <p:nvPr/>
-      </p:nvGrpSpPr>
-      <p:grpSpPr>
-        <a:xfrm>
-          <a:off x="0" y="0"/>
-          <a:ext cx="0" cy="0"/>
-          <a:chOff x="0" y="0"/>
-          <a:chExt cx="0" cy="0"/>
-        </a:xfrm>
-      </p:grpSpPr>
-      <p:pic>
-        <p:nvPicPr>
-          <p:cNvPr id="16" name="Рисунок 15">
-            <a:extLst>
-              <a:ext uri="{FF2B5EF4-FFF2-40B4-BE49-F238E27FC236}">
-                <a16:creationId xmlns:a16="http://schemas.microsoft.com/office/drawing/2014/main" id="{B8BBA5EC-9257-4C8B-B8EA-8B4AA072F2B4}"/>
-              </a:ext>
-            </a:extLst>
-          </p:cNvPr>
-          <p:cNvPicPr>
-            <a:picLocks noChangeAspect="1"/>
-          </p:cNvPicPr>
-          <p:nvPr userDrawn="1"/>
-        </p:nvPicPr>
-        <p:blipFill>
-          <a:blip r:embed="rId2"/>
-          <a:stretch>
-            <a:fillRect/>
-          </a:stretch>
-        </p:blipFill>
-        <p:spPr>
-          <a:xfrm>
-            <a:off x="2286" y="0"/>
-            <a:ext cx="704850" cy="6858000"/>
-          </a:xfrm>
-          <a:prstGeom prst="rect">
-            <a:avLst/>
-          </a:prstGeom>
-        </p:spPr>
-      </p:pic>
-      <p:sp>
-        <p:nvSpPr>
-          <p:cNvPr id="9" name="TextBox 8">
-            <a:extLst>
-              <a:ext uri="{FF2B5EF4-FFF2-40B4-BE49-F238E27FC236}">
-                <a16:creationId xmlns:a16="http://schemas.microsoft.com/office/drawing/2014/main" id="{FC02269B-E154-41B8-822D-1C31CB76CE8D}"/>
-              </a:ext>
-            </a:extLst>
-          </p:cNvPr>
-          <p:cNvSpPr txBox="1"/>
-          <p:nvPr userDrawn="1"/>
-        </p:nvSpPr>
-        <p:spPr>
-          <a:xfrm>
-            <a:off x="0" y="6404373"/>
-            <a:ext cx="699656" cy="369332"/>
-          </a:xfrm>
-          <a:prstGeom prst="rect">
-            <a:avLst/>
-          </a:prstGeom>
-          <a:noFill/>
-        </p:spPr>
-        <p:txBody>
-          <a:bodyPr wrap="square" rtlCol="0">
-            <a:spAutoFit/>
-          </a:bodyPr>
-          <a:lstStyle/>
-          <a:p>
-            <a:pPr algn="ctr"/>
-            <a:fld id="{0ED144EA-89AE-4759-8B06-27CCA8284B21}" type="slidenum">
-              <a:rPr lang="en-US" smtClean="0">
-                <a:solidFill>
-                  <a:schemeClr val="bg1"/>
-                </a:solidFill>
-              </a:rPr>
-              <a:pPr algn="ctr"/>
-              <a:t>‹#›</a:t>
-            </a:fld>
-            <a:endParaRPr lang="en-US" dirty="0">
-              <a:solidFill>
-                <a:schemeClr val="bg1"/>
-              </a:solidFill>
-            </a:endParaRPr>
-          </a:p>
-        </p:txBody>
-      </p:sp>
-      <p:sp>
-        <p:nvSpPr>
-          <p:cNvPr id="15" name="Rectangle 14">
-            <a:extLst>
-              <a:ext uri="{FF2B5EF4-FFF2-40B4-BE49-F238E27FC236}">
-                <a16:creationId xmlns:a16="http://schemas.microsoft.com/office/drawing/2014/main" id="{E3AA97D4-D53C-4BD3-AE1E-212035720C57}"/>
-              </a:ext>
-            </a:extLst>
-          </p:cNvPr>
-          <p:cNvSpPr/>
-          <p:nvPr userDrawn="1"/>
-        </p:nvSpPr>
-        <p:spPr>
-          <a:xfrm>
-            <a:off x="707136" y="1"/>
-            <a:ext cx="11484864" cy="6858000"/>
-          </a:xfrm>
-          <a:prstGeom prst="rect">
-            <a:avLst/>
-          </a:prstGeom>
-          <a:solidFill>
-            <a:schemeClr val="bg1"/>
-          </a:solidFill>
-          <a:ln>
-            <a:noFill/>
-          </a:ln>
-          <a:effectLst>
-            <a:outerShdw blurRad="63500" sx="102000" sy="102000" algn="ctr" rotWithShape="0">
-              <a:prstClr val="black">
-                <a:alpha val="9000"/>
-              </a:prstClr>
-            </a:outerShdw>
-          </a:effectLst>
-        </p:spPr>
-        <p:style>
-          <a:lnRef idx="2">
-            <a:schemeClr val="accent1">
-              <a:shade val="50000"/>
-            </a:schemeClr>
-          </a:lnRef>
-          <a:fillRef idx="1">
-            <a:schemeClr val="accent1"/>
-          </a:fillRef>
-          <a:effectRef idx="0">
-            <a:schemeClr val="accent1"/>
-          </a:effectRef>
-          <a:fontRef idx="minor">
-            <a:schemeClr val="lt1"/>
-          </a:fontRef>
-        </p:style>
-        <p:txBody>
-          <a:bodyPr rtlCol="0" anchor="ctr"/>
-          <a:lstStyle/>
-          <a:p>
-            <a:pPr algn="ctr"/>
-            <a:endParaRPr lang="en-US"/>
-          </a:p>
-        </p:txBody>
-      </p:sp>
-      <p:sp>
-        <p:nvSpPr>
-          <p:cNvPr id="17" name="Title 16">
-            <a:extLst>
-              <a:ext uri="{FF2B5EF4-FFF2-40B4-BE49-F238E27FC236}">
-                <a16:creationId xmlns:a16="http://schemas.microsoft.com/office/drawing/2014/main" id="{04BE5C4A-B5FD-4ED8-B1F7-C578556EB72E}"/>
-              </a:ext>
-            </a:extLst>
-          </p:cNvPr>
-          <p:cNvSpPr>
-            <a:spLocks noGrp="1"/>
-          </p:cNvSpPr>
-          <p:nvPr>
-            <p:ph type="title"/>
-          </p:nvPr>
-        </p:nvSpPr>
-        <p:spPr>
-          <a:xfrm rot="16200000">
-            <a:off x="-1344142" y="1557241"/>
-            <a:ext cx="3387940" cy="699656"/>
-          </a:xfrm>
-          <a:prstGeom prst="rect">
-            <a:avLst/>
-          </a:prstGeom>
-        </p:spPr>
-        <p:txBody>
-          <a:bodyPr anchor="ctr"/>
-          <a:lstStyle>
-            <a:lvl1pPr algn="r">
-              <a:defRPr sz="2000">
-                <a:solidFill>
-                  <a:schemeClr val="bg1">
-                    <a:lumMod val="95000"/>
-                  </a:schemeClr>
-                </a:solidFill>
-                <a:latin typeface="+mn-lt"/>
-                <a:cs typeface="Segoe UI Semibold" panose="020B0702040204020203" pitchFamily="34" charset="0"/>
-              </a:defRPr>
-            </a:lvl1pPr>
-          </a:lstStyle>
-          <a:p>
-            <a:r>
-              <a:rPr lang="en-US" dirty="0"/>
-              <a:t>Click to edit Master title style</a:t>
-            </a:r>
-          </a:p>
-        </p:txBody>
-      </p:sp>
-      <p:grpSp>
-        <p:nvGrpSpPr>
-          <p:cNvPr id="11" name="Group 10">
-            <a:extLst>
-              <a:ext uri="{FF2B5EF4-FFF2-40B4-BE49-F238E27FC236}">
-                <a16:creationId xmlns:a16="http://schemas.microsoft.com/office/drawing/2014/main" id="{459F6DC7-9315-4E87-899D-B2C988DEEBCE}"/>
-              </a:ext>
-            </a:extLst>
-          </p:cNvPr>
-          <p:cNvGrpSpPr/>
-          <p:nvPr userDrawn="1"/>
-        </p:nvGrpSpPr>
-        <p:grpSpPr>
-          <a:xfrm>
-            <a:off x="797522" y="480059"/>
-            <a:ext cx="10732663" cy="5894237"/>
-            <a:chOff x="797522" y="480060"/>
-            <a:chExt cx="10732663" cy="5894237"/>
-          </a:xfrm>
-        </p:grpSpPr>
-        <p:sp>
-          <p:nvSpPr>
-            <p:cNvPr id="12" name="Rectangle 11">
-              <a:extLst>
-                <a:ext uri="{FF2B5EF4-FFF2-40B4-BE49-F238E27FC236}">
-                  <a16:creationId xmlns:a16="http://schemas.microsoft.com/office/drawing/2014/main" id="{E77A461E-77AB-427E-B044-383C43112ED0}"/>
-                </a:ext>
-              </a:extLst>
-            </p:cNvPr>
-            <p:cNvSpPr/>
-            <p:nvPr/>
-          </p:nvSpPr>
-          <p:spPr>
-            <a:xfrm>
-              <a:off x="3512888" y="486689"/>
-              <a:ext cx="5298475" cy="5887608"/>
-            </a:xfrm>
-            <a:prstGeom prst="rect">
-              <a:avLst/>
-            </a:prstGeom>
-            <a:solidFill>
-              <a:schemeClr val="accent6">
-                <a:lumMod val="60000"/>
-                <a:lumOff val="40000"/>
-                <a:alpha val="25000"/>
-              </a:schemeClr>
-            </a:solidFill>
-            <a:ln>
-              <a:noFill/>
-            </a:ln>
-          </p:spPr>
-          <p:style>
-            <a:lnRef idx="2">
-              <a:schemeClr val="accent1">
-                <a:shade val="50000"/>
-              </a:schemeClr>
-            </a:lnRef>
-            <a:fillRef idx="1">
-              <a:schemeClr val="accent1"/>
-            </a:fillRef>
-            <a:effectRef idx="0">
-              <a:schemeClr val="accent1"/>
-            </a:effectRef>
-            <a:fontRef idx="minor">
-              <a:schemeClr val="lt1"/>
-            </a:fontRef>
-          </p:style>
-          <p:txBody>
-            <a:bodyPr rtlCol="0" anchor="ctr"/>
-            <a:lstStyle/>
-            <a:p>
-              <a:pPr algn="ctr"/>
-              <a:endParaRPr lang="ru-RU"/>
-            </a:p>
-          </p:txBody>
-        </p:sp>
-        <p:sp>
-          <p:nvSpPr>
-            <p:cNvPr id="13" name="Rectangle 12">
-              <a:extLst>
-                <a:ext uri="{FF2B5EF4-FFF2-40B4-BE49-F238E27FC236}">
-                  <a16:creationId xmlns:a16="http://schemas.microsoft.com/office/drawing/2014/main" id="{DCB606D4-C8AE-4CD9-A226-B73A4AE64BC0}"/>
-                </a:ext>
-              </a:extLst>
-            </p:cNvPr>
-            <p:cNvSpPr/>
-            <p:nvPr/>
-          </p:nvSpPr>
-          <p:spPr>
-            <a:xfrm>
-              <a:off x="8814818" y="486689"/>
-              <a:ext cx="2715367" cy="5887608"/>
-            </a:xfrm>
-            <a:prstGeom prst="rect">
-              <a:avLst/>
-            </a:prstGeom>
-            <a:solidFill>
-              <a:schemeClr val="accent4">
-                <a:lumMod val="20000"/>
-                <a:lumOff val="80000"/>
-                <a:alpha val="25000"/>
-              </a:schemeClr>
-            </a:solidFill>
-            <a:ln>
-              <a:noFill/>
-            </a:ln>
-          </p:spPr>
-          <p:style>
-            <a:lnRef idx="2">
-              <a:schemeClr val="accent1">
-                <a:shade val="50000"/>
-              </a:schemeClr>
-            </a:lnRef>
-            <a:fillRef idx="1">
-              <a:schemeClr val="accent1"/>
-            </a:fillRef>
-            <a:effectRef idx="0">
-              <a:schemeClr val="accent1"/>
-            </a:effectRef>
-            <a:fontRef idx="minor">
-              <a:schemeClr val="lt1"/>
-            </a:fontRef>
-          </p:style>
-          <p:txBody>
-            <a:bodyPr rtlCol="0" anchor="ctr"/>
-            <a:lstStyle/>
-            <a:p>
-              <a:pPr algn="ctr"/>
-              <a:endParaRPr lang="ru-RU"/>
-            </a:p>
-          </p:txBody>
-        </p:sp>
-        <p:sp>
-          <p:nvSpPr>
-            <p:cNvPr id="18" name="Rectangle 17">
-              <a:extLst>
-                <a:ext uri="{FF2B5EF4-FFF2-40B4-BE49-F238E27FC236}">
-                  <a16:creationId xmlns:a16="http://schemas.microsoft.com/office/drawing/2014/main" id="{55610EE0-6CB1-4C99-B828-CC1DD97D14B5}"/>
-                </a:ext>
-              </a:extLst>
-            </p:cNvPr>
-            <p:cNvSpPr/>
-            <p:nvPr/>
-          </p:nvSpPr>
-          <p:spPr>
-            <a:xfrm>
-              <a:off x="797522" y="480060"/>
-              <a:ext cx="2715366" cy="5887608"/>
-            </a:xfrm>
-            <a:prstGeom prst="rect">
-              <a:avLst/>
-            </a:prstGeom>
-            <a:solidFill>
-              <a:schemeClr val="accent1">
-                <a:lumMod val="60000"/>
-                <a:lumOff val="40000"/>
-                <a:alpha val="25000"/>
-              </a:schemeClr>
-            </a:solidFill>
-            <a:ln>
-              <a:noFill/>
-            </a:ln>
-          </p:spPr>
-          <p:style>
-            <a:lnRef idx="2">
-              <a:schemeClr val="accent1">
-                <a:shade val="50000"/>
-              </a:schemeClr>
-            </a:lnRef>
-            <a:fillRef idx="1">
-              <a:schemeClr val="accent1"/>
-            </a:fillRef>
-            <a:effectRef idx="0">
-              <a:schemeClr val="accent1"/>
-            </a:effectRef>
-            <a:fontRef idx="minor">
-              <a:schemeClr val="lt1"/>
-            </a:fontRef>
-          </p:style>
-          <p:txBody>
-            <a:bodyPr rtlCol="0" anchor="ctr"/>
-            <a:lstStyle/>
-            <a:p>
-              <a:pPr algn="ctr"/>
-              <a:endParaRPr lang="ru-RU"/>
-            </a:p>
-          </p:txBody>
-        </p:sp>
-      </p:grpSp>
-    </p:spTree>
-    <p:extLst>
-      <p:ext uri="{BB962C8B-B14F-4D97-AF65-F5344CB8AC3E}">
-        <p14:creationId xmlns:p14="http://schemas.microsoft.com/office/powerpoint/2010/main" val="3733342907"/>
-      </p:ext>
-    </p:extLst>
-  </p:cSld>
-  <p:clrMapOvr>
-    <a:masterClrMapping/>
-  </p:clrMapOvr>
-</p:sldLayout>
-</file>
-
-<file path=ppt/slideLayouts/slideLayout4.xml><?xml version="1.0" encoding="utf-8"?>
-<p:sldLayout xmlns:a="http://schemas.openxmlformats.org/drawingml/2006/main" xmlns:r="http://schemas.openxmlformats.org/officeDocument/2006/relationships" xmlns:p="http://schemas.openxmlformats.org/presentationml/2006/main" preserve="1" userDrawn="1">
-  <p:cSld name="2_Левый заголовок с подз. без лого">
-    <p:spTree>
-      <p:nvGrpSpPr>
-        <p:cNvPr id="1" name=""/>
-        <p:cNvGrpSpPr/>
-        <p:nvPr/>
-      </p:nvGrpSpPr>
-      <p:grpSpPr>
-        <a:xfrm>
-          <a:off x="0" y="0"/>
-          <a:ext cx="0" cy="0"/>
-          <a:chOff x="0" y="0"/>
-          <a:chExt cx="0" cy="0"/>
-        </a:xfrm>
-      </p:grpSpPr>
-      <p:sp>
-        <p:nvSpPr>
-          <p:cNvPr id="9" name="TextBox 8">
-            <a:extLst>
-              <a:ext uri="{FF2B5EF4-FFF2-40B4-BE49-F238E27FC236}">
-                <a16:creationId xmlns:a16="http://schemas.microsoft.com/office/drawing/2014/main" id="{FC02269B-E154-41B8-822D-1C31CB76CE8D}"/>
-              </a:ext>
-            </a:extLst>
-          </p:cNvPr>
-          <p:cNvSpPr txBox="1"/>
-          <p:nvPr userDrawn="1"/>
-        </p:nvSpPr>
-        <p:spPr>
-          <a:xfrm>
-            <a:off x="0" y="6404373"/>
-            <a:ext cx="699656" cy="369332"/>
-          </a:xfrm>
-          <a:prstGeom prst="rect">
-            <a:avLst/>
-          </a:prstGeom>
-          <a:noFill/>
-        </p:spPr>
-        <p:txBody>
-          <a:bodyPr wrap="square" rtlCol="0">
-            <a:spAutoFit/>
-          </a:bodyPr>
-          <a:lstStyle/>
-          <a:p>
-            <a:pPr algn="ctr"/>
-            <a:fld id="{0ED144EA-89AE-4759-8B06-27CCA8284B21}" type="slidenum">
-              <a:rPr lang="en-US" smtClean="0">
-                <a:solidFill>
-                  <a:schemeClr val="bg1"/>
-                </a:solidFill>
-              </a:rPr>
-              <a:pPr algn="ctr"/>
-              <a:t>‹#›</a:t>
-            </a:fld>
-            <a:endParaRPr lang="en-US" dirty="0">
-              <a:solidFill>
-                <a:schemeClr val="bg1"/>
-              </a:solidFill>
-            </a:endParaRPr>
-          </a:p>
-        </p:txBody>
-      </p:sp>
-      <p:sp>
-        <p:nvSpPr>
-          <p:cNvPr id="19" name="Rectangle 18">
-            <a:extLst>
-              <a:ext uri="{FF2B5EF4-FFF2-40B4-BE49-F238E27FC236}">
-                <a16:creationId xmlns:a16="http://schemas.microsoft.com/office/drawing/2014/main" id="{03C69484-E6B8-4D41-B8DF-7732CAAF4274}"/>
-              </a:ext>
-            </a:extLst>
-          </p:cNvPr>
-          <p:cNvSpPr/>
-          <p:nvPr userDrawn="1"/>
-        </p:nvSpPr>
-        <p:spPr>
-          <a:xfrm rot="5400000">
-            <a:off x="8740139" y="3406139"/>
-            <a:ext cx="6858002" cy="45719"/>
-          </a:xfrm>
-          <a:prstGeom prst="rect">
-            <a:avLst/>
-          </a:prstGeom>
-          <a:solidFill>
-            <a:schemeClr val="accent6">
-              <a:lumMod val="75000"/>
-            </a:schemeClr>
-          </a:solidFill>
-          <a:ln>
-            <a:noFill/>
-          </a:ln>
-        </p:spPr>
-        <p:style>
-          <a:lnRef idx="2">
-            <a:schemeClr val="accent1">
-              <a:shade val="50000"/>
-            </a:schemeClr>
-          </a:lnRef>
-          <a:fillRef idx="1">
-            <a:schemeClr val="accent1"/>
-          </a:fillRef>
-          <a:effectRef idx="0">
-            <a:schemeClr val="accent1"/>
-          </a:effectRef>
-          <a:fontRef idx="minor">
-            <a:schemeClr val="lt1"/>
-          </a:fontRef>
-        </p:style>
-        <p:txBody>
-          <a:bodyPr rtlCol="0" anchor="ctr"/>
-          <a:lstStyle/>
-          <a:p>
-            <a:pPr algn="ctr"/>
-            <a:endParaRPr lang="en-US"/>
-          </a:p>
-        </p:txBody>
-      </p:sp>
-      <p:sp>
-        <p:nvSpPr>
-          <p:cNvPr id="14" name="Rectangle 13">
-            <a:extLst>
-              <a:ext uri="{FF2B5EF4-FFF2-40B4-BE49-F238E27FC236}">
-                <a16:creationId xmlns:a16="http://schemas.microsoft.com/office/drawing/2014/main" id="{1DBB6C50-BC59-475F-AD37-70F53AC847AF}"/>
-              </a:ext>
-            </a:extLst>
-          </p:cNvPr>
-          <p:cNvSpPr/>
-          <p:nvPr userDrawn="1"/>
-        </p:nvSpPr>
-        <p:spPr>
-          <a:xfrm>
-            <a:off x="0" y="1"/>
-            <a:ext cx="12192000" cy="6858000"/>
-          </a:xfrm>
-          <a:prstGeom prst="rect">
-            <a:avLst/>
-          </a:prstGeom>
-          <a:solidFill>
-            <a:schemeClr val="bg1"/>
-          </a:solidFill>
-          <a:ln>
-            <a:noFill/>
-          </a:ln>
-          <a:effectLst>
-            <a:outerShdw blurRad="63500" sx="102000" sy="102000" algn="ctr" rotWithShape="0">
-              <a:prstClr val="black">
-                <a:alpha val="9000"/>
-              </a:prstClr>
-            </a:outerShdw>
-          </a:effectLst>
-        </p:spPr>
-        <p:style>
-          <a:lnRef idx="2">
-            <a:schemeClr val="accent1">
-              <a:shade val="50000"/>
-            </a:schemeClr>
-          </a:lnRef>
-          <a:fillRef idx="1">
-            <a:schemeClr val="accent1"/>
-          </a:fillRef>
-          <a:effectRef idx="0">
-            <a:schemeClr val="accent1"/>
-          </a:effectRef>
-          <a:fontRef idx="minor">
-            <a:schemeClr val="lt1"/>
-          </a:fontRef>
-        </p:style>
-        <p:txBody>
-          <a:bodyPr rtlCol="0" anchor="ctr"/>
-          <a:lstStyle/>
-          <a:p>
-            <a:pPr algn="ctr"/>
-            <a:endParaRPr lang="en-US"/>
-          </a:p>
-        </p:txBody>
-      </p:sp>
-    </p:spTree>
-    <p:extLst>
-      <p:ext uri="{BB962C8B-B14F-4D97-AF65-F5344CB8AC3E}">
-        <p14:creationId xmlns:p14="http://schemas.microsoft.com/office/powerpoint/2010/main" val="485274351"/>
-      </p:ext>
-    </p:extLst>
-  </p:cSld>
-  <p:clrMapOvr>
-    <a:masterClrMapping/>
-  </p:clrMapOvr>
-</p:sldLayout>
-</file>
-
-<file path=ppt/slideLayouts/slideLayout5.xml><?xml version="1.0" encoding="utf-8"?>
 <p:sldLayout xmlns:a="http://schemas.openxmlformats.org/drawingml/2006/main" xmlns:r="http://schemas.openxmlformats.org/officeDocument/2006/relationships" xmlns:p="http://schemas.openxmlformats.org/presentationml/2006/main" preserve="1" userDrawn="1">
   <p:cSld name="3_Левый заголовок с подз. без лого">
     <p:spTree>
@@ -7870,7 +7108,7 @@
 </p:sldLayout>
 </file>
 
-<file path=ppt/slideLayouts/slideLayout6.xml><?xml version="1.0" encoding="utf-8"?>
+<file path=ppt/slideLayouts/slideLayout4.xml><?xml version="1.0" encoding="utf-8"?>
 <p:sldLayout xmlns:a="http://schemas.openxmlformats.org/drawingml/2006/main" xmlns:r="http://schemas.openxmlformats.org/officeDocument/2006/relationships" xmlns:p="http://schemas.openxmlformats.org/presentationml/2006/main" preserve="1" userDrawn="1">
   <p:cSld name="Title Page">
     <p:spTree>
@@ -7977,7 +7215,7 @@
 </p:sldLayout>
 </file>
 
-<file path=ppt/slideLayouts/slideLayout7.xml><?xml version="1.0" encoding="utf-8"?>
+<file path=ppt/slideLayouts/slideLayout5.xml><?xml version="1.0" encoding="utf-8"?>
 <p:sldLayout xmlns:a="http://schemas.openxmlformats.org/drawingml/2006/main" xmlns:r="http://schemas.openxmlformats.org/officeDocument/2006/relationships" xmlns:p="http://schemas.openxmlformats.org/presentationml/2006/main" preserve="1" userDrawn="1">
   <p:cSld name="1_Title Page">
     <p:spTree>
@@ -7994,205 +7232,6 @@
           <a:chExt cx="0" cy="0"/>
         </a:xfrm>
       </p:grpSpPr>
-      <p:grpSp>
-        <p:nvGrpSpPr>
-          <p:cNvPr id="2" name="Group 1">
-            <a:extLst>
-              <a:ext uri="{FF2B5EF4-FFF2-40B4-BE49-F238E27FC236}">
-                <a16:creationId xmlns:a16="http://schemas.microsoft.com/office/drawing/2014/main" id="{36223496-3D24-49FA-85D5-3DC91E4805DC}"/>
-              </a:ext>
-            </a:extLst>
-          </p:cNvPr>
-          <p:cNvGrpSpPr/>
-          <p:nvPr userDrawn="1"/>
-        </p:nvGrpSpPr>
-        <p:grpSpPr>
-          <a:xfrm>
-            <a:off x="4322886" y="2786469"/>
-            <a:ext cx="3079501" cy="1702436"/>
-            <a:chOff x="6980552" y="2270682"/>
-            <a:chExt cx="3079501" cy="1702436"/>
-          </a:xfrm>
-        </p:grpSpPr>
-        <p:pic>
-          <p:nvPicPr>
-            <p:cNvPr id="18" name="Picture 17">
-              <a:extLst>
-                <a:ext uri="{FF2B5EF4-FFF2-40B4-BE49-F238E27FC236}">
-                  <a16:creationId xmlns:a16="http://schemas.microsoft.com/office/drawing/2014/main" id="{092A400E-F64F-4EDE-BFE3-F50375C0A3AE}"/>
-                </a:ext>
-              </a:extLst>
-            </p:cNvPr>
-            <p:cNvPicPr>
-              <a:picLocks noChangeAspect="1"/>
-            </p:cNvPicPr>
-            <p:nvPr userDrawn="1"/>
-          </p:nvPicPr>
-          <p:blipFill>
-            <a:blip r:embed="rId2"/>
-            <a:stretch>
-              <a:fillRect/>
-            </a:stretch>
-          </p:blipFill>
-          <p:spPr>
-            <a:xfrm rot="2700000">
-              <a:off x="8084247" y="1517818"/>
-              <a:ext cx="1032403" cy="2919208"/>
-            </a:xfrm>
-            <a:prstGeom prst="rect">
-              <a:avLst/>
-            </a:prstGeom>
-          </p:spPr>
-        </p:pic>
-        <p:pic>
-          <p:nvPicPr>
-            <p:cNvPr id="19" name="Picture 18">
-              <a:extLst>
-                <a:ext uri="{FF2B5EF4-FFF2-40B4-BE49-F238E27FC236}">
-                  <a16:creationId xmlns:a16="http://schemas.microsoft.com/office/drawing/2014/main" id="{C02F024F-266E-428C-B7FC-0F10342F5ACF}"/>
-                </a:ext>
-              </a:extLst>
-            </p:cNvPr>
-            <p:cNvPicPr>
-              <a:picLocks noChangeAspect="1"/>
-            </p:cNvPicPr>
-            <p:nvPr userDrawn="1"/>
-          </p:nvPicPr>
-          <p:blipFill>
-            <a:blip r:embed="rId2">
-              <a:alphaModFix amt="52000"/>
-            </a:blip>
-            <a:stretch>
-              <a:fillRect/>
-            </a:stretch>
-          </p:blipFill>
-          <p:spPr>
-            <a:xfrm rot="2700000">
-              <a:off x="7619027" y="1632207"/>
-              <a:ext cx="698708" cy="1975657"/>
-            </a:xfrm>
-            <a:prstGeom prst="rect">
-              <a:avLst/>
-            </a:prstGeom>
-          </p:spPr>
-        </p:pic>
-        <p:pic>
-          <p:nvPicPr>
-            <p:cNvPr id="20" name="Picture 19">
-              <a:extLst>
-                <a:ext uri="{FF2B5EF4-FFF2-40B4-BE49-F238E27FC236}">
-                  <a16:creationId xmlns:a16="http://schemas.microsoft.com/office/drawing/2014/main" id="{BCDDC84C-34A7-467C-AF34-EE03107923CA}"/>
-                </a:ext>
-              </a:extLst>
-            </p:cNvPr>
-            <p:cNvPicPr>
-              <a:picLocks noChangeAspect="1"/>
-            </p:cNvPicPr>
-            <p:nvPr userDrawn="1"/>
-          </p:nvPicPr>
-          <p:blipFill>
-            <a:blip r:embed="rId2">
-              <a:alphaModFix amt="52000"/>
-            </a:blip>
-            <a:stretch>
-              <a:fillRect/>
-            </a:stretch>
-          </p:blipFill>
-          <p:spPr>
-            <a:xfrm rot="2700000">
-              <a:off x="8702669" y="2635935"/>
-              <a:ext cx="698708" cy="1975657"/>
-            </a:xfrm>
-            <a:prstGeom prst="rect">
-              <a:avLst/>
-            </a:prstGeom>
-          </p:spPr>
-        </p:pic>
-      </p:grpSp>
-      <p:pic>
-        <p:nvPicPr>
-          <p:cNvPr id="16" name="Picture 15">
-            <a:extLst>
-              <a:ext uri="{FF2B5EF4-FFF2-40B4-BE49-F238E27FC236}">
-                <a16:creationId xmlns:a16="http://schemas.microsoft.com/office/drawing/2014/main" id="{449D5DCE-5161-42EB-AEB1-99734D509E87}"/>
-              </a:ext>
-            </a:extLst>
-          </p:cNvPr>
-          <p:cNvPicPr>
-            <a:picLocks noChangeAspect="1"/>
-          </p:cNvPicPr>
-          <p:nvPr userDrawn="1"/>
-        </p:nvPicPr>
-        <p:blipFill>
-          <a:blip r:embed="rId3"/>
-          <a:stretch>
-            <a:fillRect/>
-          </a:stretch>
-        </p:blipFill>
-        <p:spPr>
-          <a:xfrm>
-            <a:off x="10439400" y="0"/>
-            <a:ext cx="1752600" cy="6858000"/>
-          </a:xfrm>
-          <a:prstGeom prst="rect">
-            <a:avLst/>
-          </a:prstGeom>
-        </p:spPr>
-      </p:pic>
-      <p:sp>
-        <p:nvSpPr>
-          <p:cNvPr id="15" name="Rectangle 14">
-            <a:extLst>
-              <a:ext uri="{FF2B5EF4-FFF2-40B4-BE49-F238E27FC236}">
-                <a16:creationId xmlns:a16="http://schemas.microsoft.com/office/drawing/2014/main" id="{8829E6F1-AB40-45A8-968D-D95769621D22}"/>
-              </a:ext>
-            </a:extLst>
-          </p:cNvPr>
-          <p:cNvSpPr/>
-          <p:nvPr userDrawn="1"/>
-        </p:nvSpPr>
-        <p:spPr>
-          <a:xfrm>
-            <a:off x="3790132" y="1547040"/>
-            <a:ext cx="4772025" cy="3343275"/>
-          </a:xfrm>
-          <a:prstGeom prst="rect">
-            <a:avLst/>
-          </a:prstGeom>
-          <a:solidFill>
-            <a:srgbClr val="262626">
-              <a:alpha val="80000"/>
-            </a:srgbClr>
-          </a:solidFill>
-          <a:ln>
-            <a:noFill/>
-          </a:ln>
-        </p:spPr>
-        <p:style>
-          <a:lnRef idx="2">
-            <a:schemeClr val="accent1">
-              <a:shade val="50000"/>
-            </a:schemeClr>
-          </a:lnRef>
-          <a:fillRef idx="1">
-            <a:schemeClr val="accent1"/>
-          </a:fillRef>
-          <a:effectRef idx="0">
-            <a:schemeClr val="accent1"/>
-          </a:effectRef>
-          <a:fontRef idx="minor">
-            <a:schemeClr val="lt1"/>
-          </a:fontRef>
-        </p:style>
-        <p:txBody>
-          <a:bodyPr rtlCol="0" anchor="ctr"/>
-          <a:lstStyle/>
-          <a:p>
-            <a:pPr algn="ctr"/>
-            <a:endParaRPr lang="en-US"/>
-          </a:p>
-        </p:txBody>
-      </p:sp>
       <p:sp>
         <p:nvSpPr>
           <p:cNvPr id="4" name="Title 3">
@@ -8239,53 +7278,6 @@
           </a:p>
         </p:txBody>
       </p:sp>
-      <p:pic>
-        <p:nvPicPr>
-          <p:cNvPr id="17" name="Picture 4">
-            <a:extLst>
-              <a:ext uri="{FF2B5EF4-FFF2-40B4-BE49-F238E27FC236}">
-                <a16:creationId xmlns:a16="http://schemas.microsoft.com/office/drawing/2014/main" id="{7267D607-84D6-49CF-B2F6-489E1E7E6B96}"/>
-              </a:ext>
-            </a:extLst>
-          </p:cNvPr>
-          <p:cNvPicPr>
-            <a:picLocks noChangeAspect="1" noChangeArrowheads="1"/>
-          </p:cNvPicPr>
-          <p:nvPr userDrawn="1"/>
-        </p:nvPicPr>
-        <p:blipFill>
-          <a:blip r:embed="rId4">
-            <a:extLst>
-              <a:ext uri="{28A0092B-C50C-407E-A947-70E740481C1C}">
-                <a14:useLocalDpi xmlns:a14="http://schemas.microsoft.com/office/drawing/2010/main" val="0"/>
-              </a:ext>
-            </a:extLst>
-          </a:blip>
-          <a:srcRect/>
-          <a:stretch>
-            <a:fillRect/>
-          </a:stretch>
-        </p:blipFill>
-        <p:spPr bwMode="auto">
-          <a:xfrm>
-            <a:off x="10738688" y="-263054"/>
-            <a:ext cx="1287700" cy="1287700"/>
-          </a:xfrm>
-          <a:prstGeom prst="rect">
-            <a:avLst/>
-          </a:prstGeom>
-          <a:noFill/>
-          <a:extLst>
-            <a:ext uri="{909E8E84-426E-40DD-AFC4-6F175D3DCCD1}">
-              <a14:hiddenFill xmlns:a14="http://schemas.microsoft.com/office/drawing/2010/main">
-                <a:solidFill>
-                  <a:srgbClr val="FFFFFF"/>
-                </a:solidFill>
-              </a14:hiddenFill>
-            </a:ext>
-          </a:extLst>
-        </p:spPr>
-      </p:pic>
     </p:spTree>
     <p:extLst>
       <p:ext uri="{BB962C8B-B14F-4D97-AF65-F5344CB8AC3E}">
@@ -8387,11 +7379,9 @@
   <p:sldLayoutIdLst>
     <p:sldLayoutId id="2147483655" r:id="rId1"/>
     <p:sldLayoutId id="2147483666" r:id="rId2"/>
-    <p:sldLayoutId id="2147483667" r:id="rId3"/>
-    <p:sldLayoutId id="2147483668" r:id="rId4"/>
-    <p:sldLayoutId id="2147483669" r:id="rId5"/>
-    <p:sldLayoutId id="2147483663" r:id="rId6"/>
-    <p:sldLayoutId id="2147483664" r:id="rId7"/>
+    <p:sldLayoutId id="2147483669" r:id="rId3"/>
+    <p:sldLayoutId id="2147483663" r:id="rId4"/>
+    <p:sldLayoutId id="2147483664" r:id="rId5"/>
   </p:sldLayoutIdLst>
   <p:txStyles>
     <p:titleStyle>
@@ -8709,8 +7699,8 @@
         </p:nvSpPr>
         <p:spPr>
           <a:xfrm>
-            <a:off x="411510" y="2959539"/>
-            <a:ext cx="7302451" cy="938921"/>
+            <a:off x="978295" y="2959539"/>
+            <a:ext cx="7747416" cy="1486001"/>
           </a:xfrm>
           <a:prstGeom prst="rect">
             <a:avLst/>
@@ -8746,14 +7736,14 @@
               </a:lnSpc>
             </a:pPr>
             <a:r>
-              <a:rPr lang="ru-RU" sz="3200" b="1" dirty="0">
+              <a:rPr lang="ru-RU" sz="3600" b="1" dirty="0">
                 <a:latin typeface="Segoe UI Semibold" panose="020B0702040204020203" pitchFamily="34" charset="0"/>
                 <a:ea typeface="Source Sans Pro" panose="020B0503030403020204" pitchFamily="34" charset="0"/>
                 <a:cs typeface="Segoe UI Semibold" panose="020B0702040204020203" pitchFamily="34" charset="0"/>
               </a:rPr>
               <a:t>Реактивная сборка</a:t>
             </a:r>
-            <a:endParaRPr lang="en-US" sz="3200" b="1" dirty="0">
+            <a:endParaRPr lang="en-US" sz="3600" b="1" dirty="0">
               <a:latin typeface="Segoe UI Semibold" panose="020B0702040204020203" pitchFamily="34" charset="0"/>
               <a:ea typeface="Source Sans Pro" panose="020B0503030403020204" pitchFamily="34" charset="0"/>
               <a:cs typeface="Segoe UI Semibold" panose="020B0702040204020203" pitchFamily="34" charset="0"/>
@@ -8766,14 +7756,14 @@
               </a:lnSpc>
             </a:pPr>
             <a:r>
-              <a:rPr lang="ru-RU" sz="2000" b="1" dirty="0">
+              <a:rPr lang="ru-RU" sz="2400" b="1" dirty="0">
                 <a:latin typeface="Segoe UI Semibold" panose="020B0702040204020203" pitchFamily="34" charset="0"/>
                 <a:ea typeface="Source Sans Pro" panose="020B0503030403020204" pitchFamily="34" charset="0"/>
                 <a:cs typeface="Segoe UI Semibold" panose="020B0702040204020203" pitchFamily="34" charset="0"/>
               </a:rPr>
               <a:t>Огромного проекта</a:t>
             </a:r>
-            <a:endParaRPr lang="en-US" sz="2000" b="1" dirty="0">
+            <a:endParaRPr lang="en-US" sz="2400" b="1" dirty="0">
               <a:latin typeface="Segoe UI Semibold" panose="020B0702040204020203" pitchFamily="34" charset="0"/>
               <a:ea typeface="Source Sans Pro" panose="020B0503030403020204" pitchFamily="34" charset="0"/>
               <a:cs typeface="Segoe UI Semibold" panose="020B0702040204020203" pitchFamily="34" charset="0"/>
@@ -8781,292 +7771,6 @@
           </a:p>
         </p:txBody>
       </p:sp>
-      <p:sp>
-        <p:nvSpPr>
-          <p:cNvPr id="28" name="Text Placeholder 2">
-            <a:extLst>
-              <a:ext uri="{FF2B5EF4-FFF2-40B4-BE49-F238E27FC236}">
-                <a16:creationId xmlns:a16="http://schemas.microsoft.com/office/drawing/2014/main" id="{72FA4B79-E69E-4DA6-B0F3-C10C71B2AB65}"/>
-              </a:ext>
-            </a:extLst>
-          </p:cNvPr>
-          <p:cNvSpPr txBox="1">
-            <a:spLocks/>
-          </p:cNvSpPr>
-          <p:nvPr/>
-        </p:nvSpPr>
-        <p:spPr>
-          <a:xfrm>
-            <a:off x="7327900" y="6230067"/>
-            <a:ext cx="3835400" cy="418576"/>
-          </a:xfrm>
-          <a:prstGeom prst="rect">
-            <a:avLst/>
-          </a:prstGeom>
-        </p:spPr>
-        <p:txBody>
-          <a:bodyPr wrap="square" lIns="0" tIns="0" rIns="0" bIns="0" anchor="ctr">
-            <a:noAutofit/>
-          </a:bodyPr>
-          <a:lstStyle>
-            <a:lvl1pPr marL="0" indent="0" algn="l" defTabSz="914377" rtl="0" eaLnBrk="1" latinLnBrk="0" hangingPunct="1">
-              <a:lnSpc>
-                <a:spcPct val="90000"/>
-              </a:lnSpc>
-              <a:spcBef>
-                <a:spcPts val="1000"/>
-              </a:spcBef>
-              <a:buFont typeface="Arial" panose="020B0604020202020204" pitchFamily="34" charset="0"/>
-              <a:buNone/>
-              <a:defRPr sz="2133" b="1" kern="1200" baseline="0">
-                <a:solidFill>
-                  <a:schemeClr val="bg1"/>
-                </a:solidFill>
-                <a:latin typeface="+mn-lt"/>
-                <a:ea typeface="+mn-ea"/>
-                <a:cs typeface="+mn-cs"/>
-              </a:defRPr>
-            </a:lvl1pPr>
-            <a:lvl2pPr marL="457189" indent="0" algn="l" defTabSz="914377" rtl="0" eaLnBrk="1" latinLnBrk="0" hangingPunct="1">
-              <a:lnSpc>
-                <a:spcPct val="90000"/>
-              </a:lnSpc>
-              <a:spcBef>
-                <a:spcPts val="500"/>
-              </a:spcBef>
-              <a:buFont typeface="Arial" panose="020B0604020202020204" pitchFamily="34" charset="0"/>
-              <a:buNone/>
-              <a:defRPr sz="2133" kern="1200">
-                <a:solidFill>
-                  <a:schemeClr val="bg1"/>
-                </a:solidFill>
-                <a:latin typeface="+mn-lt"/>
-                <a:ea typeface="+mn-ea"/>
-                <a:cs typeface="+mn-cs"/>
-              </a:defRPr>
-            </a:lvl2pPr>
-            <a:lvl3pPr marL="914377" indent="0" algn="l" defTabSz="914377" rtl="0" eaLnBrk="1" latinLnBrk="0" hangingPunct="1">
-              <a:lnSpc>
-                <a:spcPct val="90000"/>
-              </a:lnSpc>
-              <a:spcBef>
-                <a:spcPts val="500"/>
-              </a:spcBef>
-              <a:buFont typeface="Arial" panose="020B0604020202020204" pitchFamily="34" charset="0"/>
-              <a:buNone/>
-              <a:defRPr sz="2133" kern="1200">
-                <a:solidFill>
-                  <a:schemeClr val="bg1"/>
-                </a:solidFill>
-                <a:latin typeface="+mn-lt"/>
-                <a:ea typeface="+mn-ea"/>
-                <a:cs typeface="+mn-cs"/>
-              </a:defRPr>
-            </a:lvl3pPr>
-            <a:lvl4pPr marL="1371566" indent="0" algn="l" defTabSz="914377" rtl="0" eaLnBrk="1" latinLnBrk="0" hangingPunct="1">
-              <a:lnSpc>
-                <a:spcPct val="90000"/>
-              </a:lnSpc>
-              <a:spcBef>
-                <a:spcPts val="500"/>
-              </a:spcBef>
-              <a:buFont typeface="Arial" panose="020B0604020202020204" pitchFamily="34" charset="0"/>
-              <a:buNone/>
-              <a:defRPr sz="2133" kern="1200">
-                <a:solidFill>
-                  <a:schemeClr val="bg1"/>
-                </a:solidFill>
-                <a:latin typeface="+mn-lt"/>
-                <a:ea typeface="+mn-ea"/>
-                <a:cs typeface="+mn-cs"/>
-              </a:defRPr>
-            </a:lvl4pPr>
-            <a:lvl5pPr marL="1828754" indent="0" algn="l" defTabSz="914377" rtl="0" eaLnBrk="1" latinLnBrk="0" hangingPunct="1">
-              <a:lnSpc>
-                <a:spcPct val="90000"/>
-              </a:lnSpc>
-              <a:spcBef>
-                <a:spcPts val="500"/>
-              </a:spcBef>
-              <a:buFont typeface="Arial" panose="020B0604020202020204" pitchFamily="34" charset="0"/>
-              <a:buNone/>
-              <a:defRPr sz="2133" kern="1200">
-                <a:solidFill>
-                  <a:schemeClr val="bg1"/>
-                </a:solidFill>
-                <a:latin typeface="+mn-lt"/>
-                <a:ea typeface="+mn-ea"/>
-                <a:cs typeface="+mn-cs"/>
-              </a:defRPr>
-            </a:lvl5pPr>
-            <a:lvl6pPr marL="2514537" indent="-228594" algn="l" defTabSz="914377" rtl="0" eaLnBrk="1" latinLnBrk="0" hangingPunct="1">
-              <a:lnSpc>
-                <a:spcPct val="90000"/>
-              </a:lnSpc>
-              <a:spcBef>
-                <a:spcPts val="500"/>
-              </a:spcBef>
-              <a:buFont typeface="Arial" panose="020B0604020202020204" pitchFamily="34" charset="0"/>
-              <a:buChar char="•"/>
-              <a:defRPr sz="1800" kern="1200">
-                <a:solidFill>
-                  <a:schemeClr val="tx1"/>
-                </a:solidFill>
-                <a:latin typeface="+mn-lt"/>
-                <a:ea typeface="+mn-ea"/>
-                <a:cs typeface="+mn-cs"/>
-              </a:defRPr>
-            </a:lvl6pPr>
-            <a:lvl7pPr marL="2971726" indent="-228594" algn="l" defTabSz="914377" rtl="0" eaLnBrk="1" latinLnBrk="0" hangingPunct="1">
-              <a:lnSpc>
-                <a:spcPct val="90000"/>
-              </a:lnSpc>
-              <a:spcBef>
-                <a:spcPts val="500"/>
-              </a:spcBef>
-              <a:buFont typeface="Arial" panose="020B0604020202020204" pitchFamily="34" charset="0"/>
-              <a:buChar char="•"/>
-              <a:defRPr sz="1800" kern="1200">
-                <a:solidFill>
-                  <a:schemeClr val="tx1"/>
-                </a:solidFill>
-                <a:latin typeface="+mn-lt"/>
-                <a:ea typeface="+mn-ea"/>
-                <a:cs typeface="+mn-cs"/>
-              </a:defRPr>
-            </a:lvl7pPr>
-            <a:lvl8pPr marL="3428914" indent="-228594" algn="l" defTabSz="914377" rtl="0" eaLnBrk="1" latinLnBrk="0" hangingPunct="1">
-              <a:lnSpc>
-                <a:spcPct val="90000"/>
-              </a:lnSpc>
-              <a:spcBef>
-                <a:spcPts val="500"/>
-              </a:spcBef>
-              <a:buFont typeface="Arial" panose="020B0604020202020204" pitchFamily="34" charset="0"/>
-              <a:buChar char="•"/>
-              <a:defRPr sz="1800" kern="1200">
-                <a:solidFill>
-                  <a:schemeClr val="tx1"/>
-                </a:solidFill>
-                <a:latin typeface="+mn-lt"/>
-                <a:ea typeface="+mn-ea"/>
-                <a:cs typeface="+mn-cs"/>
-              </a:defRPr>
-            </a:lvl8pPr>
-            <a:lvl9pPr marL="3886103" indent="-228594" algn="l" defTabSz="914377" rtl="0" eaLnBrk="1" latinLnBrk="0" hangingPunct="1">
-              <a:lnSpc>
-                <a:spcPct val="90000"/>
-              </a:lnSpc>
-              <a:spcBef>
-                <a:spcPts val="500"/>
-              </a:spcBef>
-              <a:buFont typeface="Arial" panose="020B0604020202020204" pitchFamily="34" charset="0"/>
-              <a:buChar char="•"/>
-              <a:defRPr sz="1800" kern="1200">
-                <a:solidFill>
-                  <a:schemeClr val="tx1"/>
-                </a:solidFill>
-                <a:latin typeface="+mn-lt"/>
-                <a:ea typeface="+mn-ea"/>
-                <a:cs typeface="+mn-cs"/>
-              </a:defRPr>
-            </a:lvl9pPr>
-          </a:lstStyle>
-          <a:p>
-            <a:pPr algn="r"/>
-            <a:r>
-              <a:rPr lang="ru-RU" sz="1800" dirty="0">
-                <a:latin typeface="Segoe UI Light" panose="020B0502040204020203" pitchFamily="34" charset="0"/>
-                <a:ea typeface="Source Sans Pro" panose="020B0503030403020204" pitchFamily="34" charset="0"/>
-                <a:cs typeface="Segoe UI Light" panose="020B0502040204020203" pitchFamily="34" charset="0"/>
-              </a:rPr>
-              <a:t>Сидристый Станислав</a:t>
-            </a:r>
-            <a:endParaRPr lang="en-US" sz="1800" dirty="0">
-              <a:latin typeface="Cascadia Code" panose="020B0509020204030204" pitchFamily="49" charset="0"/>
-              <a:ea typeface="Source Sans Pro" panose="020B0503030403020204" pitchFamily="34" charset="0"/>
-              <a:cs typeface="Segoe UI Light" panose="020B0502040204020203" pitchFamily="34" charset="0"/>
-            </a:endParaRPr>
-          </a:p>
-        </p:txBody>
-      </p:sp>
-      <p:pic>
-        <p:nvPicPr>
-          <p:cNvPr id="29" name="Picture 2" descr="user avatar">
-            <a:extLst>
-              <a:ext uri="{FF2B5EF4-FFF2-40B4-BE49-F238E27FC236}">
-                <a16:creationId xmlns:a16="http://schemas.microsoft.com/office/drawing/2014/main" id="{EFBCF2D5-B01E-4497-9A23-39E0DDC91494}"/>
-              </a:ext>
-            </a:extLst>
-          </p:cNvPr>
-          <p:cNvPicPr>
-            <a:picLocks noChangeAspect="1" noChangeArrowheads="1"/>
-          </p:cNvPicPr>
-          <p:nvPr/>
-        </p:nvPicPr>
-        <p:blipFill>
-          <a:blip r:embed="rId2">
-            <a:extLst>
-              <a:ext uri="{28A0092B-C50C-407E-A947-70E740481C1C}">
-                <a14:useLocalDpi xmlns:a14="http://schemas.microsoft.com/office/drawing/2010/main" val="0"/>
-              </a:ext>
-            </a:extLst>
-          </a:blip>
-          <a:srcRect/>
-          <a:stretch>
-            <a:fillRect/>
-          </a:stretch>
-        </p:blipFill>
-        <p:spPr bwMode="auto">
-          <a:xfrm>
-            <a:off x="11332953" y="6255376"/>
-            <a:ext cx="327927" cy="327927"/>
-          </a:xfrm>
-          <a:prstGeom prst="rect">
-            <a:avLst/>
-          </a:prstGeom>
-          <a:noFill/>
-          <a:extLst>
-            <a:ext uri="{909E8E84-426E-40DD-AFC4-6F175D3DCCD1}">
-              <a14:hiddenFill xmlns:a14="http://schemas.microsoft.com/office/drawing/2010/main">
-                <a:solidFill>
-                  <a:srgbClr val="FFFFFF"/>
-                </a:solidFill>
-              </a14:hiddenFill>
-            </a:ext>
-          </a:extLst>
-        </p:spPr>
-      </p:pic>
-      <p:pic>
-        <p:nvPicPr>
-          <p:cNvPr id="5" name="Picture 4">
-            <a:extLst>
-              <a:ext uri="{FF2B5EF4-FFF2-40B4-BE49-F238E27FC236}">
-                <a16:creationId xmlns:a16="http://schemas.microsoft.com/office/drawing/2014/main" id="{8680F6E0-7FB6-489C-84F7-FF222CDA80DB}"/>
-              </a:ext>
-            </a:extLst>
-          </p:cNvPr>
-          <p:cNvPicPr>
-            <a:picLocks noChangeAspect="1"/>
-          </p:cNvPicPr>
-          <p:nvPr/>
-        </p:nvPicPr>
-        <p:blipFill>
-          <a:blip r:embed="rId3"/>
-          <a:stretch>
-            <a:fillRect/>
-          </a:stretch>
-        </p:blipFill>
-        <p:spPr>
-          <a:xfrm rot="2700000">
-            <a:off x="8554898" y="1961249"/>
-            <a:ext cx="1078894" cy="3050667"/>
-          </a:xfrm>
-          <a:prstGeom prst="rect">
-            <a:avLst/>
-          </a:prstGeom>
-        </p:spPr>
-      </p:pic>
     </p:spTree>
     <p:extLst>
       <p:ext uri="{BB962C8B-B14F-4D97-AF65-F5344CB8AC3E}">
@@ -9099,39 +7803,6 @@
       </p:grpSpPr>
       <p:sp>
         <p:nvSpPr>
-          <p:cNvPr id="6" name="Заголовок 5">
-            <a:extLst>
-              <a:ext uri="{FF2B5EF4-FFF2-40B4-BE49-F238E27FC236}">
-                <a16:creationId xmlns:a16="http://schemas.microsoft.com/office/drawing/2014/main" id="{0C872727-B732-419A-AFF6-BB25CC49D04F}"/>
-              </a:ext>
-            </a:extLst>
-          </p:cNvPr>
-          <p:cNvSpPr>
-            <a:spLocks noGrp="1"/>
-          </p:cNvSpPr>
-          <p:nvPr>
-            <p:ph type="title"/>
-          </p:nvPr>
-        </p:nvSpPr>
-        <p:spPr>
-          <a:xfrm rot="16200000">
-            <a:off x="-2081083" y="2294181"/>
-            <a:ext cx="4861821" cy="699656"/>
-          </a:xfrm>
-        </p:spPr>
-        <p:txBody>
-          <a:bodyPr/>
-          <a:lstStyle/>
-          <a:p>
-            <a:r>
-              <a:rPr lang="ru-RU" dirty="0"/>
-              <a:t>Первое поворотное  событие</a:t>
-            </a:r>
-          </a:p>
-        </p:txBody>
-      </p:sp>
-      <p:sp>
-        <p:nvSpPr>
           <p:cNvPr id="4" name="TextBox 3">
             <a:extLst>
               <a:ext uri="{FF2B5EF4-FFF2-40B4-BE49-F238E27FC236}">
@@ -9238,6 +7909,183 @@
   <p:clrMapOvr>
     <a:masterClrMapping/>
   </p:clrMapOvr>
+  <p:timing>
+    <p:tnLst>
+      <p:par>
+        <p:cTn id="1" dur="indefinite" restart="never" nodeType="tmRoot">
+          <p:childTnLst>
+            <p:seq concurrent="1" nextAc="seek">
+              <p:cTn id="2" dur="indefinite" nodeType="mainSeq">
+                <p:childTnLst>
+                  <p:par>
+                    <p:cTn id="3" fill="hold">
+                      <p:stCondLst>
+                        <p:cond delay="indefinite"/>
+                      </p:stCondLst>
+                      <p:childTnLst>
+                        <p:par>
+                          <p:cTn id="4" fill="hold">
+                            <p:stCondLst>
+                              <p:cond delay="0"/>
+                            </p:stCondLst>
+                            <p:childTnLst>
+                              <p:par>
+                                <p:cTn id="5" presetID="1" presetClass="entr" presetSubtype="0" fill="hold" nodeType="clickEffect">
+                                  <p:stCondLst>
+                                    <p:cond delay="0"/>
+                                  </p:stCondLst>
+                                  <p:childTnLst>
+                                    <p:set>
+                                      <p:cBhvr>
+                                        <p:cTn id="6" dur="1" fill="hold">
+                                          <p:stCondLst>
+                                            <p:cond delay="0"/>
+                                          </p:stCondLst>
+                                        </p:cTn>
+                                        <p:tgtEl>
+                                          <p:spTgt spid="4">
+                                            <p:txEl>
+                                              <p:pRg st="1" end="1"/>
+                                            </p:txEl>
+                                          </p:spTgt>
+                                        </p:tgtEl>
+                                        <p:attrNameLst>
+                                          <p:attrName>style.visibility</p:attrName>
+                                        </p:attrNameLst>
+                                      </p:cBhvr>
+                                      <p:to>
+                                        <p:strVal val="visible"/>
+                                      </p:to>
+                                    </p:set>
+                                  </p:childTnLst>
+                                </p:cTn>
+                              </p:par>
+                            </p:childTnLst>
+                          </p:cTn>
+                        </p:par>
+                      </p:childTnLst>
+                    </p:cTn>
+                  </p:par>
+                  <p:par>
+                    <p:cTn id="7" fill="hold">
+                      <p:stCondLst>
+                        <p:cond delay="indefinite"/>
+                      </p:stCondLst>
+                      <p:childTnLst>
+                        <p:par>
+                          <p:cTn id="8" fill="hold">
+                            <p:stCondLst>
+                              <p:cond delay="0"/>
+                            </p:stCondLst>
+                            <p:childTnLst>
+                              <p:par>
+                                <p:cTn id="9" presetID="1" presetClass="entr" presetSubtype="0" fill="hold" nodeType="clickEffect">
+                                  <p:stCondLst>
+                                    <p:cond delay="0"/>
+                                  </p:stCondLst>
+                                  <p:childTnLst>
+                                    <p:set>
+                                      <p:cBhvr>
+                                        <p:cTn id="10" dur="1" fill="hold">
+                                          <p:stCondLst>
+                                            <p:cond delay="0"/>
+                                          </p:stCondLst>
+                                        </p:cTn>
+                                        <p:tgtEl>
+                                          <p:spTgt spid="4">
+                                            <p:txEl>
+                                              <p:pRg st="2" end="2"/>
+                                            </p:txEl>
+                                          </p:spTgt>
+                                        </p:tgtEl>
+                                        <p:attrNameLst>
+                                          <p:attrName>style.visibility</p:attrName>
+                                        </p:attrNameLst>
+                                      </p:cBhvr>
+                                      <p:to>
+                                        <p:strVal val="visible"/>
+                                      </p:to>
+                                    </p:set>
+                                  </p:childTnLst>
+                                </p:cTn>
+                              </p:par>
+                            </p:childTnLst>
+                          </p:cTn>
+                        </p:par>
+                      </p:childTnLst>
+                    </p:cTn>
+                  </p:par>
+                  <p:par>
+                    <p:cTn id="11" fill="hold">
+                      <p:stCondLst>
+                        <p:cond delay="indefinite"/>
+                      </p:stCondLst>
+                      <p:childTnLst>
+                        <p:par>
+                          <p:cTn id="12" fill="hold">
+                            <p:stCondLst>
+                              <p:cond delay="0"/>
+                            </p:stCondLst>
+                            <p:childTnLst>
+                              <p:par>
+                                <p:cTn id="13" presetID="1" presetClass="entr" presetSubtype="0" fill="hold" nodeType="clickEffect">
+                                  <p:stCondLst>
+                                    <p:cond delay="0"/>
+                                  </p:stCondLst>
+                                  <p:childTnLst>
+                                    <p:set>
+                                      <p:cBhvr>
+                                        <p:cTn id="14" dur="1" fill="hold">
+                                          <p:stCondLst>
+                                            <p:cond delay="0"/>
+                                          </p:stCondLst>
+                                        </p:cTn>
+                                        <p:tgtEl>
+                                          <p:spTgt spid="4">
+                                            <p:txEl>
+                                              <p:pRg st="3" end="3"/>
+                                            </p:txEl>
+                                          </p:spTgt>
+                                        </p:tgtEl>
+                                        <p:attrNameLst>
+                                          <p:attrName>style.visibility</p:attrName>
+                                        </p:attrNameLst>
+                                      </p:cBhvr>
+                                      <p:to>
+                                        <p:strVal val="visible"/>
+                                      </p:to>
+                                    </p:set>
+                                  </p:childTnLst>
+                                </p:cTn>
+                              </p:par>
+                            </p:childTnLst>
+                          </p:cTn>
+                        </p:par>
+                      </p:childTnLst>
+                    </p:cTn>
+                  </p:par>
+                </p:childTnLst>
+              </p:cTn>
+              <p:prevCondLst>
+                <p:cond evt="onPrev" delay="0">
+                  <p:tgtEl>
+                    <p:sldTgt/>
+                  </p:tgtEl>
+                </p:cond>
+              </p:prevCondLst>
+              <p:nextCondLst>
+                <p:cond evt="onNext" delay="0">
+                  <p:tgtEl>
+                    <p:sldTgt/>
+                  </p:tgtEl>
+                </p:cond>
+              </p:nextCondLst>
+            </p:seq>
+          </p:childTnLst>
+        </p:cTn>
+      </p:par>
+    </p:tnLst>
+  </p:timing>
 </p:sld>
 </file>
 
@@ -9258,34 +8106,6 @@
           <a:chExt cx="0" cy="0"/>
         </a:xfrm>
       </p:grpSpPr>
-      <p:sp>
-        <p:nvSpPr>
-          <p:cNvPr id="6" name="Заголовок 5">
-            <a:extLst>
-              <a:ext uri="{FF2B5EF4-FFF2-40B4-BE49-F238E27FC236}">
-                <a16:creationId xmlns:a16="http://schemas.microsoft.com/office/drawing/2014/main" id="{2D94FF17-9242-4A1C-AB8C-8A20D80735EC}"/>
-              </a:ext>
-            </a:extLst>
-          </p:cNvPr>
-          <p:cNvSpPr>
-            <a:spLocks noGrp="1"/>
-          </p:cNvSpPr>
-          <p:nvPr>
-            <p:ph type="title"/>
-          </p:nvPr>
-        </p:nvSpPr>
-        <p:spPr/>
-        <p:txBody>
-          <a:bodyPr/>
-          <a:lstStyle/>
-          <a:p>
-            <a:r>
-              <a:rPr lang="ru-RU" dirty="0"/>
-              <a:t>Борьба</a:t>
-            </a:r>
-          </a:p>
-        </p:txBody>
-      </p:sp>
       <p:sp>
         <p:nvSpPr>
           <p:cNvPr id="10" name="TextBox 9">
@@ -9400,34 +8220,6 @@
       </p:grpSpPr>
       <p:sp>
         <p:nvSpPr>
-          <p:cNvPr id="6" name="Заголовок 5">
-            <a:extLst>
-              <a:ext uri="{FF2B5EF4-FFF2-40B4-BE49-F238E27FC236}">
-                <a16:creationId xmlns:a16="http://schemas.microsoft.com/office/drawing/2014/main" id="{2D94FF17-9242-4A1C-AB8C-8A20D80735EC}"/>
-              </a:ext>
-            </a:extLst>
-          </p:cNvPr>
-          <p:cNvSpPr>
-            <a:spLocks noGrp="1"/>
-          </p:cNvSpPr>
-          <p:nvPr>
-            <p:ph type="title"/>
-          </p:nvPr>
-        </p:nvSpPr>
-        <p:spPr/>
-        <p:txBody>
-          <a:bodyPr/>
-          <a:lstStyle/>
-          <a:p>
-            <a:r>
-              <a:rPr lang="ru-RU" dirty="0"/>
-              <a:t>Борьба</a:t>
-            </a:r>
-          </a:p>
-        </p:txBody>
-      </p:sp>
-      <p:sp>
-        <p:nvSpPr>
           <p:cNvPr id="10" name="TextBox 9">
             <a:extLst>
               <a:ext uri="{FF2B5EF4-FFF2-40B4-BE49-F238E27FC236}">
@@ -9441,7 +8233,7 @@
         <p:spPr>
           <a:xfrm>
             <a:off x="1684020" y="2885105"/>
-            <a:ext cx="9585960" cy="2355197"/>
+            <a:ext cx="9585960" cy="1893532"/>
           </a:xfrm>
           <a:prstGeom prst="rect">
             <a:avLst/>
@@ -9468,37 +8260,6 @@
                 <a:ea typeface="JetBrains Mono Medium" panose="02000009000000000000" pitchFamily="49" charset="0"/>
                 <a:cs typeface="JetBrains Mono Medium" panose="02000009000000000000" pitchFamily="49" charset="0"/>
               </a:rPr>
-              <a:t>git</a:t>
-            </a:r>
-            <a:r>
-              <a:rPr lang="en-US" sz="2000" dirty="0">
-                <a:latin typeface="JetBrains Mono Medium" panose="02000009000000000000" pitchFamily="49" charset="0"/>
-                <a:ea typeface="JetBrains Mono Medium" panose="02000009000000000000" pitchFamily="49" charset="0"/>
-                <a:cs typeface="JetBrains Mono Medium" panose="02000009000000000000" pitchFamily="49" charset="0"/>
-              </a:rPr>
-              <a:t> checkout</a:t>
-            </a:r>
-            <a:endParaRPr lang="ru-RU" sz="2000" dirty="0">
-              <a:latin typeface="JetBrains Mono Medium" panose="02000009000000000000" pitchFamily="49" charset="0"/>
-              <a:ea typeface="JetBrains Mono Medium" panose="02000009000000000000" pitchFamily="49" charset="0"/>
-              <a:cs typeface="JetBrains Mono Medium" panose="02000009000000000000" pitchFamily="49" charset="0"/>
-            </a:endParaRPr>
-          </a:p>
-          <a:p>
-            <a:pPr>
-              <a:lnSpc>
-                <a:spcPct val="150000"/>
-              </a:lnSpc>
-            </a:pPr>
-            <a:r>
-              <a:rPr lang="en-US" sz="2000" dirty="0">
-                <a:solidFill>
-                  <a:schemeClr val="accent1"/>
-                </a:solidFill>
-                <a:latin typeface="JetBrains Mono Medium" panose="02000009000000000000" pitchFamily="49" charset="0"/>
-                <a:ea typeface="JetBrains Mono Medium" panose="02000009000000000000" pitchFamily="49" charset="0"/>
-                <a:cs typeface="JetBrains Mono Medium" panose="02000009000000000000" pitchFamily="49" charset="0"/>
-              </a:rPr>
               <a:t>find</a:t>
             </a:r>
             <a:r>
@@ -9604,7 +8365,26 @@
                 <a:ea typeface="JetBrains Mono Medium" panose="02000009000000000000" pitchFamily="49" charset="0"/>
                 <a:cs typeface="JetBrains Mono Medium" panose="02000009000000000000" pitchFamily="49" charset="0"/>
               </a:rPr>
-              <a:t> diff --name-only PREV-SHA HEAD | </a:t>
+              <a:t> diff --name-only </a:t>
+            </a:r>
+            <a:r>
+              <a:rPr lang="en-US" sz="2000" b="1" dirty="0">
+                <a:solidFill>
+                  <a:srgbClr val="FF0000"/>
+                </a:solidFill>
+                <a:latin typeface="JetBrains Mono Medium" panose="02000009000000000000" pitchFamily="49" charset="0"/>
+                <a:ea typeface="JetBrains Mono Medium" panose="02000009000000000000" pitchFamily="49" charset="0"/>
+                <a:cs typeface="JetBrains Mono Medium" panose="02000009000000000000" pitchFamily="49" charset="0"/>
+              </a:rPr>
+              <a:t>PREV-SHA HEAD </a:t>
+            </a:r>
+            <a:r>
+              <a:rPr lang="en-US" sz="2000" dirty="0">
+                <a:latin typeface="JetBrains Mono Medium" panose="02000009000000000000" pitchFamily="49" charset="0"/>
+                <a:ea typeface="JetBrains Mono Medium" panose="02000009000000000000" pitchFamily="49" charset="0"/>
+                <a:cs typeface="JetBrains Mono Medium" panose="02000009000000000000" pitchFamily="49" charset="0"/>
+              </a:rPr>
+              <a:t>| </a:t>
             </a:r>
             <a:r>
               <a:rPr lang="en-US" sz="2000" dirty="0" err="1">
@@ -9641,13 +8421,13 @@
               </a:rPr>
               <a:t> -m –d</a:t>
             </a:r>
-            <a:br>
-              <a:rPr lang="en-US" sz="2000" dirty="0">
-                <a:latin typeface="JetBrains Mono Medium" panose="02000009000000000000" pitchFamily="49" charset="0"/>
-                <a:ea typeface="JetBrains Mono Medium" panose="02000009000000000000" pitchFamily="49" charset="0"/>
-                <a:cs typeface="JetBrains Mono Medium" panose="02000009000000000000" pitchFamily="49" charset="0"/>
-              </a:rPr>
-            </a:br>
+          </a:p>
+          <a:p>
+            <a:pPr>
+              <a:lnSpc>
+                <a:spcPct val="150000"/>
+              </a:lnSpc>
+            </a:pPr>
             <a:r>
               <a:rPr lang="en-US" sz="2000" dirty="0">
                 <a:solidFill>
@@ -9724,6 +8504,183 @@
   <p:clrMapOvr>
     <a:masterClrMapping/>
   </p:clrMapOvr>
+  <p:timing>
+    <p:tnLst>
+      <p:par>
+        <p:cTn id="1" dur="indefinite" restart="never" nodeType="tmRoot">
+          <p:childTnLst>
+            <p:seq concurrent="1" nextAc="seek">
+              <p:cTn id="2" dur="indefinite" nodeType="mainSeq">
+                <p:childTnLst>
+                  <p:par>
+                    <p:cTn id="3" fill="hold">
+                      <p:stCondLst>
+                        <p:cond delay="indefinite"/>
+                      </p:stCondLst>
+                      <p:childTnLst>
+                        <p:par>
+                          <p:cTn id="4" fill="hold">
+                            <p:stCondLst>
+                              <p:cond delay="0"/>
+                            </p:stCondLst>
+                            <p:childTnLst>
+                              <p:par>
+                                <p:cTn id="5" presetID="1" presetClass="entr" presetSubtype="0" fill="hold" nodeType="clickEffect">
+                                  <p:stCondLst>
+                                    <p:cond delay="0"/>
+                                  </p:stCondLst>
+                                  <p:childTnLst>
+                                    <p:set>
+                                      <p:cBhvr>
+                                        <p:cTn id="6" dur="1" fill="hold">
+                                          <p:stCondLst>
+                                            <p:cond delay="0"/>
+                                          </p:stCondLst>
+                                        </p:cTn>
+                                        <p:tgtEl>
+                                          <p:spTgt spid="10">
+                                            <p:txEl>
+                                              <p:pRg st="1" end="1"/>
+                                            </p:txEl>
+                                          </p:spTgt>
+                                        </p:tgtEl>
+                                        <p:attrNameLst>
+                                          <p:attrName>style.visibility</p:attrName>
+                                        </p:attrNameLst>
+                                      </p:cBhvr>
+                                      <p:to>
+                                        <p:strVal val="visible"/>
+                                      </p:to>
+                                    </p:set>
+                                  </p:childTnLst>
+                                </p:cTn>
+                              </p:par>
+                            </p:childTnLst>
+                          </p:cTn>
+                        </p:par>
+                      </p:childTnLst>
+                    </p:cTn>
+                  </p:par>
+                  <p:par>
+                    <p:cTn id="7" fill="hold">
+                      <p:stCondLst>
+                        <p:cond delay="indefinite"/>
+                      </p:stCondLst>
+                      <p:childTnLst>
+                        <p:par>
+                          <p:cTn id="8" fill="hold">
+                            <p:stCondLst>
+                              <p:cond delay="0"/>
+                            </p:stCondLst>
+                            <p:childTnLst>
+                              <p:par>
+                                <p:cTn id="9" presetID="1" presetClass="entr" presetSubtype="0" fill="hold" nodeType="clickEffect">
+                                  <p:stCondLst>
+                                    <p:cond delay="0"/>
+                                  </p:stCondLst>
+                                  <p:childTnLst>
+                                    <p:set>
+                                      <p:cBhvr>
+                                        <p:cTn id="10" dur="1" fill="hold">
+                                          <p:stCondLst>
+                                            <p:cond delay="0"/>
+                                          </p:stCondLst>
+                                        </p:cTn>
+                                        <p:tgtEl>
+                                          <p:spTgt spid="10">
+                                            <p:txEl>
+                                              <p:pRg st="2" end="2"/>
+                                            </p:txEl>
+                                          </p:spTgt>
+                                        </p:tgtEl>
+                                        <p:attrNameLst>
+                                          <p:attrName>style.visibility</p:attrName>
+                                        </p:attrNameLst>
+                                      </p:cBhvr>
+                                      <p:to>
+                                        <p:strVal val="visible"/>
+                                      </p:to>
+                                    </p:set>
+                                  </p:childTnLst>
+                                </p:cTn>
+                              </p:par>
+                            </p:childTnLst>
+                          </p:cTn>
+                        </p:par>
+                      </p:childTnLst>
+                    </p:cTn>
+                  </p:par>
+                  <p:par>
+                    <p:cTn id="11" fill="hold">
+                      <p:stCondLst>
+                        <p:cond delay="indefinite"/>
+                      </p:stCondLst>
+                      <p:childTnLst>
+                        <p:par>
+                          <p:cTn id="12" fill="hold">
+                            <p:stCondLst>
+                              <p:cond delay="0"/>
+                            </p:stCondLst>
+                            <p:childTnLst>
+                              <p:par>
+                                <p:cTn id="13" presetID="1" presetClass="entr" presetSubtype="0" fill="hold" nodeType="clickEffect">
+                                  <p:stCondLst>
+                                    <p:cond delay="0"/>
+                                  </p:stCondLst>
+                                  <p:childTnLst>
+                                    <p:set>
+                                      <p:cBhvr>
+                                        <p:cTn id="14" dur="1" fill="hold">
+                                          <p:stCondLst>
+                                            <p:cond delay="0"/>
+                                          </p:stCondLst>
+                                        </p:cTn>
+                                        <p:tgtEl>
+                                          <p:spTgt spid="10">
+                                            <p:txEl>
+                                              <p:pRg st="3" end="3"/>
+                                            </p:txEl>
+                                          </p:spTgt>
+                                        </p:tgtEl>
+                                        <p:attrNameLst>
+                                          <p:attrName>style.visibility</p:attrName>
+                                        </p:attrNameLst>
+                                      </p:cBhvr>
+                                      <p:to>
+                                        <p:strVal val="visible"/>
+                                      </p:to>
+                                    </p:set>
+                                  </p:childTnLst>
+                                </p:cTn>
+                              </p:par>
+                            </p:childTnLst>
+                          </p:cTn>
+                        </p:par>
+                      </p:childTnLst>
+                    </p:cTn>
+                  </p:par>
+                </p:childTnLst>
+              </p:cTn>
+              <p:prevCondLst>
+                <p:cond evt="onPrev" delay="0">
+                  <p:tgtEl>
+                    <p:sldTgt/>
+                  </p:tgtEl>
+                </p:cond>
+              </p:prevCondLst>
+              <p:nextCondLst>
+                <p:cond evt="onNext" delay="0">
+                  <p:tgtEl>
+                    <p:sldTgt/>
+                  </p:tgtEl>
+                </p:cond>
+              </p:nextCondLst>
+            </p:seq>
+          </p:childTnLst>
+        </p:cTn>
+      </p:par>
+    </p:tnLst>
+  </p:timing>
 </p:sld>
 </file>
 
@@ -9744,34 +8701,6 @@
           <a:chExt cx="0" cy="0"/>
         </a:xfrm>
       </p:grpSpPr>
-      <p:sp>
-        <p:nvSpPr>
-          <p:cNvPr id="6" name="Заголовок 5">
-            <a:extLst>
-              <a:ext uri="{FF2B5EF4-FFF2-40B4-BE49-F238E27FC236}">
-                <a16:creationId xmlns:a16="http://schemas.microsoft.com/office/drawing/2014/main" id="{2D94FF17-9242-4A1C-AB8C-8A20D80735EC}"/>
-              </a:ext>
-            </a:extLst>
-          </p:cNvPr>
-          <p:cNvSpPr>
-            <a:spLocks noGrp="1"/>
-          </p:cNvSpPr>
-          <p:nvPr>
-            <p:ph type="title"/>
-          </p:nvPr>
-        </p:nvSpPr>
-        <p:spPr/>
-        <p:txBody>
-          <a:bodyPr/>
-          <a:lstStyle/>
-          <a:p>
-            <a:r>
-              <a:rPr lang="ru-RU" dirty="0"/>
-              <a:t>Борьба</a:t>
-            </a:r>
-          </a:p>
-        </p:txBody>
-      </p:sp>
       <p:sp>
         <p:nvSpPr>
           <p:cNvPr id="10" name="TextBox 9">
@@ -9906,8 +8835,8 @@
           </a:p>
         </p:txBody>
       </p:sp>
-      <mc:AlternateContent xmlns:mc="http://schemas.openxmlformats.org/markup-compatibility/2006">
-        <mc:Choice xmlns:p14="http://schemas.microsoft.com/office/powerpoint/2010/main" Requires="p14">
+      <mc:AlternateContent xmlns:mc="http://schemas.openxmlformats.org/markup-compatibility/2006" xmlns:p14="http://schemas.microsoft.com/office/powerpoint/2010/main">
+        <mc:Choice Requires="p14">
           <p:contentPart p14:bwMode="auto" r:id="rId3">
             <p14:nvContentPartPr>
               <p14:cNvPr id="8" name="Рукописный ввод 7">
@@ -9926,7 +8855,7 @@
             </p14:xfrm>
           </p:contentPart>
         </mc:Choice>
-        <mc:Fallback>
+        <mc:Fallback xmlns="">
           <p:pic>
             <p:nvPicPr>
               <p:cNvPr id="8" name="Рукописный ввод 7">
@@ -9957,8 +8886,8 @@
           </p:pic>
         </mc:Fallback>
       </mc:AlternateContent>
-      <mc:AlternateContent xmlns:mc="http://schemas.openxmlformats.org/markup-compatibility/2006">
-        <mc:Choice xmlns:p14="http://schemas.microsoft.com/office/powerpoint/2010/main" Requires="p14">
+      <mc:AlternateContent xmlns:mc="http://schemas.openxmlformats.org/markup-compatibility/2006" xmlns:p14="http://schemas.microsoft.com/office/powerpoint/2010/main">
+        <mc:Choice Requires="p14">
           <p:contentPart p14:bwMode="auto" r:id="rId5">
             <p14:nvContentPartPr>
               <p14:cNvPr id="12" name="Рукописный ввод 11">
@@ -9977,7 +8906,7 @@
             </p14:xfrm>
           </p:contentPart>
         </mc:Choice>
-        <mc:Fallback>
+        <mc:Fallback xmlns="">
           <p:pic>
             <p:nvPicPr>
               <p:cNvPr id="12" name="Рукописный ввод 11">
@@ -10018,6 +8947,161 @@
   <p:clrMapOvr>
     <a:masterClrMapping/>
   </p:clrMapOvr>
+  <p:timing>
+    <p:tnLst>
+      <p:par>
+        <p:cTn id="1" dur="indefinite" restart="never" nodeType="tmRoot">
+          <p:childTnLst>
+            <p:seq concurrent="1" nextAc="seek">
+              <p:cTn id="2" dur="indefinite" nodeType="mainSeq">
+                <p:childTnLst>
+                  <p:par>
+                    <p:cTn id="3" fill="hold">
+                      <p:stCondLst>
+                        <p:cond delay="indefinite"/>
+                      </p:stCondLst>
+                      <p:childTnLst>
+                        <p:par>
+                          <p:cTn id="4" fill="hold">
+                            <p:stCondLst>
+                              <p:cond delay="0"/>
+                            </p:stCondLst>
+                            <p:childTnLst>
+                              <p:par>
+                                <p:cTn id="5" presetID="1" presetClass="entr" presetSubtype="0" fill="hold" nodeType="clickEffect">
+                                  <p:stCondLst>
+                                    <p:cond delay="0"/>
+                                  </p:stCondLst>
+                                  <p:childTnLst>
+                                    <p:set>
+                                      <p:cBhvr>
+                                        <p:cTn id="6" dur="1" fill="hold">
+                                          <p:stCondLst>
+                                            <p:cond delay="0"/>
+                                          </p:stCondLst>
+                                        </p:cTn>
+                                        <p:tgtEl>
+                                          <p:spTgt spid="10">
+                                            <p:txEl>
+                                              <p:pRg st="1" end="1"/>
+                                            </p:txEl>
+                                          </p:spTgt>
+                                        </p:tgtEl>
+                                        <p:attrNameLst>
+                                          <p:attrName>style.visibility</p:attrName>
+                                        </p:attrNameLst>
+                                      </p:cBhvr>
+                                      <p:to>
+                                        <p:strVal val="visible"/>
+                                      </p:to>
+                                    </p:set>
+                                  </p:childTnLst>
+                                </p:cTn>
+                              </p:par>
+                              <p:par>
+                                <p:cTn id="7" presetID="1" presetClass="entr" presetSubtype="0" fill="hold" nodeType="withEffect">
+                                  <p:stCondLst>
+                                    <p:cond delay="0"/>
+                                  </p:stCondLst>
+                                  <p:childTnLst>
+                                    <p:set>
+                                      <p:cBhvr>
+                                        <p:cTn id="8" dur="1" fill="hold">
+                                          <p:stCondLst>
+                                            <p:cond delay="0"/>
+                                          </p:stCondLst>
+                                        </p:cTn>
+                                        <p:tgtEl>
+                                          <p:spTgt spid="8"/>
+                                        </p:tgtEl>
+                                        <p:attrNameLst>
+                                          <p:attrName>style.visibility</p:attrName>
+                                        </p:attrNameLst>
+                                      </p:cBhvr>
+                                      <p:to>
+                                        <p:strVal val="visible"/>
+                                      </p:to>
+                                    </p:set>
+                                  </p:childTnLst>
+                                </p:cTn>
+                              </p:par>
+                            </p:childTnLst>
+                          </p:cTn>
+                        </p:par>
+                      </p:childTnLst>
+                    </p:cTn>
+                  </p:par>
+                  <p:par>
+                    <p:cTn id="9" fill="hold">
+                      <p:stCondLst>
+                        <p:cond delay="indefinite"/>
+                      </p:stCondLst>
+                      <p:childTnLst>
+                        <p:par>
+                          <p:cTn id="10" fill="hold">
+                            <p:stCondLst>
+                              <p:cond delay="0"/>
+                            </p:stCondLst>
+                            <p:childTnLst>
+                              <p:par>
+                                <p:cTn id="11" presetID="1" presetClass="entr" presetSubtype="0" fill="hold" nodeType="clickEffect">
+                                  <p:stCondLst>
+                                    <p:cond delay="0"/>
+                                  </p:stCondLst>
+                                  <p:childTnLst>
+                                    <p:set>
+                                      <p:cBhvr>
+                                        <p:cTn id="12" dur="1" fill="hold">
+                                          <p:stCondLst>
+                                            <p:cond delay="0"/>
+                                          </p:stCondLst>
+                                        </p:cTn>
+                                        <p:tgtEl>
+                                          <p:spTgt spid="10">
+                                            <p:txEl>
+                                              <p:pRg st="2" end="2"/>
+                                            </p:txEl>
+                                          </p:spTgt>
+                                        </p:tgtEl>
+                                        <p:attrNameLst>
+                                          <p:attrName>style.visibility</p:attrName>
+                                        </p:attrNameLst>
+                                      </p:cBhvr>
+                                      <p:to>
+                                        <p:strVal val="visible"/>
+                                      </p:to>
+                                    </p:set>
+                                  </p:childTnLst>
+                                </p:cTn>
+                              </p:par>
+                            </p:childTnLst>
+                          </p:cTn>
+                        </p:par>
+                      </p:childTnLst>
+                    </p:cTn>
+                  </p:par>
+                </p:childTnLst>
+              </p:cTn>
+              <p:prevCondLst>
+                <p:cond evt="onPrev" delay="0">
+                  <p:tgtEl>
+                    <p:sldTgt/>
+                  </p:tgtEl>
+                </p:cond>
+              </p:prevCondLst>
+              <p:nextCondLst>
+                <p:cond evt="onNext" delay="0">
+                  <p:tgtEl>
+                    <p:sldTgt/>
+                  </p:tgtEl>
+                </p:cond>
+              </p:nextCondLst>
+            </p:seq>
+          </p:childTnLst>
+        </p:cTn>
+      </p:par>
+    </p:tnLst>
+  </p:timing>
 </p:sld>
 </file>
 
@@ -10038,39 +9122,6 @@
           <a:chExt cx="0" cy="0"/>
         </a:xfrm>
       </p:grpSpPr>
-      <p:sp>
-        <p:nvSpPr>
-          <p:cNvPr id="5" name="Заголовок 4">
-            <a:extLst>
-              <a:ext uri="{FF2B5EF4-FFF2-40B4-BE49-F238E27FC236}">
-                <a16:creationId xmlns:a16="http://schemas.microsoft.com/office/drawing/2014/main" id="{AF798A1D-1B16-4FD0-8CAC-8754A8D756FC}"/>
-              </a:ext>
-            </a:extLst>
-          </p:cNvPr>
-          <p:cNvSpPr>
-            <a:spLocks noGrp="1"/>
-          </p:cNvSpPr>
-          <p:nvPr>
-            <p:ph type="title"/>
-          </p:nvPr>
-        </p:nvSpPr>
-        <p:spPr>
-          <a:xfrm rot="16200000">
-            <a:off x="-1753423" y="1966521"/>
-            <a:ext cx="4206501" cy="699656"/>
-          </a:xfrm>
-        </p:spPr>
-        <p:txBody>
-          <a:bodyPr/>
-          <a:lstStyle/>
-          <a:p>
-            <a:r>
-              <a:rPr lang="ru-RU" dirty="0"/>
-              <a:t>Второе поворотное  событие</a:t>
-            </a:r>
-          </a:p>
-        </p:txBody>
-      </p:sp>
       <p:sp>
         <p:nvSpPr>
           <p:cNvPr id="4" name="TextBox 3">
@@ -10149,39 +9200,6 @@
       </p:grpSpPr>
       <p:sp>
         <p:nvSpPr>
-          <p:cNvPr id="6" name="Заголовок 5">
-            <a:extLst>
-              <a:ext uri="{FF2B5EF4-FFF2-40B4-BE49-F238E27FC236}">
-                <a16:creationId xmlns:a16="http://schemas.microsoft.com/office/drawing/2014/main" id="{0C872727-B732-419A-AFF6-BB25CC49D04F}"/>
-              </a:ext>
-            </a:extLst>
-          </p:cNvPr>
-          <p:cNvSpPr>
-            <a:spLocks noGrp="1"/>
-          </p:cNvSpPr>
-          <p:nvPr>
-            <p:ph type="title"/>
-          </p:nvPr>
-        </p:nvSpPr>
-        <p:spPr>
-          <a:xfrm rot="16200000">
-            <a:off x="-2081083" y="2294181"/>
-            <a:ext cx="4861821" cy="699656"/>
-          </a:xfrm>
-        </p:spPr>
-        <p:txBody>
-          <a:bodyPr/>
-          <a:lstStyle/>
-          <a:p>
-            <a:r>
-              <a:rPr lang="ru-RU" dirty="0"/>
-              <a:t>Второе поворотное  событие</a:t>
-            </a:r>
-          </a:p>
-        </p:txBody>
-      </p:sp>
-      <p:sp>
-        <p:nvSpPr>
           <p:cNvPr id="11" name="TextBox 10">
             <a:extLst>
               <a:ext uri="{FF2B5EF4-FFF2-40B4-BE49-F238E27FC236}">
@@ -10263,7 +9281,52 @@
                 <a:ea typeface="JetBrains Mono Medium" panose="02000009000000000000" pitchFamily="49" charset="0"/>
                 <a:cs typeface="JetBrains Mono Medium" panose="02000009000000000000" pitchFamily="49" charset="0"/>
               </a:rPr>
-              <a:t>FROM registry:5000/&lt;service&gt;:&lt;version&gt; AS </a:t>
+              <a:t>FROM registry/&lt;service&gt;:&lt;version&gt; AS </a:t>
+            </a:r>
+            <a:r>
+              <a:rPr lang="en-US" dirty="0" err="1">
+                <a:solidFill>
+                  <a:srgbClr val="FF0000"/>
+                </a:solidFill>
+                <a:latin typeface="JetBrains Mono Medium" panose="02000009000000000000" pitchFamily="49" charset="0"/>
+                <a:ea typeface="JetBrains Mono Medium" panose="02000009000000000000" pitchFamily="49" charset="0"/>
+                <a:cs typeface="JetBrains Mono Medium" panose="02000009000000000000" pitchFamily="49" charset="0"/>
+              </a:rPr>
+              <a:t>prev</a:t>
+            </a:r>
+            <a:r>
+              <a:rPr lang="en-US" dirty="0">
+                <a:solidFill>
+                  <a:srgbClr val="FF0000"/>
+                </a:solidFill>
+                <a:latin typeface="JetBrains Mono Medium" panose="02000009000000000000" pitchFamily="49" charset="0"/>
+                <a:ea typeface="JetBrains Mono Medium" panose="02000009000000000000" pitchFamily="49" charset="0"/>
+                <a:cs typeface="JetBrains Mono Medium" panose="02000009000000000000" pitchFamily="49" charset="0"/>
+              </a:rPr>
+              <a:t>-version</a:t>
+            </a:r>
+            <a:endParaRPr lang="ru-RU" dirty="0">
+              <a:solidFill>
+                <a:srgbClr val="FF0000"/>
+              </a:solidFill>
+              <a:latin typeface="JetBrains Mono Medium" panose="02000009000000000000" pitchFamily="49" charset="0"/>
+              <a:ea typeface="JetBrains Mono Medium" panose="02000009000000000000" pitchFamily="49" charset="0"/>
+              <a:cs typeface="JetBrains Mono Medium" panose="02000009000000000000" pitchFamily="49" charset="0"/>
+            </a:endParaRPr>
+          </a:p>
+          <a:p>
+            <a:pPr>
+              <a:lnSpc>
+                <a:spcPct val="150000"/>
+              </a:lnSpc>
+            </a:pPr>
+            <a:r>
+              <a:rPr lang="en-US" dirty="0">
+                <a:latin typeface="JetBrains Mono Medium" panose="02000009000000000000" pitchFamily="49" charset="0"/>
+                <a:ea typeface="JetBrains Mono Medium" panose="02000009000000000000" pitchFamily="49" charset="0"/>
+                <a:cs typeface="JetBrains Mono Medium" panose="02000009000000000000" pitchFamily="49" charset="0"/>
+              </a:rPr>
+              <a:t>FROM </a:t>
             </a:r>
             <a:r>
               <a:rPr lang="en-US" dirty="0" err="1">
@@ -10271,7 +9334,7 @@
                 <a:ea typeface="JetBrains Mono Medium" panose="02000009000000000000" pitchFamily="49" charset="0"/>
                 <a:cs typeface="JetBrains Mono Medium" panose="02000009000000000000" pitchFamily="49" charset="0"/>
               </a:rPr>
-              <a:t>prev</a:t>
+              <a:t>dotnetsdk</a:t>
             </a:r>
             <a:r>
               <a:rPr lang="en-US" dirty="0">
@@ -10279,7 +9342,7 @@
                 <a:ea typeface="JetBrains Mono Medium" panose="02000009000000000000" pitchFamily="49" charset="0"/>
                 <a:cs typeface="JetBrains Mono Medium" panose="02000009000000000000" pitchFamily="49" charset="0"/>
               </a:rPr>
-              <a:t>-version</a:t>
+              <a:t> as build</a:t>
             </a:r>
             <a:endParaRPr lang="ru-RU" dirty="0">
               <a:latin typeface="JetBrains Mono Medium" panose="02000009000000000000" pitchFamily="49" charset="0"/>
@@ -10294,42 +9357,6 @@
               </a:lnSpc>
             </a:pPr>
             <a:r>
-              <a:rPr lang="en-US" dirty="0">
-                <a:latin typeface="JetBrains Mono Medium" panose="02000009000000000000" pitchFamily="49" charset="0"/>
-                <a:ea typeface="JetBrains Mono Medium" panose="02000009000000000000" pitchFamily="49" charset="0"/>
-                <a:cs typeface="JetBrains Mono Medium" panose="02000009000000000000" pitchFamily="49" charset="0"/>
-              </a:rPr>
-              <a:t>FROM </a:t>
-            </a:r>
-            <a:r>
-              <a:rPr lang="en-US" dirty="0" err="1">
-                <a:latin typeface="JetBrains Mono Medium" panose="02000009000000000000" pitchFamily="49" charset="0"/>
-                <a:ea typeface="JetBrains Mono Medium" panose="02000009000000000000" pitchFamily="49" charset="0"/>
-                <a:cs typeface="JetBrains Mono Medium" panose="02000009000000000000" pitchFamily="49" charset="0"/>
-              </a:rPr>
-              <a:t>dotnetsdk</a:t>
-            </a:r>
-            <a:r>
-              <a:rPr lang="en-US" dirty="0">
-                <a:latin typeface="JetBrains Mono Medium" panose="02000009000000000000" pitchFamily="49" charset="0"/>
-                <a:ea typeface="JetBrains Mono Medium" panose="02000009000000000000" pitchFamily="49" charset="0"/>
-                <a:cs typeface="JetBrains Mono Medium" panose="02000009000000000000" pitchFamily="49" charset="0"/>
-              </a:rPr>
-              <a:t> as build</a:t>
-            </a:r>
-            <a:endParaRPr lang="ru-RU" dirty="0">
-              <a:latin typeface="JetBrains Mono Medium" panose="02000009000000000000" pitchFamily="49" charset="0"/>
-              <a:ea typeface="JetBrains Mono Medium" panose="02000009000000000000" pitchFamily="49" charset="0"/>
-              <a:cs typeface="JetBrains Mono Medium" panose="02000009000000000000" pitchFamily="49" charset="0"/>
-            </a:endParaRPr>
-          </a:p>
-          <a:p>
-            <a:pPr>
-              <a:lnSpc>
-                <a:spcPct val="150000"/>
-              </a:lnSpc>
-            </a:pPr>
-            <a:r>
               <a:rPr lang="ru-RU" dirty="0">
                 <a:latin typeface="JetBrains Mono Medium" panose="02000009000000000000" pitchFamily="49" charset="0"/>
                 <a:ea typeface="JetBrains Mono Medium" panose="02000009000000000000" pitchFamily="49" charset="0"/>
@@ -10370,6 +9397,9 @@
             </a:r>
             <a:r>
               <a:rPr lang="en-US" dirty="0" err="1">
+                <a:solidFill>
+                  <a:srgbClr val="FF0000"/>
+                </a:solidFill>
                 <a:latin typeface="JetBrains Mono Medium" panose="02000009000000000000" pitchFamily="49" charset="0"/>
                 <a:ea typeface="JetBrains Mono Medium" panose="02000009000000000000" pitchFamily="49" charset="0"/>
                 <a:cs typeface="JetBrains Mono Medium" panose="02000009000000000000" pitchFamily="49" charset="0"/>
@@ -10378,11 +9408,22 @@
             </a:r>
             <a:r>
               <a:rPr lang="en-US" dirty="0">
+                <a:solidFill>
+                  <a:srgbClr val="FF0000"/>
+                </a:solidFill>
                 <a:latin typeface="JetBrains Mono Medium" panose="02000009000000000000" pitchFamily="49" charset="0"/>
                 <a:ea typeface="JetBrains Mono Medium" panose="02000009000000000000" pitchFamily="49" charset="0"/>
                 <a:cs typeface="JetBrains Mono Medium" panose="02000009000000000000" pitchFamily="49" charset="0"/>
               </a:rPr>
-              <a:t>-version app &lt;sources-path&gt;/last</a:t>
+              <a:t>-version</a:t>
+            </a:r>
+            <a:r>
+              <a:rPr lang="en-US" dirty="0">
+                <a:latin typeface="JetBrains Mono Medium" panose="02000009000000000000" pitchFamily="49" charset="0"/>
+                <a:ea typeface="JetBrains Mono Medium" panose="02000009000000000000" pitchFamily="49" charset="0"/>
+                <a:cs typeface="JetBrains Mono Medium" panose="02000009000000000000" pitchFamily="49" charset="0"/>
+              </a:rPr>
+              <a:t> app &lt;sources-path&gt;/last</a:t>
             </a:r>
           </a:p>
           <a:p>
@@ -10493,6 +9534,281 @@
   <p:clrMapOvr>
     <a:masterClrMapping/>
   </p:clrMapOvr>
+  <p:timing>
+    <p:tnLst>
+      <p:par>
+        <p:cTn id="1" dur="indefinite" restart="never" nodeType="tmRoot">
+          <p:childTnLst>
+            <p:seq concurrent="1" nextAc="seek">
+              <p:cTn id="2" dur="indefinite" nodeType="mainSeq">
+                <p:childTnLst>
+                  <p:par>
+                    <p:cTn id="3" fill="hold">
+                      <p:stCondLst>
+                        <p:cond delay="indefinite"/>
+                      </p:stCondLst>
+                      <p:childTnLst>
+                        <p:par>
+                          <p:cTn id="4" fill="hold">
+                            <p:stCondLst>
+                              <p:cond delay="0"/>
+                            </p:stCondLst>
+                            <p:childTnLst>
+                              <p:par>
+                                <p:cTn id="5" presetID="1" presetClass="entr" presetSubtype="0" fill="hold" nodeType="clickEffect">
+                                  <p:stCondLst>
+                                    <p:cond delay="0"/>
+                                  </p:stCondLst>
+                                  <p:childTnLst>
+                                    <p:set>
+                                      <p:cBhvr>
+                                        <p:cTn id="6" dur="1" fill="hold">
+                                          <p:stCondLst>
+                                            <p:cond delay="0"/>
+                                          </p:stCondLst>
+                                        </p:cTn>
+                                        <p:tgtEl>
+                                          <p:spTgt spid="11">
+                                            <p:txEl>
+                                              <p:pRg st="2" end="2"/>
+                                            </p:txEl>
+                                          </p:spTgt>
+                                        </p:tgtEl>
+                                        <p:attrNameLst>
+                                          <p:attrName>style.visibility</p:attrName>
+                                        </p:attrNameLst>
+                                      </p:cBhvr>
+                                      <p:to>
+                                        <p:strVal val="visible"/>
+                                      </p:to>
+                                    </p:set>
+                                  </p:childTnLst>
+                                </p:cTn>
+                              </p:par>
+                            </p:childTnLst>
+                          </p:cTn>
+                        </p:par>
+                      </p:childTnLst>
+                    </p:cTn>
+                  </p:par>
+                  <p:par>
+                    <p:cTn id="7" fill="hold">
+                      <p:stCondLst>
+                        <p:cond delay="indefinite"/>
+                      </p:stCondLst>
+                      <p:childTnLst>
+                        <p:par>
+                          <p:cTn id="8" fill="hold">
+                            <p:stCondLst>
+                              <p:cond delay="0"/>
+                            </p:stCondLst>
+                            <p:childTnLst>
+                              <p:par>
+                                <p:cTn id="9" presetID="1" presetClass="entr" presetSubtype="0" fill="hold" nodeType="clickEffect">
+                                  <p:stCondLst>
+                                    <p:cond delay="0"/>
+                                  </p:stCondLst>
+                                  <p:childTnLst>
+                                    <p:set>
+                                      <p:cBhvr>
+                                        <p:cTn id="10" dur="1" fill="hold">
+                                          <p:stCondLst>
+                                            <p:cond delay="0"/>
+                                          </p:stCondLst>
+                                        </p:cTn>
+                                        <p:tgtEl>
+                                          <p:spTgt spid="11">
+                                            <p:txEl>
+                                              <p:pRg st="3" end="3"/>
+                                            </p:txEl>
+                                          </p:spTgt>
+                                        </p:tgtEl>
+                                        <p:attrNameLst>
+                                          <p:attrName>style.visibility</p:attrName>
+                                        </p:attrNameLst>
+                                      </p:cBhvr>
+                                      <p:to>
+                                        <p:strVal val="visible"/>
+                                      </p:to>
+                                    </p:set>
+                                  </p:childTnLst>
+                                </p:cTn>
+                              </p:par>
+                            </p:childTnLst>
+                          </p:cTn>
+                        </p:par>
+                      </p:childTnLst>
+                    </p:cTn>
+                  </p:par>
+                  <p:par>
+                    <p:cTn id="11" fill="hold">
+                      <p:stCondLst>
+                        <p:cond delay="indefinite"/>
+                      </p:stCondLst>
+                      <p:childTnLst>
+                        <p:par>
+                          <p:cTn id="12" fill="hold">
+                            <p:stCondLst>
+                              <p:cond delay="0"/>
+                            </p:stCondLst>
+                            <p:childTnLst>
+                              <p:par>
+                                <p:cTn id="13" presetID="1" presetClass="entr" presetSubtype="0" fill="hold" nodeType="clickEffect">
+                                  <p:stCondLst>
+                                    <p:cond delay="0"/>
+                                  </p:stCondLst>
+                                  <p:childTnLst>
+                                    <p:set>
+                                      <p:cBhvr>
+                                        <p:cTn id="14" dur="1" fill="hold">
+                                          <p:stCondLst>
+                                            <p:cond delay="0"/>
+                                          </p:stCondLst>
+                                        </p:cTn>
+                                        <p:tgtEl>
+                                          <p:spTgt spid="11">
+                                            <p:txEl>
+                                              <p:pRg st="4" end="4"/>
+                                            </p:txEl>
+                                          </p:spTgt>
+                                        </p:tgtEl>
+                                        <p:attrNameLst>
+                                          <p:attrName>style.visibility</p:attrName>
+                                        </p:attrNameLst>
+                                      </p:cBhvr>
+                                      <p:to>
+                                        <p:strVal val="visible"/>
+                                      </p:to>
+                                    </p:set>
+                                  </p:childTnLst>
+                                </p:cTn>
+                              </p:par>
+                            </p:childTnLst>
+                          </p:cTn>
+                        </p:par>
+                      </p:childTnLst>
+                    </p:cTn>
+                  </p:par>
+                  <p:par>
+                    <p:cTn id="15" fill="hold">
+                      <p:stCondLst>
+                        <p:cond delay="indefinite"/>
+                      </p:stCondLst>
+                      <p:childTnLst>
+                        <p:par>
+                          <p:cTn id="16" fill="hold">
+                            <p:stCondLst>
+                              <p:cond delay="0"/>
+                            </p:stCondLst>
+                            <p:childTnLst>
+                              <p:par>
+                                <p:cTn id="17" presetID="1" presetClass="entr" presetSubtype="0" fill="hold" nodeType="clickEffect">
+                                  <p:stCondLst>
+                                    <p:cond delay="0"/>
+                                  </p:stCondLst>
+                                  <p:childTnLst>
+                                    <p:set>
+                                      <p:cBhvr>
+                                        <p:cTn id="18" dur="1" fill="hold">
+                                          <p:stCondLst>
+                                            <p:cond delay="0"/>
+                                          </p:stCondLst>
+                                        </p:cTn>
+                                        <p:tgtEl>
+                                          <p:spTgt spid="11">
+                                            <p:txEl>
+                                              <p:pRg st="5" end="5"/>
+                                            </p:txEl>
+                                          </p:spTgt>
+                                        </p:tgtEl>
+                                        <p:attrNameLst>
+                                          <p:attrName>style.visibility</p:attrName>
+                                        </p:attrNameLst>
+                                      </p:cBhvr>
+                                      <p:to>
+                                        <p:strVal val="visible"/>
+                                      </p:to>
+                                    </p:set>
+                                  </p:childTnLst>
+                                </p:cTn>
+                              </p:par>
+                            </p:childTnLst>
+                          </p:cTn>
+                        </p:par>
+                      </p:childTnLst>
+                    </p:cTn>
+                  </p:par>
+                  <p:par>
+                    <p:cTn id="19" fill="hold">
+                      <p:stCondLst>
+                        <p:cond delay="indefinite"/>
+                      </p:stCondLst>
+                      <p:childTnLst>
+                        <p:par>
+                          <p:cTn id="20" fill="hold">
+                            <p:stCondLst>
+                              <p:cond delay="0"/>
+                            </p:stCondLst>
+                            <p:childTnLst>
+                              <p:par>
+                                <p:cTn id="21" presetID="1" presetClass="entr" presetSubtype="0" fill="hold" nodeType="clickEffect">
+                                  <p:stCondLst>
+                                    <p:cond delay="0"/>
+                                  </p:stCondLst>
+                                  <p:childTnLst>
+                                    <p:set>
+                                      <p:cBhvr>
+                                        <p:cTn id="22" dur="1" fill="hold">
+                                          <p:stCondLst>
+                                            <p:cond delay="0"/>
+                                          </p:stCondLst>
+                                        </p:cTn>
+                                        <p:tgtEl>
+                                          <p:spTgt spid="11">
+                                            <p:txEl>
+                                              <p:pRg st="6" end="6"/>
+                                            </p:txEl>
+                                          </p:spTgt>
+                                        </p:tgtEl>
+                                        <p:attrNameLst>
+                                          <p:attrName>style.visibility</p:attrName>
+                                        </p:attrNameLst>
+                                      </p:cBhvr>
+                                      <p:to>
+                                        <p:strVal val="visible"/>
+                                      </p:to>
+                                    </p:set>
+                                  </p:childTnLst>
+                                </p:cTn>
+                              </p:par>
+                            </p:childTnLst>
+                          </p:cTn>
+                        </p:par>
+                      </p:childTnLst>
+                    </p:cTn>
+                  </p:par>
+                </p:childTnLst>
+              </p:cTn>
+              <p:prevCondLst>
+                <p:cond evt="onPrev" delay="0">
+                  <p:tgtEl>
+                    <p:sldTgt/>
+                  </p:tgtEl>
+                </p:cond>
+              </p:prevCondLst>
+              <p:nextCondLst>
+                <p:cond evt="onNext" delay="0">
+                  <p:tgtEl>
+                    <p:sldTgt/>
+                  </p:tgtEl>
+                </p:cond>
+              </p:nextCondLst>
+            </p:seq>
+          </p:childTnLst>
+        </p:cTn>
+      </p:par>
+    </p:tnLst>
+  </p:timing>
 </p:sld>
 </file>
 
@@ -10513,34 +9829,6 @@
           <a:chExt cx="0" cy="0"/>
         </a:xfrm>
       </p:grpSpPr>
-      <p:sp>
-        <p:nvSpPr>
-          <p:cNvPr id="6" name="Заголовок 5">
-            <a:extLst>
-              <a:ext uri="{FF2B5EF4-FFF2-40B4-BE49-F238E27FC236}">
-                <a16:creationId xmlns:a16="http://schemas.microsoft.com/office/drawing/2014/main" id="{2D94FF17-9242-4A1C-AB8C-8A20D80735EC}"/>
-              </a:ext>
-            </a:extLst>
-          </p:cNvPr>
-          <p:cNvSpPr>
-            <a:spLocks noGrp="1"/>
-          </p:cNvSpPr>
-          <p:nvPr>
-            <p:ph type="title"/>
-          </p:nvPr>
-        </p:nvSpPr>
-        <p:spPr/>
-        <p:txBody>
-          <a:bodyPr/>
-          <a:lstStyle/>
-          <a:p>
-            <a:r>
-              <a:rPr lang="ru-RU" dirty="0"/>
-              <a:t>Борьба</a:t>
-            </a:r>
-          </a:p>
-        </p:txBody>
-      </p:sp>
       <p:sp>
         <p:nvSpPr>
           <p:cNvPr id="10" name="TextBox 9">
@@ -10651,6 +9939,85 @@
   <p:clrMapOvr>
     <a:masterClrMapping/>
   </p:clrMapOvr>
+  <p:timing>
+    <p:tnLst>
+      <p:par>
+        <p:cTn id="1" dur="indefinite" restart="never" nodeType="tmRoot">
+          <p:childTnLst>
+            <p:seq concurrent="1" nextAc="seek">
+              <p:cTn id="2" dur="indefinite" nodeType="mainSeq">
+                <p:childTnLst>
+                  <p:par>
+                    <p:cTn id="3" fill="hold">
+                      <p:stCondLst>
+                        <p:cond delay="indefinite"/>
+                      </p:stCondLst>
+                      <p:childTnLst>
+                        <p:par>
+                          <p:cTn id="4" fill="hold">
+                            <p:stCondLst>
+                              <p:cond delay="0"/>
+                            </p:stCondLst>
+                            <p:childTnLst>
+                              <p:par>
+                                <p:cTn id="5" presetID="1" presetClass="entr" presetSubtype="0" fill="hold" nodeType="clickEffect">
+                                  <p:stCondLst>
+                                    <p:cond delay="0"/>
+                                  </p:stCondLst>
+                                  <p:childTnLst>
+                                    <p:set>
+                                      <p:cBhvr>
+                                        <p:cTn id="6" dur="1" fill="hold">
+                                          <p:stCondLst>
+                                            <p:cond delay="0"/>
+                                          </p:stCondLst>
+                                        </p:cTn>
+                                        <p:tgtEl>
+                                          <p:spTgt spid="10">
+                                            <p:txEl>
+                                              <p:pRg st="1" end="1"/>
+                                            </p:txEl>
+                                          </p:spTgt>
+                                        </p:tgtEl>
+                                        <p:attrNameLst>
+                                          <p:attrName>style.visibility</p:attrName>
+                                        </p:attrNameLst>
+                                      </p:cBhvr>
+                                      <p:to>
+                                        <p:strVal val="visible"/>
+                                      </p:to>
+                                    </p:set>
+                                  </p:childTnLst>
+                                </p:cTn>
+                              </p:par>
+                            </p:childTnLst>
+                          </p:cTn>
+                        </p:par>
+                      </p:childTnLst>
+                    </p:cTn>
+                  </p:par>
+                </p:childTnLst>
+              </p:cTn>
+              <p:prevCondLst>
+                <p:cond evt="onPrev" delay="0">
+                  <p:tgtEl>
+                    <p:sldTgt/>
+                  </p:tgtEl>
+                </p:cond>
+              </p:prevCondLst>
+              <p:nextCondLst>
+                <p:cond evt="onNext" delay="0">
+                  <p:tgtEl>
+                    <p:sldTgt/>
+                  </p:tgtEl>
+                </p:cond>
+              </p:nextCondLst>
+            </p:seq>
+          </p:childTnLst>
+        </p:cTn>
+      </p:par>
+    </p:tnLst>
+  </p:timing>
 </p:sld>
 </file>
 
@@ -10671,39 +10038,6 @@
           <a:chExt cx="0" cy="0"/>
         </a:xfrm>
       </p:grpSpPr>
-      <p:sp>
-        <p:nvSpPr>
-          <p:cNvPr id="5" name="Заголовок 4">
-            <a:extLst>
-              <a:ext uri="{FF2B5EF4-FFF2-40B4-BE49-F238E27FC236}">
-                <a16:creationId xmlns:a16="http://schemas.microsoft.com/office/drawing/2014/main" id="{AF798A1D-1B16-4FD0-8CAC-8754A8D756FC}"/>
-              </a:ext>
-            </a:extLst>
-          </p:cNvPr>
-          <p:cNvSpPr>
-            <a:spLocks noGrp="1"/>
-          </p:cNvSpPr>
-          <p:nvPr>
-            <p:ph type="title"/>
-          </p:nvPr>
-        </p:nvSpPr>
-        <p:spPr>
-          <a:xfrm rot="16200000">
-            <a:off x="-1753423" y="1966521"/>
-            <a:ext cx="4206501" cy="699656"/>
-          </a:xfrm>
-        </p:spPr>
-        <p:txBody>
-          <a:bodyPr/>
-          <a:lstStyle/>
-          <a:p>
-            <a:r>
-              <a:rPr lang="ru-RU" dirty="0"/>
-              <a:t>Третье  поворотное  событие</a:t>
-            </a:r>
-          </a:p>
-        </p:txBody>
-      </p:sp>
       <p:sp>
         <p:nvSpPr>
           <p:cNvPr id="4" name="TextBox 3">
@@ -10775,39 +10109,6 @@
       </p:grpSpPr>
       <p:sp>
         <p:nvSpPr>
-          <p:cNvPr id="5" name="Заголовок 4">
-            <a:extLst>
-              <a:ext uri="{FF2B5EF4-FFF2-40B4-BE49-F238E27FC236}">
-                <a16:creationId xmlns:a16="http://schemas.microsoft.com/office/drawing/2014/main" id="{AF798A1D-1B16-4FD0-8CAC-8754A8D756FC}"/>
-              </a:ext>
-            </a:extLst>
-          </p:cNvPr>
-          <p:cNvSpPr>
-            <a:spLocks noGrp="1"/>
-          </p:cNvSpPr>
-          <p:nvPr>
-            <p:ph type="title"/>
-          </p:nvPr>
-        </p:nvSpPr>
-        <p:spPr>
-          <a:xfrm rot="16200000">
-            <a:off x="-1753423" y="1966521"/>
-            <a:ext cx="4206501" cy="699656"/>
-          </a:xfrm>
-        </p:spPr>
-        <p:txBody>
-          <a:bodyPr/>
-          <a:lstStyle/>
-          <a:p>
-            <a:r>
-              <a:rPr lang="ru-RU" dirty="0"/>
-              <a:t>Третье  поворотное  событие</a:t>
-            </a:r>
-          </a:p>
-        </p:txBody>
-      </p:sp>
-      <p:sp>
-        <p:nvSpPr>
           <p:cNvPr id="6" name="TextBox 5">
             <a:extLst>
               <a:ext uri="{FF2B5EF4-FFF2-40B4-BE49-F238E27FC236}">
@@ -10971,6 +10272,330 @@
   <p:clrMapOvr>
     <a:masterClrMapping/>
   </p:clrMapOvr>
+  <p:timing>
+    <p:tnLst>
+      <p:par>
+        <p:cTn id="1" dur="indefinite" restart="never" nodeType="tmRoot">
+          <p:childTnLst>
+            <p:seq concurrent="1" nextAc="seek">
+              <p:cTn id="2" dur="indefinite" nodeType="mainSeq">
+                <p:childTnLst>
+                  <p:par>
+                    <p:cTn id="3" fill="hold">
+                      <p:stCondLst>
+                        <p:cond delay="indefinite"/>
+                      </p:stCondLst>
+                      <p:childTnLst>
+                        <p:par>
+                          <p:cTn id="4" fill="hold">
+                            <p:stCondLst>
+                              <p:cond delay="0"/>
+                            </p:stCondLst>
+                            <p:childTnLst>
+                              <p:par>
+                                <p:cTn id="5" presetID="1" presetClass="entr" presetSubtype="0" fill="hold" nodeType="clickEffect">
+                                  <p:stCondLst>
+                                    <p:cond delay="0"/>
+                                  </p:stCondLst>
+                                  <p:childTnLst>
+                                    <p:set>
+                                      <p:cBhvr>
+                                        <p:cTn id="6" dur="1" fill="hold">
+                                          <p:stCondLst>
+                                            <p:cond delay="0"/>
+                                          </p:stCondLst>
+                                        </p:cTn>
+                                        <p:tgtEl>
+                                          <p:spTgt spid="7">
+                                            <p:txEl>
+                                              <p:pRg st="1" end="1"/>
+                                            </p:txEl>
+                                          </p:spTgt>
+                                        </p:tgtEl>
+                                        <p:attrNameLst>
+                                          <p:attrName>style.visibility</p:attrName>
+                                        </p:attrNameLst>
+                                      </p:cBhvr>
+                                      <p:to>
+                                        <p:strVal val="visible"/>
+                                      </p:to>
+                                    </p:set>
+                                  </p:childTnLst>
+                                </p:cTn>
+                              </p:par>
+                            </p:childTnLst>
+                          </p:cTn>
+                        </p:par>
+                      </p:childTnLst>
+                    </p:cTn>
+                  </p:par>
+                  <p:par>
+                    <p:cTn id="7" fill="hold">
+                      <p:stCondLst>
+                        <p:cond delay="indefinite"/>
+                      </p:stCondLst>
+                      <p:childTnLst>
+                        <p:par>
+                          <p:cTn id="8" fill="hold">
+                            <p:stCondLst>
+                              <p:cond delay="0"/>
+                            </p:stCondLst>
+                            <p:childTnLst>
+                              <p:par>
+                                <p:cTn id="9" presetID="1" presetClass="entr" presetSubtype="0" fill="hold" nodeType="clickEffect">
+                                  <p:stCondLst>
+                                    <p:cond delay="0"/>
+                                  </p:stCondLst>
+                                  <p:childTnLst>
+                                    <p:set>
+                                      <p:cBhvr>
+                                        <p:cTn id="10" dur="1" fill="hold">
+                                          <p:stCondLst>
+                                            <p:cond delay="0"/>
+                                          </p:stCondLst>
+                                        </p:cTn>
+                                        <p:tgtEl>
+                                          <p:spTgt spid="7">
+                                            <p:txEl>
+                                              <p:pRg st="2" end="2"/>
+                                            </p:txEl>
+                                          </p:spTgt>
+                                        </p:tgtEl>
+                                        <p:attrNameLst>
+                                          <p:attrName>style.visibility</p:attrName>
+                                        </p:attrNameLst>
+                                      </p:cBhvr>
+                                      <p:to>
+                                        <p:strVal val="visible"/>
+                                      </p:to>
+                                    </p:set>
+                                  </p:childTnLst>
+                                </p:cTn>
+                              </p:par>
+                            </p:childTnLst>
+                          </p:cTn>
+                        </p:par>
+                      </p:childTnLst>
+                    </p:cTn>
+                  </p:par>
+                  <p:par>
+                    <p:cTn id="11" fill="hold">
+                      <p:stCondLst>
+                        <p:cond delay="indefinite"/>
+                      </p:stCondLst>
+                      <p:childTnLst>
+                        <p:par>
+                          <p:cTn id="12" fill="hold">
+                            <p:stCondLst>
+                              <p:cond delay="0"/>
+                            </p:stCondLst>
+                            <p:childTnLst>
+                              <p:par>
+                                <p:cTn id="13" presetID="1" presetClass="entr" presetSubtype="0" fill="hold" nodeType="clickEffect">
+                                  <p:stCondLst>
+                                    <p:cond delay="0"/>
+                                  </p:stCondLst>
+                                  <p:childTnLst>
+                                    <p:set>
+                                      <p:cBhvr>
+                                        <p:cTn id="14" dur="1" fill="hold">
+                                          <p:stCondLst>
+                                            <p:cond delay="0"/>
+                                          </p:stCondLst>
+                                        </p:cTn>
+                                        <p:tgtEl>
+                                          <p:spTgt spid="7">
+                                            <p:txEl>
+                                              <p:pRg st="3" end="3"/>
+                                            </p:txEl>
+                                          </p:spTgt>
+                                        </p:tgtEl>
+                                        <p:attrNameLst>
+                                          <p:attrName>style.visibility</p:attrName>
+                                        </p:attrNameLst>
+                                      </p:cBhvr>
+                                      <p:to>
+                                        <p:strVal val="visible"/>
+                                      </p:to>
+                                    </p:set>
+                                  </p:childTnLst>
+                                </p:cTn>
+                              </p:par>
+                            </p:childTnLst>
+                          </p:cTn>
+                        </p:par>
+                      </p:childTnLst>
+                    </p:cTn>
+                  </p:par>
+                  <p:par>
+                    <p:cTn id="15" fill="hold">
+                      <p:stCondLst>
+                        <p:cond delay="indefinite"/>
+                      </p:stCondLst>
+                      <p:childTnLst>
+                        <p:par>
+                          <p:cTn id="16" fill="hold">
+                            <p:stCondLst>
+                              <p:cond delay="0"/>
+                            </p:stCondLst>
+                            <p:childTnLst>
+                              <p:par>
+                                <p:cTn id="17" presetID="1" presetClass="entr" presetSubtype="0" fill="hold" nodeType="clickEffect">
+                                  <p:stCondLst>
+                                    <p:cond delay="0"/>
+                                  </p:stCondLst>
+                                  <p:childTnLst>
+                                    <p:set>
+                                      <p:cBhvr>
+                                        <p:cTn id="18" dur="1" fill="hold">
+                                          <p:stCondLst>
+                                            <p:cond delay="0"/>
+                                          </p:stCondLst>
+                                        </p:cTn>
+                                        <p:tgtEl>
+                                          <p:spTgt spid="7">
+                                            <p:txEl>
+                                              <p:pRg st="4" end="4"/>
+                                            </p:txEl>
+                                          </p:spTgt>
+                                        </p:tgtEl>
+                                        <p:attrNameLst>
+                                          <p:attrName>style.visibility</p:attrName>
+                                        </p:attrNameLst>
+                                      </p:cBhvr>
+                                      <p:to>
+                                        <p:strVal val="visible"/>
+                                      </p:to>
+                                    </p:set>
+                                  </p:childTnLst>
+                                </p:cTn>
+                              </p:par>
+                            </p:childTnLst>
+                          </p:cTn>
+                        </p:par>
+                      </p:childTnLst>
+                    </p:cTn>
+                  </p:par>
+                  <p:par>
+                    <p:cTn id="19" fill="hold">
+                      <p:stCondLst>
+                        <p:cond delay="indefinite"/>
+                      </p:stCondLst>
+                      <p:childTnLst>
+                        <p:par>
+                          <p:cTn id="20" fill="hold">
+                            <p:stCondLst>
+                              <p:cond delay="0"/>
+                            </p:stCondLst>
+                            <p:childTnLst>
+                              <p:par>
+                                <p:cTn id="21" presetID="1" presetClass="entr" presetSubtype="0" fill="hold" nodeType="clickEffect">
+                                  <p:stCondLst>
+                                    <p:cond delay="0"/>
+                                  </p:stCondLst>
+                                  <p:childTnLst>
+                                    <p:set>
+                                      <p:cBhvr>
+                                        <p:cTn id="22" dur="1" fill="hold">
+                                          <p:stCondLst>
+                                            <p:cond delay="0"/>
+                                          </p:stCondLst>
+                                        </p:cTn>
+                                        <p:tgtEl>
+                                          <p:spTgt spid="7">
+                                            <p:txEl>
+                                              <p:pRg st="5" end="5"/>
+                                            </p:txEl>
+                                          </p:spTgt>
+                                        </p:tgtEl>
+                                        <p:attrNameLst>
+                                          <p:attrName>style.visibility</p:attrName>
+                                        </p:attrNameLst>
+                                      </p:cBhvr>
+                                      <p:to>
+                                        <p:strVal val="visible"/>
+                                      </p:to>
+                                    </p:set>
+                                  </p:childTnLst>
+                                </p:cTn>
+                              </p:par>
+                            </p:childTnLst>
+                          </p:cTn>
+                        </p:par>
+                      </p:childTnLst>
+                    </p:cTn>
+                  </p:par>
+                  <p:par>
+                    <p:cTn id="23" fill="hold">
+                      <p:stCondLst>
+                        <p:cond delay="indefinite"/>
+                      </p:stCondLst>
+                      <p:childTnLst>
+                        <p:par>
+                          <p:cTn id="24" fill="hold">
+                            <p:stCondLst>
+                              <p:cond delay="0"/>
+                            </p:stCondLst>
+                            <p:childTnLst>
+                              <p:par>
+                                <p:cTn id="25" presetID="1" presetClass="entr" presetSubtype="0" fill="hold" nodeType="clickEffect">
+                                  <p:stCondLst>
+                                    <p:cond delay="0"/>
+                                  </p:stCondLst>
+                                  <p:childTnLst>
+                                    <p:set>
+                                      <p:cBhvr>
+                                        <p:cTn id="26" dur="1" fill="hold">
+                                          <p:stCondLst>
+                                            <p:cond delay="0"/>
+                                          </p:stCondLst>
+                                        </p:cTn>
+                                        <p:tgtEl>
+                                          <p:spTgt spid="7">
+                                            <p:txEl>
+                                              <p:pRg st="6" end="6"/>
+                                            </p:txEl>
+                                          </p:spTgt>
+                                        </p:tgtEl>
+                                        <p:attrNameLst>
+                                          <p:attrName>style.visibility</p:attrName>
+                                        </p:attrNameLst>
+                                      </p:cBhvr>
+                                      <p:to>
+                                        <p:strVal val="visible"/>
+                                      </p:to>
+                                    </p:set>
+                                  </p:childTnLst>
+                                </p:cTn>
+                              </p:par>
+                            </p:childTnLst>
+                          </p:cTn>
+                        </p:par>
+                      </p:childTnLst>
+                    </p:cTn>
+                  </p:par>
+                </p:childTnLst>
+              </p:cTn>
+              <p:prevCondLst>
+                <p:cond evt="onPrev" delay="0">
+                  <p:tgtEl>
+                    <p:sldTgt/>
+                  </p:tgtEl>
+                </p:cond>
+              </p:prevCondLst>
+              <p:nextCondLst>
+                <p:cond evt="onNext" delay="0">
+                  <p:tgtEl>
+                    <p:sldTgt/>
+                  </p:tgtEl>
+                </p:cond>
+              </p:nextCondLst>
+            </p:seq>
+          </p:childTnLst>
+        </p:cTn>
+      </p:par>
+    </p:tnLst>
+  </p:timing>
 </p:sld>
 </file>
 
@@ -10991,39 +10616,6 @@
           <a:chExt cx="0" cy="0"/>
         </a:xfrm>
       </p:grpSpPr>
-      <p:sp>
-        <p:nvSpPr>
-          <p:cNvPr id="5" name="Заголовок 4">
-            <a:extLst>
-              <a:ext uri="{FF2B5EF4-FFF2-40B4-BE49-F238E27FC236}">
-                <a16:creationId xmlns:a16="http://schemas.microsoft.com/office/drawing/2014/main" id="{AF798A1D-1B16-4FD0-8CAC-8754A8D756FC}"/>
-              </a:ext>
-            </a:extLst>
-          </p:cNvPr>
-          <p:cNvSpPr>
-            <a:spLocks noGrp="1"/>
-          </p:cNvSpPr>
-          <p:nvPr>
-            <p:ph type="title"/>
-          </p:nvPr>
-        </p:nvSpPr>
-        <p:spPr>
-          <a:xfrm rot="16200000">
-            <a:off x="-1753423" y="1966521"/>
-            <a:ext cx="4206501" cy="699656"/>
-          </a:xfrm>
-        </p:spPr>
-        <p:txBody>
-          <a:bodyPr/>
-          <a:lstStyle/>
-          <a:p>
-            <a:r>
-              <a:rPr lang="ru-RU" dirty="0"/>
-              <a:t>Третье  поворотное  событие</a:t>
-            </a:r>
-          </a:p>
-        </p:txBody>
-      </p:sp>
       <p:sp>
         <p:nvSpPr>
           <p:cNvPr id="6" name="TextBox 5">
@@ -11136,6 +10728,134 @@
   <p:clrMapOvr>
     <a:masterClrMapping/>
   </p:clrMapOvr>
+  <p:timing>
+    <p:tnLst>
+      <p:par>
+        <p:cTn id="1" dur="indefinite" restart="never" nodeType="tmRoot">
+          <p:childTnLst>
+            <p:seq concurrent="1" nextAc="seek">
+              <p:cTn id="2" dur="indefinite" nodeType="mainSeq">
+                <p:childTnLst>
+                  <p:par>
+                    <p:cTn id="3" fill="hold">
+                      <p:stCondLst>
+                        <p:cond delay="indefinite"/>
+                      </p:stCondLst>
+                      <p:childTnLst>
+                        <p:par>
+                          <p:cTn id="4" fill="hold">
+                            <p:stCondLst>
+                              <p:cond delay="0"/>
+                            </p:stCondLst>
+                            <p:childTnLst>
+                              <p:par>
+                                <p:cTn id="5" presetID="1" presetClass="entr" presetSubtype="0" fill="hold" nodeType="clickEffect">
+                                  <p:stCondLst>
+                                    <p:cond delay="0"/>
+                                  </p:stCondLst>
+                                  <p:childTnLst>
+                                    <p:set>
+                                      <p:cBhvr>
+                                        <p:cTn id="6" dur="1" fill="hold">
+                                          <p:stCondLst>
+                                            <p:cond delay="0"/>
+                                          </p:stCondLst>
+                                        </p:cTn>
+                                        <p:tgtEl>
+                                          <p:spTgt spid="7">
+                                            <p:txEl>
+                                              <p:pRg st="1" end="1"/>
+                                            </p:txEl>
+                                          </p:spTgt>
+                                        </p:tgtEl>
+                                        <p:attrNameLst>
+                                          <p:attrName>style.visibility</p:attrName>
+                                        </p:attrNameLst>
+                                      </p:cBhvr>
+                                      <p:to>
+                                        <p:strVal val="visible"/>
+                                      </p:to>
+                                    </p:set>
+                                  </p:childTnLst>
+                                </p:cTn>
+                              </p:par>
+                            </p:childTnLst>
+                          </p:cTn>
+                        </p:par>
+                      </p:childTnLst>
+                    </p:cTn>
+                  </p:par>
+                  <p:par>
+                    <p:cTn id="7" fill="hold">
+                      <p:stCondLst>
+                        <p:cond delay="indefinite"/>
+                      </p:stCondLst>
+                      <p:childTnLst>
+                        <p:par>
+                          <p:cTn id="8" fill="hold">
+                            <p:stCondLst>
+                              <p:cond delay="0"/>
+                            </p:stCondLst>
+                            <p:childTnLst>
+                              <p:par>
+                                <p:cTn id="9" presetID="1" presetClass="entr" presetSubtype="0" fill="hold" nodeType="clickEffect">
+                                  <p:stCondLst>
+                                    <p:cond delay="0"/>
+                                  </p:stCondLst>
+                                  <p:childTnLst>
+                                    <p:set>
+                                      <p:cBhvr>
+                                        <p:cTn id="10" dur="1" fill="hold">
+                                          <p:stCondLst>
+                                            <p:cond delay="0"/>
+                                          </p:stCondLst>
+                                        </p:cTn>
+                                        <p:tgtEl>
+                                          <p:spTgt spid="7">
+                                            <p:txEl>
+                                              <p:pRg st="2" end="2"/>
+                                            </p:txEl>
+                                          </p:spTgt>
+                                        </p:tgtEl>
+                                        <p:attrNameLst>
+                                          <p:attrName>style.visibility</p:attrName>
+                                        </p:attrNameLst>
+                                      </p:cBhvr>
+                                      <p:to>
+                                        <p:strVal val="visible"/>
+                                      </p:to>
+                                    </p:set>
+                                  </p:childTnLst>
+                                </p:cTn>
+                              </p:par>
+                            </p:childTnLst>
+                          </p:cTn>
+                        </p:par>
+                      </p:childTnLst>
+                    </p:cTn>
+                  </p:par>
+                </p:childTnLst>
+              </p:cTn>
+              <p:prevCondLst>
+                <p:cond evt="onPrev" delay="0">
+                  <p:tgtEl>
+                    <p:sldTgt/>
+                  </p:tgtEl>
+                </p:cond>
+              </p:prevCondLst>
+              <p:nextCondLst>
+                <p:cond evt="onNext" delay="0">
+                  <p:tgtEl>
+                    <p:sldTgt/>
+                  </p:tgtEl>
+                </p:cond>
+              </p:nextCondLst>
+            </p:seq>
+          </p:childTnLst>
+        </p:cTn>
+      </p:par>
+    </p:tnLst>
+  </p:timing>
 </p:sld>
 </file>
 
@@ -11172,7 +10892,7 @@
         </p:nvSpPr>
         <p:spPr>
           <a:xfrm>
-            <a:off x="5324475" y="1951160"/>
+            <a:off x="5324475" y="3084580"/>
             <a:ext cx="5324476" cy="1744215"/>
           </a:xfrm>
           <a:prstGeom prst="rect">
@@ -11531,177 +11251,6 @@
       </p:sp>
       <p:pic>
         <p:nvPicPr>
-          <p:cNvPr id="2" name="Picture 1">
-            <a:extLst>
-              <a:ext uri="{FF2B5EF4-FFF2-40B4-BE49-F238E27FC236}">
-                <a16:creationId xmlns:a16="http://schemas.microsoft.com/office/drawing/2014/main" id="{2143FF5D-3A1A-4D42-A7CC-ED72D715BE91}"/>
-              </a:ext>
-            </a:extLst>
-          </p:cNvPr>
-          <p:cNvPicPr>
-            <a:picLocks noChangeAspect="1"/>
-          </p:cNvPicPr>
-          <p:nvPr/>
-        </p:nvPicPr>
-        <p:blipFill rotWithShape="1">
-          <a:blip r:embed="rId3"/>
-          <a:srcRect r="52055" b="7809"/>
-          <a:stretch/>
-        </p:blipFill>
-        <p:spPr>
-          <a:xfrm>
-            <a:off x="-114300" y="0"/>
-            <a:ext cx="4877302" cy="6867289"/>
-          </a:xfrm>
-          <a:prstGeom prst="rect">
-            <a:avLst/>
-          </a:prstGeom>
-        </p:spPr>
-      </p:pic>
-      <p:grpSp>
-        <p:nvGrpSpPr>
-          <p:cNvPr id="6" name="Group 5">
-            <a:extLst>
-              <a:ext uri="{FF2B5EF4-FFF2-40B4-BE49-F238E27FC236}">
-                <a16:creationId xmlns:a16="http://schemas.microsoft.com/office/drawing/2014/main" id="{05FBB34E-9F1B-4993-9D6A-2A0181B74C37}"/>
-              </a:ext>
-            </a:extLst>
-          </p:cNvPr>
-          <p:cNvGrpSpPr/>
-          <p:nvPr/>
-        </p:nvGrpSpPr>
-        <p:grpSpPr>
-          <a:xfrm>
-            <a:off x="-1" y="-9289"/>
-            <a:ext cx="4763003" cy="6867289"/>
-            <a:chOff x="-1" y="-9289"/>
-            <a:chExt cx="4763003" cy="6867289"/>
-          </a:xfrm>
-        </p:grpSpPr>
-        <p:sp>
-          <p:nvSpPr>
-            <p:cNvPr id="3" name="Rectangle 2">
-              <a:extLst>
-                <a:ext uri="{FF2B5EF4-FFF2-40B4-BE49-F238E27FC236}">
-                  <a16:creationId xmlns:a16="http://schemas.microsoft.com/office/drawing/2014/main" id="{16C229FF-4FEA-40CE-926A-6D538E73FC0A}"/>
-                </a:ext>
-              </a:extLst>
-            </p:cNvPr>
-            <p:cNvSpPr/>
-            <p:nvPr/>
-          </p:nvSpPr>
-          <p:spPr>
-            <a:xfrm>
-              <a:off x="-1" y="-9289"/>
-              <a:ext cx="4763003" cy="6867289"/>
-            </a:xfrm>
-            <a:prstGeom prst="rect">
-              <a:avLst/>
-            </a:prstGeom>
-            <a:solidFill>
-              <a:srgbClr val="262626">
-                <a:alpha val="78000"/>
-              </a:srgbClr>
-            </a:solidFill>
-            <a:ln>
-              <a:noFill/>
-            </a:ln>
-          </p:spPr>
-          <p:style>
-            <a:lnRef idx="2">
-              <a:schemeClr val="accent1">
-                <a:shade val="50000"/>
-              </a:schemeClr>
-            </a:lnRef>
-            <a:fillRef idx="1">
-              <a:schemeClr val="accent1"/>
-            </a:fillRef>
-            <a:effectRef idx="0">
-              <a:schemeClr val="accent1"/>
-            </a:effectRef>
-            <a:fontRef idx="minor">
-              <a:schemeClr val="lt1"/>
-            </a:fontRef>
-          </p:style>
-          <p:txBody>
-            <a:bodyPr rtlCol="0" anchor="ctr"/>
-            <a:lstStyle/>
-            <a:p>
-              <a:pPr algn="ctr"/>
-              <a:endParaRPr lang="en-US">
-                <a:latin typeface="Cascadia Code" panose="020B0509020204030204" pitchFamily="49" charset="0"/>
-              </a:endParaRPr>
-            </a:p>
-          </p:txBody>
-        </p:sp>
-        <p:sp>
-          <p:nvSpPr>
-            <p:cNvPr id="4" name="Rectangle 3">
-              <a:extLst>
-                <a:ext uri="{FF2B5EF4-FFF2-40B4-BE49-F238E27FC236}">
-                  <a16:creationId xmlns:a16="http://schemas.microsoft.com/office/drawing/2014/main" id="{2D21801E-516E-4587-9B8B-6234E228F525}"/>
-                </a:ext>
-              </a:extLst>
-            </p:cNvPr>
-            <p:cNvSpPr/>
-            <p:nvPr/>
-          </p:nvSpPr>
-          <p:spPr>
-            <a:xfrm>
-              <a:off x="3384537" y="-9289"/>
-              <a:ext cx="1371600" cy="6867289"/>
-            </a:xfrm>
-            <a:prstGeom prst="rect">
-              <a:avLst/>
-            </a:prstGeom>
-            <a:gradFill flip="none" rotWithShape="1">
-              <a:gsLst>
-                <a:gs pos="0">
-                  <a:srgbClr val="262626">
-                    <a:alpha val="0"/>
-                  </a:srgbClr>
-                </a:gs>
-                <a:gs pos="100000">
-                  <a:srgbClr val="262626"/>
-                </a:gs>
-              </a:gsLst>
-              <a:lin ang="0" scaled="0"/>
-              <a:tileRect/>
-            </a:gradFill>
-            <a:ln>
-              <a:noFill/>
-            </a:ln>
-          </p:spPr>
-          <p:style>
-            <a:lnRef idx="2">
-              <a:schemeClr val="accent1">
-                <a:shade val="50000"/>
-              </a:schemeClr>
-            </a:lnRef>
-            <a:fillRef idx="1">
-              <a:schemeClr val="accent1"/>
-            </a:fillRef>
-            <a:effectRef idx="0">
-              <a:schemeClr val="accent1"/>
-            </a:effectRef>
-            <a:fontRef idx="minor">
-              <a:schemeClr val="lt1"/>
-            </a:fontRef>
-          </p:style>
-          <p:txBody>
-            <a:bodyPr rtlCol="0" anchor="ctr"/>
-            <a:lstStyle/>
-            <a:p>
-              <a:pPr algn="ctr"/>
-              <a:endParaRPr lang="en-US" dirty="0">
-                <a:latin typeface="Cascadia Code" panose="020B0509020204030204" pitchFamily="49" charset="0"/>
-              </a:endParaRPr>
-            </a:p>
-          </p:txBody>
-        </p:sp>
-      </p:grpSp>
-      <p:pic>
-        <p:nvPicPr>
           <p:cNvPr id="10" name="Picture 10" descr="github icon">
             <a:extLst>
               <a:ext uri="{FF2B5EF4-FFF2-40B4-BE49-F238E27FC236}">
@@ -11715,7 +11264,7 @@
           <p:nvPr/>
         </p:nvPicPr>
         <p:blipFill>
-          <a:blip r:embed="rId4">
+          <a:blip r:embed="rId3">
             <a:extLst>
               <a:ext uri="{28A0092B-C50C-407E-A947-70E740481C1C}">
                 <a14:useLocalDpi xmlns:a14="http://schemas.microsoft.com/office/drawing/2010/main" val="0"/>
@@ -11729,7 +11278,7 @@
         </p:blipFill>
         <p:spPr bwMode="auto">
           <a:xfrm>
-            <a:off x="6152667" y="2305449"/>
+            <a:off x="6152667" y="3438869"/>
             <a:ext cx="228600" cy="228600"/>
           </a:xfrm>
           <a:prstGeom prst="rect">
@@ -11761,7 +11310,7 @@
         </p:nvSpPr>
         <p:spPr>
           <a:xfrm>
-            <a:off x="5324475" y="1339651"/>
+            <a:off x="5324475" y="2473071"/>
             <a:ext cx="3785081" cy="461665"/>
           </a:xfrm>
           <a:prstGeom prst="rect">
@@ -11843,8 +11392,8 @@
           <a:chExt cx="0" cy="0"/>
         </a:xfrm>
       </p:grpSpPr>
-      <mc:AlternateContent xmlns:mc="http://schemas.openxmlformats.org/markup-compatibility/2006">
-        <mc:Choice xmlns:p14="http://schemas.microsoft.com/office/powerpoint/2010/main" Requires="p14">
+      <mc:AlternateContent xmlns:mc="http://schemas.openxmlformats.org/markup-compatibility/2006" xmlns:p14="http://schemas.microsoft.com/office/powerpoint/2010/main">
+        <mc:Choice Requires="p14">
           <p:contentPart p14:bwMode="auto" r:id="rId2">
             <p14:nvContentPartPr>
               <p14:cNvPr id="106" name="Рукописный ввод 105">
@@ -11863,7 +11412,7 @@
             </p14:xfrm>
           </p:contentPart>
         </mc:Choice>
-        <mc:Fallback>
+        <mc:Fallback xmlns="">
           <p:pic>
             <p:nvPicPr>
               <p:cNvPr id="106" name="Рукописный ввод 105">
@@ -11894,8 +11443,8 @@
           </p:pic>
         </mc:Fallback>
       </mc:AlternateContent>
-      <mc:AlternateContent xmlns:mc="http://schemas.openxmlformats.org/markup-compatibility/2006">
-        <mc:Choice xmlns:p14="http://schemas.microsoft.com/office/powerpoint/2010/main" Requires="p14">
+      <mc:AlternateContent xmlns:mc="http://schemas.openxmlformats.org/markup-compatibility/2006" xmlns:p14="http://schemas.microsoft.com/office/powerpoint/2010/main">
+        <mc:Choice Requires="p14">
           <p:contentPart p14:bwMode="auto" r:id="rId4">
             <p14:nvContentPartPr>
               <p14:cNvPr id="142" name="Рукописный ввод 141">
@@ -11914,7 +11463,7 @@
             </p14:xfrm>
           </p:contentPart>
         </mc:Choice>
-        <mc:Fallback>
+        <mc:Fallback xmlns="">
           <p:pic>
             <p:nvPicPr>
               <p:cNvPr id="142" name="Рукописный ввод 141">
@@ -11945,8 +11494,8 @@
           </p:pic>
         </mc:Fallback>
       </mc:AlternateContent>
-      <mc:AlternateContent xmlns:mc="http://schemas.openxmlformats.org/markup-compatibility/2006">
-        <mc:Choice xmlns:p14="http://schemas.microsoft.com/office/powerpoint/2010/main" Requires="p14">
+      <mc:AlternateContent xmlns:mc="http://schemas.openxmlformats.org/markup-compatibility/2006" xmlns:p14="http://schemas.microsoft.com/office/powerpoint/2010/main">
+        <mc:Choice Requires="p14">
           <p:contentPart p14:bwMode="auto" r:id="rId6">
             <p14:nvContentPartPr>
               <p14:cNvPr id="153" name="Рукописный ввод 152">
@@ -11965,7 +11514,7 @@
             </p14:xfrm>
           </p:contentPart>
         </mc:Choice>
-        <mc:Fallback>
+        <mc:Fallback xmlns="">
           <p:pic>
             <p:nvPicPr>
               <p:cNvPr id="153" name="Рукописный ввод 152">
@@ -12016,8 +11565,8 @@
             <a:chExt cx="4013280" cy="485640"/>
           </a:xfrm>
         </p:grpSpPr>
-        <mc:AlternateContent xmlns:mc="http://schemas.openxmlformats.org/markup-compatibility/2006">
-          <mc:Choice xmlns:p14="http://schemas.microsoft.com/office/powerpoint/2010/main" xmlns:aink="http://schemas.microsoft.com/office/drawing/2016/ink" Requires="p14 aink">
+        <mc:AlternateContent xmlns:mc="http://schemas.openxmlformats.org/markup-compatibility/2006" xmlns:p14="http://schemas.microsoft.com/office/powerpoint/2010/main" xmlns:aink="http://schemas.microsoft.com/office/drawing/2016/ink">
+          <mc:Choice Requires="p14 aink">
             <p:contentPart p14:bwMode="auto" r:id="rId8">
               <p14:nvContentPartPr>
                 <p14:cNvPr id="162" name="Рукописный ввод 161">
@@ -12036,7 +11585,7 @@
               </p14:xfrm>
             </p:contentPart>
           </mc:Choice>
-          <mc:Fallback>
+          <mc:Fallback xmlns="">
             <p:pic>
               <p:nvPicPr>
                 <p:cNvPr id="162" name="Рукописный ввод 161">
@@ -12067,8 +11616,8 @@
             </p:pic>
           </mc:Fallback>
         </mc:AlternateContent>
-        <mc:AlternateContent xmlns:mc="http://schemas.openxmlformats.org/markup-compatibility/2006">
-          <mc:Choice xmlns:p14="http://schemas.microsoft.com/office/powerpoint/2010/main" Requires="p14">
+        <mc:AlternateContent xmlns:mc="http://schemas.openxmlformats.org/markup-compatibility/2006" xmlns:p14="http://schemas.microsoft.com/office/powerpoint/2010/main">
+          <mc:Choice Requires="p14">
             <p:contentPart p14:bwMode="auto" r:id="rId10">
               <p14:nvContentPartPr>
                 <p14:cNvPr id="172" name="Рукописный ввод 171">
@@ -12087,7 +11636,7 @@
               </p14:xfrm>
             </p:contentPart>
           </mc:Choice>
-          <mc:Fallback>
+          <mc:Fallback xmlns="">
             <p:pic>
               <p:nvPicPr>
                 <p:cNvPr id="172" name="Рукописный ввод 171">
@@ -12118,8 +11667,8 @@
             </p:pic>
           </mc:Fallback>
         </mc:AlternateContent>
-        <mc:AlternateContent xmlns:mc="http://schemas.openxmlformats.org/markup-compatibility/2006">
-          <mc:Choice xmlns:p14="http://schemas.microsoft.com/office/powerpoint/2010/main" Requires="p14">
+        <mc:AlternateContent xmlns:mc="http://schemas.openxmlformats.org/markup-compatibility/2006" xmlns:p14="http://schemas.microsoft.com/office/powerpoint/2010/main">
+          <mc:Choice Requires="p14">
             <p:contentPart p14:bwMode="auto" r:id="rId12">
               <p14:nvContentPartPr>
                 <p14:cNvPr id="175" name="Рукописный ввод 174">
@@ -12138,7 +11687,7 @@
               </p14:xfrm>
             </p:contentPart>
           </mc:Choice>
-          <mc:Fallback>
+          <mc:Fallback xmlns="">
             <p:pic>
               <p:nvPicPr>
                 <p:cNvPr id="175" name="Рукописный ввод 174">
@@ -12169,8 +11718,8 @@
             </p:pic>
           </mc:Fallback>
         </mc:AlternateContent>
-        <mc:AlternateContent xmlns:mc="http://schemas.openxmlformats.org/markup-compatibility/2006">
-          <mc:Choice xmlns:p14="http://schemas.microsoft.com/office/powerpoint/2010/main" Requires="p14">
+        <mc:AlternateContent xmlns:mc="http://schemas.openxmlformats.org/markup-compatibility/2006" xmlns:p14="http://schemas.microsoft.com/office/powerpoint/2010/main">
+          <mc:Choice Requires="p14">
             <p:contentPart p14:bwMode="auto" r:id="rId14">
               <p14:nvContentPartPr>
                 <p14:cNvPr id="182" name="Рукописный ввод 181">
@@ -12189,7 +11738,7 @@
               </p14:xfrm>
             </p:contentPart>
           </mc:Choice>
-          <mc:Fallback>
+          <mc:Fallback xmlns="">
             <p:pic>
               <p:nvPicPr>
                 <p:cNvPr id="182" name="Рукописный ввод 181">
@@ -12220,8 +11769,8 @@
             </p:pic>
           </mc:Fallback>
         </mc:AlternateContent>
-        <mc:AlternateContent xmlns:mc="http://schemas.openxmlformats.org/markup-compatibility/2006">
-          <mc:Choice xmlns:p14="http://schemas.microsoft.com/office/powerpoint/2010/main" Requires="p14">
+        <mc:AlternateContent xmlns:mc="http://schemas.openxmlformats.org/markup-compatibility/2006" xmlns:p14="http://schemas.microsoft.com/office/powerpoint/2010/main">
+          <mc:Choice Requires="p14">
             <p:contentPart p14:bwMode="auto" r:id="rId16">
               <p14:nvContentPartPr>
                 <p14:cNvPr id="185" name="Рукописный ввод 184">
@@ -12240,7 +11789,7 @@
               </p14:xfrm>
             </p:contentPart>
           </mc:Choice>
-          <mc:Fallback>
+          <mc:Fallback xmlns="">
             <p:pic>
               <p:nvPicPr>
                 <p:cNvPr id="185" name="Рукописный ввод 184">
@@ -12292,8 +11841,8 @@
             <a:chExt cx="3474000" cy="479520"/>
           </a:xfrm>
         </p:grpSpPr>
-        <mc:AlternateContent xmlns:mc="http://schemas.openxmlformats.org/markup-compatibility/2006">
-          <mc:Choice xmlns:p14="http://schemas.microsoft.com/office/powerpoint/2010/main" xmlns:aink="http://schemas.microsoft.com/office/drawing/2016/ink" Requires="p14 aink">
+        <mc:AlternateContent xmlns:mc="http://schemas.openxmlformats.org/markup-compatibility/2006" xmlns:p14="http://schemas.microsoft.com/office/powerpoint/2010/main" xmlns:aink="http://schemas.microsoft.com/office/drawing/2016/ink">
+          <mc:Choice Requires="p14 aink">
             <p:contentPart p14:bwMode="auto" r:id="rId18">
               <p14:nvContentPartPr>
                 <p14:cNvPr id="163" name="Рукописный ввод 162">
@@ -12312,7 +11861,7 @@
               </p14:xfrm>
             </p:contentPart>
           </mc:Choice>
-          <mc:Fallback>
+          <mc:Fallback xmlns="">
             <p:pic>
               <p:nvPicPr>
                 <p:cNvPr id="163" name="Рукописный ввод 162">
@@ -12343,8 +11892,8 @@
             </p:pic>
           </mc:Fallback>
         </mc:AlternateContent>
-        <mc:AlternateContent xmlns:mc="http://schemas.openxmlformats.org/markup-compatibility/2006">
-          <mc:Choice xmlns:p14="http://schemas.microsoft.com/office/powerpoint/2010/main" Requires="p14">
+        <mc:AlternateContent xmlns:mc="http://schemas.openxmlformats.org/markup-compatibility/2006" xmlns:p14="http://schemas.microsoft.com/office/powerpoint/2010/main">
+          <mc:Choice Requires="p14">
             <p:contentPart p14:bwMode="auto" r:id="rId20">
               <p14:nvContentPartPr>
                 <p14:cNvPr id="186" name="Рукописный ввод 185">
@@ -12363,7 +11912,7 @@
               </p14:xfrm>
             </p:contentPart>
           </mc:Choice>
-          <mc:Fallback>
+          <mc:Fallback xmlns="">
             <p:pic>
               <p:nvPicPr>
                 <p:cNvPr id="186" name="Рукописный ввод 185">
@@ -12394,8 +11943,8 @@
             </p:pic>
           </mc:Fallback>
         </mc:AlternateContent>
-        <mc:AlternateContent xmlns:mc="http://schemas.openxmlformats.org/markup-compatibility/2006">
-          <mc:Choice xmlns:p14="http://schemas.microsoft.com/office/powerpoint/2010/main" Requires="p14">
+        <mc:AlternateContent xmlns:mc="http://schemas.openxmlformats.org/markup-compatibility/2006" xmlns:p14="http://schemas.microsoft.com/office/powerpoint/2010/main">
+          <mc:Choice Requires="p14">
             <p:contentPart p14:bwMode="auto" r:id="rId22">
               <p14:nvContentPartPr>
                 <p14:cNvPr id="187" name="Рукописный ввод 186">
@@ -12414,7 +11963,7 @@
               </p14:xfrm>
             </p:contentPart>
           </mc:Choice>
-          <mc:Fallback>
+          <mc:Fallback xmlns="">
             <p:pic>
               <p:nvPicPr>
                 <p:cNvPr id="187" name="Рукописный ввод 186">
@@ -12445,8 +11994,8 @@
             </p:pic>
           </mc:Fallback>
         </mc:AlternateContent>
-        <mc:AlternateContent xmlns:mc="http://schemas.openxmlformats.org/markup-compatibility/2006">
-          <mc:Choice xmlns:p14="http://schemas.microsoft.com/office/powerpoint/2010/main" Requires="p14">
+        <mc:AlternateContent xmlns:mc="http://schemas.openxmlformats.org/markup-compatibility/2006" xmlns:p14="http://schemas.microsoft.com/office/powerpoint/2010/main">
+          <mc:Choice Requires="p14">
             <p:contentPart p14:bwMode="auto" r:id="rId24">
               <p14:nvContentPartPr>
                 <p14:cNvPr id="188" name="Рукописный ввод 187">
@@ -12465,7 +12014,7 @@
               </p14:xfrm>
             </p:contentPart>
           </mc:Choice>
-          <mc:Fallback>
+          <mc:Fallback xmlns="">
             <p:pic>
               <p:nvPicPr>
                 <p:cNvPr id="188" name="Рукописный ввод 187">
@@ -12496,8 +12045,8 @@
             </p:pic>
           </mc:Fallback>
         </mc:AlternateContent>
-        <mc:AlternateContent xmlns:mc="http://schemas.openxmlformats.org/markup-compatibility/2006">
-          <mc:Choice xmlns:p14="http://schemas.microsoft.com/office/powerpoint/2010/main" Requires="p14">
+        <mc:AlternateContent xmlns:mc="http://schemas.openxmlformats.org/markup-compatibility/2006" xmlns:p14="http://schemas.microsoft.com/office/powerpoint/2010/main">
+          <mc:Choice Requires="p14">
             <p:contentPart p14:bwMode="auto" r:id="rId26">
               <p14:nvContentPartPr>
                 <p14:cNvPr id="189" name="Рукописный ввод 188">
@@ -12516,7 +12065,7 @@
               </p14:xfrm>
             </p:contentPart>
           </mc:Choice>
-          <mc:Fallback>
+          <mc:Fallback xmlns="">
             <p:pic>
               <p:nvPicPr>
                 <p:cNvPr id="189" name="Рукописный ввод 188">
@@ -12547,8 +12096,8 @@
             </p:pic>
           </mc:Fallback>
         </mc:AlternateContent>
-        <mc:AlternateContent xmlns:mc="http://schemas.openxmlformats.org/markup-compatibility/2006">
-          <mc:Choice xmlns:p14="http://schemas.microsoft.com/office/powerpoint/2010/main" Requires="p14">
+        <mc:AlternateContent xmlns:mc="http://schemas.openxmlformats.org/markup-compatibility/2006" xmlns:p14="http://schemas.microsoft.com/office/powerpoint/2010/main">
+          <mc:Choice Requires="p14">
             <p:contentPart p14:bwMode="auto" r:id="rId28">
               <p14:nvContentPartPr>
                 <p14:cNvPr id="201" name="Рукописный ввод 200">
@@ -12567,7 +12116,7 @@
               </p14:xfrm>
             </p:contentPart>
           </mc:Choice>
-          <mc:Fallback>
+          <mc:Fallback xmlns="">
             <p:pic>
               <p:nvPicPr>
                 <p:cNvPr id="201" name="Рукописный ввод 200">
@@ -12619,8 +12168,8 @@
             <a:chExt cx="3462840" cy="478080"/>
           </a:xfrm>
         </p:grpSpPr>
-        <mc:AlternateContent xmlns:mc="http://schemas.openxmlformats.org/markup-compatibility/2006">
-          <mc:Choice xmlns:p14="http://schemas.microsoft.com/office/powerpoint/2010/main" xmlns:aink="http://schemas.microsoft.com/office/drawing/2016/ink" Requires="p14 aink">
+        <mc:AlternateContent xmlns:mc="http://schemas.openxmlformats.org/markup-compatibility/2006" xmlns:p14="http://schemas.microsoft.com/office/powerpoint/2010/main" xmlns:aink="http://schemas.microsoft.com/office/drawing/2016/ink">
+          <mc:Choice Requires="p14 aink">
             <p:contentPart p14:bwMode="auto" r:id="rId30">
               <p14:nvContentPartPr>
                 <p14:cNvPr id="164" name="Рукописный ввод 163">
@@ -12639,7 +12188,7 @@
               </p14:xfrm>
             </p:contentPart>
           </mc:Choice>
-          <mc:Fallback>
+          <mc:Fallback xmlns="">
             <p:pic>
               <p:nvPicPr>
                 <p:cNvPr id="164" name="Рукописный ввод 163">
@@ -12670,8 +12219,8 @@
             </p:pic>
           </mc:Fallback>
         </mc:AlternateContent>
-        <mc:AlternateContent xmlns:mc="http://schemas.openxmlformats.org/markup-compatibility/2006">
-          <mc:Choice xmlns:p14="http://schemas.microsoft.com/office/powerpoint/2010/main" Requires="p14">
+        <mc:AlternateContent xmlns:mc="http://schemas.openxmlformats.org/markup-compatibility/2006" xmlns:p14="http://schemas.microsoft.com/office/powerpoint/2010/main">
+          <mc:Choice Requires="p14">
             <p:contentPart p14:bwMode="auto" r:id="rId32">
               <p14:nvContentPartPr>
                 <p14:cNvPr id="216" name="Рукописный ввод 215">
@@ -12690,7 +12239,7 @@
               </p14:xfrm>
             </p:contentPart>
           </mc:Choice>
-          <mc:Fallback>
+          <mc:Fallback xmlns="">
             <p:pic>
               <p:nvPicPr>
                 <p:cNvPr id="216" name="Рукописный ввод 215">
@@ -12742,8 +12291,8 @@
             <a:chExt cx="4323240" cy="509040"/>
           </a:xfrm>
         </p:grpSpPr>
-        <mc:AlternateContent xmlns:mc="http://schemas.openxmlformats.org/markup-compatibility/2006">
-          <mc:Choice xmlns:p14="http://schemas.microsoft.com/office/powerpoint/2010/main" xmlns:aink="http://schemas.microsoft.com/office/drawing/2016/ink" Requires="p14 aink">
+        <mc:AlternateContent xmlns:mc="http://schemas.openxmlformats.org/markup-compatibility/2006" xmlns:p14="http://schemas.microsoft.com/office/powerpoint/2010/main" xmlns:aink="http://schemas.microsoft.com/office/drawing/2016/ink">
+          <mc:Choice Requires="p14 aink">
             <p:contentPart p14:bwMode="auto" r:id="rId34">
               <p14:nvContentPartPr>
                 <p14:cNvPr id="165" name="Рукописный ввод 164">
@@ -12762,7 +12311,7 @@
               </p14:xfrm>
             </p:contentPart>
           </mc:Choice>
-          <mc:Fallback>
+          <mc:Fallback xmlns="">
             <p:pic>
               <p:nvPicPr>
                 <p:cNvPr id="165" name="Рукописный ввод 164">
@@ -12793,8 +12342,8 @@
             </p:pic>
           </mc:Fallback>
         </mc:AlternateContent>
-        <mc:AlternateContent xmlns:mc="http://schemas.openxmlformats.org/markup-compatibility/2006">
-          <mc:Choice xmlns:p14="http://schemas.microsoft.com/office/powerpoint/2010/main" Requires="p14">
+        <mc:AlternateContent xmlns:mc="http://schemas.openxmlformats.org/markup-compatibility/2006" xmlns:p14="http://schemas.microsoft.com/office/powerpoint/2010/main">
+          <mc:Choice Requires="p14">
             <p:contentPart p14:bwMode="auto" r:id="rId36">
               <p14:nvContentPartPr>
                 <p14:cNvPr id="229" name="Рукописный ввод 228">
@@ -12813,7 +12362,7 @@
               </p14:xfrm>
             </p:contentPart>
           </mc:Choice>
-          <mc:Fallback>
+          <mc:Fallback xmlns="">
             <p:pic>
               <p:nvPicPr>
                 <p:cNvPr id="229" name="Рукописный ввод 228">
@@ -12844,8 +12393,8 @@
             </p:pic>
           </mc:Fallback>
         </mc:AlternateContent>
-        <mc:AlternateContent xmlns:mc="http://schemas.openxmlformats.org/markup-compatibility/2006">
-          <mc:Choice xmlns:p14="http://schemas.microsoft.com/office/powerpoint/2010/main" Requires="p14">
+        <mc:AlternateContent xmlns:mc="http://schemas.openxmlformats.org/markup-compatibility/2006" xmlns:p14="http://schemas.microsoft.com/office/powerpoint/2010/main">
+          <mc:Choice Requires="p14">
             <p:contentPart p14:bwMode="auto" r:id="rId38">
               <p14:nvContentPartPr>
                 <p14:cNvPr id="239" name="Рукописный ввод 238">
@@ -12864,7 +12413,7 @@
               </p14:xfrm>
             </p:contentPart>
           </mc:Choice>
-          <mc:Fallback>
+          <mc:Fallback xmlns="">
             <p:pic>
               <p:nvPicPr>
                 <p:cNvPr id="239" name="Рукописный ввод 238">
@@ -12916,8 +12465,8 @@
             <a:chExt cx="4451400" cy="520560"/>
           </a:xfrm>
         </p:grpSpPr>
-        <mc:AlternateContent xmlns:mc="http://schemas.openxmlformats.org/markup-compatibility/2006">
-          <mc:Choice xmlns:p14="http://schemas.microsoft.com/office/powerpoint/2010/main" xmlns:aink="http://schemas.microsoft.com/office/drawing/2016/ink" Requires="p14 aink">
+        <mc:AlternateContent xmlns:mc="http://schemas.openxmlformats.org/markup-compatibility/2006" xmlns:p14="http://schemas.microsoft.com/office/powerpoint/2010/main" xmlns:aink="http://schemas.microsoft.com/office/drawing/2016/ink">
+          <mc:Choice Requires="p14 aink">
             <p:contentPart p14:bwMode="auto" r:id="rId40">
               <p14:nvContentPartPr>
                 <p14:cNvPr id="166" name="Рукописный ввод 165">
@@ -12936,7 +12485,7 @@
               </p14:xfrm>
             </p:contentPart>
           </mc:Choice>
-          <mc:Fallback>
+          <mc:Fallback xmlns="">
             <p:pic>
               <p:nvPicPr>
                 <p:cNvPr id="166" name="Рукописный ввод 165">
@@ -12967,8 +12516,8 @@
             </p:pic>
           </mc:Fallback>
         </mc:AlternateContent>
-        <mc:AlternateContent xmlns:mc="http://schemas.openxmlformats.org/markup-compatibility/2006">
-          <mc:Choice xmlns:p14="http://schemas.microsoft.com/office/powerpoint/2010/main" Requires="p14">
+        <mc:AlternateContent xmlns:mc="http://schemas.openxmlformats.org/markup-compatibility/2006" xmlns:p14="http://schemas.microsoft.com/office/powerpoint/2010/main">
+          <mc:Choice Requires="p14">
             <p:contentPart p14:bwMode="auto" r:id="rId42">
               <p14:nvContentPartPr>
                 <p14:cNvPr id="249" name="Рукописный ввод 248">
@@ -12987,7 +12536,7 @@
               </p14:xfrm>
             </p:contentPart>
           </mc:Choice>
-          <mc:Fallback>
+          <mc:Fallback xmlns="">
             <p:pic>
               <p:nvPicPr>
                 <p:cNvPr id="249" name="Рукописный ввод 248">
@@ -13018,8 +12567,8 @@
             </p:pic>
           </mc:Fallback>
         </mc:AlternateContent>
-        <mc:AlternateContent xmlns:mc="http://schemas.openxmlformats.org/markup-compatibility/2006">
-          <mc:Choice xmlns:p14="http://schemas.microsoft.com/office/powerpoint/2010/main" Requires="p14">
+        <mc:AlternateContent xmlns:mc="http://schemas.openxmlformats.org/markup-compatibility/2006" xmlns:p14="http://schemas.microsoft.com/office/powerpoint/2010/main">
+          <mc:Choice Requires="p14">
             <p:contentPart p14:bwMode="auto" r:id="rId44">
               <p14:nvContentPartPr>
                 <p14:cNvPr id="257" name="Рукописный ввод 256">
@@ -13038,7 +12587,7 @@
               </p14:xfrm>
             </p:contentPart>
           </mc:Choice>
-          <mc:Fallback>
+          <mc:Fallback xmlns="">
             <p:pic>
               <p:nvPicPr>
                 <p:cNvPr id="257" name="Рукописный ввод 256">
@@ -13069,8 +12618,8 @@
             </p:pic>
           </mc:Fallback>
         </mc:AlternateContent>
-        <mc:AlternateContent xmlns:mc="http://schemas.openxmlformats.org/markup-compatibility/2006">
-          <mc:Choice xmlns:p14="http://schemas.microsoft.com/office/powerpoint/2010/main" Requires="p14">
+        <mc:AlternateContent xmlns:mc="http://schemas.openxmlformats.org/markup-compatibility/2006" xmlns:p14="http://schemas.microsoft.com/office/powerpoint/2010/main">
+          <mc:Choice Requires="p14">
             <p:contentPart p14:bwMode="auto" r:id="rId46">
               <p14:nvContentPartPr>
                 <p14:cNvPr id="260" name="Рукописный ввод 259">
@@ -13089,7 +12638,7 @@
               </p14:xfrm>
             </p:contentPart>
           </mc:Choice>
-          <mc:Fallback>
+          <mc:Fallback xmlns="">
             <p:pic>
               <p:nvPicPr>
                 <p:cNvPr id="260" name="Рукописный ввод 259">
@@ -13141,8 +12690,8 @@
             <a:chExt cx="2508480" cy="476640"/>
           </a:xfrm>
         </p:grpSpPr>
-        <mc:AlternateContent xmlns:mc="http://schemas.openxmlformats.org/markup-compatibility/2006">
-          <mc:Choice xmlns:p14="http://schemas.microsoft.com/office/powerpoint/2010/main" Requires="p14">
+        <mc:AlternateContent xmlns:mc="http://schemas.openxmlformats.org/markup-compatibility/2006" xmlns:p14="http://schemas.microsoft.com/office/powerpoint/2010/main">
+          <mc:Choice Requires="p14">
             <p:contentPart p14:bwMode="auto" r:id="rId48">
               <p14:nvContentPartPr>
                 <p14:cNvPr id="291" name="Рукописный ввод 290">
@@ -13161,7 +12710,7 @@
               </p14:xfrm>
             </p:contentPart>
           </mc:Choice>
-          <mc:Fallback>
+          <mc:Fallback xmlns="">
             <p:pic>
               <p:nvPicPr>
                 <p:cNvPr id="291" name="Рукописный ввод 290">
@@ -13192,8 +12741,8 @@
             </p:pic>
           </mc:Fallback>
         </mc:AlternateContent>
-        <mc:AlternateContent xmlns:mc="http://schemas.openxmlformats.org/markup-compatibility/2006">
-          <mc:Choice xmlns:p14="http://schemas.microsoft.com/office/powerpoint/2010/main" Requires="p14">
+        <mc:AlternateContent xmlns:mc="http://schemas.openxmlformats.org/markup-compatibility/2006" xmlns:p14="http://schemas.microsoft.com/office/powerpoint/2010/main">
+          <mc:Choice Requires="p14">
             <p:contentPart p14:bwMode="auto" r:id="rId50">
               <p14:nvContentPartPr>
                 <p14:cNvPr id="296" name="Рукописный ввод 295">
@@ -13212,7 +12761,7 @@
               </p14:xfrm>
             </p:contentPart>
           </mc:Choice>
-          <mc:Fallback>
+          <mc:Fallback xmlns="">
             <p:pic>
               <p:nvPicPr>
                 <p:cNvPr id="296" name="Рукописный ввод 295">
@@ -13243,8 +12792,8 @@
             </p:pic>
           </mc:Fallback>
         </mc:AlternateContent>
-        <mc:AlternateContent xmlns:mc="http://schemas.openxmlformats.org/markup-compatibility/2006">
-          <mc:Choice xmlns:p14="http://schemas.microsoft.com/office/powerpoint/2010/main" xmlns:aink="http://schemas.microsoft.com/office/drawing/2016/ink" Requires="p14 aink">
+        <mc:AlternateContent xmlns:mc="http://schemas.openxmlformats.org/markup-compatibility/2006" xmlns:p14="http://schemas.microsoft.com/office/powerpoint/2010/main" xmlns:aink="http://schemas.microsoft.com/office/drawing/2016/ink">
+          <mc:Choice Requires="p14 aink">
             <p:contentPart p14:bwMode="auto" r:id="rId52">
               <p14:nvContentPartPr>
                 <p14:cNvPr id="297" name="Рукописный ввод 296">
@@ -13263,7 +12812,7 @@
               </p14:xfrm>
             </p:contentPart>
           </mc:Choice>
-          <mc:Fallback>
+          <mc:Fallback xmlns="">
             <p:pic>
               <p:nvPicPr>
                 <p:cNvPr id="297" name="Рукописный ввод 296">
@@ -13295,8 +12844,8 @@
           </mc:Fallback>
         </mc:AlternateContent>
       </p:grpSp>
-      <mc:AlternateContent xmlns:mc="http://schemas.openxmlformats.org/markup-compatibility/2006">
-        <mc:Choice xmlns:p14="http://schemas.microsoft.com/office/powerpoint/2010/main" xmlns:aink="http://schemas.microsoft.com/office/drawing/2016/ink" Requires="p14 aink">
+      <mc:AlternateContent xmlns:mc="http://schemas.openxmlformats.org/markup-compatibility/2006" xmlns:p14="http://schemas.microsoft.com/office/powerpoint/2010/main" xmlns:aink="http://schemas.microsoft.com/office/drawing/2016/ink">
+        <mc:Choice Requires="p14 aink">
           <p:contentPart p14:bwMode="auto" r:id="rId54">
             <p14:nvContentPartPr>
               <p14:cNvPr id="338" name="Рукописный ввод 337">
@@ -13315,7 +12864,7 @@
             </p14:xfrm>
           </p:contentPart>
         </mc:Choice>
-        <mc:Fallback>
+        <mc:Fallback xmlns="">
           <p:pic>
             <p:nvPicPr>
               <p:cNvPr id="338" name="Рукописный ввод 337">
@@ -13346,8 +12895,8 @@
           </p:pic>
         </mc:Fallback>
       </mc:AlternateContent>
-      <mc:AlternateContent xmlns:mc="http://schemas.openxmlformats.org/markup-compatibility/2006">
-        <mc:Choice xmlns:p14="http://schemas.microsoft.com/office/powerpoint/2010/main" xmlns:aink="http://schemas.microsoft.com/office/drawing/2016/ink" Requires="p14 aink">
+      <mc:AlternateContent xmlns:mc="http://schemas.openxmlformats.org/markup-compatibility/2006" xmlns:p14="http://schemas.microsoft.com/office/powerpoint/2010/main" xmlns:aink="http://schemas.microsoft.com/office/drawing/2016/ink">
+        <mc:Choice Requires="p14 aink">
           <p:contentPart p14:bwMode="auto" r:id="rId56">
             <p14:nvContentPartPr>
               <p14:cNvPr id="342" name="Рукописный ввод 341">
@@ -13366,7 +12915,7 @@
             </p14:xfrm>
           </p:contentPart>
         </mc:Choice>
-        <mc:Fallback>
+        <mc:Fallback xmlns="">
           <p:pic>
             <p:nvPicPr>
               <p:cNvPr id="342" name="Рукописный ввод 341">
@@ -13397,8 +12946,8 @@
           </p:pic>
         </mc:Fallback>
       </mc:AlternateContent>
-      <mc:AlternateContent xmlns:mc="http://schemas.openxmlformats.org/markup-compatibility/2006">
-        <mc:Choice xmlns:p14="http://schemas.microsoft.com/office/powerpoint/2010/main" xmlns:aink="http://schemas.microsoft.com/office/drawing/2016/ink" Requires="p14 aink">
+      <mc:AlternateContent xmlns:mc="http://schemas.openxmlformats.org/markup-compatibility/2006" xmlns:p14="http://schemas.microsoft.com/office/powerpoint/2010/main" xmlns:aink="http://schemas.microsoft.com/office/drawing/2016/ink">
+        <mc:Choice Requires="p14 aink">
           <p:contentPart p14:bwMode="auto" r:id="rId58">
             <p14:nvContentPartPr>
               <p14:cNvPr id="346" name="Рукописный ввод 345">
@@ -13417,7 +12966,7 @@
             </p14:xfrm>
           </p:contentPart>
         </mc:Choice>
-        <mc:Fallback>
+        <mc:Fallback xmlns="">
           <p:pic>
             <p:nvPicPr>
               <p:cNvPr id="346" name="Рукописный ввод 345">
@@ -13448,8 +12997,8 @@
           </p:pic>
         </mc:Fallback>
       </mc:AlternateContent>
-      <mc:AlternateContent xmlns:mc="http://schemas.openxmlformats.org/markup-compatibility/2006">
-        <mc:Choice xmlns:p14="http://schemas.microsoft.com/office/powerpoint/2010/main" xmlns:aink="http://schemas.microsoft.com/office/drawing/2016/ink" Requires="p14 aink">
+      <mc:AlternateContent xmlns:mc="http://schemas.openxmlformats.org/markup-compatibility/2006" xmlns:p14="http://schemas.microsoft.com/office/powerpoint/2010/main" xmlns:aink="http://schemas.microsoft.com/office/drawing/2016/ink">
+        <mc:Choice Requires="p14 aink">
           <p:contentPart p14:bwMode="auto" r:id="rId60">
             <p14:nvContentPartPr>
               <p14:cNvPr id="350" name="Рукописный ввод 349">
@@ -13468,7 +13017,7 @@
             </p14:xfrm>
           </p:contentPart>
         </mc:Choice>
-        <mc:Fallback>
+        <mc:Fallback xmlns="">
           <p:pic>
             <p:nvPicPr>
               <p:cNvPr id="350" name="Рукописный ввод 349">
@@ -13499,8 +13048,8 @@
           </p:pic>
         </mc:Fallback>
       </mc:AlternateContent>
-      <mc:AlternateContent xmlns:mc="http://schemas.openxmlformats.org/markup-compatibility/2006">
-        <mc:Choice xmlns:p14="http://schemas.microsoft.com/office/powerpoint/2010/main" xmlns:aink="http://schemas.microsoft.com/office/drawing/2016/ink" Requires="p14 aink">
+      <mc:AlternateContent xmlns:mc="http://schemas.openxmlformats.org/markup-compatibility/2006" xmlns:p14="http://schemas.microsoft.com/office/powerpoint/2010/main" xmlns:aink="http://schemas.microsoft.com/office/drawing/2016/ink">
+        <mc:Choice Requires="p14 aink">
           <p:contentPart p14:bwMode="auto" r:id="rId62">
             <p14:nvContentPartPr>
               <p14:cNvPr id="354" name="Рукописный ввод 353">
@@ -13519,7 +13068,7 @@
             </p14:xfrm>
           </p:contentPart>
         </mc:Choice>
-        <mc:Fallback>
+        <mc:Fallback xmlns="">
           <p:pic>
             <p:nvPicPr>
               <p:cNvPr id="354" name="Рукописный ввод 353">
@@ -13550,8 +13099,8 @@
           </p:pic>
         </mc:Fallback>
       </mc:AlternateContent>
-      <mc:AlternateContent xmlns:mc="http://schemas.openxmlformats.org/markup-compatibility/2006">
-        <mc:Choice xmlns:p14="http://schemas.microsoft.com/office/powerpoint/2010/main" xmlns:aink="http://schemas.microsoft.com/office/drawing/2016/ink" Requires="p14 aink">
+      <mc:AlternateContent xmlns:mc="http://schemas.openxmlformats.org/markup-compatibility/2006" xmlns:p14="http://schemas.microsoft.com/office/powerpoint/2010/main" xmlns:aink="http://schemas.microsoft.com/office/drawing/2016/ink">
+        <mc:Choice Requires="p14 aink">
           <p:contentPart p14:bwMode="auto" r:id="rId64">
             <p14:nvContentPartPr>
               <p14:cNvPr id="363" name="Рукописный ввод 362">
@@ -13570,7 +13119,7 @@
             </p14:xfrm>
           </p:contentPart>
         </mc:Choice>
-        <mc:Fallback>
+        <mc:Fallback xmlns="">
           <p:pic>
             <p:nvPicPr>
               <p:cNvPr id="363" name="Рукописный ввод 362">
@@ -13601,8 +13150,8 @@
           </p:pic>
         </mc:Fallback>
       </mc:AlternateContent>
-      <mc:AlternateContent xmlns:mc="http://schemas.openxmlformats.org/markup-compatibility/2006">
-        <mc:Choice xmlns:p14="http://schemas.microsoft.com/office/powerpoint/2010/main" xmlns:aink="http://schemas.microsoft.com/office/drawing/2016/ink" Requires="p14 aink">
+      <mc:AlternateContent xmlns:mc="http://schemas.openxmlformats.org/markup-compatibility/2006" xmlns:p14="http://schemas.microsoft.com/office/powerpoint/2010/main" xmlns:aink="http://schemas.microsoft.com/office/drawing/2016/ink">
+        <mc:Choice Requires="p14 aink">
           <p:contentPart p14:bwMode="auto" r:id="rId66">
             <p14:nvContentPartPr>
               <p14:cNvPr id="364" name="Рукописный ввод 363">
@@ -13621,7 +13170,7 @@
             </p14:xfrm>
           </p:contentPart>
         </mc:Choice>
-        <mc:Fallback>
+        <mc:Fallback xmlns="">
           <p:pic>
             <p:nvPicPr>
               <p:cNvPr id="364" name="Рукописный ввод 363">
@@ -13652,8 +13201,8 @@
           </p:pic>
         </mc:Fallback>
       </mc:AlternateContent>
-      <mc:AlternateContent xmlns:mc="http://schemas.openxmlformats.org/markup-compatibility/2006">
-        <mc:Choice xmlns:p14="http://schemas.microsoft.com/office/powerpoint/2010/main" xmlns:aink="http://schemas.microsoft.com/office/drawing/2016/ink" Requires="p14 aink">
+      <mc:AlternateContent xmlns:mc="http://schemas.openxmlformats.org/markup-compatibility/2006" xmlns:p14="http://schemas.microsoft.com/office/powerpoint/2010/main" xmlns:aink="http://schemas.microsoft.com/office/drawing/2016/ink">
+        <mc:Choice Requires="p14 aink">
           <p:contentPart p14:bwMode="auto" r:id="rId68">
             <p14:nvContentPartPr>
               <p14:cNvPr id="374" name="Рукописный ввод 373">
@@ -13672,7 +13221,7 @@
             </p14:xfrm>
           </p:contentPart>
         </mc:Choice>
-        <mc:Fallback>
+        <mc:Fallback xmlns="">
           <p:pic>
             <p:nvPicPr>
               <p:cNvPr id="374" name="Рукописный ввод 373">
@@ -13703,8 +13252,8 @@
           </p:pic>
         </mc:Fallback>
       </mc:AlternateContent>
-      <mc:AlternateContent xmlns:mc="http://schemas.openxmlformats.org/markup-compatibility/2006">
-        <mc:Choice xmlns:p14="http://schemas.microsoft.com/office/powerpoint/2010/main" Requires="p14">
+      <mc:AlternateContent xmlns:mc="http://schemas.openxmlformats.org/markup-compatibility/2006" xmlns:p14="http://schemas.microsoft.com/office/powerpoint/2010/main">
+        <mc:Choice Requires="p14">
           <p:contentPart p14:bwMode="auto" r:id="rId70">
             <p14:nvContentPartPr>
               <p14:cNvPr id="376" name="Рукописный ввод 375">
@@ -13723,7 +13272,7 @@
             </p14:xfrm>
           </p:contentPart>
         </mc:Choice>
-        <mc:Fallback>
+        <mc:Fallback xmlns="">
           <p:pic>
             <p:nvPicPr>
               <p:cNvPr id="376" name="Рукописный ввод 375">
@@ -13754,8 +13303,8 @@
           </p:pic>
         </mc:Fallback>
       </mc:AlternateContent>
-      <mc:AlternateContent xmlns:mc="http://schemas.openxmlformats.org/markup-compatibility/2006">
-        <mc:Choice xmlns:p14="http://schemas.microsoft.com/office/powerpoint/2010/main" Requires="p14">
+      <mc:AlternateContent xmlns:mc="http://schemas.openxmlformats.org/markup-compatibility/2006" xmlns:p14="http://schemas.microsoft.com/office/powerpoint/2010/main">
+        <mc:Choice Requires="p14">
           <p:contentPart p14:bwMode="auto" r:id="rId72">
             <p14:nvContentPartPr>
               <p14:cNvPr id="378" name="Рукописный ввод 377">
@@ -13774,7 +13323,7 @@
             </p14:xfrm>
           </p:contentPart>
         </mc:Choice>
-        <mc:Fallback>
+        <mc:Fallback xmlns="">
           <p:pic>
             <p:nvPicPr>
               <p:cNvPr id="378" name="Рукописный ввод 377">
@@ -13825,8 +13374,8 @@
             <a:chExt cx="2178000" cy="2813760"/>
           </a:xfrm>
         </p:grpSpPr>
-        <mc:AlternateContent xmlns:mc="http://schemas.openxmlformats.org/markup-compatibility/2006">
-          <mc:Choice xmlns:p14="http://schemas.microsoft.com/office/powerpoint/2010/main" xmlns:aink="http://schemas.microsoft.com/office/drawing/2016/ink" Requires="p14 aink">
+        <mc:AlternateContent xmlns:mc="http://schemas.openxmlformats.org/markup-compatibility/2006" xmlns:p14="http://schemas.microsoft.com/office/powerpoint/2010/main" xmlns:aink="http://schemas.microsoft.com/office/drawing/2016/ink">
+          <mc:Choice Requires="p14 aink">
             <p:contentPart p14:bwMode="auto" r:id="rId74">
               <p14:nvContentPartPr>
                 <p14:cNvPr id="383" name="Рукописный ввод 382">
@@ -13845,7 +13394,7 @@
               </p14:xfrm>
             </p:contentPart>
           </mc:Choice>
-          <mc:Fallback>
+          <mc:Fallback xmlns="">
             <p:pic>
               <p:nvPicPr>
                 <p:cNvPr id="383" name="Рукописный ввод 382">
@@ -13876,8 +13425,8 @@
             </p:pic>
           </mc:Fallback>
         </mc:AlternateContent>
-        <mc:AlternateContent xmlns:mc="http://schemas.openxmlformats.org/markup-compatibility/2006">
-          <mc:Choice xmlns:p14="http://schemas.microsoft.com/office/powerpoint/2010/main" Requires="p14">
+        <mc:AlternateContent xmlns:mc="http://schemas.openxmlformats.org/markup-compatibility/2006" xmlns:p14="http://schemas.microsoft.com/office/powerpoint/2010/main">
+          <mc:Choice Requires="p14">
             <p:contentPart p14:bwMode="auto" r:id="rId76">
               <p14:nvContentPartPr>
                 <p14:cNvPr id="384" name="Рукописный ввод 383">
@@ -13896,7 +13445,7 @@
               </p14:xfrm>
             </p:contentPart>
           </mc:Choice>
-          <mc:Fallback>
+          <mc:Fallback xmlns="">
             <p:pic>
               <p:nvPicPr>
                 <p:cNvPr id="384" name="Рукописный ввод 383">
@@ -13928,8 +13477,8 @@
           </mc:Fallback>
         </mc:AlternateContent>
       </p:grpSp>
-      <mc:AlternateContent xmlns:mc="http://schemas.openxmlformats.org/markup-compatibility/2006">
-        <mc:Choice xmlns:p14="http://schemas.microsoft.com/office/powerpoint/2010/main" xmlns:aink="http://schemas.microsoft.com/office/drawing/2016/ink" Requires="p14 aink">
+      <mc:AlternateContent xmlns:mc="http://schemas.openxmlformats.org/markup-compatibility/2006" xmlns:p14="http://schemas.microsoft.com/office/powerpoint/2010/main" xmlns:aink="http://schemas.microsoft.com/office/drawing/2016/ink">
+        <mc:Choice Requires="p14 aink">
           <p:contentPart p14:bwMode="auto" r:id="rId78">
             <p14:nvContentPartPr>
               <p14:cNvPr id="387" name="Рукописный ввод 386">
@@ -13948,7 +13497,7 @@
             </p14:xfrm>
           </p:contentPart>
         </mc:Choice>
-        <mc:Fallback>
+        <mc:Fallback xmlns="">
           <p:pic>
             <p:nvPicPr>
               <p:cNvPr id="387" name="Рукописный ввод 386">
@@ -14712,39 +14261,6 @@
       </p:grpSpPr>
       <p:sp>
         <p:nvSpPr>
-          <p:cNvPr id="5" name="Заголовок 4">
-            <a:extLst>
-              <a:ext uri="{FF2B5EF4-FFF2-40B4-BE49-F238E27FC236}">
-                <a16:creationId xmlns:a16="http://schemas.microsoft.com/office/drawing/2014/main" id="{AF798A1D-1B16-4FD0-8CAC-8754A8D756FC}"/>
-              </a:ext>
-            </a:extLst>
-          </p:cNvPr>
-          <p:cNvSpPr>
-            <a:spLocks noGrp="1"/>
-          </p:cNvSpPr>
-          <p:nvPr>
-            <p:ph type="title"/>
-          </p:nvPr>
-        </p:nvSpPr>
-        <p:spPr>
-          <a:xfrm rot="16200000">
-            <a:off x="-1753423" y="1966521"/>
-            <a:ext cx="4206501" cy="699656"/>
-          </a:xfrm>
-        </p:spPr>
-        <p:txBody>
-          <a:bodyPr/>
-          <a:lstStyle/>
-          <a:p>
-            <a:r>
-              <a:rPr lang="ru-RU" dirty="0"/>
-              <a:t>Третье  поворотное  событие</a:t>
-            </a:r>
-          </a:p>
-        </p:txBody>
-      </p:sp>
-      <p:sp>
-        <p:nvSpPr>
           <p:cNvPr id="6" name="TextBox 5">
             <a:extLst>
               <a:ext uri="{FF2B5EF4-FFF2-40B4-BE49-F238E27FC236}">
@@ -14781,8 +14297,8 @@
           </a:p>
         </p:txBody>
       </p:sp>
-      <mc:AlternateContent xmlns:mc="http://schemas.openxmlformats.org/markup-compatibility/2006">
-        <mc:Choice xmlns:p14="http://schemas.microsoft.com/office/powerpoint/2010/main" xmlns:aink="http://schemas.microsoft.com/office/drawing/2016/ink" Requires="p14 aink">
+      <mc:AlternateContent xmlns:mc="http://schemas.openxmlformats.org/markup-compatibility/2006" xmlns:p14="http://schemas.microsoft.com/office/powerpoint/2010/main" xmlns:aink="http://schemas.microsoft.com/office/drawing/2016/ink">
+        <mc:Choice Requires="p14 aink">
           <p:contentPart p14:bwMode="auto" r:id="rId2">
             <p14:nvContentPartPr>
               <p14:cNvPr id="11" name="Рукописный ввод 10">
@@ -14801,7 +14317,7 @@
             </p14:xfrm>
           </p:contentPart>
         </mc:Choice>
-        <mc:Fallback>
+        <mc:Fallback xmlns="">
           <p:pic>
             <p:nvPicPr>
               <p:cNvPr id="11" name="Рукописный ввод 10">
@@ -14832,8 +14348,8 @@
           </p:pic>
         </mc:Fallback>
       </mc:AlternateContent>
-      <mc:AlternateContent xmlns:mc="http://schemas.openxmlformats.org/markup-compatibility/2006">
-        <mc:Choice xmlns:p14="http://schemas.microsoft.com/office/powerpoint/2010/main" xmlns:aink="http://schemas.microsoft.com/office/drawing/2016/ink" Requires="p14 aink">
+      <mc:AlternateContent xmlns:mc="http://schemas.openxmlformats.org/markup-compatibility/2006" xmlns:p14="http://schemas.microsoft.com/office/powerpoint/2010/main" xmlns:aink="http://schemas.microsoft.com/office/drawing/2016/ink">
+        <mc:Choice Requires="p14 aink">
           <p:contentPart p14:bwMode="auto" r:id="rId4">
             <p14:nvContentPartPr>
               <p14:cNvPr id="12" name="Рукописный ввод 11">
@@ -14852,7 +14368,7 @@
             </p14:xfrm>
           </p:contentPart>
         </mc:Choice>
-        <mc:Fallback>
+        <mc:Fallback xmlns="">
           <p:pic>
             <p:nvPicPr>
               <p:cNvPr id="12" name="Рукописный ввод 11">
@@ -14883,8 +14399,8 @@
           </p:pic>
         </mc:Fallback>
       </mc:AlternateContent>
-      <mc:AlternateContent xmlns:mc="http://schemas.openxmlformats.org/markup-compatibility/2006">
-        <mc:Choice xmlns:p14="http://schemas.microsoft.com/office/powerpoint/2010/main" xmlns:aink="http://schemas.microsoft.com/office/drawing/2016/ink" Requires="p14 aink">
+      <mc:AlternateContent xmlns:mc="http://schemas.openxmlformats.org/markup-compatibility/2006" xmlns:p14="http://schemas.microsoft.com/office/powerpoint/2010/main" xmlns:aink="http://schemas.microsoft.com/office/drawing/2016/ink">
+        <mc:Choice Requires="p14 aink">
           <p:contentPart p14:bwMode="auto" r:id="rId6">
             <p14:nvContentPartPr>
               <p14:cNvPr id="21" name="Рукописный ввод 20">
@@ -14903,7 +14419,7 @@
             </p14:xfrm>
           </p:contentPart>
         </mc:Choice>
-        <mc:Fallback>
+        <mc:Fallback xmlns="">
           <p:pic>
             <p:nvPicPr>
               <p:cNvPr id="21" name="Рукописный ввод 20">
@@ -15144,8 +14660,8 @@
           </a:p>
         </p:txBody>
       </p:sp>
-      <mc:AlternateContent xmlns:mc="http://schemas.openxmlformats.org/markup-compatibility/2006">
-        <mc:Choice xmlns:p14="http://schemas.microsoft.com/office/powerpoint/2010/main" Requires="p14">
+      <mc:AlternateContent xmlns:mc="http://schemas.openxmlformats.org/markup-compatibility/2006" xmlns:p14="http://schemas.microsoft.com/office/powerpoint/2010/main">
+        <mc:Choice Requires="p14">
           <p:contentPart p14:bwMode="auto" r:id="rId8">
             <p14:nvContentPartPr>
               <p14:cNvPr id="54" name="Рукописный ввод 53">
@@ -15164,7 +14680,7 @@
             </p14:xfrm>
           </p:contentPart>
         </mc:Choice>
-        <mc:Fallback>
+        <mc:Fallback xmlns="">
           <p:pic>
             <p:nvPicPr>
               <p:cNvPr id="54" name="Рукописный ввод 53">
@@ -15195,8 +14711,8 @@
           </p:pic>
         </mc:Fallback>
       </mc:AlternateContent>
-      <mc:AlternateContent xmlns:mc="http://schemas.openxmlformats.org/markup-compatibility/2006">
-        <mc:Choice xmlns:p14="http://schemas.microsoft.com/office/powerpoint/2010/main" Requires="p14">
+      <mc:AlternateContent xmlns:mc="http://schemas.openxmlformats.org/markup-compatibility/2006" xmlns:p14="http://schemas.microsoft.com/office/powerpoint/2010/main">
+        <mc:Choice Requires="p14">
           <p:contentPart p14:bwMode="auto" r:id="rId10">
             <p14:nvContentPartPr>
               <p14:cNvPr id="55" name="Рукописный ввод 54">
@@ -15215,7 +14731,7 @@
             </p14:xfrm>
           </p:contentPart>
         </mc:Choice>
-        <mc:Fallback>
+        <mc:Fallback xmlns="">
           <p:pic>
             <p:nvPicPr>
               <p:cNvPr id="55" name="Рукописный ввод 54">
@@ -15246,8 +14762,8 @@
           </p:pic>
         </mc:Fallback>
       </mc:AlternateContent>
-      <mc:AlternateContent xmlns:mc="http://schemas.openxmlformats.org/markup-compatibility/2006">
-        <mc:Choice xmlns:p14="http://schemas.microsoft.com/office/powerpoint/2010/main" Requires="p14">
+      <mc:AlternateContent xmlns:mc="http://schemas.openxmlformats.org/markup-compatibility/2006" xmlns:p14="http://schemas.microsoft.com/office/powerpoint/2010/main">
+        <mc:Choice Requires="p14">
           <p:contentPart p14:bwMode="auto" r:id="rId12">
             <p14:nvContentPartPr>
               <p14:cNvPr id="57" name="Рукописный ввод 56">
@@ -15266,7 +14782,7 @@
             </p14:xfrm>
           </p:contentPart>
         </mc:Choice>
-        <mc:Fallback>
+        <mc:Fallback xmlns="">
           <p:pic>
             <p:nvPicPr>
               <p:cNvPr id="57" name="Рукописный ввод 56">
@@ -15297,8 +14813,8 @@
           </p:pic>
         </mc:Fallback>
       </mc:AlternateContent>
-      <mc:AlternateContent xmlns:mc="http://schemas.openxmlformats.org/markup-compatibility/2006">
-        <mc:Choice xmlns:p14="http://schemas.microsoft.com/office/powerpoint/2010/main" Requires="p14">
+      <mc:AlternateContent xmlns:mc="http://schemas.openxmlformats.org/markup-compatibility/2006" xmlns:p14="http://schemas.microsoft.com/office/powerpoint/2010/main">
+        <mc:Choice Requires="p14">
           <p:contentPart p14:bwMode="auto" r:id="rId14">
             <p14:nvContentPartPr>
               <p14:cNvPr id="58" name="Рукописный ввод 57">
@@ -15317,7 +14833,7 @@
             </p14:xfrm>
           </p:contentPart>
         </mc:Choice>
-        <mc:Fallback>
+        <mc:Fallback xmlns="">
           <p:pic>
             <p:nvPicPr>
               <p:cNvPr id="58" name="Рукописный ввод 57">
@@ -15348,8 +14864,8 @@
           </p:pic>
         </mc:Fallback>
       </mc:AlternateContent>
-      <mc:AlternateContent xmlns:mc="http://schemas.openxmlformats.org/markup-compatibility/2006">
-        <mc:Choice xmlns:p14="http://schemas.microsoft.com/office/powerpoint/2010/main" Requires="p14">
+      <mc:AlternateContent xmlns:mc="http://schemas.openxmlformats.org/markup-compatibility/2006" xmlns:p14="http://schemas.microsoft.com/office/powerpoint/2010/main">
+        <mc:Choice Requires="p14">
           <p:contentPart p14:bwMode="auto" r:id="rId16">
             <p14:nvContentPartPr>
               <p14:cNvPr id="131" name="Рукописный ввод 130">
@@ -15368,7 +14884,7 @@
             </p14:xfrm>
           </p:contentPart>
         </mc:Choice>
-        <mc:Fallback>
+        <mc:Fallback xmlns="">
           <p:pic>
             <p:nvPicPr>
               <p:cNvPr id="131" name="Рукописный ввод 130">
@@ -15399,8 +14915,8 @@
           </p:pic>
         </mc:Fallback>
       </mc:AlternateContent>
-      <mc:AlternateContent xmlns:mc="http://schemas.openxmlformats.org/markup-compatibility/2006">
-        <mc:Choice xmlns:p14="http://schemas.microsoft.com/office/powerpoint/2010/main" Requires="p14">
+      <mc:AlternateContent xmlns:mc="http://schemas.openxmlformats.org/markup-compatibility/2006" xmlns:p14="http://schemas.microsoft.com/office/powerpoint/2010/main">
+        <mc:Choice Requires="p14">
           <p:contentPart p14:bwMode="auto" r:id="rId18">
             <p14:nvContentPartPr>
               <p14:cNvPr id="132" name="Рукописный ввод 131">
@@ -15419,7 +14935,7 @@
             </p14:xfrm>
           </p:contentPart>
         </mc:Choice>
-        <mc:Fallback>
+        <mc:Fallback xmlns="">
           <p:pic>
             <p:nvPicPr>
               <p:cNvPr id="132" name="Рукописный ввод 131">
@@ -15567,8 +15083,8 @@
           </a:p>
         </p:txBody>
       </p:sp>
-      <mc:AlternateContent xmlns:mc="http://schemas.openxmlformats.org/markup-compatibility/2006">
-        <mc:Choice xmlns:p14="http://schemas.microsoft.com/office/powerpoint/2010/main" Requires="p14">
+      <mc:AlternateContent xmlns:mc="http://schemas.openxmlformats.org/markup-compatibility/2006" xmlns:p14="http://schemas.microsoft.com/office/powerpoint/2010/main">
+        <mc:Choice Requires="p14">
           <p:contentPart p14:bwMode="auto" r:id="rId20">
             <p14:nvContentPartPr>
               <p14:cNvPr id="133" name="Рукописный ввод 132">
@@ -15587,7 +15103,7 @@
             </p14:xfrm>
           </p:contentPart>
         </mc:Choice>
-        <mc:Fallback>
+        <mc:Fallback xmlns="">
           <p:pic>
             <p:nvPicPr>
               <p:cNvPr id="133" name="Рукописный ввод 132">
@@ -15618,8 +15134,8 @@
           </p:pic>
         </mc:Fallback>
       </mc:AlternateContent>
-      <mc:AlternateContent xmlns:mc="http://schemas.openxmlformats.org/markup-compatibility/2006">
-        <mc:Choice xmlns:p14="http://schemas.microsoft.com/office/powerpoint/2010/main" Requires="p14">
+      <mc:AlternateContent xmlns:mc="http://schemas.openxmlformats.org/markup-compatibility/2006" xmlns:p14="http://schemas.microsoft.com/office/powerpoint/2010/main">
+        <mc:Choice Requires="p14">
           <p:contentPart p14:bwMode="auto" r:id="rId22">
             <p14:nvContentPartPr>
               <p14:cNvPr id="136" name="Рукописный ввод 135">
@@ -15638,7 +15154,7 @@
             </p14:xfrm>
           </p:contentPart>
         </mc:Choice>
-        <mc:Fallback>
+        <mc:Fallback xmlns="">
           <p:pic>
             <p:nvPicPr>
               <p:cNvPr id="136" name="Рукописный ввод 135">
@@ -15669,8 +15185,8 @@
           </p:pic>
         </mc:Fallback>
       </mc:AlternateContent>
-      <mc:AlternateContent xmlns:mc="http://schemas.openxmlformats.org/markup-compatibility/2006">
-        <mc:Choice xmlns:p14="http://schemas.microsoft.com/office/powerpoint/2010/main" Requires="p14">
+      <mc:AlternateContent xmlns:mc="http://schemas.openxmlformats.org/markup-compatibility/2006" xmlns:p14="http://schemas.microsoft.com/office/powerpoint/2010/main">
+        <mc:Choice Requires="p14">
           <p:contentPart p14:bwMode="auto" r:id="rId24">
             <p14:nvContentPartPr>
               <p14:cNvPr id="137" name="Рукописный ввод 136">
@@ -15689,7 +15205,7 @@
             </p14:xfrm>
           </p:contentPart>
         </mc:Choice>
-        <mc:Fallback>
+        <mc:Fallback xmlns="">
           <p:pic>
             <p:nvPicPr>
               <p:cNvPr id="137" name="Рукописный ввод 136">
@@ -15720,8 +15236,8 @@
           </p:pic>
         </mc:Fallback>
       </mc:AlternateContent>
-      <mc:AlternateContent xmlns:mc="http://schemas.openxmlformats.org/markup-compatibility/2006">
-        <mc:Choice xmlns:p14="http://schemas.microsoft.com/office/powerpoint/2010/main" Requires="p14">
+      <mc:AlternateContent xmlns:mc="http://schemas.openxmlformats.org/markup-compatibility/2006" xmlns:p14="http://schemas.microsoft.com/office/powerpoint/2010/main">
+        <mc:Choice Requires="p14">
           <p:contentPart p14:bwMode="auto" r:id="rId26">
             <p14:nvContentPartPr>
               <p14:cNvPr id="139" name="Рукописный ввод 138">
@@ -15740,7 +15256,7 @@
             </p14:xfrm>
           </p:contentPart>
         </mc:Choice>
-        <mc:Fallback>
+        <mc:Fallback xmlns="">
           <p:pic>
             <p:nvPicPr>
               <p:cNvPr id="139" name="Рукописный ввод 138">
@@ -15771,8 +15287,8 @@
           </p:pic>
         </mc:Fallback>
       </mc:AlternateContent>
-      <mc:AlternateContent xmlns:mc="http://schemas.openxmlformats.org/markup-compatibility/2006">
-        <mc:Choice xmlns:p14="http://schemas.microsoft.com/office/powerpoint/2010/main" Requires="p14">
+      <mc:AlternateContent xmlns:mc="http://schemas.openxmlformats.org/markup-compatibility/2006" xmlns:p14="http://schemas.microsoft.com/office/powerpoint/2010/main">
+        <mc:Choice Requires="p14">
           <p:contentPart p14:bwMode="auto" r:id="rId28">
             <p14:nvContentPartPr>
               <p14:cNvPr id="141" name="Рукописный ввод 140">
@@ -15791,7 +15307,7 @@
             </p14:xfrm>
           </p:contentPart>
         </mc:Choice>
-        <mc:Fallback>
+        <mc:Fallback xmlns="">
           <p:pic>
             <p:nvPicPr>
               <p:cNvPr id="141" name="Рукописный ввод 140">
@@ -15822,8 +15338,8 @@
           </p:pic>
         </mc:Fallback>
       </mc:AlternateContent>
-      <mc:AlternateContent xmlns:mc="http://schemas.openxmlformats.org/markup-compatibility/2006">
-        <mc:Choice xmlns:p14="http://schemas.microsoft.com/office/powerpoint/2010/main" Requires="p14">
+      <mc:AlternateContent xmlns:mc="http://schemas.openxmlformats.org/markup-compatibility/2006" xmlns:p14="http://schemas.microsoft.com/office/powerpoint/2010/main">
+        <mc:Choice Requires="p14">
           <p:contentPart p14:bwMode="auto" r:id="rId30">
             <p14:nvContentPartPr>
               <p14:cNvPr id="142" name="Рукописный ввод 141">
@@ -15842,7 +15358,7 @@
             </p14:xfrm>
           </p:contentPart>
         </mc:Choice>
-        <mc:Fallback>
+        <mc:Fallback xmlns="">
           <p:pic>
             <p:nvPicPr>
               <p:cNvPr id="142" name="Рукописный ввод 141">
@@ -15873,8 +15389,8 @@
           </p:pic>
         </mc:Fallback>
       </mc:AlternateContent>
-      <mc:AlternateContent xmlns:mc="http://schemas.openxmlformats.org/markup-compatibility/2006">
-        <mc:Choice xmlns:p14="http://schemas.microsoft.com/office/powerpoint/2010/main" Requires="p14">
+      <mc:AlternateContent xmlns:mc="http://schemas.openxmlformats.org/markup-compatibility/2006" xmlns:p14="http://schemas.microsoft.com/office/powerpoint/2010/main">
+        <mc:Choice Requires="p14">
           <p:contentPart p14:bwMode="auto" r:id="rId32">
             <p14:nvContentPartPr>
               <p14:cNvPr id="143" name="Рукописный ввод 142">
@@ -15893,7 +15409,7 @@
             </p14:xfrm>
           </p:contentPart>
         </mc:Choice>
-        <mc:Fallback>
+        <mc:Fallback xmlns="">
           <p:pic>
             <p:nvPicPr>
               <p:cNvPr id="143" name="Рукописный ввод 142">
@@ -15924,8 +15440,8 @@
           </p:pic>
         </mc:Fallback>
       </mc:AlternateContent>
-      <mc:AlternateContent xmlns:mc="http://schemas.openxmlformats.org/markup-compatibility/2006">
-        <mc:Choice xmlns:p14="http://schemas.microsoft.com/office/powerpoint/2010/main" Requires="p14">
+      <mc:AlternateContent xmlns:mc="http://schemas.openxmlformats.org/markup-compatibility/2006" xmlns:p14="http://schemas.microsoft.com/office/powerpoint/2010/main">
+        <mc:Choice Requires="p14">
           <p:contentPart p14:bwMode="auto" r:id="rId34">
             <p14:nvContentPartPr>
               <p14:cNvPr id="144" name="Рукописный ввод 143">
@@ -15944,7 +15460,7 @@
             </p14:xfrm>
           </p:contentPart>
         </mc:Choice>
-        <mc:Fallback>
+        <mc:Fallback xmlns="">
           <p:pic>
             <p:nvPicPr>
               <p:cNvPr id="144" name="Рукописный ввод 143">
@@ -15975,8 +15491,8 @@
           </p:pic>
         </mc:Fallback>
       </mc:AlternateContent>
-      <mc:AlternateContent xmlns:mc="http://schemas.openxmlformats.org/markup-compatibility/2006">
-        <mc:Choice xmlns:p14="http://schemas.microsoft.com/office/powerpoint/2010/main" Requires="p14">
+      <mc:AlternateContent xmlns:mc="http://schemas.openxmlformats.org/markup-compatibility/2006" xmlns:p14="http://schemas.microsoft.com/office/powerpoint/2010/main">
+        <mc:Choice Requires="p14">
           <p:contentPart p14:bwMode="auto" r:id="rId36">
             <p14:nvContentPartPr>
               <p14:cNvPr id="148" name="Рукописный ввод 147">
@@ -15995,7 +15511,7 @@
             </p14:xfrm>
           </p:contentPart>
         </mc:Choice>
-        <mc:Fallback>
+        <mc:Fallback xmlns="">
           <p:pic>
             <p:nvPicPr>
               <p:cNvPr id="148" name="Рукописный ввод 147">
@@ -16026,8 +15542,8 @@
           </p:pic>
         </mc:Fallback>
       </mc:AlternateContent>
-      <mc:AlternateContent xmlns:mc="http://schemas.openxmlformats.org/markup-compatibility/2006">
-        <mc:Choice xmlns:p14="http://schemas.microsoft.com/office/powerpoint/2010/main" Requires="p14">
+      <mc:AlternateContent xmlns:mc="http://schemas.openxmlformats.org/markup-compatibility/2006" xmlns:p14="http://schemas.microsoft.com/office/powerpoint/2010/main">
+        <mc:Choice Requires="p14">
           <p:contentPart p14:bwMode="auto" r:id="rId38">
             <p14:nvContentPartPr>
               <p14:cNvPr id="151" name="Рукописный ввод 150">
@@ -16046,7 +15562,7 @@
             </p14:xfrm>
           </p:contentPart>
         </mc:Choice>
-        <mc:Fallback>
+        <mc:Fallback xmlns="">
           <p:pic>
             <p:nvPicPr>
               <p:cNvPr id="151" name="Рукописный ввод 150">
@@ -16077,8 +15593,8 @@
           </p:pic>
         </mc:Fallback>
       </mc:AlternateContent>
-      <mc:AlternateContent xmlns:mc="http://schemas.openxmlformats.org/markup-compatibility/2006">
-        <mc:Choice xmlns:p14="http://schemas.microsoft.com/office/powerpoint/2010/main" Requires="p14">
+      <mc:AlternateContent xmlns:mc="http://schemas.openxmlformats.org/markup-compatibility/2006" xmlns:p14="http://schemas.microsoft.com/office/powerpoint/2010/main">
+        <mc:Choice Requires="p14">
           <p:contentPart p14:bwMode="auto" r:id="rId40">
             <p14:nvContentPartPr>
               <p14:cNvPr id="154" name="Рукописный ввод 153">
@@ -16097,7 +15613,7 @@
             </p14:xfrm>
           </p:contentPart>
         </mc:Choice>
-        <mc:Fallback>
+        <mc:Fallback xmlns="">
           <p:pic>
             <p:nvPicPr>
               <p:cNvPr id="154" name="Рукописный ввод 153">
@@ -16128,8 +15644,8 @@
           </p:pic>
         </mc:Fallback>
       </mc:AlternateContent>
-      <mc:AlternateContent xmlns:mc="http://schemas.openxmlformats.org/markup-compatibility/2006">
-        <mc:Choice xmlns:p14="http://schemas.microsoft.com/office/powerpoint/2010/main" Requires="p14">
+      <mc:AlternateContent xmlns:mc="http://schemas.openxmlformats.org/markup-compatibility/2006" xmlns:p14="http://schemas.microsoft.com/office/powerpoint/2010/main">
+        <mc:Choice Requires="p14">
           <p:contentPart p14:bwMode="auto" r:id="rId42">
             <p14:nvContentPartPr>
               <p14:cNvPr id="97" name="Рукописный ввод 96">
@@ -16148,7 +15664,7 @@
             </p14:xfrm>
           </p:contentPart>
         </mc:Choice>
-        <mc:Fallback>
+        <mc:Fallback xmlns="">
           <p:pic>
             <p:nvPicPr>
               <p:cNvPr id="97" name="Рукописный ввод 96">
@@ -16266,8 +15782,8 @@
               </a:extLst>
             </p:spPr>
           </p:pic>
-          <mc:AlternateContent xmlns:mc="http://schemas.openxmlformats.org/markup-compatibility/2006">
-            <mc:Choice xmlns:p14="http://schemas.microsoft.com/office/powerpoint/2010/main" xmlns:aink="http://schemas.microsoft.com/office/drawing/2016/ink" Requires="p14 aink">
+          <mc:AlternateContent xmlns:mc="http://schemas.openxmlformats.org/markup-compatibility/2006" xmlns:p14="http://schemas.microsoft.com/office/powerpoint/2010/main" xmlns:aink="http://schemas.microsoft.com/office/drawing/2016/ink">
+            <mc:Choice Requires="p14 aink">
               <p:contentPart p14:bwMode="auto" r:id="rId45">
                 <p14:nvContentPartPr>
                   <p14:cNvPr id="108" name="Рукописный ввод 107">
@@ -16286,7 +15802,7 @@
                 </p14:xfrm>
               </p:contentPart>
             </mc:Choice>
-            <mc:Fallback>
+            <mc:Fallback xmlns="">
               <p:pic>
                 <p:nvPicPr>
                   <p:cNvPr id="108" name="Рукописный ввод 107">
@@ -16318,8 +15834,8 @@
             </mc:Fallback>
           </mc:AlternateContent>
         </p:grpSp>
-        <mc:AlternateContent xmlns:mc="http://schemas.openxmlformats.org/markup-compatibility/2006">
-          <mc:Choice xmlns:p14="http://schemas.microsoft.com/office/powerpoint/2010/main" Requires="p14">
+        <mc:AlternateContent xmlns:mc="http://schemas.openxmlformats.org/markup-compatibility/2006" xmlns:p14="http://schemas.microsoft.com/office/powerpoint/2010/main">
+          <mc:Choice Requires="p14">
             <p:contentPart p14:bwMode="auto" r:id="rId47">
               <p14:nvContentPartPr>
                 <p14:cNvPr id="199" name="Рукописный ввод 198">
@@ -16338,7 +15854,7 @@
               </p14:xfrm>
             </p:contentPart>
           </mc:Choice>
-          <mc:Fallback>
+          <mc:Fallback xmlns="">
             <p:pic>
               <p:nvPicPr>
                 <p:cNvPr id="199" name="Рукописный ввод 198">
@@ -16457,8 +15973,8 @@
               </a:extLst>
             </p:spPr>
           </p:pic>
-          <mc:AlternateContent xmlns:mc="http://schemas.openxmlformats.org/markup-compatibility/2006">
-            <mc:Choice xmlns:p14="http://schemas.microsoft.com/office/powerpoint/2010/main" xmlns:aink="http://schemas.microsoft.com/office/drawing/2016/ink" Requires="p14 aink">
+          <mc:AlternateContent xmlns:mc="http://schemas.openxmlformats.org/markup-compatibility/2006" xmlns:p14="http://schemas.microsoft.com/office/powerpoint/2010/main" xmlns:aink="http://schemas.microsoft.com/office/drawing/2016/ink">
+            <mc:Choice Requires="p14 aink">
               <p:contentPart p14:bwMode="auto" r:id="rId49">
                 <p14:nvContentPartPr>
                   <p14:cNvPr id="204" name="Рукописный ввод 203">
@@ -16477,7 +15993,7 @@
                 </p14:xfrm>
               </p:contentPart>
             </mc:Choice>
-            <mc:Fallback>
+            <mc:Fallback xmlns="">
               <p:pic>
                 <p:nvPicPr>
                   <p:cNvPr id="204" name="Рукописный ввод 203">
@@ -16509,8 +16025,8 @@
             </mc:Fallback>
           </mc:AlternateContent>
         </p:grpSp>
-        <mc:AlternateContent xmlns:mc="http://schemas.openxmlformats.org/markup-compatibility/2006">
-          <mc:Choice xmlns:p14="http://schemas.microsoft.com/office/powerpoint/2010/main" Requires="p14">
+        <mc:AlternateContent xmlns:mc="http://schemas.openxmlformats.org/markup-compatibility/2006" xmlns:p14="http://schemas.microsoft.com/office/powerpoint/2010/main">
+          <mc:Choice Requires="p14">
             <p:contentPart p14:bwMode="auto" r:id="rId51">
               <p14:nvContentPartPr>
                 <p14:cNvPr id="202" name="Рукописный ввод 201">
@@ -16529,7 +16045,7 @@
               </p14:xfrm>
             </p:contentPart>
           </mc:Choice>
-          <mc:Fallback>
+          <mc:Fallback xmlns="">
             <p:pic>
               <p:nvPicPr>
                 <p:cNvPr id="202" name="Рукописный ввод 201">
@@ -16648,8 +16164,8 @@
               </a:extLst>
             </p:spPr>
           </p:pic>
-          <mc:AlternateContent xmlns:mc="http://schemas.openxmlformats.org/markup-compatibility/2006">
-            <mc:Choice xmlns:p14="http://schemas.microsoft.com/office/powerpoint/2010/main" xmlns:aink="http://schemas.microsoft.com/office/drawing/2016/ink" Requires="p14 aink">
+          <mc:AlternateContent xmlns:mc="http://schemas.openxmlformats.org/markup-compatibility/2006" xmlns:p14="http://schemas.microsoft.com/office/powerpoint/2010/main" xmlns:aink="http://schemas.microsoft.com/office/drawing/2016/ink">
+            <mc:Choice Requires="p14 aink">
               <p:contentPart p14:bwMode="auto" r:id="rId52">
                 <p14:nvContentPartPr>
                   <p14:cNvPr id="209" name="Рукописный ввод 208">
@@ -16668,7 +16184,7 @@
                 </p14:xfrm>
               </p:contentPart>
             </mc:Choice>
-            <mc:Fallback>
+            <mc:Fallback xmlns="">
               <p:pic>
                 <p:nvPicPr>
                   <p:cNvPr id="209" name="Рукописный ввод 208">
@@ -16700,8 +16216,8 @@
             </mc:Fallback>
           </mc:AlternateContent>
         </p:grpSp>
-        <mc:AlternateContent xmlns:mc="http://schemas.openxmlformats.org/markup-compatibility/2006">
-          <mc:Choice xmlns:p14="http://schemas.microsoft.com/office/powerpoint/2010/main" Requires="p14">
+        <mc:AlternateContent xmlns:mc="http://schemas.openxmlformats.org/markup-compatibility/2006" xmlns:p14="http://schemas.microsoft.com/office/powerpoint/2010/main">
+          <mc:Choice Requires="p14">
             <p:contentPart p14:bwMode="auto" r:id="rId54">
               <p14:nvContentPartPr>
                 <p14:cNvPr id="207" name="Рукописный ввод 206">
@@ -16720,7 +16236,7 @@
               </p14:xfrm>
             </p:contentPart>
           </mc:Choice>
-          <mc:Fallback>
+          <mc:Fallback xmlns="">
             <p:pic>
               <p:nvPicPr>
                 <p:cNvPr id="207" name="Рукописный ввод 206">
@@ -16822,8 +16338,8 @@
           </a:p>
         </p:txBody>
       </p:sp>
-      <mc:AlternateContent xmlns:mc="http://schemas.openxmlformats.org/markup-compatibility/2006">
-        <mc:Choice xmlns:p14="http://schemas.microsoft.com/office/powerpoint/2010/main" Requires="p14">
+      <mc:AlternateContent xmlns:mc="http://schemas.openxmlformats.org/markup-compatibility/2006" xmlns:p14="http://schemas.microsoft.com/office/powerpoint/2010/main">
+        <mc:Choice Requires="p14">
           <p:contentPart p14:bwMode="auto" r:id="rId55">
             <p14:nvContentPartPr>
               <p14:cNvPr id="1025" name="Рукописный ввод 1024">
@@ -16842,7 +16358,7 @@
             </p14:xfrm>
           </p:contentPart>
         </mc:Choice>
-        <mc:Fallback>
+        <mc:Fallback xmlns="">
           <p:pic>
             <p:nvPicPr>
               <p:cNvPr id="1025" name="Рукописный ввод 1024">
@@ -16905,39 +16421,6 @@
       </p:grpSpPr>
       <p:sp>
         <p:nvSpPr>
-          <p:cNvPr id="5" name="Заголовок 4">
-            <a:extLst>
-              <a:ext uri="{FF2B5EF4-FFF2-40B4-BE49-F238E27FC236}">
-                <a16:creationId xmlns:a16="http://schemas.microsoft.com/office/drawing/2014/main" id="{AF798A1D-1B16-4FD0-8CAC-8754A8D756FC}"/>
-              </a:ext>
-            </a:extLst>
-          </p:cNvPr>
-          <p:cNvSpPr>
-            <a:spLocks noGrp="1"/>
-          </p:cNvSpPr>
-          <p:nvPr>
-            <p:ph type="title"/>
-          </p:nvPr>
-        </p:nvSpPr>
-        <p:spPr>
-          <a:xfrm rot="16200000">
-            <a:off x="-1753423" y="1966521"/>
-            <a:ext cx="4206501" cy="699656"/>
-          </a:xfrm>
-        </p:spPr>
-        <p:txBody>
-          <a:bodyPr/>
-          <a:lstStyle/>
-          <a:p>
-            <a:r>
-              <a:rPr lang="ru-RU" dirty="0"/>
-              <a:t>Третье  поворотное  событие</a:t>
-            </a:r>
-          </a:p>
-        </p:txBody>
-      </p:sp>
-      <p:sp>
-        <p:nvSpPr>
           <p:cNvPr id="6" name="TextBox 5">
             <a:extLst>
               <a:ext uri="{FF2B5EF4-FFF2-40B4-BE49-F238E27FC236}">
@@ -17184,8 +16667,8 @@
           </a:p>
         </p:txBody>
       </p:sp>
-      <mc:AlternateContent xmlns:mc="http://schemas.openxmlformats.org/markup-compatibility/2006">
-        <mc:Choice xmlns:p14="http://schemas.microsoft.com/office/powerpoint/2010/main" Requires="p14">
+      <mc:AlternateContent xmlns:mc="http://schemas.openxmlformats.org/markup-compatibility/2006" xmlns:p14="http://schemas.microsoft.com/office/powerpoint/2010/main">
+        <mc:Choice Requires="p14">
           <p:contentPart p14:bwMode="auto" r:id="rId2">
             <p14:nvContentPartPr>
               <p14:cNvPr id="54" name="Рукописный ввод 53">
@@ -17204,7 +16687,7 @@
             </p14:xfrm>
           </p:contentPart>
         </mc:Choice>
-        <mc:Fallback>
+        <mc:Fallback xmlns="">
           <p:pic>
             <p:nvPicPr>
               <p:cNvPr id="54" name="Рукописный ввод 53">
@@ -17235,8 +16718,8 @@
           </p:pic>
         </mc:Fallback>
       </mc:AlternateContent>
-      <mc:AlternateContent xmlns:mc="http://schemas.openxmlformats.org/markup-compatibility/2006">
-        <mc:Choice xmlns:p14="http://schemas.microsoft.com/office/powerpoint/2010/main" Requires="p14">
+      <mc:AlternateContent xmlns:mc="http://schemas.openxmlformats.org/markup-compatibility/2006" xmlns:p14="http://schemas.microsoft.com/office/powerpoint/2010/main">
+        <mc:Choice Requires="p14">
           <p:contentPart p14:bwMode="auto" r:id="rId4">
             <p14:nvContentPartPr>
               <p14:cNvPr id="55" name="Рукописный ввод 54">
@@ -17255,7 +16738,7 @@
             </p14:xfrm>
           </p:contentPart>
         </mc:Choice>
-        <mc:Fallback>
+        <mc:Fallback xmlns="">
           <p:pic>
             <p:nvPicPr>
               <p:cNvPr id="55" name="Рукописный ввод 54">
@@ -17286,8 +16769,8 @@
           </p:pic>
         </mc:Fallback>
       </mc:AlternateContent>
-      <mc:AlternateContent xmlns:mc="http://schemas.openxmlformats.org/markup-compatibility/2006">
-        <mc:Choice xmlns:p14="http://schemas.microsoft.com/office/powerpoint/2010/main" Requires="p14">
+      <mc:AlternateContent xmlns:mc="http://schemas.openxmlformats.org/markup-compatibility/2006" xmlns:p14="http://schemas.microsoft.com/office/powerpoint/2010/main">
+        <mc:Choice Requires="p14">
           <p:contentPart p14:bwMode="auto" r:id="rId6">
             <p14:nvContentPartPr>
               <p14:cNvPr id="57" name="Рукописный ввод 56">
@@ -17306,7 +16789,7 @@
             </p14:xfrm>
           </p:contentPart>
         </mc:Choice>
-        <mc:Fallback>
+        <mc:Fallback xmlns="">
           <p:pic>
             <p:nvPicPr>
               <p:cNvPr id="57" name="Рукописный ввод 56">
@@ -17337,8 +16820,8 @@
           </p:pic>
         </mc:Fallback>
       </mc:AlternateContent>
-      <mc:AlternateContent xmlns:mc="http://schemas.openxmlformats.org/markup-compatibility/2006">
-        <mc:Choice xmlns:p14="http://schemas.microsoft.com/office/powerpoint/2010/main" Requires="p14">
+      <mc:AlternateContent xmlns:mc="http://schemas.openxmlformats.org/markup-compatibility/2006" xmlns:p14="http://schemas.microsoft.com/office/powerpoint/2010/main">
+        <mc:Choice Requires="p14">
           <p:contentPart p14:bwMode="auto" r:id="rId8">
             <p14:nvContentPartPr>
               <p14:cNvPr id="58" name="Рукописный ввод 57">
@@ -17357,7 +16840,7 @@
             </p14:xfrm>
           </p:contentPart>
         </mc:Choice>
-        <mc:Fallback>
+        <mc:Fallback xmlns="">
           <p:pic>
             <p:nvPicPr>
               <p:cNvPr id="58" name="Рукописный ввод 57">
@@ -17388,8 +16871,8 @@
           </p:pic>
         </mc:Fallback>
       </mc:AlternateContent>
-      <mc:AlternateContent xmlns:mc="http://schemas.openxmlformats.org/markup-compatibility/2006">
-        <mc:Choice xmlns:p14="http://schemas.microsoft.com/office/powerpoint/2010/main" Requires="p14">
+      <mc:AlternateContent xmlns:mc="http://schemas.openxmlformats.org/markup-compatibility/2006" xmlns:p14="http://schemas.microsoft.com/office/powerpoint/2010/main">
+        <mc:Choice Requires="p14">
           <p:contentPart p14:bwMode="auto" r:id="rId10">
             <p14:nvContentPartPr>
               <p14:cNvPr id="131" name="Рукописный ввод 130">
@@ -17408,7 +16891,7 @@
             </p14:xfrm>
           </p:contentPart>
         </mc:Choice>
-        <mc:Fallback>
+        <mc:Fallback xmlns="">
           <p:pic>
             <p:nvPicPr>
               <p:cNvPr id="131" name="Рукописный ввод 130">
@@ -17439,8 +16922,8 @@
           </p:pic>
         </mc:Fallback>
       </mc:AlternateContent>
-      <mc:AlternateContent xmlns:mc="http://schemas.openxmlformats.org/markup-compatibility/2006">
-        <mc:Choice xmlns:p14="http://schemas.microsoft.com/office/powerpoint/2010/main" Requires="p14">
+      <mc:AlternateContent xmlns:mc="http://schemas.openxmlformats.org/markup-compatibility/2006" xmlns:p14="http://schemas.microsoft.com/office/powerpoint/2010/main">
+        <mc:Choice Requires="p14">
           <p:contentPart p14:bwMode="auto" r:id="rId12">
             <p14:nvContentPartPr>
               <p14:cNvPr id="132" name="Рукописный ввод 131">
@@ -17459,7 +16942,7 @@
             </p14:xfrm>
           </p:contentPart>
         </mc:Choice>
-        <mc:Fallback>
+        <mc:Fallback xmlns="">
           <p:pic>
             <p:nvPicPr>
               <p:cNvPr id="132" name="Рукописный ввод 131">
@@ -17607,8 +17090,8 @@
           </a:p>
         </p:txBody>
       </p:sp>
-      <mc:AlternateContent xmlns:mc="http://schemas.openxmlformats.org/markup-compatibility/2006">
-        <mc:Choice xmlns:p14="http://schemas.microsoft.com/office/powerpoint/2010/main" Requires="p14">
+      <mc:AlternateContent xmlns:mc="http://schemas.openxmlformats.org/markup-compatibility/2006" xmlns:p14="http://schemas.microsoft.com/office/powerpoint/2010/main">
+        <mc:Choice Requires="p14">
           <p:contentPart p14:bwMode="auto" r:id="rId14">
             <p14:nvContentPartPr>
               <p14:cNvPr id="133" name="Рукописный ввод 132">
@@ -17627,7 +17110,7 @@
             </p14:xfrm>
           </p:contentPart>
         </mc:Choice>
-        <mc:Fallback>
+        <mc:Fallback xmlns="">
           <p:pic>
             <p:nvPicPr>
               <p:cNvPr id="133" name="Рукописный ввод 132">
@@ -17658,8 +17141,8 @@
           </p:pic>
         </mc:Fallback>
       </mc:AlternateContent>
-      <mc:AlternateContent xmlns:mc="http://schemas.openxmlformats.org/markup-compatibility/2006">
-        <mc:Choice xmlns:p14="http://schemas.microsoft.com/office/powerpoint/2010/main" Requires="p14">
+      <mc:AlternateContent xmlns:mc="http://schemas.openxmlformats.org/markup-compatibility/2006" xmlns:p14="http://schemas.microsoft.com/office/powerpoint/2010/main">
+        <mc:Choice Requires="p14">
           <p:contentPart p14:bwMode="auto" r:id="rId16">
             <p14:nvContentPartPr>
               <p14:cNvPr id="136" name="Рукописный ввод 135">
@@ -17678,7 +17161,7 @@
             </p14:xfrm>
           </p:contentPart>
         </mc:Choice>
-        <mc:Fallback>
+        <mc:Fallback xmlns="">
           <p:pic>
             <p:nvPicPr>
               <p:cNvPr id="136" name="Рукописный ввод 135">
@@ -17709,8 +17192,8 @@
           </p:pic>
         </mc:Fallback>
       </mc:AlternateContent>
-      <mc:AlternateContent xmlns:mc="http://schemas.openxmlformats.org/markup-compatibility/2006">
-        <mc:Choice xmlns:p14="http://schemas.microsoft.com/office/powerpoint/2010/main" Requires="p14">
+      <mc:AlternateContent xmlns:mc="http://schemas.openxmlformats.org/markup-compatibility/2006" xmlns:p14="http://schemas.microsoft.com/office/powerpoint/2010/main">
+        <mc:Choice Requires="p14">
           <p:contentPart p14:bwMode="auto" r:id="rId18">
             <p14:nvContentPartPr>
               <p14:cNvPr id="137" name="Рукописный ввод 136">
@@ -17729,7 +17212,7 @@
             </p14:xfrm>
           </p:contentPart>
         </mc:Choice>
-        <mc:Fallback>
+        <mc:Fallback xmlns="">
           <p:pic>
             <p:nvPicPr>
               <p:cNvPr id="137" name="Рукописный ввод 136">
@@ -17847,8 +17330,8 @@
               </a:extLst>
             </p:spPr>
           </p:pic>
-          <mc:AlternateContent xmlns:mc="http://schemas.openxmlformats.org/markup-compatibility/2006">
-            <mc:Choice xmlns:p14="http://schemas.microsoft.com/office/powerpoint/2010/main" xmlns:aink="http://schemas.microsoft.com/office/drawing/2016/ink" Requires="p14 aink">
+          <mc:AlternateContent xmlns:mc="http://schemas.openxmlformats.org/markup-compatibility/2006" xmlns:p14="http://schemas.microsoft.com/office/powerpoint/2010/main" xmlns:aink="http://schemas.microsoft.com/office/drawing/2016/ink">
+            <mc:Choice Requires="p14 aink">
               <p:contentPart p14:bwMode="auto" r:id="rId21">
                 <p14:nvContentPartPr>
                   <p14:cNvPr id="108" name="Рукописный ввод 107">
@@ -17867,7 +17350,7 @@
                 </p14:xfrm>
               </p:contentPart>
             </mc:Choice>
-            <mc:Fallback>
+            <mc:Fallback xmlns="">
               <p:pic>
                 <p:nvPicPr>
                   <p:cNvPr id="108" name="Рукописный ввод 107">
@@ -17899,8 +17382,8 @@
             </mc:Fallback>
           </mc:AlternateContent>
         </p:grpSp>
-        <mc:AlternateContent xmlns:mc="http://schemas.openxmlformats.org/markup-compatibility/2006">
-          <mc:Choice xmlns:p14="http://schemas.microsoft.com/office/powerpoint/2010/main" Requires="p14">
+        <mc:AlternateContent xmlns:mc="http://schemas.openxmlformats.org/markup-compatibility/2006" xmlns:p14="http://schemas.microsoft.com/office/powerpoint/2010/main">
+          <mc:Choice Requires="p14">
             <p:contentPart p14:bwMode="auto" r:id="rId23">
               <p14:nvContentPartPr>
                 <p14:cNvPr id="199" name="Рукописный ввод 198">
@@ -17919,7 +17402,7 @@
               </p14:xfrm>
             </p:contentPart>
           </mc:Choice>
-          <mc:Fallback>
+          <mc:Fallback xmlns="">
             <p:pic>
               <p:nvPicPr>
                 <p:cNvPr id="199" name="Рукописный ввод 198">
@@ -18038,8 +17521,8 @@
               </a:extLst>
             </p:spPr>
           </p:pic>
-          <mc:AlternateContent xmlns:mc="http://schemas.openxmlformats.org/markup-compatibility/2006">
-            <mc:Choice xmlns:p14="http://schemas.microsoft.com/office/powerpoint/2010/main" xmlns:aink="http://schemas.microsoft.com/office/drawing/2016/ink" Requires="p14 aink">
+          <mc:AlternateContent xmlns:mc="http://schemas.openxmlformats.org/markup-compatibility/2006" xmlns:p14="http://schemas.microsoft.com/office/powerpoint/2010/main" xmlns:aink="http://schemas.microsoft.com/office/drawing/2016/ink">
+            <mc:Choice Requires="p14 aink">
               <p:contentPart p14:bwMode="auto" r:id="rId25">
                 <p14:nvContentPartPr>
                   <p14:cNvPr id="204" name="Рукописный ввод 203">
@@ -18058,7 +17541,7 @@
                 </p14:xfrm>
               </p:contentPart>
             </mc:Choice>
-            <mc:Fallback>
+            <mc:Fallback xmlns="">
               <p:pic>
                 <p:nvPicPr>
                   <p:cNvPr id="204" name="Рукописный ввод 203">
@@ -18090,8 +17573,8 @@
             </mc:Fallback>
           </mc:AlternateContent>
         </p:grpSp>
-        <mc:AlternateContent xmlns:mc="http://schemas.openxmlformats.org/markup-compatibility/2006">
-          <mc:Choice xmlns:p14="http://schemas.microsoft.com/office/powerpoint/2010/main" Requires="p14">
+        <mc:AlternateContent xmlns:mc="http://schemas.openxmlformats.org/markup-compatibility/2006" xmlns:p14="http://schemas.microsoft.com/office/powerpoint/2010/main">
+          <mc:Choice Requires="p14">
             <p:contentPart p14:bwMode="auto" r:id="rId27">
               <p14:nvContentPartPr>
                 <p14:cNvPr id="202" name="Рукописный ввод 201">
@@ -18110,7 +17593,7 @@
               </p14:xfrm>
             </p:contentPart>
           </mc:Choice>
-          <mc:Fallback>
+          <mc:Fallback xmlns="">
             <p:pic>
               <p:nvPicPr>
                 <p:cNvPr id="202" name="Рукописный ввод 201">
@@ -18229,8 +17712,8 @@
               </a:extLst>
             </p:spPr>
           </p:pic>
-          <mc:AlternateContent xmlns:mc="http://schemas.openxmlformats.org/markup-compatibility/2006">
-            <mc:Choice xmlns:p14="http://schemas.microsoft.com/office/powerpoint/2010/main" xmlns:aink="http://schemas.microsoft.com/office/drawing/2016/ink" Requires="p14 aink">
+          <mc:AlternateContent xmlns:mc="http://schemas.openxmlformats.org/markup-compatibility/2006" xmlns:p14="http://schemas.microsoft.com/office/powerpoint/2010/main" xmlns:aink="http://schemas.microsoft.com/office/drawing/2016/ink">
+            <mc:Choice Requires="p14 aink">
               <p:contentPart p14:bwMode="auto" r:id="rId28">
                 <p14:nvContentPartPr>
                   <p14:cNvPr id="209" name="Рукописный ввод 208">
@@ -18249,7 +17732,7 @@
                 </p14:xfrm>
               </p:contentPart>
             </mc:Choice>
-            <mc:Fallback>
+            <mc:Fallback xmlns="">
               <p:pic>
                 <p:nvPicPr>
                   <p:cNvPr id="209" name="Рукописный ввод 208">
@@ -18281,8 +17764,8 @@
             </mc:Fallback>
           </mc:AlternateContent>
         </p:grpSp>
-        <mc:AlternateContent xmlns:mc="http://schemas.openxmlformats.org/markup-compatibility/2006">
-          <mc:Choice xmlns:p14="http://schemas.microsoft.com/office/powerpoint/2010/main" Requires="p14">
+        <mc:AlternateContent xmlns:mc="http://schemas.openxmlformats.org/markup-compatibility/2006" xmlns:p14="http://schemas.microsoft.com/office/powerpoint/2010/main">
+          <mc:Choice Requires="p14">
             <p:contentPart p14:bwMode="auto" r:id="rId30">
               <p14:nvContentPartPr>
                 <p14:cNvPr id="207" name="Рукописный ввод 206">
@@ -18301,7 +17784,7 @@
               </p14:xfrm>
             </p:contentPart>
           </mc:Choice>
-          <mc:Fallback>
+          <mc:Fallback xmlns="">
             <p:pic>
               <p:nvPicPr>
                 <p:cNvPr id="207" name="Рукописный ввод 206">
@@ -18333,8 +17816,8 @@
           </mc:Fallback>
         </mc:AlternateContent>
       </p:grpSp>
-      <mc:AlternateContent xmlns:mc="http://schemas.openxmlformats.org/markup-compatibility/2006">
-        <mc:Choice xmlns:p14="http://schemas.microsoft.com/office/powerpoint/2010/main" Requires="p14">
+      <mc:AlternateContent xmlns:mc="http://schemas.openxmlformats.org/markup-compatibility/2006" xmlns:p14="http://schemas.microsoft.com/office/powerpoint/2010/main">
+        <mc:Choice Requires="p14">
           <p:contentPart p14:bwMode="auto" r:id="rId31">
             <p14:nvContentPartPr>
               <p14:cNvPr id="66" name="Рукописный ввод 65">
@@ -18353,7 +17836,7 @@
             </p14:xfrm>
           </p:contentPart>
         </mc:Choice>
-        <mc:Fallback>
+        <mc:Fallback xmlns="">
           <p:pic>
             <p:nvPicPr>
               <p:cNvPr id="66" name="Рукописный ввод 65">
@@ -18384,8 +17867,8 @@
           </p:pic>
         </mc:Fallback>
       </mc:AlternateContent>
-      <mc:AlternateContent xmlns:mc="http://schemas.openxmlformats.org/markup-compatibility/2006">
-        <mc:Choice xmlns:p14="http://schemas.microsoft.com/office/powerpoint/2010/main" Requires="p14">
+      <mc:AlternateContent xmlns:mc="http://schemas.openxmlformats.org/markup-compatibility/2006" xmlns:p14="http://schemas.microsoft.com/office/powerpoint/2010/main">
+        <mc:Choice Requires="p14">
           <p:contentPart p14:bwMode="auto" r:id="rId33">
             <p14:nvContentPartPr>
               <p14:cNvPr id="73" name="Рукописный ввод 72">
@@ -18404,7 +17887,7 @@
             </p14:xfrm>
           </p:contentPart>
         </mc:Choice>
-        <mc:Fallback>
+        <mc:Fallback xmlns="">
           <p:pic>
             <p:nvPicPr>
               <p:cNvPr id="73" name="Рукописный ввод 72">
@@ -18435,8 +17918,8 @@
           </p:pic>
         </mc:Fallback>
       </mc:AlternateContent>
-      <mc:AlternateContent xmlns:mc="http://schemas.openxmlformats.org/markup-compatibility/2006">
-        <mc:Choice xmlns:p14="http://schemas.microsoft.com/office/powerpoint/2010/main" Requires="p14">
+      <mc:AlternateContent xmlns:mc="http://schemas.openxmlformats.org/markup-compatibility/2006" xmlns:p14="http://schemas.microsoft.com/office/powerpoint/2010/main">
+        <mc:Choice Requires="p14">
           <p:contentPart p14:bwMode="auto" r:id="rId35">
             <p14:nvContentPartPr>
               <p14:cNvPr id="82" name="Рукописный ввод 81">
@@ -18455,7 +17938,7 @@
             </p14:xfrm>
           </p:contentPart>
         </mc:Choice>
-        <mc:Fallback>
+        <mc:Fallback xmlns="">
           <p:pic>
             <p:nvPicPr>
               <p:cNvPr id="82" name="Рукописный ввод 81">
@@ -18486,8 +17969,8 @@
           </p:pic>
         </mc:Fallback>
       </mc:AlternateContent>
-      <mc:AlternateContent xmlns:mc="http://schemas.openxmlformats.org/markup-compatibility/2006">
-        <mc:Choice xmlns:p14="http://schemas.microsoft.com/office/powerpoint/2010/main" Requires="p14">
+      <mc:AlternateContent xmlns:mc="http://schemas.openxmlformats.org/markup-compatibility/2006" xmlns:p14="http://schemas.microsoft.com/office/powerpoint/2010/main">
+        <mc:Choice Requires="p14">
           <p:contentPart p14:bwMode="auto" r:id="rId37">
             <p14:nvContentPartPr>
               <p14:cNvPr id="88" name="Рукописный ввод 87">
@@ -18506,7 +17989,7 @@
             </p14:xfrm>
           </p:contentPart>
         </mc:Choice>
-        <mc:Fallback>
+        <mc:Fallback xmlns="">
           <p:pic>
             <p:nvPicPr>
               <p:cNvPr id="88" name="Рукописный ввод 87">
@@ -18537,8 +18020,8 @@
           </p:pic>
         </mc:Fallback>
       </mc:AlternateContent>
-      <mc:AlternateContent xmlns:mc="http://schemas.openxmlformats.org/markup-compatibility/2006">
-        <mc:Choice xmlns:p14="http://schemas.microsoft.com/office/powerpoint/2010/main" Requires="p14">
+      <mc:AlternateContent xmlns:mc="http://schemas.openxmlformats.org/markup-compatibility/2006" xmlns:p14="http://schemas.microsoft.com/office/powerpoint/2010/main">
+        <mc:Choice Requires="p14">
           <p:contentPart p14:bwMode="auto" r:id="rId39">
             <p14:nvContentPartPr>
               <p14:cNvPr id="91" name="Рукописный ввод 90">
@@ -18557,7 +18040,7 @@
             </p14:xfrm>
           </p:contentPart>
         </mc:Choice>
-        <mc:Fallback>
+        <mc:Fallback xmlns="">
           <p:pic>
             <p:nvPicPr>
               <p:cNvPr id="91" name="Рукописный ввод 90">
@@ -18588,8 +18071,8 @@
           </p:pic>
         </mc:Fallback>
       </mc:AlternateContent>
-      <mc:AlternateContent xmlns:mc="http://schemas.openxmlformats.org/markup-compatibility/2006">
-        <mc:Choice xmlns:p14="http://schemas.microsoft.com/office/powerpoint/2010/main" Requires="p14">
+      <mc:AlternateContent xmlns:mc="http://schemas.openxmlformats.org/markup-compatibility/2006" xmlns:p14="http://schemas.microsoft.com/office/powerpoint/2010/main">
+        <mc:Choice Requires="p14">
           <p:contentPart p14:bwMode="auto" r:id="rId41">
             <p14:nvContentPartPr>
               <p14:cNvPr id="96" name="Рукописный ввод 95">
@@ -18608,7 +18091,7 @@
             </p14:xfrm>
           </p:contentPart>
         </mc:Choice>
-        <mc:Fallback>
+        <mc:Fallback xmlns="">
           <p:pic>
             <p:nvPicPr>
               <p:cNvPr id="96" name="Рукописный ввод 95">
@@ -18639,8 +18122,8 @@
           </p:pic>
         </mc:Fallback>
       </mc:AlternateContent>
-      <mc:AlternateContent xmlns:mc="http://schemas.openxmlformats.org/markup-compatibility/2006">
-        <mc:Choice xmlns:p14="http://schemas.microsoft.com/office/powerpoint/2010/main" Requires="p14">
+      <mc:AlternateContent xmlns:mc="http://schemas.openxmlformats.org/markup-compatibility/2006" xmlns:p14="http://schemas.microsoft.com/office/powerpoint/2010/main">
+        <mc:Choice Requires="p14">
           <p:contentPart p14:bwMode="auto" r:id="rId43">
             <p14:nvContentPartPr>
               <p14:cNvPr id="100" name="Рукописный ввод 99">
@@ -18659,7 +18142,7 @@
             </p14:xfrm>
           </p:contentPart>
         </mc:Choice>
-        <mc:Fallback>
+        <mc:Fallback xmlns="">
           <p:pic>
             <p:nvPicPr>
               <p:cNvPr id="100" name="Рукописный ввод 99">
@@ -18852,39 +18335,6 @@
       </p:grpSpPr>
       <p:sp>
         <p:nvSpPr>
-          <p:cNvPr id="5" name="Заголовок 4">
-            <a:extLst>
-              <a:ext uri="{FF2B5EF4-FFF2-40B4-BE49-F238E27FC236}">
-                <a16:creationId xmlns:a16="http://schemas.microsoft.com/office/drawing/2014/main" id="{AF798A1D-1B16-4FD0-8CAC-8754A8D756FC}"/>
-              </a:ext>
-            </a:extLst>
-          </p:cNvPr>
-          <p:cNvSpPr>
-            <a:spLocks noGrp="1"/>
-          </p:cNvSpPr>
-          <p:nvPr>
-            <p:ph type="title"/>
-          </p:nvPr>
-        </p:nvSpPr>
-        <p:spPr>
-          <a:xfrm rot="16200000">
-            <a:off x="-1753423" y="1966521"/>
-            <a:ext cx="4206501" cy="699656"/>
-          </a:xfrm>
-        </p:spPr>
-        <p:txBody>
-          <a:bodyPr/>
-          <a:lstStyle/>
-          <a:p>
-            <a:r>
-              <a:rPr lang="ru-RU" dirty="0"/>
-              <a:t>Третье  поворотное  событие</a:t>
-            </a:r>
-          </a:p>
-        </p:txBody>
-      </p:sp>
-      <p:sp>
-        <p:nvSpPr>
           <p:cNvPr id="6" name="TextBox 5">
             <a:extLst>
               <a:ext uri="{FF2B5EF4-FFF2-40B4-BE49-F238E27FC236}">
@@ -19131,8 +18581,8 @@
           </a:p>
         </p:txBody>
       </p:sp>
-      <mc:AlternateContent xmlns:mc="http://schemas.openxmlformats.org/markup-compatibility/2006">
-        <mc:Choice xmlns:p14="http://schemas.microsoft.com/office/powerpoint/2010/main" Requires="p14">
+      <mc:AlternateContent xmlns:mc="http://schemas.openxmlformats.org/markup-compatibility/2006" xmlns:p14="http://schemas.microsoft.com/office/powerpoint/2010/main">
+        <mc:Choice Requires="p14">
           <p:contentPart p14:bwMode="auto" r:id="rId2">
             <p14:nvContentPartPr>
               <p14:cNvPr id="54" name="Рукописный ввод 53">
@@ -19151,7 +18601,7 @@
             </p14:xfrm>
           </p:contentPart>
         </mc:Choice>
-        <mc:Fallback>
+        <mc:Fallback xmlns="">
           <p:pic>
             <p:nvPicPr>
               <p:cNvPr id="54" name="Рукописный ввод 53">
@@ -19182,8 +18632,8 @@
           </p:pic>
         </mc:Fallback>
       </mc:AlternateContent>
-      <mc:AlternateContent xmlns:mc="http://schemas.openxmlformats.org/markup-compatibility/2006">
-        <mc:Choice xmlns:p14="http://schemas.microsoft.com/office/powerpoint/2010/main" Requires="p14">
+      <mc:AlternateContent xmlns:mc="http://schemas.openxmlformats.org/markup-compatibility/2006" xmlns:p14="http://schemas.microsoft.com/office/powerpoint/2010/main">
+        <mc:Choice Requires="p14">
           <p:contentPart p14:bwMode="auto" r:id="rId4">
             <p14:nvContentPartPr>
               <p14:cNvPr id="55" name="Рукописный ввод 54">
@@ -19202,7 +18652,7 @@
             </p14:xfrm>
           </p:contentPart>
         </mc:Choice>
-        <mc:Fallback>
+        <mc:Fallback xmlns="">
           <p:pic>
             <p:nvPicPr>
               <p:cNvPr id="55" name="Рукописный ввод 54">
@@ -19233,8 +18683,8 @@
           </p:pic>
         </mc:Fallback>
       </mc:AlternateContent>
-      <mc:AlternateContent xmlns:mc="http://schemas.openxmlformats.org/markup-compatibility/2006">
-        <mc:Choice xmlns:p14="http://schemas.microsoft.com/office/powerpoint/2010/main" Requires="p14">
+      <mc:AlternateContent xmlns:mc="http://schemas.openxmlformats.org/markup-compatibility/2006" xmlns:p14="http://schemas.microsoft.com/office/powerpoint/2010/main">
+        <mc:Choice Requires="p14">
           <p:contentPart p14:bwMode="auto" r:id="rId6">
             <p14:nvContentPartPr>
               <p14:cNvPr id="57" name="Рукописный ввод 56">
@@ -19253,7 +18703,7 @@
             </p14:xfrm>
           </p:contentPart>
         </mc:Choice>
-        <mc:Fallback>
+        <mc:Fallback xmlns="">
           <p:pic>
             <p:nvPicPr>
               <p:cNvPr id="57" name="Рукописный ввод 56">
@@ -19284,8 +18734,8 @@
           </p:pic>
         </mc:Fallback>
       </mc:AlternateContent>
-      <mc:AlternateContent xmlns:mc="http://schemas.openxmlformats.org/markup-compatibility/2006">
-        <mc:Choice xmlns:p14="http://schemas.microsoft.com/office/powerpoint/2010/main" Requires="p14">
+      <mc:AlternateContent xmlns:mc="http://schemas.openxmlformats.org/markup-compatibility/2006" xmlns:p14="http://schemas.microsoft.com/office/powerpoint/2010/main">
+        <mc:Choice Requires="p14">
           <p:contentPart p14:bwMode="auto" r:id="rId8">
             <p14:nvContentPartPr>
               <p14:cNvPr id="58" name="Рукописный ввод 57">
@@ -19304,7 +18754,7 @@
             </p14:xfrm>
           </p:contentPart>
         </mc:Choice>
-        <mc:Fallback>
+        <mc:Fallback xmlns="">
           <p:pic>
             <p:nvPicPr>
               <p:cNvPr id="58" name="Рукописный ввод 57">
@@ -19335,8 +18785,8 @@
           </p:pic>
         </mc:Fallback>
       </mc:AlternateContent>
-      <mc:AlternateContent xmlns:mc="http://schemas.openxmlformats.org/markup-compatibility/2006">
-        <mc:Choice xmlns:p14="http://schemas.microsoft.com/office/powerpoint/2010/main" Requires="p14">
+      <mc:AlternateContent xmlns:mc="http://schemas.openxmlformats.org/markup-compatibility/2006" xmlns:p14="http://schemas.microsoft.com/office/powerpoint/2010/main">
+        <mc:Choice Requires="p14">
           <p:contentPart p14:bwMode="auto" r:id="rId10">
             <p14:nvContentPartPr>
               <p14:cNvPr id="131" name="Рукописный ввод 130">
@@ -19355,7 +18805,7 @@
             </p14:xfrm>
           </p:contentPart>
         </mc:Choice>
-        <mc:Fallback>
+        <mc:Fallback xmlns="">
           <p:pic>
             <p:nvPicPr>
               <p:cNvPr id="131" name="Рукописный ввод 130">
@@ -19386,8 +18836,8 @@
           </p:pic>
         </mc:Fallback>
       </mc:AlternateContent>
-      <mc:AlternateContent xmlns:mc="http://schemas.openxmlformats.org/markup-compatibility/2006">
-        <mc:Choice xmlns:p14="http://schemas.microsoft.com/office/powerpoint/2010/main" Requires="p14">
+      <mc:AlternateContent xmlns:mc="http://schemas.openxmlformats.org/markup-compatibility/2006" xmlns:p14="http://schemas.microsoft.com/office/powerpoint/2010/main">
+        <mc:Choice Requires="p14">
           <p:contentPart p14:bwMode="auto" r:id="rId12">
             <p14:nvContentPartPr>
               <p14:cNvPr id="132" name="Рукописный ввод 131">
@@ -19406,7 +18856,7 @@
             </p14:xfrm>
           </p:contentPart>
         </mc:Choice>
-        <mc:Fallback>
+        <mc:Fallback xmlns="">
           <p:pic>
             <p:nvPicPr>
               <p:cNvPr id="132" name="Рукописный ввод 131">
@@ -19554,8 +19004,8 @@
           </a:p>
         </p:txBody>
       </p:sp>
-      <mc:AlternateContent xmlns:mc="http://schemas.openxmlformats.org/markup-compatibility/2006">
-        <mc:Choice xmlns:p14="http://schemas.microsoft.com/office/powerpoint/2010/main" Requires="p14">
+      <mc:AlternateContent xmlns:mc="http://schemas.openxmlformats.org/markup-compatibility/2006" xmlns:p14="http://schemas.microsoft.com/office/powerpoint/2010/main">
+        <mc:Choice Requires="p14">
           <p:contentPart p14:bwMode="auto" r:id="rId14">
             <p14:nvContentPartPr>
               <p14:cNvPr id="133" name="Рукописный ввод 132">
@@ -19574,7 +19024,7 @@
             </p14:xfrm>
           </p:contentPart>
         </mc:Choice>
-        <mc:Fallback>
+        <mc:Fallback xmlns="">
           <p:pic>
             <p:nvPicPr>
               <p:cNvPr id="133" name="Рукописный ввод 132">
@@ -19605,8 +19055,8 @@
           </p:pic>
         </mc:Fallback>
       </mc:AlternateContent>
-      <mc:AlternateContent xmlns:mc="http://schemas.openxmlformats.org/markup-compatibility/2006">
-        <mc:Choice xmlns:p14="http://schemas.microsoft.com/office/powerpoint/2010/main" Requires="p14">
+      <mc:AlternateContent xmlns:mc="http://schemas.openxmlformats.org/markup-compatibility/2006" xmlns:p14="http://schemas.microsoft.com/office/powerpoint/2010/main">
+        <mc:Choice Requires="p14">
           <p:contentPart p14:bwMode="auto" r:id="rId16">
             <p14:nvContentPartPr>
               <p14:cNvPr id="136" name="Рукописный ввод 135">
@@ -19625,7 +19075,7 @@
             </p14:xfrm>
           </p:contentPart>
         </mc:Choice>
-        <mc:Fallback>
+        <mc:Fallback xmlns="">
           <p:pic>
             <p:nvPicPr>
               <p:cNvPr id="136" name="Рукописный ввод 135">
@@ -19656,8 +19106,8 @@
           </p:pic>
         </mc:Fallback>
       </mc:AlternateContent>
-      <mc:AlternateContent xmlns:mc="http://schemas.openxmlformats.org/markup-compatibility/2006">
-        <mc:Choice xmlns:p14="http://schemas.microsoft.com/office/powerpoint/2010/main" Requires="p14">
+      <mc:AlternateContent xmlns:mc="http://schemas.openxmlformats.org/markup-compatibility/2006" xmlns:p14="http://schemas.microsoft.com/office/powerpoint/2010/main">
+        <mc:Choice Requires="p14">
           <p:contentPart p14:bwMode="auto" r:id="rId18">
             <p14:nvContentPartPr>
               <p14:cNvPr id="137" name="Рукописный ввод 136">
@@ -19676,7 +19126,7 @@
             </p14:xfrm>
           </p:contentPart>
         </mc:Choice>
-        <mc:Fallback>
+        <mc:Fallback xmlns="">
           <p:pic>
             <p:nvPicPr>
               <p:cNvPr id="137" name="Рукописный ввод 136">
@@ -19794,8 +19244,8 @@
               </a:extLst>
             </p:spPr>
           </p:pic>
-          <mc:AlternateContent xmlns:mc="http://schemas.openxmlformats.org/markup-compatibility/2006">
-            <mc:Choice xmlns:p14="http://schemas.microsoft.com/office/powerpoint/2010/main" xmlns:aink="http://schemas.microsoft.com/office/drawing/2016/ink" Requires="p14 aink">
+          <mc:AlternateContent xmlns:mc="http://schemas.openxmlformats.org/markup-compatibility/2006" xmlns:p14="http://schemas.microsoft.com/office/powerpoint/2010/main" xmlns:aink="http://schemas.microsoft.com/office/drawing/2016/ink">
+            <mc:Choice Requires="p14 aink">
               <p:contentPart p14:bwMode="auto" r:id="rId21">
                 <p14:nvContentPartPr>
                   <p14:cNvPr id="108" name="Рукописный ввод 107">
@@ -19814,7 +19264,7 @@
                 </p14:xfrm>
               </p:contentPart>
             </mc:Choice>
-            <mc:Fallback>
+            <mc:Fallback xmlns="">
               <p:pic>
                 <p:nvPicPr>
                   <p:cNvPr id="108" name="Рукописный ввод 107">
@@ -19846,8 +19296,8 @@
             </mc:Fallback>
           </mc:AlternateContent>
         </p:grpSp>
-        <mc:AlternateContent xmlns:mc="http://schemas.openxmlformats.org/markup-compatibility/2006">
-          <mc:Choice xmlns:p14="http://schemas.microsoft.com/office/powerpoint/2010/main" Requires="p14">
+        <mc:AlternateContent xmlns:mc="http://schemas.openxmlformats.org/markup-compatibility/2006" xmlns:p14="http://schemas.microsoft.com/office/powerpoint/2010/main">
+          <mc:Choice Requires="p14">
             <p:contentPart p14:bwMode="auto" r:id="rId23">
               <p14:nvContentPartPr>
                 <p14:cNvPr id="199" name="Рукописный ввод 198">
@@ -19866,7 +19316,7 @@
               </p14:xfrm>
             </p:contentPart>
           </mc:Choice>
-          <mc:Fallback>
+          <mc:Fallback xmlns="">
             <p:pic>
               <p:nvPicPr>
                 <p:cNvPr id="199" name="Рукописный ввод 198">
@@ -19985,8 +19435,8 @@
               </a:extLst>
             </p:spPr>
           </p:pic>
-          <mc:AlternateContent xmlns:mc="http://schemas.openxmlformats.org/markup-compatibility/2006">
-            <mc:Choice xmlns:p14="http://schemas.microsoft.com/office/powerpoint/2010/main" xmlns:aink="http://schemas.microsoft.com/office/drawing/2016/ink" Requires="p14 aink">
+          <mc:AlternateContent xmlns:mc="http://schemas.openxmlformats.org/markup-compatibility/2006" xmlns:p14="http://schemas.microsoft.com/office/powerpoint/2010/main" xmlns:aink="http://schemas.microsoft.com/office/drawing/2016/ink">
+            <mc:Choice Requires="p14 aink">
               <p:contentPart p14:bwMode="auto" r:id="rId25">
                 <p14:nvContentPartPr>
                   <p14:cNvPr id="204" name="Рукописный ввод 203">
@@ -20005,7 +19455,7 @@
                 </p14:xfrm>
               </p:contentPart>
             </mc:Choice>
-            <mc:Fallback>
+            <mc:Fallback xmlns="">
               <p:pic>
                 <p:nvPicPr>
                   <p:cNvPr id="204" name="Рукописный ввод 203">
@@ -20037,8 +19487,8 @@
             </mc:Fallback>
           </mc:AlternateContent>
         </p:grpSp>
-        <mc:AlternateContent xmlns:mc="http://schemas.openxmlformats.org/markup-compatibility/2006">
-          <mc:Choice xmlns:p14="http://schemas.microsoft.com/office/powerpoint/2010/main" Requires="p14">
+        <mc:AlternateContent xmlns:mc="http://schemas.openxmlformats.org/markup-compatibility/2006" xmlns:p14="http://schemas.microsoft.com/office/powerpoint/2010/main">
+          <mc:Choice Requires="p14">
             <p:contentPart p14:bwMode="auto" r:id="rId27">
               <p14:nvContentPartPr>
                 <p14:cNvPr id="202" name="Рукописный ввод 201">
@@ -20057,7 +19507,7 @@
               </p14:xfrm>
             </p:contentPart>
           </mc:Choice>
-          <mc:Fallback>
+          <mc:Fallback xmlns="">
             <p:pic>
               <p:nvPicPr>
                 <p:cNvPr id="202" name="Рукописный ввод 201">
@@ -20176,8 +19626,8 @@
               </a:extLst>
             </p:spPr>
           </p:pic>
-          <mc:AlternateContent xmlns:mc="http://schemas.openxmlformats.org/markup-compatibility/2006">
-            <mc:Choice xmlns:p14="http://schemas.microsoft.com/office/powerpoint/2010/main" xmlns:aink="http://schemas.microsoft.com/office/drawing/2016/ink" Requires="p14 aink">
+          <mc:AlternateContent xmlns:mc="http://schemas.openxmlformats.org/markup-compatibility/2006" xmlns:p14="http://schemas.microsoft.com/office/powerpoint/2010/main" xmlns:aink="http://schemas.microsoft.com/office/drawing/2016/ink">
+            <mc:Choice Requires="p14 aink">
               <p:contentPart p14:bwMode="auto" r:id="rId28">
                 <p14:nvContentPartPr>
                   <p14:cNvPr id="209" name="Рукописный ввод 208">
@@ -20196,7 +19646,7 @@
                 </p14:xfrm>
               </p:contentPart>
             </mc:Choice>
-            <mc:Fallback>
+            <mc:Fallback xmlns="">
               <p:pic>
                 <p:nvPicPr>
                   <p:cNvPr id="209" name="Рукописный ввод 208">
@@ -20228,8 +19678,8 @@
             </mc:Fallback>
           </mc:AlternateContent>
         </p:grpSp>
-        <mc:AlternateContent xmlns:mc="http://schemas.openxmlformats.org/markup-compatibility/2006">
-          <mc:Choice xmlns:p14="http://schemas.microsoft.com/office/powerpoint/2010/main" Requires="p14">
+        <mc:AlternateContent xmlns:mc="http://schemas.openxmlformats.org/markup-compatibility/2006" xmlns:p14="http://schemas.microsoft.com/office/powerpoint/2010/main">
+          <mc:Choice Requires="p14">
             <p:contentPart p14:bwMode="auto" r:id="rId30">
               <p14:nvContentPartPr>
                 <p14:cNvPr id="207" name="Рукописный ввод 206">
@@ -20248,7 +19698,7 @@
               </p14:xfrm>
             </p:contentPart>
           </mc:Choice>
-          <mc:Fallback>
+          <mc:Fallback xmlns="">
             <p:pic>
               <p:nvPicPr>
                 <p:cNvPr id="207" name="Рукописный ввод 206">
@@ -20280,8 +19730,8 @@
           </mc:Fallback>
         </mc:AlternateContent>
       </p:grpSp>
-      <mc:AlternateContent xmlns:mc="http://schemas.openxmlformats.org/markup-compatibility/2006">
-        <mc:Choice xmlns:p14="http://schemas.microsoft.com/office/powerpoint/2010/main" Requires="p14">
+      <mc:AlternateContent xmlns:mc="http://schemas.openxmlformats.org/markup-compatibility/2006" xmlns:p14="http://schemas.microsoft.com/office/powerpoint/2010/main">
+        <mc:Choice Requires="p14">
           <p:contentPart p14:bwMode="auto" r:id="rId31">
             <p14:nvContentPartPr>
               <p14:cNvPr id="66" name="Рукописный ввод 65">
@@ -20300,7 +19750,7 @@
             </p14:xfrm>
           </p:contentPart>
         </mc:Choice>
-        <mc:Fallback>
+        <mc:Fallback xmlns="">
           <p:pic>
             <p:nvPicPr>
               <p:cNvPr id="66" name="Рукописный ввод 65">
@@ -20331,8 +19781,8 @@
           </p:pic>
         </mc:Fallback>
       </mc:AlternateContent>
-      <mc:AlternateContent xmlns:mc="http://schemas.openxmlformats.org/markup-compatibility/2006">
-        <mc:Choice xmlns:p14="http://schemas.microsoft.com/office/powerpoint/2010/main" Requires="p14">
+      <mc:AlternateContent xmlns:mc="http://schemas.openxmlformats.org/markup-compatibility/2006" xmlns:p14="http://schemas.microsoft.com/office/powerpoint/2010/main">
+        <mc:Choice Requires="p14">
           <p:contentPart p14:bwMode="auto" r:id="rId33">
             <p14:nvContentPartPr>
               <p14:cNvPr id="73" name="Рукописный ввод 72">
@@ -20351,7 +19801,7 @@
             </p14:xfrm>
           </p:contentPart>
         </mc:Choice>
-        <mc:Fallback>
+        <mc:Fallback xmlns="">
           <p:pic>
             <p:nvPicPr>
               <p:cNvPr id="73" name="Рукописный ввод 72">
@@ -20382,8 +19832,8 @@
           </p:pic>
         </mc:Fallback>
       </mc:AlternateContent>
-      <mc:AlternateContent xmlns:mc="http://schemas.openxmlformats.org/markup-compatibility/2006">
-        <mc:Choice xmlns:p14="http://schemas.microsoft.com/office/powerpoint/2010/main" Requires="p14">
+      <mc:AlternateContent xmlns:mc="http://schemas.openxmlformats.org/markup-compatibility/2006" xmlns:p14="http://schemas.microsoft.com/office/powerpoint/2010/main">
+        <mc:Choice Requires="p14">
           <p:contentPart p14:bwMode="auto" r:id="rId35">
             <p14:nvContentPartPr>
               <p14:cNvPr id="82" name="Рукописный ввод 81">
@@ -20402,7 +19852,7 @@
             </p14:xfrm>
           </p:contentPart>
         </mc:Choice>
-        <mc:Fallback>
+        <mc:Fallback xmlns="">
           <p:pic>
             <p:nvPicPr>
               <p:cNvPr id="82" name="Рукописный ввод 81">
@@ -20433,8 +19883,8 @@
           </p:pic>
         </mc:Fallback>
       </mc:AlternateContent>
-      <mc:AlternateContent xmlns:mc="http://schemas.openxmlformats.org/markup-compatibility/2006">
-        <mc:Choice xmlns:p14="http://schemas.microsoft.com/office/powerpoint/2010/main" Requires="p14">
+      <mc:AlternateContent xmlns:mc="http://schemas.openxmlformats.org/markup-compatibility/2006" xmlns:p14="http://schemas.microsoft.com/office/powerpoint/2010/main">
+        <mc:Choice Requires="p14">
           <p:contentPart p14:bwMode="auto" r:id="rId37">
             <p14:nvContentPartPr>
               <p14:cNvPr id="88" name="Рукописный ввод 87">
@@ -20453,7 +19903,7 @@
             </p14:xfrm>
           </p:contentPart>
         </mc:Choice>
-        <mc:Fallback>
+        <mc:Fallback xmlns="">
           <p:pic>
             <p:nvPicPr>
               <p:cNvPr id="88" name="Рукописный ввод 87">
@@ -20484,8 +19934,8 @@
           </p:pic>
         </mc:Fallback>
       </mc:AlternateContent>
-      <mc:AlternateContent xmlns:mc="http://schemas.openxmlformats.org/markup-compatibility/2006">
-        <mc:Choice xmlns:p14="http://schemas.microsoft.com/office/powerpoint/2010/main" Requires="p14">
+      <mc:AlternateContent xmlns:mc="http://schemas.openxmlformats.org/markup-compatibility/2006" xmlns:p14="http://schemas.microsoft.com/office/powerpoint/2010/main">
+        <mc:Choice Requires="p14">
           <p:contentPart p14:bwMode="auto" r:id="rId39">
             <p14:nvContentPartPr>
               <p14:cNvPr id="91" name="Рукописный ввод 90">
@@ -20504,7 +19954,7 @@
             </p14:xfrm>
           </p:contentPart>
         </mc:Choice>
-        <mc:Fallback>
+        <mc:Fallback xmlns="">
           <p:pic>
             <p:nvPicPr>
               <p:cNvPr id="91" name="Рукописный ввод 90">
@@ -20535,8 +19985,8 @@
           </p:pic>
         </mc:Fallback>
       </mc:AlternateContent>
-      <mc:AlternateContent xmlns:mc="http://schemas.openxmlformats.org/markup-compatibility/2006">
-        <mc:Choice xmlns:p14="http://schemas.microsoft.com/office/powerpoint/2010/main" Requires="p14">
+      <mc:AlternateContent xmlns:mc="http://schemas.openxmlformats.org/markup-compatibility/2006" xmlns:p14="http://schemas.microsoft.com/office/powerpoint/2010/main">
+        <mc:Choice Requires="p14">
           <p:contentPart p14:bwMode="auto" r:id="rId41">
             <p14:nvContentPartPr>
               <p14:cNvPr id="96" name="Рукописный ввод 95">
@@ -20555,7 +20005,7 @@
             </p14:xfrm>
           </p:contentPart>
         </mc:Choice>
-        <mc:Fallback>
+        <mc:Fallback xmlns="">
           <p:pic>
             <p:nvPicPr>
               <p:cNvPr id="96" name="Рукописный ввод 95">
@@ -20586,8 +20036,8 @@
           </p:pic>
         </mc:Fallback>
       </mc:AlternateContent>
-      <mc:AlternateContent xmlns:mc="http://schemas.openxmlformats.org/markup-compatibility/2006">
-        <mc:Choice xmlns:p14="http://schemas.microsoft.com/office/powerpoint/2010/main" Requires="p14">
+      <mc:AlternateContent xmlns:mc="http://schemas.openxmlformats.org/markup-compatibility/2006" xmlns:p14="http://schemas.microsoft.com/office/powerpoint/2010/main">
+        <mc:Choice Requires="p14">
           <p:contentPart p14:bwMode="auto" r:id="rId43">
             <p14:nvContentPartPr>
               <p14:cNvPr id="100" name="Рукописный ввод 99">
@@ -20606,7 +20056,7 @@
             </p14:xfrm>
           </p:contentPart>
         </mc:Choice>
-        <mc:Fallback>
+        <mc:Fallback xmlns="">
           <p:pic>
             <p:nvPicPr>
               <p:cNvPr id="100" name="Рукописный ввод 99">
@@ -20767,8 +20217,8 @@
           </a:p>
         </p:txBody>
       </p:sp>
-      <mc:AlternateContent xmlns:mc="http://schemas.openxmlformats.org/markup-compatibility/2006">
-        <mc:Choice xmlns:p14="http://schemas.microsoft.com/office/powerpoint/2010/main" Requires="p14">
+      <mc:AlternateContent xmlns:mc="http://schemas.openxmlformats.org/markup-compatibility/2006" xmlns:p14="http://schemas.microsoft.com/office/powerpoint/2010/main">
+        <mc:Choice Requires="p14">
           <p:contentPart p14:bwMode="auto" r:id="rId45">
             <p14:nvContentPartPr>
               <p14:cNvPr id="127" name="Рукописный ввод 126">
@@ -20787,7 +20237,7 @@
             </p14:xfrm>
           </p:contentPart>
         </mc:Choice>
-        <mc:Fallback>
+        <mc:Fallback xmlns="">
           <p:pic>
             <p:nvPicPr>
               <p:cNvPr id="127" name="Рукописный ввод 126">
@@ -20818,8 +20268,8 @@
           </p:pic>
         </mc:Fallback>
       </mc:AlternateContent>
-      <mc:AlternateContent xmlns:mc="http://schemas.openxmlformats.org/markup-compatibility/2006">
-        <mc:Choice xmlns:p14="http://schemas.microsoft.com/office/powerpoint/2010/main" Requires="p14">
+      <mc:AlternateContent xmlns:mc="http://schemas.openxmlformats.org/markup-compatibility/2006" xmlns:p14="http://schemas.microsoft.com/office/powerpoint/2010/main">
+        <mc:Choice Requires="p14">
           <p:contentPart p14:bwMode="auto" r:id="rId47">
             <p14:nvContentPartPr>
               <p14:cNvPr id="128" name="Рукописный ввод 127">
@@ -20838,7 +20288,7 @@
             </p14:xfrm>
           </p:contentPart>
         </mc:Choice>
-        <mc:Fallback>
+        <mc:Fallback xmlns="">
           <p:pic>
             <p:nvPicPr>
               <p:cNvPr id="128" name="Рукописный ввод 127">
@@ -20869,8 +20319,8 @@
           </p:pic>
         </mc:Fallback>
       </mc:AlternateContent>
-      <mc:AlternateContent xmlns:mc="http://schemas.openxmlformats.org/markup-compatibility/2006">
-        <mc:Choice xmlns:p14="http://schemas.microsoft.com/office/powerpoint/2010/main" Requires="p14">
+      <mc:AlternateContent xmlns:mc="http://schemas.openxmlformats.org/markup-compatibility/2006" xmlns:p14="http://schemas.microsoft.com/office/powerpoint/2010/main">
+        <mc:Choice Requires="p14">
           <p:contentPart p14:bwMode="auto" r:id="rId49">
             <p14:nvContentPartPr>
               <p14:cNvPr id="129" name="Рукописный ввод 128">
@@ -20889,7 +20339,7 @@
             </p14:xfrm>
           </p:contentPart>
         </mc:Choice>
-        <mc:Fallback>
+        <mc:Fallback xmlns="">
           <p:pic>
             <p:nvPicPr>
               <p:cNvPr id="129" name="Рукописный ввод 128">
@@ -20920,8 +20370,8 @@
           </p:pic>
         </mc:Fallback>
       </mc:AlternateContent>
-      <mc:AlternateContent xmlns:mc="http://schemas.openxmlformats.org/markup-compatibility/2006">
-        <mc:Choice xmlns:p14="http://schemas.microsoft.com/office/powerpoint/2010/main" Requires="p14">
+      <mc:AlternateContent xmlns:mc="http://schemas.openxmlformats.org/markup-compatibility/2006" xmlns:p14="http://schemas.microsoft.com/office/powerpoint/2010/main">
+        <mc:Choice Requires="p14">
           <p:contentPart p14:bwMode="auto" r:id="rId51">
             <p14:nvContentPartPr>
               <p14:cNvPr id="162" name="Рукописный ввод 161">
@@ -20940,7 +20390,7 @@
             </p14:xfrm>
           </p:contentPart>
         </mc:Choice>
-        <mc:Fallback>
+        <mc:Fallback xmlns="">
           <p:pic>
             <p:nvPicPr>
               <p:cNvPr id="162" name="Рукописный ввод 161">
@@ -20991,8 +20441,8 @@
             <a:chExt cx="1699200" cy="2372040"/>
           </a:xfrm>
         </p:grpSpPr>
-        <mc:AlternateContent xmlns:mc="http://schemas.openxmlformats.org/markup-compatibility/2006">
-          <mc:Choice xmlns:p14="http://schemas.microsoft.com/office/powerpoint/2010/main" Requires="p14">
+        <mc:AlternateContent xmlns:mc="http://schemas.openxmlformats.org/markup-compatibility/2006" xmlns:p14="http://schemas.microsoft.com/office/powerpoint/2010/main">
+          <mc:Choice Requires="p14">
             <p:contentPart p14:bwMode="auto" r:id="rId53">
               <p14:nvContentPartPr>
                 <p14:cNvPr id="2" name="Рукописный ввод 1">
@@ -21011,7 +20461,7 @@
               </p14:xfrm>
             </p:contentPart>
           </mc:Choice>
-          <mc:Fallback>
+          <mc:Fallback xmlns="">
             <p:pic>
               <p:nvPicPr>
                 <p:cNvPr id="2" name="Рукописный ввод 1">
@@ -21042,8 +20492,8 @@
             </p:pic>
           </mc:Fallback>
         </mc:AlternateContent>
-        <mc:AlternateContent xmlns:mc="http://schemas.openxmlformats.org/markup-compatibility/2006">
-          <mc:Choice xmlns:p14="http://schemas.microsoft.com/office/powerpoint/2010/main" Requires="p14">
+        <mc:AlternateContent xmlns:mc="http://schemas.openxmlformats.org/markup-compatibility/2006" xmlns:p14="http://schemas.microsoft.com/office/powerpoint/2010/main">
+          <mc:Choice Requires="p14">
             <p:contentPart p14:bwMode="auto" r:id="rId55">
               <p14:nvContentPartPr>
                 <p14:cNvPr id="10" name="Рукописный ввод 9">
@@ -21062,7 +20512,7 @@
               </p14:xfrm>
             </p:contentPart>
           </mc:Choice>
-          <mc:Fallback>
+          <mc:Fallback xmlns="">
             <p:pic>
               <p:nvPicPr>
                 <p:cNvPr id="10" name="Рукописный ввод 9">
@@ -21094,8 +20544,8 @@
           </mc:Fallback>
         </mc:AlternateContent>
       </p:grpSp>
-      <mc:AlternateContent xmlns:mc="http://schemas.openxmlformats.org/markup-compatibility/2006">
-        <mc:Choice xmlns:p14="http://schemas.microsoft.com/office/powerpoint/2010/main" Requires="p14">
+      <mc:AlternateContent xmlns:mc="http://schemas.openxmlformats.org/markup-compatibility/2006" xmlns:p14="http://schemas.microsoft.com/office/powerpoint/2010/main">
+        <mc:Choice Requires="p14">
           <p:contentPart p14:bwMode="auto" r:id="rId57">
             <p14:nvContentPartPr>
               <p14:cNvPr id="15" name="Рукописный ввод 14">
@@ -21114,7 +20564,7 @@
             </p14:xfrm>
           </p:contentPart>
         </mc:Choice>
-        <mc:Fallback>
+        <mc:Fallback xmlns="">
           <p:pic>
             <p:nvPicPr>
               <p:cNvPr id="15" name="Рукописный ввод 14">
@@ -21351,39 +20801,6 @@
       </p:grpSpPr>
       <p:sp>
         <p:nvSpPr>
-          <p:cNvPr id="5" name="Заголовок 4">
-            <a:extLst>
-              <a:ext uri="{FF2B5EF4-FFF2-40B4-BE49-F238E27FC236}">
-                <a16:creationId xmlns:a16="http://schemas.microsoft.com/office/drawing/2014/main" id="{AF798A1D-1B16-4FD0-8CAC-8754A8D756FC}"/>
-              </a:ext>
-            </a:extLst>
-          </p:cNvPr>
-          <p:cNvSpPr>
-            <a:spLocks noGrp="1"/>
-          </p:cNvSpPr>
-          <p:nvPr>
-            <p:ph type="title"/>
-          </p:nvPr>
-        </p:nvSpPr>
-        <p:spPr>
-          <a:xfrm rot="16200000">
-            <a:off x="-1753423" y="1966521"/>
-            <a:ext cx="4206501" cy="699656"/>
-          </a:xfrm>
-        </p:spPr>
-        <p:txBody>
-          <a:bodyPr/>
-          <a:lstStyle/>
-          <a:p>
-            <a:r>
-              <a:rPr lang="ru-RU" dirty="0"/>
-              <a:t>Третье  поворотное  событие</a:t>
-            </a:r>
-          </a:p>
-        </p:txBody>
-      </p:sp>
-      <p:sp>
-        <p:nvSpPr>
           <p:cNvPr id="6" name="TextBox 5">
             <a:extLst>
               <a:ext uri="{FF2B5EF4-FFF2-40B4-BE49-F238E27FC236}">
@@ -21510,6 +20927,85 @@
   <p:clrMapOvr>
     <a:masterClrMapping/>
   </p:clrMapOvr>
+  <p:timing>
+    <p:tnLst>
+      <p:par>
+        <p:cTn id="1" dur="indefinite" restart="never" nodeType="tmRoot">
+          <p:childTnLst>
+            <p:seq concurrent="1" nextAc="seek">
+              <p:cTn id="2" dur="indefinite" nodeType="mainSeq">
+                <p:childTnLst>
+                  <p:par>
+                    <p:cTn id="3" fill="hold">
+                      <p:stCondLst>
+                        <p:cond delay="indefinite"/>
+                      </p:stCondLst>
+                      <p:childTnLst>
+                        <p:par>
+                          <p:cTn id="4" fill="hold">
+                            <p:stCondLst>
+                              <p:cond delay="0"/>
+                            </p:stCondLst>
+                            <p:childTnLst>
+                              <p:par>
+                                <p:cTn id="5" presetID="1" presetClass="entr" presetSubtype="0" fill="hold" nodeType="clickEffect">
+                                  <p:stCondLst>
+                                    <p:cond delay="0"/>
+                                  </p:stCondLst>
+                                  <p:childTnLst>
+                                    <p:set>
+                                      <p:cBhvr>
+                                        <p:cTn id="6" dur="1" fill="hold">
+                                          <p:stCondLst>
+                                            <p:cond delay="0"/>
+                                          </p:stCondLst>
+                                        </p:cTn>
+                                        <p:tgtEl>
+                                          <p:spTgt spid="7">
+                                            <p:txEl>
+                                              <p:pRg st="1" end="1"/>
+                                            </p:txEl>
+                                          </p:spTgt>
+                                        </p:tgtEl>
+                                        <p:attrNameLst>
+                                          <p:attrName>style.visibility</p:attrName>
+                                        </p:attrNameLst>
+                                      </p:cBhvr>
+                                      <p:to>
+                                        <p:strVal val="visible"/>
+                                      </p:to>
+                                    </p:set>
+                                  </p:childTnLst>
+                                </p:cTn>
+                              </p:par>
+                            </p:childTnLst>
+                          </p:cTn>
+                        </p:par>
+                      </p:childTnLst>
+                    </p:cTn>
+                  </p:par>
+                </p:childTnLst>
+              </p:cTn>
+              <p:prevCondLst>
+                <p:cond evt="onPrev" delay="0">
+                  <p:tgtEl>
+                    <p:sldTgt/>
+                  </p:tgtEl>
+                </p:cond>
+              </p:prevCondLst>
+              <p:nextCondLst>
+                <p:cond evt="onNext" delay="0">
+                  <p:tgtEl>
+                    <p:sldTgt/>
+                  </p:tgtEl>
+                </p:cond>
+              </p:nextCondLst>
+            </p:seq>
+          </p:childTnLst>
+        </p:cTn>
+      </p:par>
+    </p:tnLst>
+  </p:timing>
 </p:sld>
 </file>
 
@@ -21530,39 +21026,6 @@
           <a:chExt cx="0" cy="0"/>
         </a:xfrm>
       </p:grpSpPr>
-      <p:sp>
-        <p:nvSpPr>
-          <p:cNvPr id="5" name="Заголовок 4">
-            <a:extLst>
-              <a:ext uri="{FF2B5EF4-FFF2-40B4-BE49-F238E27FC236}">
-                <a16:creationId xmlns:a16="http://schemas.microsoft.com/office/drawing/2014/main" id="{AF798A1D-1B16-4FD0-8CAC-8754A8D756FC}"/>
-              </a:ext>
-            </a:extLst>
-          </p:cNvPr>
-          <p:cNvSpPr>
-            <a:spLocks noGrp="1"/>
-          </p:cNvSpPr>
-          <p:nvPr>
-            <p:ph type="title"/>
-          </p:nvPr>
-        </p:nvSpPr>
-        <p:spPr>
-          <a:xfrm rot="16200000">
-            <a:off x="-1753423" y="1966521"/>
-            <a:ext cx="4206501" cy="699656"/>
-          </a:xfrm>
-        </p:spPr>
-        <p:txBody>
-          <a:bodyPr/>
-          <a:lstStyle/>
-          <a:p>
-            <a:r>
-              <a:rPr lang="ru-RU" dirty="0"/>
-              <a:t>Третье  поворотное  событие</a:t>
-            </a:r>
-          </a:p>
-        </p:txBody>
-      </p:sp>
       <p:sp>
         <p:nvSpPr>
           <p:cNvPr id="6" name="TextBox 5">
@@ -21659,6 +21122,85 @@
   <p:clrMapOvr>
     <a:masterClrMapping/>
   </p:clrMapOvr>
+  <p:timing>
+    <p:tnLst>
+      <p:par>
+        <p:cTn id="1" dur="indefinite" restart="never" nodeType="tmRoot">
+          <p:childTnLst>
+            <p:seq concurrent="1" nextAc="seek">
+              <p:cTn id="2" dur="indefinite" nodeType="mainSeq">
+                <p:childTnLst>
+                  <p:par>
+                    <p:cTn id="3" fill="hold">
+                      <p:stCondLst>
+                        <p:cond delay="indefinite"/>
+                      </p:stCondLst>
+                      <p:childTnLst>
+                        <p:par>
+                          <p:cTn id="4" fill="hold">
+                            <p:stCondLst>
+                              <p:cond delay="0"/>
+                            </p:stCondLst>
+                            <p:childTnLst>
+                              <p:par>
+                                <p:cTn id="5" presetID="1" presetClass="entr" presetSubtype="0" fill="hold" nodeType="clickEffect">
+                                  <p:stCondLst>
+                                    <p:cond delay="0"/>
+                                  </p:stCondLst>
+                                  <p:childTnLst>
+                                    <p:set>
+                                      <p:cBhvr>
+                                        <p:cTn id="6" dur="1" fill="hold">
+                                          <p:stCondLst>
+                                            <p:cond delay="0"/>
+                                          </p:stCondLst>
+                                        </p:cTn>
+                                        <p:tgtEl>
+                                          <p:spTgt spid="7">
+                                            <p:txEl>
+                                              <p:pRg st="1" end="1"/>
+                                            </p:txEl>
+                                          </p:spTgt>
+                                        </p:tgtEl>
+                                        <p:attrNameLst>
+                                          <p:attrName>style.visibility</p:attrName>
+                                        </p:attrNameLst>
+                                      </p:cBhvr>
+                                      <p:to>
+                                        <p:strVal val="visible"/>
+                                      </p:to>
+                                    </p:set>
+                                  </p:childTnLst>
+                                </p:cTn>
+                              </p:par>
+                            </p:childTnLst>
+                          </p:cTn>
+                        </p:par>
+                      </p:childTnLst>
+                    </p:cTn>
+                  </p:par>
+                </p:childTnLst>
+              </p:cTn>
+              <p:prevCondLst>
+                <p:cond evt="onPrev" delay="0">
+                  <p:tgtEl>
+                    <p:sldTgt/>
+                  </p:tgtEl>
+                </p:cond>
+              </p:prevCondLst>
+              <p:nextCondLst>
+                <p:cond evt="onNext" delay="0">
+                  <p:tgtEl>
+                    <p:sldTgt/>
+                  </p:tgtEl>
+                </p:cond>
+              </p:nextCondLst>
+            </p:seq>
+          </p:childTnLst>
+        </p:cTn>
+      </p:par>
+    </p:tnLst>
+  </p:timing>
 </p:sld>
 </file>
 
@@ -21679,39 +21221,6 @@
           <a:chExt cx="0" cy="0"/>
         </a:xfrm>
       </p:grpSpPr>
-      <p:sp>
-        <p:nvSpPr>
-          <p:cNvPr id="5" name="Заголовок 4">
-            <a:extLst>
-              <a:ext uri="{FF2B5EF4-FFF2-40B4-BE49-F238E27FC236}">
-                <a16:creationId xmlns:a16="http://schemas.microsoft.com/office/drawing/2014/main" id="{AF798A1D-1B16-4FD0-8CAC-8754A8D756FC}"/>
-              </a:ext>
-            </a:extLst>
-          </p:cNvPr>
-          <p:cNvSpPr>
-            <a:spLocks noGrp="1"/>
-          </p:cNvSpPr>
-          <p:nvPr>
-            <p:ph type="title"/>
-          </p:nvPr>
-        </p:nvSpPr>
-        <p:spPr>
-          <a:xfrm rot="16200000">
-            <a:off x="-1753423" y="1966521"/>
-            <a:ext cx="4206501" cy="699656"/>
-          </a:xfrm>
-        </p:spPr>
-        <p:txBody>
-          <a:bodyPr/>
-          <a:lstStyle/>
-          <a:p>
-            <a:r>
-              <a:rPr lang="ru-RU" dirty="0"/>
-              <a:t>Третье  поворотное  событие</a:t>
-            </a:r>
-          </a:p>
-        </p:txBody>
-      </p:sp>
       <p:sp>
         <p:nvSpPr>
           <p:cNvPr id="6" name="TextBox 5">
@@ -21828,6 +21337,85 @@
   <p:clrMapOvr>
     <a:masterClrMapping/>
   </p:clrMapOvr>
+  <p:timing>
+    <p:tnLst>
+      <p:par>
+        <p:cTn id="1" dur="indefinite" restart="never" nodeType="tmRoot">
+          <p:childTnLst>
+            <p:seq concurrent="1" nextAc="seek">
+              <p:cTn id="2" dur="indefinite" nodeType="mainSeq">
+                <p:childTnLst>
+                  <p:par>
+                    <p:cTn id="3" fill="hold">
+                      <p:stCondLst>
+                        <p:cond delay="indefinite"/>
+                      </p:stCondLst>
+                      <p:childTnLst>
+                        <p:par>
+                          <p:cTn id="4" fill="hold">
+                            <p:stCondLst>
+                              <p:cond delay="0"/>
+                            </p:stCondLst>
+                            <p:childTnLst>
+                              <p:par>
+                                <p:cTn id="5" presetID="1" presetClass="entr" presetSubtype="0" fill="hold" nodeType="clickEffect">
+                                  <p:stCondLst>
+                                    <p:cond delay="0"/>
+                                  </p:stCondLst>
+                                  <p:childTnLst>
+                                    <p:set>
+                                      <p:cBhvr>
+                                        <p:cTn id="6" dur="1" fill="hold">
+                                          <p:stCondLst>
+                                            <p:cond delay="0"/>
+                                          </p:stCondLst>
+                                        </p:cTn>
+                                        <p:tgtEl>
+                                          <p:spTgt spid="7">
+                                            <p:txEl>
+                                              <p:pRg st="1" end="1"/>
+                                            </p:txEl>
+                                          </p:spTgt>
+                                        </p:tgtEl>
+                                        <p:attrNameLst>
+                                          <p:attrName>style.visibility</p:attrName>
+                                        </p:attrNameLst>
+                                      </p:cBhvr>
+                                      <p:to>
+                                        <p:strVal val="visible"/>
+                                      </p:to>
+                                    </p:set>
+                                  </p:childTnLst>
+                                </p:cTn>
+                              </p:par>
+                            </p:childTnLst>
+                          </p:cTn>
+                        </p:par>
+                      </p:childTnLst>
+                    </p:cTn>
+                  </p:par>
+                </p:childTnLst>
+              </p:cTn>
+              <p:prevCondLst>
+                <p:cond evt="onPrev" delay="0">
+                  <p:tgtEl>
+                    <p:sldTgt/>
+                  </p:tgtEl>
+                </p:cond>
+              </p:prevCondLst>
+              <p:nextCondLst>
+                <p:cond evt="onNext" delay="0">
+                  <p:tgtEl>
+                    <p:sldTgt/>
+                  </p:tgtEl>
+                </p:cond>
+              </p:nextCondLst>
+            </p:seq>
+          </p:childTnLst>
+        </p:cTn>
+      </p:par>
+    </p:tnLst>
+  </p:timing>
 </p:sld>
 </file>
 
@@ -21848,39 +21436,6 @@
           <a:chExt cx="0" cy="0"/>
         </a:xfrm>
       </p:grpSpPr>
-      <p:sp>
-        <p:nvSpPr>
-          <p:cNvPr id="5" name="Заголовок 4">
-            <a:extLst>
-              <a:ext uri="{FF2B5EF4-FFF2-40B4-BE49-F238E27FC236}">
-                <a16:creationId xmlns:a16="http://schemas.microsoft.com/office/drawing/2014/main" id="{AF798A1D-1B16-4FD0-8CAC-8754A8D756FC}"/>
-              </a:ext>
-            </a:extLst>
-          </p:cNvPr>
-          <p:cNvSpPr>
-            <a:spLocks noGrp="1"/>
-          </p:cNvSpPr>
-          <p:nvPr>
-            <p:ph type="title"/>
-          </p:nvPr>
-        </p:nvSpPr>
-        <p:spPr>
-          <a:xfrm rot="16200000">
-            <a:off x="-1753423" y="1966521"/>
-            <a:ext cx="4206501" cy="699656"/>
-          </a:xfrm>
-        </p:spPr>
-        <p:txBody>
-          <a:bodyPr/>
-          <a:lstStyle/>
-          <a:p>
-            <a:r>
-              <a:rPr lang="ru-RU" dirty="0"/>
-              <a:t>Третье  поворотное  событие</a:t>
-            </a:r>
-          </a:p>
-        </p:txBody>
-      </p:sp>
       <p:pic>
         <p:nvPicPr>
           <p:cNvPr id="2" name="Рисунок 1">
@@ -21981,7 +21536,7 @@
                   <a:schemeClr val="bg1"/>
                 </a:solidFill>
               </a:rPr>
-              <a:t>Плагины</a:t>
+              <a:t>Выводы</a:t>
             </a:r>
             <a:endParaRPr lang="en-US" sz="3600" dirty="0"/>
           </a:p>
@@ -21990,7 +21545,7 @@
     </p:spTree>
     <p:extLst>
       <p:ext uri="{BB962C8B-B14F-4D97-AF65-F5344CB8AC3E}">
-        <p14:creationId xmlns:p14="http://schemas.microsoft.com/office/powerpoint/2010/main" val="569411263"/>
+        <p14:creationId xmlns:p14="http://schemas.microsoft.com/office/powerpoint/2010/main" val="3678866164"/>
       </p:ext>
     </p:extLst>
   </p:cSld>
@@ -22019,10 +21574,10 @@
       </p:grpSpPr>
       <p:sp>
         <p:nvSpPr>
-          <p:cNvPr id="5" name="Заголовок 4">
+          <p:cNvPr id="4" name="Текст 3">
             <a:extLst>
               <a:ext uri="{FF2B5EF4-FFF2-40B4-BE49-F238E27FC236}">
-                <a16:creationId xmlns:a16="http://schemas.microsoft.com/office/drawing/2014/main" id="{AF798A1D-1B16-4FD0-8CAC-8754A8D756FC}"/>
+                <a16:creationId xmlns:a16="http://schemas.microsoft.com/office/drawing/2014/main" id="{C54EF961-7CE5-4B18-95FA-B194A6DF3E58}"/>
               </a:ext>
             </a:extLst>
           </p:cNvPr>
@@ -22030,13 +21585,13 @@
             <a:spLocks noGrp="1"/>
           </p:cNvSpPr>
           <p:nvPr>
-            <p:ph type="title"/>
+            <p:ph type="body" sz="quarter" idx="10"/>
           </p:nvPr>
         </p:nvSpPr>
         <p:spPr>
-          <a:xfrm rot="16200000">
-            <a:off x="-1753423" y="1966521"/>
-            <a:ext cx="4206501" cy="699656"/>
+          <a:xfrm>
+            <a:off x="2239301" y="1744249"/>
+            <a:ext cx="8147737" cy="4839530"/>
           </a:xfrm>
         </p:spPr>
         <p:txBody>
@@ -22044,18 +21599,81 @@
           <a:lstStyle/>
           <a:p>
             <a:r>
-              <a:rPr lang="ru-RU" dirty="0"/>
-              <a:t>Третье  поворотное  событие</a:t>
-            </a:r>
+              <a:rPr lang="ru-RU" sz="2000" dirty="0"/>
+              <a:t>Вместо линейных 20-25 минут линейные 20 сек – 3 минуты;</a:t>
+            </a:r>
+          </a:p>
+          <a:p>
+            <a:r>
+              <a:rPr lang="ru-RU" sz="2000" dirty="0"/>
+              <a:t>Вместо 400-500 </a:t>
+            </a:r>
+            <a:r>
+              <a:rPr lang="ru-RU" sz="2000" dirty="0" err="1"/>
+              <a:t>машиноминут</a:t>
+            </a:r>
+            <a:r>
+              <a:rPr lang="ru-RU" sz="2000" dirty="0"/>
+              <a:t> 20 секунд – 3 минуты;</a:t>
+            </a:r>
+          </a:p>
+          <a:p>
+            <a:r>
+              <a:rPr lang="ru-RU" sz="2000" dirty="0"/>
+              <a:t>Снижение количества ошибок «забыли собрать </a:t>
+            </a:r>
+            <a:r>
+              <a:rPr lang="en-US" sz="2000" dirty="0" err="1"/>
+              <a:t>nuget</a:t>
+            </a:r>
+            <a:r>
+              <a:rPr lang="ru-RU" sz="2000" dirty="0"/>
+              <a:t>»;</a:t>
+            </a:r>
+          </a:p>
+          <a:p>
+            <a:r>
+              <a:rPr lang="ru-RU" sz="2000" dirty="0"/>
+              <a:t>Снижение количества ошибок «забыли собрать сервис»;</a:t>
+            </a:r>
+          </a:p>
+          <a:p>
+            <a:r>
+              <a:rPr lang="ru-RU" sz="2000" dirty="0"/>
+              <a:t>Автоматический </a:t>
+            </a:r>
+            <a:r>
+              <a:rPr lang="ru-RU" sz="2000" dirty="0" err="1"/>
+              <a:t>деплой</a:t>
+            </a:r>
+            <a:r>
+              <a:rPr lang="ru-RU" sz="2000" dirty="0"/>
+              <a:t> среза версий сервисов;</a:t>
+            </a:r>
+          </a:p>
+          <a:p>
+            <a:r>
+              <a:rPr lang="ru-RU" sz="2000" dirty="0"/>
+              <a:t>Версия растёт только если есть изменения;</a:t>
+            </a:r>
+          </a:p>
+          <a:p>
+            <a:r>
+              <a:rPr lang="ru-RU" sz="2000" dirty="0"/>
+              <a:t>Можно удостовериться, что изменения затронули мало сервисов.</a:t>
+            </a:r>
+          </a:p>
+          <a:p>
+            <a:endParaRPr lang="ru-RU" sz="2000" dirty="0"/>
           </a:p>
         </p:txBody>
       </p:sp>
       <p:sp>
         <p:nvSpPr>
-          <p:cNvPr id="4" name="TextBox 3">
+          <p:cNvPr id="5" name="TextBox 4">
             <a:extLst>
               <a:ext uri="{FF2B5EF4-FFF2-40B4-BE49-F238E27FC236}">
-                <a16:creationId xmlns:a16="http://schemas.microsoft.com/office/drawing/2014/main" id="{7625CC56-91A8-4E5F-936A-0550397F48EF}"/>
+                <a16:creationId xmlns:a16="http://schemas.microsoft.com/office/drawing/2014/main" id="{4577BDC2-7135-43BA-BDE4-FECC3A1FF8E1}"/>
               </a:ext>
             </a:extLst>
           </p:cNvPr>
@@ -22083,160 +21701,348 @@
             <a:pPr algn="ctr"/>
             <a:r>
               <a:rPr lang="ru-RU" sz="3200" dirty="0"/>
-              <a:t>Особенности использования </a:t>
-            </a:r>
-            <a:r>
-              <a:rPr lang="en-US" sz="3200" dirty="0"/>
-              <a:t>docker</a:t>
-            </a:r>
-            <a:endParaRPr lang="ru-RU" sz="3200" dirty="0"/>
-          </a:p>
-        </p:txBody>
-      </p:sp>
-      <p:sp>
-        <p:nvSpPr>
-          <p:cNvPr id="6" name="TextBox 5">
-            <a:extLst>
-              <a:ext uri="{FF2B5EF4-FFF2-40B4-BE49-F238E27FC236}">
-                <a16:creationId xmlns:a16="http://schemas.microsoft.com/office/drawing/2014/main" id="{46890534-F2CA-4B67-BC59-477719A579EF}"/>
-              </a:ext>
-            </a:extLst>
-          </p:cNvPr>
-          <p:cNvSpPr txBox="1"/>
-          <p:nvPr/>
-        </p:nvSpPr>
-        <p:spPr>
-          <a:xfrm>
-            <a:off x="2567940" y="2885105"/>
-            <a:ext cx="7772400" cy="1431867"/>
-          </a:xfrm>
-          <a:prstGeom prst="rect">
-            <a:avLst/>
-          </a:prstGeom>
-          <a:noFill/>
-        </p:spPr>
-        <p:txBody>
-          <a:bodyPr wrap="square" rtlCol="0">
-            <a:spAutoFit/>
-          </a:bodyPr>
-          <a:lstStyle/>
-          <a:p>
-            <a:pPr>
-              <a:lnSpc>
-                <a:spcPct val="150000"/>
-              </a:lnSpc>
-            </a:pPr>
-            <a:r>
-              <a:rPr lang="en-US" sz="2000" dirty="0">
-                <a:solidFill>
-                  <a:srgbClr val="002060"/>
-                </a:solidFill>
-                <a:latin typeface="JetBrains Mono Medium" panose="02000009000000000000" pitchFamily="49" charset="0"/>
-                <a:ea typeface="JetBrains Mono Medium" panose="02000009000000000000" pitchFamily="49" charset="0"/>
-                <a:cs typeface="JetBrains Mono Medium" panose="02000009000000000000" pitchFamily="49" charset="0"/>
-              </a:rPr>
-              <a:t>cat </a:t>
-            </a:r>
-            <a:r>
-              <a:rPr lang="en-US" sz="2000" dirty="0" err="1">
-                <a:solidFill>
-                  <a:srgbClr val="002060"/>
-                </a:solidFill>
-                <a:latin typeface="JetBrains Mono Medium" panose="02000009000000000000" pitchFamily="49" charset="0"/>
-                <a:ea typeface="JetBrains Mono Medium" panose="02000009000000000000" pitchFamily="49" charset="0"/>
-                <a:cs typeface="JetBrains Mono Medium" panose="02000009000000000000" pitchFamily="49" charset="0"/>
-              </a:rPr>
-              <a:t>Dockerfile.stash</a:t>
-            </a:r>
-            <a:r>
-              <a:rPr lang="en-US" sz="2000" dirty="0">
-                <a:latin typeface="JetBrains Mono Medium" panose="02000009000000000000" pitchFamily="49" charset="0"/>
-                <a:ea typeface="JetBrains Mono Medium" panose="02000009000000000000" pitchFamily="49" charset="0"/>
-                <a:cs typeface="JetBrains Mono Medium" panose="02000009000000000000" pitchFamily="49" charset="0"/>
-              </a:rPr>
-              <a:t> </a:t>
-            </a:r>
-          </a:p>
-          <a:p>
-            <a:pPr>
-              <a:lnSpc>
-                <a:spcPct val="150000"/>
-              </a:lnSpc>
-            </a:pPr>
-            <a:r>
-              <a:rPr lang="en-US" sz="2000" dirty="0">
-                <a:solidFill>
-                  <a:schemeClr val="accent1"/>
-                </a:solidFill>
-                <a:latin typeface="JetBrains Mono Medium" panose="02000009000000000000" pitchFamily="49" charset="0"/>
-                <a:ea typeface="JetBrains Mono Medium" panose="02000009000000000000" pitchFamily="49" charset="0"/>
-                <a:cs typeface="JetBrains Mono Medium" panose="02000009000000000000" pitchFamily="49" charset="0"/>
-              </a:rPr>
-              <a:t>FROM </a:t>
-            </a:r>
-            <a:r>
-              <a:rPr lang="en-US" sz="2000" dirty="0">
-                <a:latin typeface="JetBrains Mono Medium" panose="02000009000000000000" pitchFamily="49" charset="0"/>
-                <a:ea typeface="JetBrains Mono Medium" panose="02000009000000000000" pitchFamily="49" charset="0"/>
-                <a:cs typeface="JetBrains Mono Medium" panose="02000009000000000000" pitchFamily="49" charset="0"/>
-              </a:rPr>
-              <a:t>scratch</a:t>
-            </a:r>
-            <a:r>
-              <a:rPr lang="en-US" sz="2000" dirty="0">
-                <a:solidFill>
-                  <a:schemeClr val="accent1"/>
-                </a:solidFill>
-                <a:latin typeface="JetBrains Mono Medium" panose="02000009000000000000" pitchFamily="49" charset="0"/>
-                <a:ea typeface="JetBrains Mono Medium" panose="02000009000000000000" pitchFamily="49" charset="0"/>
-                <a:cs typeface="JetBrains Mono Medium" panose="02000009000000000000" pitchFamily="49" charset="0"/>
-              </a:rPr>
-              <a:t> AS </a:t>
-            </a:r>
-            <a:r>
-              <a:rPr lang="en-US" sz="2000" dirty="0">
-                <a:latin typeface="JetBrains Mono Medium" panose="02000009000000000000" pitchFamily="49" charset="0"/>
-                <a:ea typeface="JetBrains Mono Medium" panose="02000009000000000000" pitchFamily="49" charset="0"/>
-                <a:cs typeface="JetBrains Mono Medium" panose="02000009000000000000" pitchFamily="49" charset="0"/>
-              </a:rPr>
-              <a:t>publish</a:t>
-            </a:r>
-          </a:p>
-          <a:p>
-            <a:pPr>
-              <a:lnSpc>
-                <a:spcPct val="150000"/>
-              </a:lnSpc>
-            </a:pPr>
-            <a:r>
-              <a:rPr lang="en-US" sz="2000" dirty="0">
-                <a:solidFill>
-                  <a:schemeClr val="accent1"/>
-                </a:solidFill>
-                <a:latin typeface="JetBrains Mono Medium" panose="02000009000000000000" pitchFamily="49" charset="0"/>
-                <a:ea typeface="JetBrains Mono Medium" panose="02000009000000000000" pitchFamily="49" charset="0"/>
-                <a:cs typeface="JetBrains Mono Medium" panose="02000009000000000000" pitchFamily="49" charset="0"/>
-              </a:rPr>
-              <a:t>COPY . .</a:t>
-            </a:r>
-            <a:endParaRPr lang="ru-RU" sz="2000" dirty="0">
-              <a:latin typeface="JetBrains Mono Medium" panose="02000009000000000000" pitchFamily="49" charset="0"/>
-              <a:ea typeface="JetBrains Mono Medium" panose="02000009000000000000" pitchFamily="49" charset="0"/>
-              <a:cs typeface="JetBrains Mono Medium" panose="02000009000000000000" pitchFamily="49" charset="0"/>
-            </a:endParaRPr>
+              <a:t>Выводы</a:t>
+            </a:r>
           </a:p>
         </p:txBody>
       </p:sp>
     </p:spTree>
     <p:extLst>
       <p:ext uri="{BB962C8B-B14F-4D97-AF65-F5344CB8AC3E}">
-        <p14:creationId xmlns:p14="http://schemas.microsoft.com/office/powerpoint/2010/main" val="222157872"/>
+        <p14:creationId xmlns:p14="http://schemas.microsoft.com/office/powerpoint/2010/main" val="3866231404"/>
       </p:ext>
     </p:extLst>
   </p:cSld>
   <p:clrMapOvr>
     <a:masterClrMapping/>
   </p:clrMapOvr>
+  <p:timing>
+    <p:tnLst>
+      <p:par>
+        <p:cTn id="1" dur="indefinite" restart="never" nodeType="tmRoot">
+          <p:childTnLst>
+            <p:seq concurrent="1" nextAc="seek">
+              <p:cTn id="2" dur="indefinite" nodeType="mainSeq">
+                <p:childTnLst>
+                  <p:par>
+                    <p:cTn id="3" fill="hold">
+                      <p:stCondLst>
+                        <p:cond delay="indefinite"/>
+                      </p:stCondLst>
+                      <p:childTnLst>
+                        <p:par>
+                          <p:cTn id="4" fill="hold">
+                            <p:stCondLst>
+                              <p:cond delay="0"/>
+                            </p:stCondLst>
+                            <p:childTnLst>
+                              <p:par>
+                                <p:cTn id="5" presetID="1" presetClass="entr" presetSubtype="0" fill="hold" grpId="0" nodeType="clickEffect">
+                                  <p:stCondLst>
+                                    <p:cond delay="0"/>
+                                  </p:stCondLst>
+                                  <p:childTnLst>
+                                    <p:set>
+                                      <p:cBhvr>
+                                        <p:cTn id="6" dur="1" fill="hold">
+                                          <p:stCondLst>
+                                            <p:cond delay="0"/>
+                                          </p:stCondLst>
+                                        </p:cTn>
+                                        <p:tgtEl>
+                                          <p:spTgt spid="4">
+                                            <p:txEl>
+                                              <p:pRg st="1" end="1"/>
+                                            </p:txEl>
+                                          </p:spTgt>
+                                        </p:tgtEl>
+                                        <p:attrNameLst>
+                                          <p:attrName>style.visibility</p:attrName>
+                                        </p:attrNameLst>
+                                      </p:cBhvr>
+                                      <p:to>
+                                        <p:strVal val="visible"/>
+                                      </p:to>
+                                    </p:set>
+                                  </p:childTnLst>
+                                </p:cTn>
+                              </p:par>
+                            </p:childTnLst>
+                          </p:cTn>
+                        </p:par>
+                      </p:childTnLst>
+                    </p:cTn>
+                  </p:par>
+                  <p:par>
+                    <p:cTn id="7" fill="hold">
+                      <p:stCondLst>
+                        <p:cond delay="indefinite"/>
+                      </p:stCondLst>
+                      <p:childTnLst>
+                        <p:par>
+                          <p:cTn id="8" fill="hold">
+                            <p:stCondLst>
+                              <p:cond delay="0"/>
+                            </p:stCondLst>
+                            <p:childTnLst>
+                              <p:par>
+                                <p:cTn id="9" presetID="1" presetClass="entr" presetSubtype="0" fill="hold" grpId="0" nodeType="clickEffect">
+                                  <p:stCondLst>
+                                    <p:cond delay="0"/>
+                                  </p:stCondLst>
+                                  <p:childTnLst>
+                                    <p:set>
+                                      <p:cBhvr>
+                                        <p:cTn id="10" dur="1" fill="hold">
+                                          <p:stCondLst>
+                                            <p:cond delay="0"/>
+                                          </p:stCondLst>
+                                        </p:cTn>
+                                        <p:tgtEl>
+                                          <p:spTgt spid="4">
+                                            <p:txEl>
+                                              <p:pRg st="2" end="2"/>
+                                            </p:txEl>
+                                          </p:spTgt>
+                                        </p:tgtEl>
+                                        <p:attrNameLst>
+                                          <p:attrName>style.visibility</p:attrName>
+                                        </p:attrNameLst>
+                                      </p:cBhvr>
+                                      <p:to>
+                                        <p:strVal val="visible"/>
+                                      </p:to>
+                                    </p:set>
+                                  </p:childTnLst>
+                                </p:cTn>
+                              </p:par>
+                            </p:childTnLst>
+                          </p:cTn>
+                        </p:par>
+                      </p:childTnLst>
+                    </p:cTn>
+                  </p:par>
+                  <p:par>
+                    <p:cTn id="11" fill="hold">
+                      <p:stCondLst>
+                        <p:cond delay="indefinite"/>
+                      </p:stCondLst>
+                      <p:childTnLst>
+                        <p:par>
+                          <p:cTn id="12" fill="hold">
+                            <p:stCondLst>
+                              <p:cond delay="0"/>
+                            </p:stCondLst>
+                            <p:childTnLst>
+                              <p:par>
+                                <p:cTn id="13" presetID="1" presetClass="entr" presetSubtype="0" fill="hold" grpId="0" nodeType="clickEffect">
+                                  <p:stCondLst>
+                                    <p:cond delay="0"/>
+                                  </p:stCondLst>
+                                  <p:childTnLst>
+                                    <p:set>
+                                      <p:cBhvr>
+                                        <p:cTn id="14" dur="1" fill="hold">
+                                          <p:stCondLst>
+                                            <p:cond delay="0"/>
+                                          </p:stCondLst>
+                                        </p:cTn>
+                                        <p:tgtEl>
+                                          <p:spTgt spid="4">
+                                            <p:txEl>
+                                              <p:pRg st="3" end="3"/>
+                                            </p:txEl>
+                                          </p:spTgt>
+                                        </p:tgtEl>
+                                        <p:attrNameLst>
+                                          <p:attrName>style.visibility</p:attrName>
+                                        </p:attrNameLst>
+                                      </p:cBhvr>
+                                      <p:to>
+                                        <p:strVal val="visible"/>
+                                      </p:to>
+                                    </p:set>
+                                  </p:childTnLst>
+                                </p:cTn>
+                              </p:par>
+                            </p:childTnLst>
+                          </p:cTn>
+                        </p:par>
+                      </p:childTnLst>
+                    </p:cTn>
+                  </p:par>
+                  <p:par>
+                    <p:cTn id="15" fill="hold">
+                      <p:stCondLst>
+                        <p:cond delay="indefinite"/>
+                      </p:stCondLst>
+                      <p:childTnLst>
+                        <p:par>
+                          <p:cTn id="16" fill="hold">
+                            <p:stCondLst>
+                              <p:cond delay="0"/>
+                            </p:stCondLst>
+                            <p:childTnLst>
+                              <p:par>
+                                <p:cTn id="17" presetID="1" presetClass="entr" presetSubtype="0" fill="hold" grpId="0" nodeType="clickEffect">
+                                  <p:stCondLst>
+                                    <p:cond delay="0"/>
+                                  </p:stCondLst>
+                                  <p:childTnLst>
+                                    <p:set>
+                                      <p:cBhvr>
+                                        <p:cTn id="18" dur="1" fill="hold">
+                                          <p:stCondLst>
+                                            <p:cond delay="0"/>
+                                          </p:stCondLst>
+                                        </p:cTn>
+                                        <p:tgtEl>
+                                          <p:spTgt spid="4">
+                                            <p:txEl>
+                                              <p:pRg st="4" end="4"/>
+                                            </p:txEl>
+                                          </p:spTgt>
+                                        </p:tgtEl>
+                                        <p:attrNameLst>
+                                          <p:attrName>style.visibility</p:attrName>
+                                        </p:attrNameLst>
+                                      </p:cBhvr>
+                                      <p:to>
+                                        <p:strVal val="visible"/>
+                                      </p:to>
+                                    </p:set>
+                                  </p:childTnLst>
+                                </p:cTn>
+                              </p:par>
+                            </p:childTnLst>
+                          </p:cTn>
+                        </p:par>
+                      </p:childTnLst>
+                    </p:cTn>
+                  </p:par>
+                  <p:par>
+                    <p:cTn id="19" fill="hold">
+                      <p:stCondLst>
+                        <p:cond delay="indefinite"/>
+                      </p:stCondLst>
+                      <p:childTnLst>
+                        <p:par>
+                          <p:cTn id="20" fill="hold">
+                            <p:stCondLst>
+                              <p:cond delay="0"/>
+                            </p:stCondLst>
+                            <p:childTnLst>
+                              <p:par>
+                                <p:cTn id="21" presetID="1" presetClass="entr" presetSubtype="0" fill="hold" grpId="0" nodeType="clickEffect">
+                                  <p:stCondLst>
+                                    <p:cond delay="0"/>
+                                  </p:stCondLst>
+                                  <p:childTnLst>
+                                    <p:set>
+                                      <p:cBhvr>
+                                        <p:cTn id="22" dur="1" fill="hold">
+                                          <p:stCondLst>
+                                            <p:cond delay="0"/>
+                                          </p:stCondLst>
+                                        </p:cTn>
+                                        <p:tgtEl>
+                                          <p:spTgt spid="4">
+                                            <p:txEl>
+                                              <p:pRg st="5" end="5"/>
+                                            </p:txEl>
+                                          </p:spTgt>
+                                        </p:tgtEl>
+                                        <p:attrNameLst>
+                                          <p:attrName>style.visibility</p:attrName>
+                                        </p:attrNameLst>
+                                      </p:cBhvr>
+                                      <p:to>
+                                        <p:strVal val="visible"/>
+                                      </p:to>
+                                    </p:set>
+                                  </p:childTnLst>
+                                </p:cTn>
+                              </p:par>
+                            </p:childTnLst>
+                          </p:cTn>
+                        </p:par>
+                      </p:childTnLst>
+                    </p:cTn>
+                  </p:par>
+                  <p:par>
+                    <p:cTn id="23" fill="hold">
+                      <p:stCondLst>
+                        <p:cond delay="indefinite"/>
+                      </p:stCondLst>
+                      <p:childTnLst>
+                        <p:par>
+                          <p:cTn id="24" fill="hold">
+                            <p:stCondLst>
+                              <p:cond delay="0"/>
+                            </p:stCondLst>
+                            <p:childTnLst>
+                              <p:par>
+                                <p:cTn id="25" presetID="1" presetClass="entr" presetSubtype="0" fill="hold" grpId="0" nodeType="clickEffect">
+                                  <p:stCondLst>
+                                    <p:cond delay="0"/>
+                                  </p:stCondLst>
+                                  <p:childTnLst>
+                                    <p:set>
+                                      <p:cBhvr>
+                                        <p:cTn id="26" dur="1" fill="hold">
+                                          <p:stCondLst>
+                                            <p:cond delay="0"/>
+                                          </p:stCondLst>
+                                        </p:cTn>
+                                        <p:tgtEl>
+                                          <p:spTgt spid="4">
+                                            <p:txEl>
+                                              <p:pRg st="6" end="6"/>
+                                            </p:txEl>
+                                          </p:spTgt>
+                                        </p:tgtEl>
+                                        <p:attrNameLst>
+                                          <p:attrName>style.visibility</p:attrName>
+                                        </p:attrNameLst>
+                                      </p:cBhvr>
+                                      <p:to>
+                                        <p:strVal val="visible"/>
+                                      </p:to>
+                                    </p:set>
+                                  </p:childTnLst>
+                                </p:cTn>
+                              </p:par>
+                            </p:childTnLst>
+                          </p:cTn>
+                        </p:par>
+                      </p:childTnLst>
+                    </p:cTn>
+                  </p:par>
+                </p:childTnLst>
+              </p:cTn>
+              <p:prevCondLst>
+                <p:cond evt="onPrev" delay="0">
+                  <p:tgtEl>
+                    <p:sldTgt/>
+                  </p:tgtEl>
+                </p:cond>
+              </p:prevCondLst>
+              <p:nextCondLst>
+                <p:cond evt="onNext" delay="0">
+                  <p:tgtEl>
+                    <p:sldTgt/>
+                  </p:tgtEl>
+                </p:cond>
+              </p:nextCondLst>
+            </p:seq>
+          </p:childTnLst>
+        </p:cTn>
+      </p:par>
+    </p:tnLst>
+    <p:bldLst>
+      <p:bldP spid="4" grpId="0" uiExpand="1" build="p"/>
+    </p:bldLst>
+  </p:timing>
 </p:sld>
 </file>
 
@@ -22270,10 +22076,18 @@
             <a:spLocks noGrp="1"/>
           </p:cNvSpPr>
           <p:nvPr>
-            <p:ph type="title"/>
+            <p:ph type="title" idx="4294967295"/>
           </p:nvPr>
         </p:nvSpPr>
-        <p:spPr/>
+        <p:spPr>
+          <a:xfrm>
+            <a:off x="0" y="3296022"/>
+            <a:ext cx="12192000" cy="957262"/>
+          </a:xfrm>
+          <a:prstGeom prst="rect">
+            <a:avLst/>
+          </a:prstGeom>
+        </p:spPr>
         <p:txBody>
           <a:bodyPr>
             <a:noAutofit/>
@@ -22290,58 +22104,6 @@
               <a:t>Что дано?</a:t>
             </a:r>
             <a:endParaRPr lang="en-US" sz="3600" dirty="0"/>
-          </a:p>
-        </p:txBody>
-      </p:sp>
-      <p:sp>
-        <p:nvSpPr>
-          <p:cNvPr id="4" name="TextBox 3">
-            <a:extLst>
-              <a:ext uri="{FF2B5EF4-FFF2-40B4-BE49-F238E27FC236}">
-                <a16:creationId xmlns:a16="http://schemas.microsoft.com/office/drawing/2014/main" id="{CBBB4D6B-266B-453E-B039-6B63EDB32450}"/>
-              </a:ext>
-            </a:extLst>
-          </p:cNvPr>
-          <p:cNvSpPr txBox="1"/>
-          <p:nvPr/>
-        </p:nvSpPr>
-        <p:spPr>
-          <a:xfrm>
-            <a:off x="3299460" y="6053137"/>
-            <a:ext cx="5699760" cy="523220"/>
-          </a:xfrm>
-          <a:prstGeom prst="rect">
-            <a:avLst/>
-          </a:prstGeom>
-          <a:noFill/>
-        </p:spPr>
-        <p:txBody>
-          <a:bodyPr wrap="square" rtlCol="0">
-            <a:spAutoFit/>
-          </a:bodyPr>
-          <a:lstStyle/>
-          <a:p>
-            <a:pPr algn="ctr"/>
-            <a:r>
-              <a:rPr lang="ru-RU" sz="1400" i="1" dirty="0">
-                <a:solidFill>
-                  <a:schemeClr val="bg1"/>
-                </a:solidFill>
-                <a:latin typeface="Calibri" panose="020F0502020204030204" pitchFamily="34" charset="0"/>
-                <a:cs typeface="Calibri" panose="020F0502020204030204" pitchFamily="34" charset="0"/>
-              </a:rPr>
-              <a:t>Первый акт </a:t>
-            </a:r>
-            <a:r>
-              <a:rPr lang="ru-RU" sz="1400" i="1" dirty="0">
-                <a:solidFill>
-                  <a:schemeClr val="bg1"/>
-                </a:solidFill>
-                <a:latin typeface="Calibri Light" panose="020F0302020204030204" pitchFamily="34" charset="0"/>
-                <a:cs typeface="Calibri Light" panose="020F0302020204030204" pitchFamily="34" charset="0"/>
-              </a:rPr>
-              <a:t>— это презентация основных действующих лиц, зов к странствию, встреча с наставником, принятие зова</a:t>
-            </a:r>
           </a:p>
         </p:txBody>
       </p:sp>
@@ -22391,693 +22153,6 @@
             <p:ph type="title"/>
           </p:nvPr>
         </p:nvSpPr>
-        <p:spPr/>
-        <p:txBody>
-          <a:bodyPr>
-            <a:noAutofit/>
-          </a:bodyPr>
-          <a:lstStyle/>
-          <a:p>
-            <a:pPr algn="ctr"/>
-            <a:r>
-              <a:rPr lang="ru-RU" sz="3600" dirty="0">
-                <a:solidFill>
-                  <a:schemeClr val="bg1"/>
-                </a:solidFill>
-              </a:rPr>
-              <a:t>Выводы</a:t>
-            </a:r>
-            <a:endParaRPr lang="en-US" sz="3600" dirty="0"/>
-          </a:p>
-        </p:txBody>
-      </p:sp>
-    </p:spTree>
-    <p:extLst>
-      <p:ext uri="{BB962C8B-B14F-4D97-AF65-F5344CB8AC3E}">
-        <p14:creationId xmlns:p14="http://schemas.microsoft.com/office/powerpoint/2010/main" val="3678866164"/>
-      </p:ext>
-    </p:extLst>
-  </p:cSld>
-  <p:clrMapOvr>
-    <a:masterClrMapping/>
-  </p:clrMapOvr>
-</p:sld>
-</file>
-
-<file path=ppt/slides/slide31.xml><?xml version="1.0" encoding="utf-8"?>
-<p:sld xmlns:a="http://schemas.openxmlformats.org/drawingml/2006/main" xmlns:r="http://schemas.openxmlformats.org/officeDocument/2006/relationships" xmlns:p="http://schemas.openxmlformats.org/presentationml/2006/main">
-  <p:cSld>
-    <p:spTree>
-      <p:nvGrpSpPr>
-        <p:cNvPr id="1" name=""/>
-        <p:cNvGrpSpPr/>
-        <p:nvPr/>
-      </p:nvGrpSpPr>
-      <p:grpSpPr>
-        <a:xfrm>
-          <a:off x="0" y="0"/>
-          <a:ext cx="0" cy="0"/>
-          <a:chOff x="0" y="0"/>
-          <a:chExt cx="0" cy="0"/>
-        </a:xfrm>
-      </p:grpSpPr>
-      <p:sp>
-        <p:nvSpPr>
-          <p:cNvPr id="4" name="Текст 3">
-            <a:extLst>
-              <a:ext uri="{FF2B5EF4-FFF2-40B4-BE49-F238E27FC236}">
-                <a16:creationId xmlns:a16="http://schemas.microsoft.com/office/drawing/2014/main" id="{C54EF961-7CE5-4B18-95FA-B194A6DF3E58}"/>
-              </a:ext>
-            </a:extLst>
-          </p:cNvPr>
-          <p:cNvSpPr>
-            <a:spLocks noGrp="1"/>
-          </p:cNvSpPr>
-          <p:nvPr>
-            <p:ph type="body" sz="quarter" idx="10"/>
-          </p:nvPr>
-        </p:nvSpPr>
-        <p:spPr>
-          <a:xfrm>
-            <a:off x="2899144" y="1750828"/>
-            <a:ext cx="8752386" cy="4839530"/>
-          </a:xfrm>
-        </p:spPr>
-        <p:txBody>
-          <a:bodyPr/>
-          <a:lstStyle/>
-          <a:p>
-            <a:r>
-              <a:rPr lang="ru-RU" sz="2000" dirty="0"/>
-              <a:t>Вместо линейных 20-25 минут линейные 20 сек – 3 минуты;</a:t>
-            </a:r>
-          </a:p>
-          <a:p>
-            <a:r>
-              <a:rPr lang="ru-RU" sz="2000" dirty="0"/>
-              <a:t>Вместо 400-500 </a:t>
-            </a:r>
-            <a:r>
-              <a:rPr lang="ru-RU" sz="2000" dirty="0" err="1"/>
-              <a:t>машиноминут</a:t>
-            </a:r>
-            <a:r>
-              <a:rPr lang="ru-RU" sz="2000" dirty="0"/>
-              <a:t> 20 секунд – 3 минуты;</a:t>
-            </a:r>
-          </a:p>
-          <a:p>
-            <a:r>
-              <a:rPr lang="ru-RU" sz="2000" dirty="0"/>
-              <a:t>Снижение количества ошибок «забыли собрать </a:t>
-            </a:r>
-            <a:r>
-              <a:rPr lang="en-US" sz="2000" dirty="0" err="1"/>
-              <a:t>nuget</a:t>
-            </a:r>
-            <a:r>
-              <a:rPr lang="ru-RU" sz="2000" dirty="0"/>
-              <a:t>»;</a:t>
-            </a:r>
-          </a:p>
-          <a:p>
-            <a:r>
-              <a:rPr lang="ru-RU" sz="2000" dirty="0"/>
-              <a:t>Снижение количества ошибок «забыли собрать сервис»;</a:t>
-            </a:r>
-          </a:p>
-          <a:p>
-            <a:r>
-              <a:rPr lang="ru-RU" sz="2000" dirty="0"/>
-              <a:t>Автоматический </a:t>
-            </a:r>
-            <a:r>
-              <a:rPr lang="ru-RU" sz="2000" dirty="0" err="1"/>
-              <a:t>деплой</a:t>
-            </a:r>
-            <a:r>
-              <a:rPr lang="ru-RU" sz="2000" dirty="0"/>
-              <a:t> среза версий сервисов;</a:t>
-            </a:r>
-          </a:p>
-          <a:p>
-            <a:r>
-              <a:rPr lang="ru-RU" sz="2000" dirty="0"/>
-              <a:t>Версия растёт только если есть изменения;</a:t>
-            </a:r>
-          </a:p>
-          <a:p>
-            <a:r>
-              <a:rPr lang="ru-RU" sz="2000" dirty="0"/>
-              <a:t>Можно удостовериться, что изменения затронули мало сервисов.</a:t>
-            </a:r>
-          </a:p>
-          <a:p>
-            <a:endParaRPr lang="ru-RU" sz="2000" dirty="0"/>
-          </a:p>
-        </p:txBody>
-      </p:sp>
-      <p:sp>
-        <p:nvSpPr>
-          <p:cNvPr id="5" name="TextBox 4">
-            <a:extLst>
-              <a:ext uri="{FF2B5EF4-FFF2-40B4-BE49-F238E27FC236}">
-                <a16:creationId xmlns:a16="http://schemas.microsoft.com/office/drawing/2014/main" id="{4577BDC2-7135-43BA-BDE4-FECC3A1FF8E1}"/>
-              </a:ext>
-            </a:extLst>
-          </p:cNvPr>
-          <p:cNvSpPr txBox="1"/>
-          <p:nvPr/>
-        </p:nvSpPr>
-        <p:spPr>
-          <a:xfrm>
-            <a:off x="2796540" y="542677"/>
-            <a:ext cx="7033260" cy="584775"/>
-          </a:xfrm>
-          <a:prstGeom prst="rect">
-            <a:avLst/>
-          </a:prstGeom>
-          <a:solidFill>
-            <a:schemeClr val="bg1"/>
-          </a:solidFill>
-        </p:spPr>
-        <p:txBody>
-          <a:bodyPr wrap="square" rtlCol="0">
-            <a:spAutoFit/>
-          </a:bodyPr>
-          <a:lstStyle/>
-          <a:p>
-            <a:pPr algn="ctr"/>
-            <a:r>
-              <a:rPr lang="ru-RU" sz="3200" dirty="0"/>
-              <a:t>Выводы</a:t>
-            </a:r>
-          </a:p>
-        </p:txBody>
-      </p:sp>
-    </p:spTree>
-    <p:extLst>
-      <p:ext uri="{BB962C8B-B14F-4D97-AF65-F5344CB8AC3E}">
-        <p14:creationId xmlns:p14="http://schemas.microsoft.com/office/powerpoint/2010/main" val="3866231404"/>
-      </p:ext>
-    </p:extLst>
-  </p:cSld>
-  <p:clrMapOvr>
-    <a:masterClrMapping/>
-  </p:clrMapOvr>
-  <p:timing>
-    <p:tnLst>
-      <p:par>
-        <p:cTn id="1" dur="indefinite" restart="never" nodeType="tmRoot">
-          <p:childTnLst>
-            <p:seq concurrent="1" nextAc="seek">
-              <p:cTn id="2" dur="indefinite" nodeType="mainSeq">
-                <p:childTnLst>
-                  <p:par>
-                    <p:cTn id="3" fill="hold">
-                      <p:stCondLst>
-                        <p:cond delay="indefinite"/>
-                      </p:stCondLst>
-                      <p:childTnLst>
-                        <p:par>
-                          <p:cTn id="4" fill="hold">
-                            <p:stCondLst>
-                              <p:cond delay="0"/>
-                            </p:stCondLst>
-                            <p:childTnLst>
-                              <p:par>
-                                <p:cTn id="5" presetID="10" presetClass="entr" presetSubtype="0" fill="hold" nodeType="clickEffect">
-                                  <p:stCondLst>
-                                    <p:cond delay="0"/>
-                                  </p:stCondLst>
-                                  <p:childTnLst>
-                                    <p:set>
-                                      <p:cBhvr>
-                                        <p:cTn id="6" dur="1" fill="hold">
-                                          <p:stCondLst>
-                                            <p:cond delay="0"/>
-                                          </p:stCondLst>
-                                        </p:cTn>
-                                        <p:tgtEl>
-                                          <p:spTgt spid="4">
-                                            <p:txEl>
-                                              <p:pRg st="0" end="0"/>
-                                            </p:txEl>
-                                          </p:spTgt>
-                                        </p:tgtEl>
-                                        <p:attrNameLst>
-                                          <p:attrName>style.visibility</p:attrName>
-                                        </p:attrNameLst>
-                                      </p:cBhvr>
-                                      <p:to>
-                                        <p:strVal val="visible"/>
-                                      </p:to>
-                                    </p:set>
-                                    <p:animEffect transition="in" filter="fade">
-                                      <p:cBhvr>
-                                        <p:cTn id="7" dur="500"/>
-                                        <p:tgtEl>
-                                          <p:spTgt spid="4">
-                                            <p:txEl>
-                                              <p:pRg st="0" end="0"/>
-                                            </p:txEl>
-                                          </p:spTgt>
-                                        </p:tgtEl>
-                                      </p:cBhvr>
-                                    </p:animEffect>
-                                  </p:childTnLst>
-                                </p:cTn>
-                              </p:par>
-                            </p:childTnLst>
-                          </p:cTn>
-                        </p:par>
-                      </p:childTnLst>
-                    </p:cTn>
-                  </p:par>
-                  <p:par>
-                    <p:cTn id="8" fill="hold">
-                      <p:stCondLst>
-                        <p:cond delay="indefinite"/>
-                      </p:stCondLst>
-                      <p:childTnLst>
-                        <p:par>
-                          <p:cTn id="9" fill="hold">
-                            <p:stCondLst>
-                              <p:cond delay="0"/>
-                            </p:stCondLst>
-                            <p:childTnLst>
-                              <p:par>
-                                <p:cTn id="10" presetID="10" presetClass="entr" presetSubtype="0" fill="hold" nodeType="clickEffect">
-                                  <p:stCondLst>
-                                    <p:cond delay="0"/>
-                                  </p:stCondLst>
-                                  <p:childTnLst>
-                                    <p:set>
-                                      <p:cBhvr>
-                                        <p:cTn id="11" dur="1" fill="hold">
-                                          <p:stCondLst>
-                                            <p:cond delay="0"/>
-                                          </p:stCondLst>
-                                        </p:cTn>
-                                        <p:tgtEl>
-                                          <p:spTgt spid="4">
-                                            <p:txEl>
-                                              <p:pRg st="1" end="1"/>
-                                            </p:txEl>
-                                          </p:spTgt>
-                                        </p:tgtEl>
-                                        <p:attrNameLst>
-                                          <p:attrName>style.visibility</p:attrName>
-                                        </p:attrNameLst>
-                                      </p:cBhvr>
-                                      <p:to>
-                                        <p:strVal val="visible"/>
-                                      </p:to>
-                                    </p:set>
-                                    <p:animEffect transition="in" filter="fade">
-                                      <p:cBhvr>
-                                        <p:cTn id="12" dur="500"/>
-                                        <p:tgtEl>
-                                          <p:spTgt spid="4">
-                                            <p:txEl>
-                                              <p:pRg st="1" end="1"/>
-                                            </p:txEl>
-                                          </p:spTgt>
-                                        </p:tgtEl>
-                                      </p:cBhvr>
-                                    </p:animEffect>
-                                  </p:childTnLst>
-                                </p:cTn>
-                              </p:par>
-                            </p:childTnLst>
-                          </p:cTn>
-                        </p:par>
-                      </p:childTnLst>
-                    </p:cTn>
-                  </p:par>
-                  <p:par>
-                    <p:cTn id="13" fill="hold">
-                      <p:stCondLst>
-                        <p:cond delay="indefinite"/>
-                      </p:stCondLst>
-                      <p:childTnLst>
-                        <p:par>
-                          <p:cTn id="14" fill="hold">
-                            <p:stCondLst>
-                              <p:cond delay="0"/>
-                            </p:stCondLst>
-                            <p:childTnLst>
-                              <p:par>
-                                <p:cTn id="15" presetID="10" presetClass="entr" presetSubtype="0" fill="hold" nodeType="clickEffect">
-                                  <p:stCondLst>
-                                    <p:cond delay="0"/>
-                                  </p:stCondLst>
-                                  <p:childTnLst>
-                                    <p:set>
-                                      <p:cBhvr>
-                                        <p:cTn id="16" dur="1" fill="hold">
-                                          <p:stCondLst>
-                                            <p:cond delay="0"/>
-                                          </p:stCondLst>
-                                        </p:cTn>
-                                        <p:tgtEl>
-                                          <p:spTgt spid="4">
-                                            <p:txEl>
-                                              <p:pRg st="2" end="2"/>
-                                            </p:txEl>
-                                          </p:spTgt>
-                                        </p:tgtEl>
-                                        <p:attrNameLst>
-                                          <p:attrName>style.visibility</p:attrName>
-                                        </p:attrNameLst>
-                                      </p:cBhvr>
-                                      <p:to>
-                                        <p:strVal val="visible"/>
-                                      </p:to>
-                                    </p:set>
-                                    <p:animEffect transition="in" filter="fade">
-                                      <p:cBhvr>
-                                        <p:cTn id="17" dur="500"/>
-                                        <p:tgtEl>
-                                          <p:spTgt spid="4">
-                                            <p:txEl>
-                                              <p:pRg st="2" end="2"/>
-                                            </p:txEl>
-                                          </p:spTgt>
-                                        </p:tgtEl>
-                                      </p:cBhvr>
-                                    </p:animEffect>
-                                  </p:childTnLst>
-                                </p:cTn>
-                              </p:par>
-                            </p:childTnLst>
-                          </p:cTn>
-                        </p:par>
-                      </p:childTnLst>
-                    </p:cTn>
-                  </p:par>
-                  <p:par>
-                    <p:cTn id="18" fill="hold">
-                      <p:stCondLst>
-                        <p:cond delay="indefinite"/>
-                      </p:stCondLst>
-                      <p:childTnLst>
-                        <p:par>
-                          <p:cTn id="19" fill="hold">
-                            <p:stCondLst>
-                              <p:cond delay="0"/>
-                            </p:stCondLst>
-                            <p:childTnLst>
-                              <p:par>
-                                <p:cTn id="20" presetID="10" presetClass="entr" presetSubtype="0" fill="hold" nodeType="clickEffect">
-                                  <p:stCondLst>
-                                    <p:cond delay="0"/>
-                                  </p:stCondLst>
-                                  <p:childTnLst>
-                                    <p:set>
-                                      <p:cBhvr>
-                                        <p:cTn id="21" dur="1" fill="hold">
-                                          <p:stCondLst>
-                                            <p:cond delay="0"/>
-                                          </p:stCondLst>
-                                        </p:cTn>
-                                        <p:tgtEl>
-                                          <p:spTgt spid="4">
-                                            <p:txEl>
-                                              <p:pRg st="3" end="3"/>
-                                            </p:txEl>
-                                          </p:spTgt>
-                                        </p:tgtEl>
-                                        <p:attrNameLst>
-                                          <p:attrName>style.visibility</p:attrName>
-                                        </p:attrNameLst>
-                                      </p:cBhvr>
-                                      <p:to>
-                                        <p:strVal val="visible"/>
-                                      </p:to>
-                                    </p:set>
-                                    <p:animEffect transition="in" filter="fade">
-                                      <p:cBhvr>
-                                        <p:cTn id="22" dur="500"/>
-                                        <p:tgtEl>
-                                          <p:spTgt spid="4">
-                                            <p:txEl>
-                                              <p:pRg st="3" end="3"/>
-                                            </p:txEl>
-                                          </p:spTgt>
-                                        </p:tgtEl>
-                                      </p:cBhvr>
-                                    </p:animEffect>
-                                  </p:childTnLst>
-                                </p:cTn>
-                              </p:par>
-                            </p:childTnLst>
-                          </p:cTn>
-                        </p:par>
-                      </p:childTnLst>
-                    </p:cTn>
-                  </p:par>
-                  <p:par>
-                    <p:cTn id="23" fill="hold">
-                      <p:stCondLst>
-                        <p:cond delay="indefinite"/>
-                      </p:stCondLst>
-                      <p:childTnLst>
-                        <p:par>
-                          <p:cTn id="24" fill="hold">
-                            <p:stCondLst>
-                              <p:cond delay="0"/>
-                            </p:stCondLst>
-                            <p:childTnLst>
-                              <p:par>
-                                <p:cTn id="25" presetID="10" presetClass="entr" presetSubtype="0" fill="hold" nodeType="clickEffect">
-                                  <p:stCondLst>
-                                    <p:cond delay="0"/>
-                                  </p:stCondLst>
-                                  <p:childTnLst>
-                                    <p:set>
-                                      <p:cBhvr>
-                                        <p:cTn id="26" dur="1" fill="hold">
-                                          <p:stCondLst>
-                                            <p:cond delay="0"/>
-                                          </p:stCondLst>
-                                        </p:cTn>
-                                        <p:tgtEl>
-                                          <p:spTgt spid="4">
-                                            <p:txEl>
-                                              <p:pRg st="4" end="4"/>
-                                            </p:txEl>
-                                          </p:spTgt>
-                                        </p:tgtEl>
-                                        <p:attrNameLst>
-                                          <p:attrName>style.visibility</p:attrName>
-                                        </p:attrNameLst>
-                                      </p:cBhvr>
-                                      <p:to>
-                                        <p:strVal val="visible"/>
-                                      </p:to>
-                                    </p:set>
-                                    <p:animEffect transition="in" filter="fade">
-                                      <p:cBhvr>
-                                        <p:cTn id="27" dur="500"/>
-                                        <p:tgtEl>
-                                          <p:spTgt spid="4">
-                                            <p:txEl>
-                                              <p:pRg st="4" end="4"/>
-                                            </p:txEl>
-                                          </p:spTgt>
-                                        </p:tgtEl>
-                                      </p:cBhvr>
-                                    </p:animEffect>
-                                  </p:childTnLst>
-                                </p:cTn>
-                              </p:par>
-                            </p:childTnLst>
-                          </p:cTn>
-                        </p:par>
-                      </p:childTnLst>
-                    </p:cTn>
-                  </p:par>
-                  <p:par>
-                    <p:cTn id="28" fill="hold">
-                      <p:stCondLst>
-                        <p:cond delay="indefinite"/>
-                      </p:stCondLst>
-                      <p:childTnLst>
-                        <p:par>
-                          <p:cTn id="29" fill="hold">
-                            <p:stCondLst>
-                              <p:cond delay="0"/>
-                            </p:stCondLst>
-                            <p:childTnLst>
-                              <p:par>
-                                <p:cTn id="30" presetID="10" presetClass="entr" presetSubtype="0" fill="hold" nodeType="clickEffect">
-                                  <p:stCondLst>
-                                    <p:cond delay="0"/>
-                                  </p:stCondLst>
-                                  <p:childTnLst>
-                                    <p:set>
-                                      <p:cBhvr>
-                                        <p:cTn id="31" dur="1" fill="hold">
-                                          <p:stCondLst>
-                                            <p:cond delay="0"/>
-                                          </p:stCondLst>
-                                        </p:cTn>
-                                        <p:tgtEl>
-                                          <p:spTgt spid="4">
-                                            <p:txEl>
-                                              <p:pRg st="5" end="5"/>
-                                            </p:txEl>
-                                          </p:spTgt>
-                                        </p:tgtEl>
-                                        <p:attrNameLst>
-                                          <p:attrName>style.visibility</p:attrName>
-                                        </p:attrNameLst>
-                                      </p:cBhvr>
-                                      <p:to>
-                                        <p:strVal val="visible"/>
-                                      </p:to>
-                                    </p:set>
-                                    <p:animEffect transition="in" filter="fade">
-                                      <p:cBhvr>
-                                        <p:cTn id="32" dur="500"/>
-                                        <p:tgtEl>
-                                          <p:spTgt spid="4">
-                                            <p:txEl>
-                                              <p:pRg st="5" end="5"/>
-                                            </p:txEl>
-                                          </p:spTgt>
-                                        </p:tgtEl>
-                                      </p:cBhvr>
-                                    </p:animEffect>
-                                  </p:childTnLst>
-                                </p:cTn>
-                              </p:par>
-                            </p:childTnLst>
-                          </p:cTn>
-                        </p:par>
-                      </p:childTnLst>
-                    </p:cTn>
-                  </p:par>
-                  <p:par>
-                    <p:cTn id="33" fill="hold">
-                      <p:stCondLst>
-                        <p:cond delay="indefinite"/>
-                      </p:stCondLst>
-                      <p:childTnLst>
-                        <p:par>
-                          <p:cTn id="34" fill="hold">
-                            <p:stCondLst>
-                              <p:cond delay="0"/>
-                            </p:stCondLst>
-                            <p:childTnLst>
-                              <p:par>
-                                <p:cTn id="35" presetID="10" presetClass="entr" presetSubtype="0" fill="hold" nodeType="clickEffect">
-                                  <p:stCondLst>
-                                    <p:cond delay="0"/>
-                                  </p:stCondLst>
-                                  <p:childTnLst>
-                                    <p:set>
-                                      <p:cBhvr>
-                                        <p:cTn id="36" dur="1" fill="hold">
-                                          <p:stCondLst>
-                                            <p:cond delay="0"/>
-                                          </p:stCondLst>
-                                        </p:cTn>
-                                        <p:tgtEl>
-                                          <p:spTgt spid="4">
-                                            <p:txEl>
-                                              <p:pRg st="6" end="6"/>
-                                            </p:txEl>
-                                          </p:spTgt>
-                                        </p:tgtEl>
-                                        <p:attrNameLst>
-                                          <p:attrName>style.visibility</p:attrName>
-                                        </p:attrNameLst>
-                                      </p:cBhvr>
-                                      <p:to>
-                                        <p:strVal val="visible"/>
-                                      </p:to>
-                                    </p:set>
-                                    <p:animEffect transition="in" filter="fade">
-                                      <p:cBhvr>
-                                        <p:cTn id="37" dur="500"/>
-                                        <p:tgtEl>
-                                          <p:spTgt spid="4">
-                                            <p:txEl>
-                                              <p:pRg st="6" end="6"/>
-                                            </p:txEl>
-                                          </p:spTgt>
-                                        </p:tgtEl>
-                                      </p:cBhvr>
-                                    </p:animEffect>
-                                  </p:childTnLst>
-                                </p:cTn>
-                              </p:par>
-                            </p:childTnLst>
-                          </p:cTn>
-                        </p:par>
-                      </p:childTnLst>
-                    </p:cTn>
-                  </p:par>
-                </p:childTnLst>
-              </p:cTn>
-              <p:prevCondLst>
-                <p:cond evt="onPrev" delay="0">
-                  <p:tgtEl>
-                    <p:sldTgt/>
-                  </p:tgtEl>
-                </p:cond>
-              </p:prevCondLst>
-              <p:nextCondLst>
-                <p:cond evt="onNext" delay="0">
-                  <p:tgtEl>
-                    <p:sldTgt/>
-                  </p:tgtEl>
-                </p:cond>
-              </p:nextCondLst>
-            </p:seq>
-          </p:childTnLst>
-        </p:cTn>
-      </p:par>
-    </p:tnLst>
-  </p:timing>
-</p:sld>
-</file>
-
-<file path=ppt/slides/slide32.xml><?xml version="1.0" encoding="utf-8"?>
-<p:sld xmlns:a="http://schemas.openxmlformats.org/drawingml/2006/main" xmlns:r="http://schemas.openxmlformats.org/officeDocument/2006/relationships" xmlns:p="http://schemas.openxmlformats.org/presentationml/2006/main">
-  <p:cSld>
-    <p:spTree>
-      <p:nvGrpSpPr>
-        <p:cNvPr id="1" name=""/>
-        <p:cNvGrpSpPr/>
-        <p:nvPr/>
-      </p:nvGrpSpPr>
-      <p:grpSpPr>
-        <a:xfrm>
-          <a:off x="0" y="0"/>
-          <a:ext cx="0" cy="0"/>
-          <a:chOff x="0" y="0"/>
-          <a:chExt cx="0" cy="0"/>
-        </a:xfrm>
-      </p:grpSpPr>
-      <p:sp>
-        <p:nvSpPr>
-          <p:cNvPr id="3" name="Title 2">
-            <a:extLst>
-              <a:ext uri="{FF2B5EF4-FFF2-40B4-BE49-F238E27FC236}">
-                <a16:creationId xmlns:a16="http://schemas.microsoft.com/office/drawing/2014/main" id="{8984C6A1-8B3D-4B10-B395-AB819092E7A5}"/>
-              </a:ext>
-            </a:extLst>
-          </p:cNvPr>
-          <p:cNvSpPr>
-            <a:spLocks noGrp="1"/>
-          </p:cNvSpPr>
-          <p:nvPr>
-            <p:ph type="title"/>
-          </p:nvPr>
-        </p:nvSpPr>
         <p:spPr>
           <a:xfrm>
             <a:off x="838200" y="3038474"/>
@@ -23140,34 +22215,6 @@
       </p:grpSpPr>
       <p:sp>
         <p:nvSpPr>
-          <p:cNvPr id="5" name="Заголовок 4">
-            <a:extLst>
-              <a:ext uri="{FF2B5EF4-FFF2-40B4-BE49-F238E27FC236}">
-                <a16:creationId xmlns:a16="http://schemas.microsoft.com/office/drawing/2014/main" id="{AF798A1D-1B16-4FD0-8CAC-8754A8D756FC}"/>
-              </a:ext>
-            </a:extLst>
-          </p:cNvPr>
-          <p:cNvSpPr>
-            <a:spLocks noGrp="1"/>
-          </p:cNvSpPr>
-          <p:nvPr>
-            <p:ph type="title"/>
-          </p:nvPr>
-        </p:nvSpPr>
-        <p:spPr/>
-        <p:txBody>
-          <a:bodyPr/>
-          <a:lstStyle/>
-          <a:p>
-            <a:r>
-              <a:rPr lang="ru-RU" dirty="0"/>
-              <a:t>Начало, обыденный мир</a:t>
-            </a:r>
-          </a:p>
-        </p:txBody>
-      </p:sp>
-      <p:sp>
-        <p:nvSpPr>
           <p:cNvPr id="2" name="TextBox 1">
             <a:extLst>
               <a:ext uri="{FF2B5EF4-FFF2-40B4-BE49-F238E27FC236}">
@@ -23264,6 +22311,232 @@
   <p:clrMapOvr>
     <a:masterClrMapping/>
   </p:clrMapOvr>
+  <p:timing>
+    <p:tnLst>
+      <p:par>
+        <p:cTn id="1" dur="indefinite" restart="never" nodeType="tmRoot">
+          <p:childTnLst>
+            <p:seq concurrent="1" nextAc="seek">
+              <p:cTn id="2" dur="indefinite" nodeType="mainSeq">
+                <p:childTnLst>
+                  <p:par>
+                    <p:cTn id="3" fill="hold">
+                      <p:stCondLst>
+                        <p:cond delay="indefinite"/>
+                      </p:stCondLst>
+                      <p:childTnLst>
+                        <p:par>
+                          <p:cTn id="4" fill="hold">
+                            <p:stCondLst>
+                              <p:cond delay="0"/>
+                            </p:stCondLst>
+                            <p:childTnLst>
+                              <p:par>
+                                <p:cTn id="5" presetID="1" presetClass="entr" presetSubtype="0" fill="hold" nodeType="clickEffect">
+                                  <p:stCondLst>
+                                    <p:cond delay="0"/>
+                                  </p:stCondLst>
+                                  <p:childTnLst>
+                                    <p:set>
+                                      <p:cBhvr>
+                                        <p:cTn id="6" dur="1" fill="hold">
+                                          <p:stCondLst>
+                                            <p:cond delay="0"/>
+                                          </p:stCondLst>
+                                        </p:cTn>
+                                        <p:tgtEl>
+                                          <p:spTgt spid="2">
+                                            <p:txEl>
+                                              <p:pRg st="1" end="1"/>
+                                            </p:txEl>
+                                          </p:spTgt>
+                                        </p:tgtEl>
+                                        <p:attrNameLst>
+                                          <p:attrName>style.visibility</p:attrName>
+                                        </p:attrNameLst>
+                                      </p:cBhvr>
+                                      <p:to>
+                                        <p:strVal val="visible"/>
+                                      </p:to>
+                                    </p:set>
+                                  </p:childTnLst>
+                                </p:cTn>
+                              </p:par>
+                            </p:childTnLst>
+                          </p:cTn>
+                        </p:par>
+                      </p:childTnLst>
+                    </p:cTn>
+                  </p:par>
+                  <p:par>
+                    <p:cTn id="7" fill="hold">
+                      <p:stCondLst>
+                        <p:cond delay="indefinite"/>
+                      </p:stCondLst>
+                      <p:childTnLst>
+                        <p:par>
+                          <p:cTn id="8" fill="hold">
+                            <p:stCondLst>
+                              <p:cond delay="0"/>
+                            </p:stCondLst>
+                            <p:childTnLst>
+                              <p:par>
+                                <p:cTn id="9" presetID="1" presetClass="entr" presetSubtype="0" fill="hold" nodeType="clickEffect">
+                                  <p:stCondLst>
+                                    <p:cond delay="0"/>
+                                  </p:stCondLst>
+                                  <p:childTnLst>
+                                    <p:set>
+                                      <p:cBhvr>
+                                        <p:cTn id="10" dur="1" fill="hold">
+                                          <p:stCondLst>
+                                            <p:cond delay="0"/>
+                                          </p:stCondLst>
+                                        </p:cTn>
+                                        <p:tgtEl>
+                                          <p:spTgt spid="2">
+                                            <p:txEl>
+                                              <p:pRg st="2" end="2"/>
+                                            </p:txEl>
+                                          </p:spTgt>
+                                        </p:tgtEl>
+                                        <p:attrNameLst>
+                                          <p:attrName>style.visibility</p:attrName>
+                                        </p:attrNameLst>
+                                      </p:cBhvr>
+                                      <p:to>
+                                        <p:strVal val="visible"/>
+                                      </p:to>
+                                    </p:set>
+                                  </p:childTnLst>
+                                </p:cTn>
+                              </p:par>
+                            </p:childTnLst>
+                          </p:cTn>
+                        </p:par>
+                      </p:childTnLst>
+                    </p:cTn>
+                  </p:par>
+                  <p:par>
+                    <p:cTn id="11" fill="hold">
+                      <p:stCondLst>
+                        <p:cond delay="indefinite"/>
+                      </p:stCondLst>
+                      <p:childTnLst>
+                        <p:par>
+                          <p:cTn id="12" fill="hold">
+                            <p:stCondLst>
+                              <p:cond delay="0"/>
+                            </p:stCondLst>
+                            <p:childTnLst>
+                              <p:par>
+                                <p:cTn id="13" presetID="1" presetClass="entr" presetSubtype="0" fill="hold" nodeType="clickEffect">
+                                  <p:stCondLst>
+                                    <p:cond delay="0"/>
+                                  </p:stCondLst>
+                                  <p:childTnLst>
+                                    <p:set>
+                                      <p:cBhvr>
+                                        <p:cTn id="14" dur="1" fill="hold">
+                                          <p:stCondLst>
+                                            <p:cond delay="0"/>
+                                          </p:stCondLst>
+                                        </p:cTn>
+                                        <p:tgtEl>
+                                          <p:spTgt spid="2">
+                                            <p:txEl>
+                                              <p:pRg st="3" end="3"/>
+                                            </p:txEl>
+                                          </p:spTgt>
+                                        </p:tgtEl>
+                                        <p:attrNameLst>
+                                          <p:attrName>style.visibility</p:attrName>
+                                        </p:attrNameLst>
+                                      </p:cBhvr>
+                                      <p:to>
+                                        <p:strVal val="visible"/>
+                                      </p:to>
+                                    </p:set>
+                                  </p:childTnLst>
+                                </p:cTn>
+                              </p:par>
+                            </p:childTnLst>
+                          </p:cTn>
+                        </p:par>
+                      </p:childTnLst>
+                    </p:cTn>
+                  </p:par>
+                  <p:par>
+                    <p:cTn id="15" fill="hold">
+                      <p:stCondLst>
+                        <p:cond delay="indefinite"/>
+                      </p:stCondLst>
+                      <p:childTnLst>
+                        <p:par>
+                          <p:cTn id="16" fill="hold">
+                            <p:stCondLst>
+                              <p:cond delay="0"/>
+                            </p:stCondLst>
+                            <p:childTnLst>
+                              <p:par>
+                                <p:cTn id="17" presetID="1" presetClass="entr" presetSubtype="0" fill="hold" nodeType="clickEffect">
+                                  <p:stCondLst>
+                                    <p:cond delay="0"/>
+                                  </p:stCondLst>
+                                  <p:childTnLst>
+                                    <p:set>
+                                      <p:cBhvr>
+                                        <p:cTn id="18" dur="1" fill="hold">
+                                          <p:stCondLst>
+                                            <p:cond delay="0"/>
+                                          </p:stCondLst>
+                                        </p:cTn>
+                                        <p:tgtEl>
+                                          <p:spTgt spid="2">
+                                            <p:txEl>
+                                              <p:pRg st="4" end="4"/>
+                                            </p:txEl>
+                                          </p:spTgt>
+                                        </p:tgtEl>
+                                        <p:attrNameLst>
+                                          <p:attrName>style.visibility</p:attrName>
+                                        </p:attrNameLst>
+                                      </p:cBhvr>
+                                      <p:to>
+                                        <p:strVal val="visible"/>
+                                      </p:to>
+                                    </p:set>
+                                  </p:childTnLst>
+                                </p:cTn>
+                              </p:par>
+                            </p:childTnLst>
+                          </p:cTn>
+                        </p:par>
+                      </p:childTnLst>
+                    </p:cTn>
+                  </p:par>
+                </p:childTnLst>
+              </p:cTn>
+              <p:prevCondLst>
+                <p:cond evt="onPrev" delay="0">
+                  <p:tgtEl>
+                    <p:sldTgt/>
+                  </p:tgtEl>
+                </p:cond>
+              </p:prevCondLst>
+              <p:nextCondLst>
+                <p:cond evt="onNext" delay="0">
+                  <p:tgtEl>
+                    <p:sldTgt/>
+                  </p:tgtEl>
+                </p:cond>
+              </p:nextCondLst>
+            </p:seq>
+          </p:childTnLst>
+        </p:cTn>
+      </p:par>
+    </p:tnLst>
+  </p:timing>
 </p:sld>
 </file>
 
@@ -23284,34 +22557,6 @@
           <a:chExt cx="0" cy="0"/>
         </a:xfrm>
       </p:grpSpPr>
-      <p:sp>
-        <p:nvSpPr>
-          <p:cNvPr id="5" name="Заголовок 4">
-            <a:extLst>
-              <a:ext uri="{FF2B5EF4-FFF2-40B4-BE49-F238E27FC236}">
-                <a16:creationId xmlns:a16="http://schemas.microsoft.com/office/drawing/2014/main" id="{AF798A1D-1B16-4FD0-8CAC-8754A8D756FC}"/>
-              </a:ext>
-            </a:extLst>
-          </p:cNvPr>
-          <p:cNvSpPr>
-            <a:spLocks noGrp="1"/>
-          </p:cNvSpPr>
-          <p:nvPr>
-            <p:ph type="title"/>
-          </p:nvPr>
-        </p:nvSpPr>
-        <p:spPr/>
-        <p:txBody>
-          <a:bodyPr/>
-          <a:lstStyle/>
-          <a:p>
-            <a:r>
-              <a:rPr lang="ru-RU" dirty="0"/>
-              <a:t>Экспозиция</a:t>
-            </a:r>
-          </a:p>
-        </p:txBody>
-      </p:sp>
       <p:sp>
         <p:nvSpPr>
           <p:cNvPr id="48" name="TextBox 47">
@@ -23373,8 +22618,8 @@
           </a:p>
         </p:txBody>
       </p:sp>
-      <mc:AlternateContent xmlns:mc="http://schemas.openxmlformats.org/markup-compatibility/2006">
-        <mc:Choice xmlns:p14="http://schemas.microsoft.com/office/powerpoint/2010/main" Requires="p14">
+      <mc:AlternateContent xmlns:mc="http://schemas.openxmlformats.org/markup-compatibility/2006" xmlns:p14="http://schemas.microsoft.com/office/powerpoint/2010/main">
+        <mc:Choice Requires="p14">
           <p:contentPart p14:bwMode="auto" r:id="rId2">
             <p14:nvContentPartPr>
               <p14:cNvPr id="52" name="Рукописный ввод 51">
@@ -23393,7 +22638,7 @@
             </p14:xfrm>
           </p:contentPart>
         </mc:Choice>
-        <mc:Fallback>
+        <mc:Fallback xmlns="">
           <p:pic>
             <p:nvPicPr>
               <p:cNvPr id="52" name="Рукописный ввод 51">
@@ -23424,8 +22669,8 @@
           </p:pic>
         </mc:Fallback>
       </mc:AlternateContent>
-      <mc:AlternateContent xmlns:mc="http://schemas.openxmlformats.org/markup-compatibility/2006">
-        <mc:Choice xmlns:p14="http://schemas.microsoft.com/office/powerpoint/2010/main" Requires="p14">
+      <mc:AlternateContent xmlns:mc="http://schemas.openxmlformats.org/markup-compatibility/2006" xmlns:p14="http://schemas.microsoft.com/office/powerpoint/2010/main">
+        <mc:Choice Requires="p14">
           <p:contentPart p14:bwMode="auto" r:id="rId4">
             <p14:nvContentPartPr>
               <p14:cNvPr id="6" name="Рукописный ввод 5">
@@ -23444,7 +22689,7 @@
             </p14:xfrm>
           </p:contentPart>
         </mc:Choice>
-        <mc:Fallback>
+        <mc:Fallback xmlns="">
           <p:pic>
             <p:nvPicPr>
               <p:cNvPr id="6" name="Рукописный ввод 5">
@@ -23475,8 +22720,8 @@
           </p:pic>
         </mc:Fallback>
       </mc:AlternateContent>
-      <mc:AlternateContent xmlns:mc="http://schemas.openxmlformats.org/markup-compatibility/2006">
-        <mc:Choice xmlns:p14="http://schemas.microsoft.com/office/powerpoint/2010/main" Requires="p14">
+      <mc:AlternateContent xmlns:mc="http://schemas.openxmlformats.org/markup-compatibility/2006" xmlns:p14="http://schemas.microsoft.com/office/powerpoint/2010/main">
+        <mc:Choice Requires="p14">
           <p:contentPart p14:bwMode="auto" r:id="rId6">
             <p14:nvContentPartPr>
               <p14:cNvPr id="7" name="Рукописный ввод 6">
@@ -23495,7 +22740,7 @@
             </p14:xfrm>
           </p:contentPart>
         </mc:Choice>
-        <mc:Fallback>
+        <mc:Fallback xmlns="">
           <p:pic>
             <p:nvPicPr>
               <p:cNvPr id="7" name="Рукописный ввод 6">
@@ -23526,8 +22771,8 @@
           </p:pic>
         </mc:Fallback>
       </mc:AlternateContent>
-      <mc:AlternateContent xmlns:mc="http://schemas.openxmlformats.org/markup-compatibility/2006">
-        <mc:Choice xmlns:p14="http://schemas.microsoft.com/office/powerpoint/2010/main" Requires="p14">
+      <mc:AlternateContent xmlns:mc="http://schemas.openxmlformats.org/markup-compatibility/2006" xmlns:p14="http://schemas.microsoft.com/office/powerpoint/2010/main">
+        <mc:Choice Requires="p14">
           <p:contentPart p14:bwMode="auto" r:id="rId8">
             <p14:nvContentPartPr>
               <p14:cNvPr id="8" name="Рукописный ввод 7">
@@ -23546,7 +22791,7 @@
             </p14:xfrm>
           </p:contentPart>
         </mc:Choice>
-        <mc:Fallback>
+        <mc:Fallback xmlns="">
           <p:pic>
             <p:nvPicPr>
               <p:cNvPr id="8" name="Рукописный ввод 7">
@@ -23577,8 +22822,8 @@
           </p:pic>
         </mc:Fallback>
       </mc:AlternateContent>
-      <mc:AlternateContent xmlns:mc="http://schemas.openxmlformats.org/markup-compatibility/2006">
-        <mc:Choice xmlns:p14="http://schemas.microsoft.com/office/powerpoint/2010/main" Requires="p14">
+      <mc:AlternateContent xmlns:mc="http://schemas.openxmlformats.org/markup-compatibility/2006" xmlns:p14="http://schemas.microsoft.com/office/powerpoint/2010/main">
+        <mc:Choice Requires="p14">
           <p:contentPart p14:bwMode="auto" r:id="rId10">
             <p14:nvContentPartPr>
               <p14:cNvPr id="12" name="Рукописный ввод 11">
@@ -23597,7 +22842,7 @@
             </p14:xfrm>
           </p:contentPart>
         </mc:Choice>
-        <mc:Fallback>
+        <mc:Fallback xmlns="">
           <p:pic>
             <p:nvPicPr>
               <p:cNvPr id="12" name="Рукописный ввод 11">
@@ -23628,8 +22873,8 @@
           </p:pic>
         </mc:Fallback>
       </mc:AlternateContent>
-      <mc:AlternateContent xmlns:mc="http://schemas.openxmlformats.org/markup-compatibility/2006">
-        <mc:Choice xmlns:p14="http://schemas.microsoft.com/office/powerpoint/2010/main" Requires="p14">
+      <mc:AlternateContent xmlns:mc="http://schemas.openxmlformats.org/markup-compatibility/2006" xmlns:p14="http://schemas.microsoft.com/office/powerpoint/2010/main">
+        <mc:Choice Requires="p14">
           <p:contentPart p14:bwMode="auto" r:id="rId12">
             <p14:nvContentPartPr>
               <p14:cNvPr id="13" name="Рукописный ввод 12">
@@ -23648,7 +22893,7 @@
             </p14:xfrm>
           </p:contentPart>
         </mc:Choice>
-        <mc:Fallback>
+        <mc:Fallback xmlns="">
           <p:pic>
             <p:nvPicPr>
               <p:cNvPr id="13" name="Рукописный ввод 12">
@@ -23679,8 +22924,8 @@
           </p:pic>
         </mc:Fallback>
       </mc:AlternateContent>
-      <mc:AlternateContent xmlns:mc="http://schemas.openxmlformats.org/markup-compatibility/2006">
-        <mc:Choice xmlns:p14="http://schemas.microsoft.com/office/powerpoint/2010/main" xmlns:aink="http://schemas.microsoft.com/office/drawing/2016/ink" Requires="p14 aink">
+      <mc:AlternateContent xmlns:mc="http://schemas.openxmlformats.org/markup-compatibility/2006" xmlns:p14="http://schemas.microsoft.com/office/powerpoint/2010/main" xmlns:aink="http://schemas.microsoft.com/office/drawing/2016/ink">
+        <mc:Choice Requires="p14 aink">
           <p:contentPart p14:bwMode="auto" r:id="rId14">
             <p14:nvContentPartPr>
               <p14:cNvPr id="19" name="Рукописный ввод 18">
@@ -23699,7 +22944,7 @@
             </p14:xfrm>
           </p:contentPart>
         </mc:Choice>
-        <mc:Fallback>
+        <mc:Fallback xmlns="">
           <p:pic>
             <p:nvPicPr>
               <p:cNvPr id="19" name="Рукописный ввод 18">
@@ -23730,8 +22975,8 @@
           </p:pic>
         </mc:Fallback>
       </mc:AlternateContent>
-      <mc:AlternateContent xmlns:mc="http://schemas.openxmlformats.org/markup-compatibility/2006">
-        <mc:Choice xmlns:p14="http://schemas.microsoft.com/office/powerpoint/2010/main" xmlns:aink="http://schemas.microsoft.com/office/drawing/2016/ink" Requires="p14 aink">
+      <mc:AlternateContent xmlns:mc="http://schemas.openxmlformats.org/markup-compatibility/2006" xmlns:p14="http://schemas.microsoft.com/office/powerpoint/2010/main" xmlns:aink="http://schemas.microsoft.com/office/drawing/2016/ink">
+        <mc:Choice Requires="p14 aink">
           <p:contentPart p14:bwMode="auto" r:id="rId16">
             <p14:nvContentPartPr>
               <p14:cNvPr id="22" name="Рукописный ввод 21">
@@ -23750,7 +22995,7 @@
             </p14:xfrm>
           </p:contentPart>
         </mc:Choice>
-        <mc:Fallback>
+        <mc:Fallback xmlns="">
           <p:pic>
             <p:nvPicPr>
               <p:cNvPr id="22" name="Рукописный ввод 21">
@@ -23781,8 +23026,8 @@
           </p:pic>
         </mc:Fallback>
       </mc:AlternateContent>
-      <mc:AlternateContent xmlns:mc="http://schemas.openxmlformats.org/markup-compatibility/2006">
-        <mc:Choice xmlns:p14="http://schemas.microsoft.com/office/powerpoint/2010/main" xmlns:aink="http://schemas.microsoft.com/office/drawing/2016/ink" Requires="p14 aink">
+      <mc:AlternateContent xmlns:mc="http://schemas.openxmlformats.org/markup-compatibility/2006" xmlns:p14="http://schemas.microsoft.com/office/powerpoint/2010/main" xmlns:aink="http://schemas.microsoft.com/office/drawing/2016/ink">
+        <mc:Choice Requires="p14 aink">
           <p:contentPart p14:bwMode="auto" r:id="rId18">
             <p14:nvContentPartPr>
               <p14:cNvPr id="23" name="Рукописный ввод 22">
@@ -23801,7 +23046,7 @@
             </p14:xfrm>
           </p:contentPart>
         </mc:Choice>
-        <mc:Fallback>
+        <mc:Fallback xmlns="">
           <p:pic>
             <p:nvPicPr>
               <p:cNvPr id="23" name="Рукописный ввод 22">
@@ -23832,8 +23077,8 @@
           </p:pic>
         </mc:Fallback>
       </mc:AlternateContent>
-      <mc:AlternateContent xmlns:mc="http://schemas.openxmlformats.org/markup-compatibility/2006">
-        <mc:Choice xmlns:p14="http://schemas.microsoft.com/office/powerpoint/2010/main" xmlns:aink="http://schemas.microsoft.com/office/drawing/2016/ink" Requires="p14 aink">
+      <mc:AlternateContent xmlns:mc="http://schemas.openxmlformats.org/markup-compatibility/2006" xmlns:p14="http://schemas.microsoft.com/office/powerpoint/2010/main" xmlns:aink="http://schemas.microsoft.com/office/drawing/2016/ink">
+        <mc:Choice Requires="p14 aink">
           <p:contentPart p14:bwMode="auto" r:id="rId20">
             <p14:nvContentPartPr>
               <p14:cNvPr id="24" name="Рукописный ввод 23">
@@ -23852,7 +23097,7 @@
             </p14:xfrm>
           </p:contentPart>
         </mc:Choice>
-        <mc:Fallback>
+        <mc:Fallback xmlns="">
           <p:pic>
             <p:nvPicPr>
               <p:cNvPr id="24" name="Рукописный ввод 23">
@@ -23883,8 +23128,8 @@
           </p:pic>
         </mc:Fallback>
       </mc:AlternateContent>
-      <mc:AlternateContent xmlns:mc="http://schemas.openxmlformats.org/markup-compatibility/2006">
-        <mc:Choice xmlns:p14="http://schemas.microsoft.com/office/powerpoint/2010/main" xmlns:aink="http://schemas.microsoft.com/office/drawing/2016/ink" Requires="p14 aink">
+      <mc:AlternateContent xmlns:mc="http://schemas.openxmlformats.org/markup-compatibility/2006" xmlns:p14="http://schemas.microsoft.com/office/powerpoint/2010/main" xmlns:aink="http://schemas.microsoft.com/office/drawing/2016/ink">
+        <mc:Choice Requires="p14 aink">
           <p:contentPart p14:bwMode="auto" r:id="rId22">
             <p14:nvContentPartPr>
               <p14:cNvPr id="26" name="Рукописный ввод 25">
@@ -23903,7 +23148,7 @@
             </p14:xfrm>
           </p:contentPart>
         </mc:Choice>
-        <mc:Fallback>
+        <mc:Fallback xmlns="">
           <p:pic>
             <p:nvPicPr>
               <p:cNvPr id="26" name="Рукописный ввод 25">
@@ -23934,8 +23179,8 @@
           </p:pic>
         </mc:Fallback>
       </mc:AlternateContent>
-      <mc:AlternateContent xmlns:mc="http://schemas.openxmlformats.org/markup-compatibility/2006">
-        <mc:Choice xmlns:p14="http://schemas.microsoft.com/office/powerpoint/2010/main" xmlns:aink="http://schemas.microsoft.com/office/drawing/2016/ink" Requires="p14 aink">
+      <mc:AlternateContent xmlns:mc="http://schemas.openxmlformats.org/markup-compatibility/2006" xmlns:p14="http://schemas.microsoft.com/office/powerpoint/2010/main" xmlns:aink="http://schemas.microsoft.com/office/drawing/2016/ink">
+        <mc:Choice Requires="p14 aink">
           <p:contentPart p14:bwMode="auto" r:id="rId24">
             <p14:nvContentPartPr>
               <p14:cNvPr id="27" name="Рукописный ввод 26">
@@ -23954,7 +23199,7 @@
             </p14:xfrm>
           </p:contentPart>
         </mc:Choice>
-        <mc:Fallback>
+        <mc:Fallback xmlns="">
           <p:pic>
             <p:nvPicPr>
               <p:cNvPr id="27" name="Рукописный ввод 26">
@@ -23985,8 +23230,8 @@
           </p:pic>
         </mc:Fallback>
       </mc:AlternateContent>
-      <mc:AlternateContent xmlns:mc="http://schemas.openxmlformats.org/markup-compatibility/2006">
-        <mc:Choice xmlns:p14="http://schemas.microsoft.com/office/powerpoint/2010/main" xmlns:aink="http://schemas.microsoft.com/office/drawing/2016/ink" Requires="p14 aink">
+      <mc:AlternateContent xmlns:mc="http://schemas.openxmlformats.org/markup-compatibility/2006" xmlns:p14="http://schemas.microsoft.com/office/powerpoint/2010/main" xmlns:aink="http://schemas.microsoft.com/office/drawing/2016/ink">
+        <mc:Choice Requires="p14 aink">
           <p:contentPart p14:bwMode="auto" r:id="rId26">
             <p14:nvContentPartPr>
               <p14:cNvPr id="28" name="Рукописный ввод 27">
@@ -24005,7 +23250,7 @@
             </p14:xfrm>
           </p:contentPart>
         </mc:Choice>
-        <mc:Fallback>
+        <mc:Fallback xmlns="">
           <p:pic>
             <p:nvPicPr>
               <p:cNvPr id="28" name="Рукописный ввод 27">
@@ -24036,8 +23281,8 @@
           </p:pic>
         </mc:Fallback>
       </mc:AlternateContent>
-      <mc:AlternateContent xmlns:mc="http://schemas.openxmlformats.org/markup-compatibility/2006">
-        <mc:Choice xmlns:p14="http://schemas.microsoft.com/office/powerpoint/2010/main" xmlns:aink="http://schemas.microsoft.com/office/drawing/2016/ink" Requires="p14 aink">
+      <mc:AlternateContent xmlns:mc="http://schemas.openxmlformats.org/markup-compatibility/2006" xmlns:p14="http://schemas.microsoft.com/office/powerpoint/2010/main" xmlns:aink="http://schemas.microsoft.com/office/drawing/2016/ink">
+        <mc:Choice Requires="p14 aink">
           <p:contentPart p14:bwMode="auto" r:id="rId28">
             <p14:nvContentPartPr>
               <p14:cNvPr id="29" name="Рукописный ввод 28">
@@ -24056,7 +23301,7 @@
             </p14:xfrm>
           </p:contentPart>
         </mc:Choice>
-        <mc:Fallback>
+        <mc:Fallback xmlns="">
           <p:pic>
             <p:nvPicPr>
               <p:cNvPr id="29" name="Рукописный ввод 28">
@@ -24087,8 +23332,8 @@
           </p:pic>
         </mc:Fallback>
       </mc:AlternateContent>
-      <mc:AlternateContent xmlns:mc="http://schemas.openxmlformats.org/markup-compatibility/2006">
-        <mc:Choice xmlns:p14="http://schemas.microsoft.com/office/powerpoint/2010/main" xmlns:aink="http://schemas.microsoft.com/office/drawing/2016/ink" Requires="p14 aink">
+      <mc:AlternateContent xmlns:mc="http://schemas.openxmlformats.org/markup-compatibility/2006" xmlns:p14="http://schemas.microsoft.com/office/powerpoint/2010/main" xmlns:aink="http://schemas.microsoft.com/office/drawing/2016/ink">
+        <mc:Choice Requires="p14 aink">
           <p:contentPart p14:bwMode="auto" r:id="rId30">
             <p14:nvContentPartPr>
               <p14:cNvPr id="30" name="Рукописный ввод 29">
@@ -24107,7 +23352,7 @@
             </p14:xfrm>
           </p:contentPart>
         </mc:Choice>
-        <mc:Fallback>
+        <mc:Fallback xmlns="">
           <p:pic>
             <p:nvPicPr>
               <p:cNvPr id="30" name="Рукописный ввод 29">
@@ -24138,8 +23383,8 @@
           </p:pic>
         </mc:Fallback>
       </mc:AlternateContent>
-      <mc:AlternateContent xmlns:mc="http://schemas.openxmlformats.org/markup-compatibility/2006">
-        <mc:Choice xmlns:p14="http://schemas.microsoft.com/office/powerpoint/2010/main" xmlns:aink="http://schemas.microsoft.com/office/drawing/2016/ink" Requires="p14 aink">
+      <mc:AlternateContent xmlns:mc="http://schemas.openxmlformats.org/markup-compatibility/2006" xmlns:p14="http://schemas.microsoft.com/office/powerpoint/2010/main" xmlns:aink="http://schemas.microsoft.com/office/drawing/2016/ink">
+        <mc:Choice Requires="p14 aink">
           <p:contentPart p14:bwMode="auto" r:id="rId32">
             <p14:nvContentPartPr>
               <p14:cNvPr id="31" name="Рукописный ввод 30">
@@ -24158,7 +23403,7 @@
             </p14:xfrm>
           </p:contentPart>
         </mc:Choice>
-        <mc:Fallback>
+        <mc:Fallback xmlns="">
           <p:pic>
             <p:nvPicPr>
               <p:cNvPr id="31" name="Рукописный ввод 30">
@@ -24221,34 +23466,6 @@
       </p:grpSpPr>
       <p:sp>
         <p:nvSpPr>
-          <p:cNvPr id="5" name="Заголовок 4">
-            <a:extLst>
-              <a:ext uri="{FF2B5EF4-FFF2-40B4-BE49-F238E27FC236}">
-                <a16:creationId xmlns:a16="http://schemas.microsoft.com/office/drawing/2014/main" id="{AF798A1D-1B16-4FD0-8CAC-8754A8D756FC}"/>
-              </a:ext>
-            </a:extLst>
-          </p:cNvPr>
-          <p:cNvSpPr>
-            <a:spLocks noGrp="1"/>
-          </p:cNvSpPr>
-          <p:nvPr>
-            <p:ph type="title"/>
-          </p:nvPr>
-        </p:nvSpPr>
-        <p:spPr/>
-        <p:txBody>
-          <a:bodyPr/>
-          <a:lstStyle/>
-          <a:p>
-            <a:r>
-              <a:rPr lang="ru-RU" dirty="0"/>
-              <a:t>Экспозиция</a:t>
-            </a:r>
-          </a:p>
-        </p:txBody>
-      </p:sp>
-      <p:sp>
-        <p:nvSpPr>
           <p:cNvPr id="48" name="TextBox 47">
             <a:extLst>
               <a:ext uri="{FF2B5EF4-FFF2-40B4-BE49-F238E27FC236}">
@@ -24308,8 +23525,8 @@
           </a:p>
         </p:txBody>
       </p:sp>
-      <mc:AlternateContent xmlns:mc="http://schemas.openxmlformats.org/markup-compatibility/2006">
-        <mc:Choice xmlns:p14="http://schemas.microsoft.com/office/powerpoint/2010/main" Requires="p14">
+      <mc:AlternateContent xmlns:mc="http://schemas.openxmlformats.org/markup-compatibility/2006" xmlns:p14="http://schemas.microsoft.com/office/powerpoint/2010/main">
+        <mc:Choice Requires="p14">
           <p:contentPart p14:bwMode="auto" r:id="rId2">
             <p14:nvContentPartPr>
               <p14:cNvPr id="52" name="Рукописный ввод 51">
@@ -24328,7 +23545,7 @@
             </p14:xfrm>
           </p:contentPart>
         </mc:Choice>
-        <mc:Fallback>
+        <mc:Fallback xmlns="">
           <p:pic>
             <p:nvPicPr>
               <p:cNvPr id="52" name="Рукописный ввод 51">
@@ -24359,8 +23576,8 @@
           </p:pic>
         </mc:Fallback>
       </mc:AlternateContent>
-      <mc:AlternateContent xmlns:mc="http://schemas.openxmlformats.org/markup-compatibility/2006">
-        <mc:Choice xmlns:p14="http://schemas.microsoft.com/office/powerpoint/2010/main" Requires="p14">
+      <mc:AlternateContent xmlns:mc="http://schemas.openxmlformats.org/markup-compatibility/2006" xmlns:p14="http://schemas.microsoft.com/office/powerpoint/2010/main">
+        <mc:Choice Requires="p14">
           <p:contentPart p14:bwMode="auto" r:id="rId4">
             <p14:nvContentPartPr>
               <p14:cNvPr id="6" name="Рукописный ввод 5">
@@ -24379,7 +23596,7 @@
             </p14:xfrm>
           </p:contentPart>
         </mc:Choice>
-        <mc:Fallback>
+        <mc:Fallback xmlns="">
           <p:pic>
             <p:nvPicPr>
               <p:cNvPr id="6" name="Рукописный ввод 5">
@@ -24410,8 +23627,8 @@
           </p:pic>
         </mc:Fallback>
       </mc:AlternateContent>
-      <mc:AlternateContent xmlns:mc="http://schemas.openxmlformats.org/markup-compatibility/2006">
-        <mc:Choice xmlns:p14="http://schemas.microsoft.com/office/powerpoint/2010/main" Requires="p14">
+      <mc:AlternateContent xmlns:mc="http://schemas.openxmlformats.org/markup-compatibility/2006" xmlns:p14="http://schemas.microsoft.com/office/powerpoint/2010/main">
+        <mc:Choice Requires="p14">
           <p:contentPart p14:bwMode="auto" r:id="rId6">
             <p14:nvContentPartPr>
               <p14:cNvPr id="7" name="Рукописный ввод 6">
@@ -24430,7 +23647,7 @@
             </p14:xfrm>
           </p:contentPart>
         </mc:Choice>
-        <mc:Fallback>
+        <mc:Fallback xmlns="">
           <p:pic>
             <p:nvPicPr>
               <p:cNvPr id="7" name="Рукописный ввод 6">
@@ -24461,8 +23678,8 @@
           </p:pic>
         </mc:Fallback>
       </mc:AlternateContent>
-      <mc:AlternateContent xmlns:mc="http://schemas.openxmlformats.org/markup-compatibility/2006">
-        <mc:Choice xmlns:p14="http://schemas.microsoft.com/office/powerpoint/2010/main" Requires="p14">
+      <mc:AlternateContent xmlns:mc="http://schemas.openxmlformats.org/markup-compatibility/2006" xmlns:p14="http://schemas.microsoft.com/office/powerpoint/2010/main">
+        <mc:Choice Requires="p14">
           <p:contentPart p14:bwMode="auto" r:id="rId8">
             <p14:nvContentPartPr>
               <p14:cNvPr id="8" name="Рукописный ввод 7">
@@ -24481,7 +23698,7 @@
             </p14:xfrm>
           </p:contentPart>
         </mc:Choice>
-        <mc:Fallback>
+        <mc:Fallback xmlns="">
           <p:pic>
             <p:nvPicPr>
               <p:cNvPr id="8" name="Рукописный ввод 7">
@@ -24512,8 +23729,8 @@
           </p:pic>
         </mc:Fallback>
       </mc:AlternateContent>
-      <mc:AlternateContent xmlns:mc="http://schemas.openxmlformats.org/markup-compatibility/2006">
-        <mc:Choice xmlns:p14="http://schemas.microsoft.com/office/powerpoint/2010/main" Requires="p14">
+      <mc:AlternateContent xmlns:mc="http://schemas.openxmlformats.org/markup-compatibility/2006" xmlns:p14="http://schemas.microsoft.com/office/powerpoint/2010/main">
+        <mc:Choice Requires="p14">
           <p:contentPart p14:bwMode="auto" r:id="rId10">
             <p14:nvContentPartPr>
               <p14:cNvPr id="12" name="Рукописный ввод 11">
@@ -24532,7 +23749,7 @@
             </p14:xfrm>
           </p:contentPart>
         </mc:Choice>
-        <mc:Fallback>
+        <mc:Fallback xmlns="">
           <p:pic>
             <p:nvPicPr>
               <p:cNvPr id="12" name="Рукописный ввод 11">
@@ -24563,8 +23780,8 @@
           </p:pic>
         </mc:Fallback>
       </mc:AlternateContent>
-      <mc:AlternateContent xmlns:mc="http://schemas.openxmlformats.org/markup-compatibility/2006">
-        <mc:Choice xmlns:p14="http://schemas.microsoft.com/office/powerpoint/2010/main" Requires="p14">
+      <mc:AlternateContent xmlns:mc="http://schemas.openxmlformats.org/markup-compatibility/2006" xmlns:p14="http://schemas.microsoft.com/office/powerpoint/2010/main">
+        <mc:Choice Requires="p14">
           <p:contentPart p14:bwMode="auto" r:id="rId12">
             <p14:nvContentPartPr>
               <p14:cNvPr id="13" name="Рукописный ввод 12">
@@ -24583,7 +23800,7 @@
             </p14:xfrm>
           </p:contentPart>
         </mc:Choice>
-        <mc:Fallback>
+        <mc:Fallback xmlns="">
           <p:pic>
             <p:nvPicPr>
               <p:cNvPr id="13" name="Рукописный ввод 12">
@@ -24614,8 +23831,8 @@
           </p:pic>
         </mc:Fallback>
       </mc:AlternateContent>
-      <mc:AlternateContent xmlns:mc="http://schemas.openxmlformats.org/markup-compatibility/2006">
-        <mc:Choice xmlns:p14="http://schemas.microsoft.com/office/powerpoint/2010/main" xmlns:aink="http://schemas.microsoft.com/office/drawing/2016/ink" Requires="p14 aink">
+      <mc:AlternateContent xmlns:mc="http://schemas.openxmlformats.org/markup-compatibility/2006" xmlns:p14="http://schemas.microsoft.com/office/powerpoint/2010/main" xmlns:aink="http://schemas.microsoft.com/office/drawing/2016/ink">
+        <mc:Choice Requires="p14 aink">
           <p:contentPart p14:bwMode="auto" r:id="rId14">
             <p14:nvContentPartPr>
               <p14:cNvPr id="19" name="Рукописный ввод 18">
@@ -24634,7 +23851,7 @@
             </p14:xfrm>
           </p:contentPart>
         </mc:Choice>
-        <mc:Fallback>
+        <mc:Fallback xmlns="">
           <p:pic>
             <p:nvPicPr>
               <p:cNvPr id="19" name="Рукописный ввод 18">
@@ -24665,8 +23882,8 @@
           </p:pic>
         </mc:Fallback>
       </mc:AlternateContent>
-      <mc:AlternateContent xmlns:mc="http://schemas.openxmlformats.org/markup-compatibility/2006">
-        <mc:Choice xmlns:p14="http://schemas.microsoft.com/office/powerpoint/2010/main" xmlns:aink="http://schemas.microsoft.com/office/drawing/2016/ink" Requires="p14 aink">
+      <mc:AlternateContent xmlns:mc="http://schemas.openxmlformats.org/markup-compatibility/2006" xmlns:p14="http://schemas.microsoft.com/office/powerpoint/2010/main" xmlns:aink="http://schemas.microsoft.com/office/drawing/2016/ink">
+        <mc:Choice Requires="p14 aink">
           <p:contentPart p14:bwMode="auto" r:id="rId16">
             <p14:nvContentPartPr>
               <p14:cNvPr id="22" name="Рукописный ввод 21">
@@ -24685,7 +23902,7 @@
             </p14:xfrm>
           </p:contentPart>
         </mc:Choice>
-        <mc:Fallback>
+        <mc:Fallback xmlns="">
           <p:pic>
             <p:nvPicPr>
               <p:cNvPr id="22" name="Рукописный ввод 21">
@@ -24716,8 +23933,8 @@
           </p:pic>
         </mc:Fallback>
       </mc:AlternateContent>
-      <mc:AlternateContent xmlns:mc="http://schemas.openxmlformats.org/markup-compatibility/2006">
-        <mc:Choice xmlns:p14="http://schemas.microsoft.com/office/powerpoint/2010/main" xmlns:aink="http://schemas.microsoft.com/office/drawing/2016/ink" Requires="p14 aink">
+      <mc:AlternateContent xmlns:mc="http://schemas.openxmlformats.org/markup-compatibility/2006" xmlns:p14="http://schemas.microsoft.com/office/powerpoint/2010/main" xmlns:aink="http://schemas.microsoft.com/office/drawing/2016/ink">
+        <mc:Choice Requires="p14 aink">
           <p:contentPart p14:bwMode="auto" r:id="rId18">
             <p14:nvContentPartPr>
               <p14:cNvPr id="23" name="Рукописный ввод 22">
@@ -24736,7 +23953,7 @@
             </p14:xfrm>
           </p:contentPart>
         </mc:Choice>
-        <mc:Fallback>
+        <mc:Fallback xmlns="">
           <p:pic>
             <p:nvPicPr>
               <p:cNvPr id="23" name="Рукописный ввод 22">
@@ -24767,8 +23984,8 @@
           </p:pic>
         </mc:Fallback>
       </mc:AlternateContent>
-      <mc:AlternateContent xmlns:mc="http://schemas.openxmlformats.org/markup-compatibility/2006">
-        <mc:Choice xmlns:p14="http://schemas.microsoft.com/office/powerpoint/2010/main" xmlns:aink="http://schemas.microsoft.com/office/drawing/2016/ink" Requires="p14 aink">
+      <mc:AlternateContent xmlns:mc="http://schemas.openxmlformats.org/markup-compatibility/2006" xmlns:p14="http://schemas.microsoft.com/office/powerpoint/2010/main" xmlns:aink="http://schemas.microsoft.com/office/drawing/2016/ink">
+        <mc:Choice Requires="p14 aink">
           <p:contentPart p14:bwMode="auto" r:id="rId20">
             <p14:nvContentPartPr>
               <p14:cNvPr id="24" name="Рукописный ввод 23">
@@ -24787,7 +24004,7 @@
             </p14:xfrm>
           </p:contentPart>
         </mc:Choice>
-        <mc:Fallback>
+        <mc:Fallback xmlns="">
           <p:pic>
             <p:nvPicPr>
               <p:cNvPr id="24" name="Рукописный ввод 23">
@@ -24818,8 +24035,8 @@
           </p:pic>
         </mc:Fallback>
       </mc:AlternateContent>
-      <mc:AlternateContent xmlns:mc="http://schemas.openxmlformats.org/markup-compatibility/2006">
-        <mc:Choice xmlns:p14="http://schemas.microsoft.com/office/powerpoint/2010/main" xmlns:aink="http://schemas.microsoft.com/office/drawing/2016/ink" Requires="p14 aink">
+      <mc:AlternateContent xmlns:mc="http://schemas.openxmlformats.org/markup-compatibility/2006" xmlns:p14="http://schemas.microsoft.com/office/powerpoint/2010/main" xmlns:aink="http://schemas.microsoft.com/office/drawing/2016/ink">
+        <mc:Choice Requires="p14 aink">
           <p:contentPart p14:bwMode="auto" r:id="rId22">
             <p14:nvContentPartPr>
               <p14:cNvPr id="26" name="Рукописный ввод 25">
@@ -24838,7 +24055,7 @@
             </p14:xfrm>
           </p:contentPart>
         </mc:Choice>
-        <mc:Fallback>
+        <mc:Fallback xmlns="">
           <p:pic>
             <p:nvPicPr>
               <p:cNvPr id="26" name="Рукописный ввод 25">
@@ -24869,8 +24086,8 @@
           </p:pic>
         </mc:Fallback>
       </mc:AlternateContent>
-      <mc:AlternateContent xmlns:mc="http://schemas.openxmlformats.org/markup-compatibility/2006">
-        <mc:Choice xmlns:p14="http://schemas.microsoft.com/office/powerpoint/2010/main" xmlns:aink="http://schemas.microsoft.com/office/drawing/2016/ink" Requires="p14 aink">
+      <mc:AlternateContent xmlns:mc="http://schemas.openxmlformats.org/markup-compatibility/2006" xmlns:p14="http://schemas.microsoft.com/office/powerpoint/2010/main" xmlns:aink="http://schemas.microsoft.com/office/drawing/2016/ink">
+        <mc:Choice Requires="p14 aink">
           <p:contentPart p14:bwMode="auto" r:id="rId24">
             <p14:nvContentPartPr>
               <p14:cNvPr id="27" name="Рукописный ввод 26">
@@ -24889,7 +24106,7 @@
             </p14:xfrm>
           </p:contentPart>
         </mc:Choice>
-        <mc:Fallback>
+        <mc:Fallback xmlns="">
           <p:pic>
             <p:nvPicPr>
               <p:cNvPr id="27" name="Рукописный ввод 26">
@@ -24920,8 +24137,8 @@
           </p:pic>
         </mc:Fallback>
       </mc:AlternateContent>
-      <mc:AlternateContent xmlns:mc="http://schemas.openxmlformats.org/markup-compatibility/2006">
-        <mc:Choice xmlns:p14="http://schemas.microsoft.com/office/powerpoint/2010/main" xmlns:aink="http://schemas.microsoft.com/office/drawing/2016/ink" Requires="p14 aink">
+      <mc:AlternateContent xmlns:mc="http://schemas.openxmlformats.org/markup-compatibility/2006" xmlns:p14="http://schemas.microsoft.com/office/powerpoint/2010/main" xmlns:aink="http://schemas.microsoft.com/office/drawing/2016/ink">
+        <mc:Choice Requires="p14 aink">
           <p:contentPart p14:bwMode="auto" r:id="rId26">
             <p14:nvContentPartPr>
               <p14:cNvPr id="28" name="Рукописный ввод 27">
@@ -24940,7 +24157,7 @@
             </p14:xfrm>
           </p:contentPart>
         </mc:Choice>
-        <mc:Fallback>
+        <mc:Fallback xmlns="">
           <p:pic>
             <p:nvPicPr>
               <p:cNvPr id="28" name="Рукописный ввод 27">
@@ -24971,8 +24188,8 @@
           </p:pic>
         </mc:Fallback>
       </mc:AlternateContent>
-      <mc:AlternateContent xmlns:mc="http://schemas.openxmlformats.org/markup-compatibility/2006">
-        <mc:Choice xmlns:p14="http://schemas.microsoft.com/office/powerpoint/2010/main" xmlns:aink="http://schemas.microsoft.com/office/drawing/2016/ink" Requires="p14 aink">
+      <mc:AlternateContent xmlns:mc="http://schemas.openxmlformats.org/markup-compatibility/2006" xmlns:p14="http://schemas.microsoft.com/office/powerpoint/2010/main" xmlns:aink="http://schemas.microsoft.com/office/drawing/2016/ink">
+        <mc:Choice Requires="p14 aink">
           <p:contentPart p14:bwMode="auto" r:id="rId28">
             <p14:nvContentPartPr>
               <p14:cNvPr id="29" name="Рукописный ввод 28">
@@ -24991,7 +24208,7 @@
             </p14:xfrm>
           </p:contentPart>
         </mc:Choice>
-        <mc:Fallback>
+        <mc:Fallback xmlns="">
           <p:pic>
             <p:nvPicPr>
               <p:cNvPr id="29" name="Рукописный ввод 28">
@@ -25022,8 +24239,8 @@
           </p:pic>
         </mc:Fallback>
       </mc:AlternateContent>
-      <mc:AlternateContent xmlns:mc="http://schemas.openxmlformats.org/markup-compatibility/2006">
-        <mc:Choice xmlns:p14="http://schemas.microsoft.com/office/powerpoint/2010/main" xmlns:aink="http://schemas.microsoft.com/office/drawing/2016/ink" Requires="p14 aink">
+      <mc:AlternateContent xmlns:mc="http://schemas.openxmlformats.org/markup-compatibility/2006" xmlns:p14="http://schemas.microsoft.com/office/powerpoint/2010/main" xmlns:aink="http://schemas.microsoft.com/office/drawing/2016/ink">
+        <mc:Choice Requires="p14 aink">
           <p:contentPart p14:bwMode="auto" r:id="rId30">
             <p14:nvContentPartPr>
               <p14:cNvPr id="30" name="Рукописный ввод 29">
@@ -25042,7 +24259,7 @@
             </p14:xfrm>
           </p:contentPart>
         </mc:Choice>
-        <mc:Fallback>
+        <mc:Fallback xmlns="">
           <p:pic>
             <p:nvPicPr>
               <p:cNvPr id="30" name="Рукописный ввод 29">
@@ -25073,8 +24290,8 @@
           </p:pic>
         </mc:Fallback>
       </mc:AlternateContent>
-      <mc:AlternateContent xmlns:mc="http://schemas.openxmlformats.org/markup-compatibility/2006">
-        <mc:Choice xmlns:p14="http://schemas.microsoft.com/office/powerpoint/2010/main" xmlns:aink="http://schemas.microsoft.com/office/drawing/2016/ink" Requires="p14 aink">
+      <mc:AlternateContent xmlns:mc="http://schemas.openxmlformats.org/markup-compatibility/2006" xmlns:p14="http://schemas.microsoft.com/office/powerpoint/2010/main" xmlns:aink="http://schemas.microsoft.com/office/drawing/2016/ink">
+        <mc:Choice Requires="p14 aink">
           <p:contentPart p14:bwMode="auto" r:id="rId32">
             <p14:nvContentPartPr>
               <p14:cNvPr id="31" name="Рукописный ввод 30">
@@ -25093,7 +24310,7 @@
             </p14:xfrm>
           </p:contentPart>
         </mc:Choice>
-        <mc:Fallback>
+        <mc:Fallback xmlns="">
           <p:pic>
             <p:nvPicPr>
               <p:cNvPr id="31" name="Рукописный ввод 30">
@@ -25156,34 +24373,6 @@
       </p:grpSpPr>
       <p:sp>
         <p:nvSpPr>
-          <p:cNvPr id="5" name="Заголовок 4">
-            <a:extLst>
-              <a:ext uri="{FF2B5EF4-FFF2-40B4-BE49-F238E27FC236}">
-                <a16:creationId xmlns:a16="http://schemas.microsoft.com/office/drawing/2014/main" id="{AF798A1D-1B16-4FD0-8CAC-8754A8D756FC}"/>
-              </a:ext>
-            </a:extLst>
-          </p:cNvPr>
-          <p:cNvSpPr>
-            <a:spLocks noGrp="1"/>
-          </p:cNvSpPr>
-          <p:nvPr>
-            <p:ph type="title"/>
-          </p:nvPr>
-        </p:nvSpPr>
-        <p:spPr/>
-        <p:txBody>
-          <a:bodyPr/>
-          <a:lstStyle/>
-          <a:p>
-            <a:r>
-              <a:rPr lang="ru-RU" dirty="0"/>
-              <a:t>Экспозиция</a:t>
-            </a:r>
-          </a:p>
-        </p:txBody>
-      </p:sp>
-      <p:sp>
-        <p:nvSpPr>
           <p:cNvPr id="48" name="TextBox 47">
             <a:extLst>
               <a:ext uri="{FF2B5EF4-FFF2-40B4-BE49-F238E27FC236}">
@@ -25197,7 +24386,7 @@
         <p:spPr>
           <a:xfrm>
             <a:off x="2484120" y="3123985"/>
-            <a:ext cx="8089919" cy="1166088"/>
+            <a:ext cx="8089919" cy="1535420"/>
           </a:xfrm>
           <a:prstGeom prst="rect">
             <a:avLst/>
@@ -25270,6 +24459,24 @@
             <a:r>
               <a:rPr lang="ru-RU" sz="2000" b="1" dirty="0"/>
               <a:t>версии сервисов должны расти только если они были изменены</a:t>
+            </a:r>
+            <a:endParaRPr lang="en-US" sz="2000" b="1" dirty="0"/>
+          </a:p>
+          <a:p>
+            <a:pPr marL="285750" indent="-285750">
+              <a:lnSpc>
+                <a:spcPct val="120000"/>
+              </a:lnSpc>
+              <a:buFont typeface="Arial" panose="020B0604020202020204" pitchFamily="34" charset="0"/>
+              <a:buChar char="•"/>
+            </a:pPr>
+            <a:r>
+              <a:rPr lang="en-US" sz="2000" b="1" dirty="0"/>
+              <a:t>dev/release </a:t>
+            </a:r>
+            <a:r>
+              <a:rPr lang="ru-RU" sz="2000" b="1" dirty="0"/>
+              <a:t>версии</a:t>
             </a:r>
           </a:p>
         </p:txBody>
@@ -25323,6 +24530,183 @@
   <p:clrMapOvr>
     <a:masterClrMapping/>
   </p:clrMapOvr>
+  <p:timing>
+    <p:tnLst>
+      <p:par>
+        <p:cTn id="1" dur="indefinite" restart="never" nodeType="tmRoot">
+          <p:childTnLst>
+            <p:seq concurrent="1" nextAc="seek">
+              <p:cTn id="2" dur="indefinite" nodeType="mainSeq">
+                <p:childTnLst>
+                  <p:par>
+                    <p:cTn id="3" fill="hold">
+                      <p:stCondLst>
+                        <p:cond delay="indefinite"/>
+                      </p:stCondLst>
+                      <p:childTnLst>
+                        <p:par>
+                          <p:cTn id="4" fill="hold">
+                            <p:stCondLst>
+                              <p:cond delay="0"/>
+                            </p:stCondLst>
+                            <p:childTnLst>
+                              <p:par>
+                                <p:cTn id="5" presetID="1" presetClass="entr" presetSubtype="0" fill="hold" nodeType="clickEffect">
+                                  <p:stCondLst>
+                                    <p:cond delay="0"/>
+                                  </p:stCondLst>
+                                  <p:childTnLst>
+                                    <p:set>
+                                      <p:cBhvr>
+                                        <p:cTn id="6" dur="1" fill="hold">
+                                          <p:stCondLst>
+                                            <p:cond delay="0"/>
+                                          </p:stCondLst>
+                                        </p:cTn>
+                                        <p:tgtEl>
+                                          <p:spTgt spid="48">
+                                            <p:txEl>
+                                              <p:pRg st="1" end="1"/>
+                                            </p:txEl>
+                                          </p:spTgt>
+                                        </p:tgtEl>
+                                        <p:attrNameLst>
+                                          <p:attrName>style.visibility</p:attrName>
+                                        </p:attrNameLst>
+                                      </p:cBhvr>
+                                      <p:to>
+                                        <p:strVal val="visible"/>
+                                      </p:to>
+                                    </p:set>
+                                  </p:childTnLst>
+                                </p:cTn>
+                              </p:par>
+                            </p:childTnLst>
+                          </p:cTn>
+                        </p:par>
+                      </p:childTnLst>
+                    </p:cTn>
+                  </p:par>
+                  <p:par>
+                    <p:cTn id="7" fill="hold">
+                      <p:stCondLst>
+                        <p:cond delay="indefinite"/>
+                      </p:stCondLst>
+                      <p:childTnLst>
+                        <p:par>
+                          <p:cTn id="8" fill="hold">
+                            <p:stCondLst>
+                              <p:cond delay="0"/>
+                            </p:stCondLst>
+                            <p:childTnLst>
+                              <p:par>
+                                <p:cTn id="9" presetID="1" presetClass="entr" presetSubtype="0" fill="hold" nodeType="clickEffect">
+                                  <p:stCondLst>
+                                    <p:cond delay="0"/>
+                                  </p:stCondLst>
+                                  <p:childTnLst>
+                                    <p:set>
+                                      <p:cBhvr>
+                                        <p:cTn id="10" dur="1" fill="hold">
+                                          <p:stCondLst>
+                                            <p:cond delay="0"/>
+                                          </p:stCondLst>
+                                        </p:cTn>
+                                        <p:tgtEl>
+                                          <p:spTgt spid="48">
+                                            <p:txEl>
+                                              <p:pRg st="2" end="2"/>
+                                            </p:txEl>
+                                          </p:spTgt>
+                                        </p:tgtEl>
+                                        <p:attrNameLst>
+                                          <p:attrName>style.visibility</p:attrName>
+                                        </p:attrNameLst>
+                                      </p:cBhvr>
+                                      <p:to>
+                                        <p:strVal val="visible"/>
+                                      </p:to>
+                                    </p:set>
+                                  </p:childTnLst>
+                                </p:cTn>
+                              </p:par>
+                            </p:childTnLst>
+                          </p:cTn>
+                        </p:par>
+                      </p:childTnLst>
+                    </p:cTn>
+                  </p:par>
+                  <p:par>
+                    <p:cTn id="11" fill="hold">
+                      <p:stCondLst>
+                        <p:cond delay="indefinite"/>
+                      </p:stCondLst>
+                      <p:childTnLst>
+                        <p:par>
+                          <p:cTn id="12" fill="hold">
+                            <p:stCondLst>
+                              <p:cond delay="0"/>
+                            </p:stCondLst>
+                            <p:childTnLst>
+                              <p:par>
+                                <p:cTn id="13" presetID="1" presetClass="entr" presetSubtype="0" fill="hold" nodeType="clickEffect">
+                                  <p:stCondLst>
+                                    <p:cond delay="0"/>
+                                  </p:stCondLst>
+                                  <p:childTnLst>
+                                    <p:set>
+                                      <p:cBhvr>
+                                        <p:cTn id="14" dur="1" fill="hold">
+                                          <p:stCondLst>
+                                            <p:cond delay="0"/>
+                                          </p:stCondLst>
+                                        </p:cTn>
+                                        <p:tgtEl>
+                                          <p:spTgt spid="48">
+                                            <p:txEl>
+                                              <p:pRg st="3" end="3"/>
+                                            </p:txEl>
+                                          </p:spTgt>
+                                        </p:tgtEl>
+                                        <p:attrNameLst>
+                                          <p:attrName>style.visibility</p:attrName>
+                                        </p:attrNameLst>
+                                      </p:cBhvr>
+                                      <p:to>
+                                        <p:strVal val="visible"/>
+                                      </p:to>
+                                    </p:set>
+                                  </p:childTnLst>
+                                </p:cTn>
+                              </p:par>
+                            </p:childTnLst>
+                          </p:cTn>
+                        </p:par>
+                      </p:childTnLst>
+                    </p:cTn>
+                  </p:par>
+                </p:childTnLst>
+              </p:cTn>
+              <p:prevCondLst>
+                <p:cond evt="onPrev" delay="0">
+                  <p:tgtEl>
+                    <p:sldTgt/>
+                  </p:tgtEl>
+                </p:cond>
+              </p:prevCondLst>
+              <p:nextCondLst>
+                <p:cond evt="onNext" delay="0">
+                  <p:tgtEl>
+                    <p:sldTgt/>
+                  </p:tgtEl>
+                </p:cond>
+              </p:nextCondLst>
+            </p:seq>
+          </p:childTnLst>
+        </p:cTn>
+      </p:par>
+    </p:tnLst>
+  </p:timing>
 </p:sld>
 </file>
 
@@ -25343,39 +24727,6 @@
           <a:chExt cx="0" cy="0"/>
         </a:xfrm>
       </p:grpSpPr>
-      <p:sp>
-        <p:nvSpPr>
-          <p:cNvPr id="6" name="Заголовок 5">
-            <a:extLst>
-              <a:ext uri="{FF2B5EF4-FFF2-40B4-BE49-F238E27FC236}">
-                <a16:creationId xmlns:a16="http://schemas.microsoft.com/office/drawing/2014/main" id="{0C872727-B732-419A-AFF6-BB25CC49D04F}"/>
-              </a:ext>
-            </a:extLst>
-          </p:cNvPr>
-          <p:cNvSpPr>
-            <a:spLocks noGrp="1"/>
-          </p:cNvSpPr>
-          <p:nvPr>
-            <p:ph type="title"/>
-          </p:nvPr>
-        </p:nvSpPr>
-        <p:spPr>
-          <a:xfrm rot="16200000">
-            <a:off x="-2081083" y="2294181"/>
-            <a:ext cx="4861821" cy="699656"/>
-          </a:xfrm>
-        </p:spPr>
-        <p:txBody>
-          <a:bodyPr/>
-          <a:lstStyle/>
-          <a:p>
-            <a:r>
-              <a:rPr lang="ru-RU" dirty="0"/>
-              <a:t>Первое поворотное  событие</a:t>
-            </a:r>
-          </a:p>
-        </p:txBody>
-      </p:sp>
       <p:sp>
         <p:nvSpPr>
           <p:cNvPr id="23" name="TextBox 22">
@@ -25445,39 +24796,6 @@
           <a:chExt cx="0" cy="0"/>
         </a:xfrm>
       </p:grpSpPr>
-      <p:sp>
-        <p:nvSpPr>
-          <p:cNvPr id="6" name="Заголовок 5">
-            <a:extLst>
-              <a:ext uri="{FF2B5EF4-FFF2-40B4-BE49-F238E27FC236}">
-                <a16:creationId xmlns:a16="http://schemas.microsoft.com/office/drawing/2014/main" id="{0C872727-B732-419A-AFF6-BB25CC49D04F}"/>
-              </a:ext>
-            </a:extLst>
-          </p:cNvPr>
-          <p:cNvSpPr>
-            <a:spLocks noGrp="1"/>
-          </p:cNvSpPr>
-          <p:nvPr>
-            <p:ph type="title"/>
-          </p:nvPr>
-        </p:nvSpPr>
-        <p:spPr>
-          <a:xfrm rot="16200000">
-            <a:off x="-2081083" y="2294181"/>
-            <a:ext cx="4861821" cy="699656"/>
-          </a:xfrm>
-        </p:spPr>
-        <p:txBody>
-          <a:bodyPr/>
-          <a:lstStyle/>
-          <a:p>
-            <a:r>
-              <a:rPr lang="ru-RU" dirty="0"/>
-              <a:t>Первое поворотное  событие</a:t>
-            </a:r>
-          </a:p>
-        </p:txBody>
-      </p:sp>
       <p:sp>
         <p:nvSpPr>
           <p:cNvPr id="23" name="TextBox 22">
